--- a/Presentation + App/Presentation.pptx
+++ b/Presentation + App/Presentation.pptx
@@ -12,18 +12,22 @@
     <p:sldId id="277" r:id="rId6"/>
     <p:sldId id="266" r:id="rId7"/>
     <p:sldId id="268" r:id="rId8"/>
-    <p:sldId id="262" r:id="rId9"/>
-    <p:sldId id="264" r:id="rId10"/>
-    <p:sldId id="267" r:id="rId11"/>
-    <p:sldId id="270" r:id="rId12"/>
-    <p:sldId id="271" r:id="rId13"/>
-    <p:sldId id="272" r:id="rId14"/>
-    <p:sldId id="261" r:id="rId15"/>
-    <p:sldId id="275" r:id="rId16"/>
-    <p:sldId id="274" r:id="rId17"/>
-    <p:sldId id="269" r:id="rId18"/>
-    <p:sldId id="273" r:id="rId19"/>
-    <p:sldId id="276" r:id="rId20"/>
+    <p:sldId id="264" r:id="rId9"/>
+    <p:sldId id="262" r:id="rId10"/>
+    <p:sldId id="279" r:id="rId11"/>
+    <p:sldId id="267" r:id="rId12"/>
+    <p:sldId id="270" r:id="rId13"/>
+    <p:sldId id="271" r:id="rId14"/>
+    <p:sldId id="272" r:id="rId15"/>
+    <p:sldId id="280" r:id="rId16"/>
+    <p:sldId id="281" r:id="rId17"/>
+    <p:sldId id="261" r:id="rId18"/>
+    <p:sldId id="275" r:id="rId19"/>
+    <p:sldId id="274" r:id="rId20"/>
+    <p:sldId id="278" r:id="rId21"/>
+    <p:sldId id="269" r:id="rId22"/>
+    <p:sldId id="273" r:id="rId23"/>
+    <p:sldId id="276" r:id="rId24"/>
   </p:sldIdLst>
   <p:sldSz cx="12192000" cy="6858000"/>
   <p:notesSz cx="6858000" cy="9144000"/>
@@ -133,1879 +137,10 @@
 <file path=ppt/revisionInfo.xml><?xml version="1.0" encoding="utf-8"?>
 <p1510:revInfo xmlns:a="http://schemas.openxmlformats.org/drawingml/2006/main" xmlns:r="http://schemas.openxmlformats.org/officeDocument/2006/relationships" xmlns:p1510="http://schemas.microsoft.com/office/powerpoint/2015/10/main">
   <p1510:revLst>
-    <p1510:client id="{8A6552EE-E891-4804-B5A9-91201273715C}" v="342" dt="2020-01-01T21:30:54.098"/>
-    <p1510:client id="{C9E138DD-0041-4035-BB7E-145C274754A3}" v="25" dt="2020-01-01T20:23:08.683"/>
+    <p1510:client id="{E677B1E8-8741-1D46-8078-50A7D386FC8E}" v="5" dt="2020-01-21T13:23:11.117"/>
+    <p1510:client id="{E9045136-CA6F-4F48-9C9A-83CA1A4AFF10}" v="184" dt="2020-01-21T13:18:59.809"/>
   </p1510:revLst>
 </p1510:revInfo>
-</file>
-
-<file path=ppt/changesInfos/changesInfo1.xml><?xml version="1.0" encoding="utf-8"?>
-<pc:chgInfo xmlns:a="http://schemas.openxmlformats.org/drawingml/2006/main" xmlns:r="http://schemas.openxmlformats.org/officeDocument/2006/relationships" xmlns:ac="http://schemas.microsoft.com/office/drawing/2013/main/command" xmlns:pc="http://schemas.microsoft.com/office/powerpoint/2013/main/command">
-  <pc:docChgLst>
-    <pc:chgData name="Michael O'Donnell" userId="bb50bfc61f885e19" providerId="Windows Live" clId="Web-{04794B95-45BE-4513-931C-9B7B8F99D55F}"/>
-    <pc:docChg chg="addSld delSld modSld">
-      <pc:chgData name="Michael O'Donnell" userId="bb50bfc61f885e19" providerId="Windows Live" clId="Web-{04794B95-45BE-4513-931C-9B7B8F99D55F}" dt="2019-12-21T10:29:22.542" v="545" actId="1076"/>
-      <pc:docMkLst>
-        <pc:docMk/>
-      </pc:docMkLst>
-      <pc:sldChg chg="modSp">
-        <pc:chgData name="Michael O'Donnell" userId="bb50bfc61f885e19" providerId="Windows Live" clId="Web-{04794B95-45BE-4513-931C-9B7B8F99D55F}" dt="2019-12-21T10:13:39.536" v="21" actId="20577"/>
-        <pc:sldMkLst>
-          <pc:docMk/>
-          <pc:sldMk cId="109857222" sldId="256"/>
-        </pc:sldMkLst>
-        <pc:spChg chg="mod">
-          <ac:chgData name="Michael O'Donnell" userId="bb50bfc61f885e19" providerId="Windows Live" clId="Web-{04794B95-45BE-4513-931C-9B7B8F99D55F}" dt="2019-12-21T10:13:34.880" v="8" actId="20577"/>
-          <ac:spMkLst>
-            <pc:docMk/>
-            <pc:sldMk cId="109857222" sldId="256"/>
-            <ac:spMk id="2" creationId="{00000000-0000-0000-0000-000000000000}"/>
-          </ac:spMkLst>
-        </pc:spChg>
-        <pc:spChg chg="mod">
-          <ac:chgData name="Michael O'Donnell" userId="bb50bfc61f885e19" providerId="Windows Live" clId="Web-{04794B95-45BE-4513-931C-9B7B8F99D55F}" dt="2019-12-21T10:13:39.536" v="21" actId="20577"/>
-          <ac:spMkLst>
-            <pc:docMk/>
-            <pc:sldMk cId="109857222" sldId="256"/>
-            <ac:spMk id="3" creationId="{00000000-0000-0000-0000-000000000000}"/>
-          </ac:spMkLst>
-        </pc:spChg>
-      </pc:sldChg>
-      <pc:sldChg chg="addSp delSp modSp new del mod setBg">
-        <pc:chgData name="Michael O'Donnell" userId="bb50bfc61f885e19" providerId="Windows Live" clId="Web-{04794B95-45BE-4513-931C-9B7B8F99D55F}" dt="2019-12-21T10:22:15.595" v="391"/>
-        <pc:sldMkLst>
-          <pc:docMk/>
-          <pc:sldMk cId="138331970" sldId="257"/>
-        </pc:sldMkLst>
-        <pc:spChg chg="mod">
-          <ac:chgData name="Michael O'Donnell" userId="bb50bfc61f885e19" providerId="Windows Live" clId="Web-{04794B95-45BE-4513-931C-9B7B8F99D55F}" dt="2019-12-21T10:18:50.670" v="202" actId="1076"/>
-          <ac:spMkLst>
-            <pc:docMk/>
-            <pc:sldMk cId="138331970" sldId="257"/>
-            <ac:spMk id="2" creationId="{CD754AC8-0480-41F0-BE5D-750BDDA63084}"/>
-          </ac:spMkLst>
-        </pc:spChg>
-        <pc:spChg chg="del mod">
-          <ac:chgData name="Michael O'Donnell" userId="bb50bfc61f885e19" providerId="Windows Live" clId="Web-{04794B95-45BE-4513-931C-9B7B8F99D55F}" dt="2019-12-21T10:15:32.662" v="35"/>
-          <ac:spMkLst>
-            <pc:docMk/>
-            <pc:sldMk cId="138331970" sldId="257"/>
-            <ac:spMk id="3" creationId="{F0301B6B-55D3-4FCF-A21A-B7EC52A60A0D}"/>
-          </ac:spMkLst>
-        </pc:spChg>
-        <pc:spChg chg="add del">
-          <ac:chgData name="Michael O'Donnell" userId="bb50bfc61f885e19" providerId="Windows Live" clId="Web-{04794B95-45BE-4513-931C-9B7B8F99D55F}" dt="2019-12-21T10:15:53.857" v="39"/>
-          <ac:spMkLst>
-            <pc:docMk/>
-            <pc:sldMk cId="138331970" sldId="257"/>
-            <ac:spMk id="8" creationId="{FDE64874-4CEB-45D7-82A2-1DD859DDFBAB}"/>
-          </ac:spMkLst>
-        </pc:spChg>
-        <pc:spChg chg="add">
-          <ac:chgData name="Michael O'Donnell" userId="bb50bfc61f885e19" providerId="Windows Live" clId="Web-{04794B95-45BE-4513-931C-9B7B8F99D55F}" dt="2019-12-21T10:15:41.700" v="38"/>
-          <ac:spMkLst>
-            <pc:docMk/>
-            <pc:sldMk cId="138331970" sldId="257"/>
-            <ac:spMk id="11" creationId="{8380AD67-C5CA-4918-B4BB-C359BB03EEDD}"/>
-          </ac:spMkLst>
-        </pc:spChg>
-        <pc:spChg chg="add">
-          <ac:chgData name="Michael O'Donnell" userId="bb50bfc61f885e19" providerId="Windows Live" clId="Web-{04794B95-45BE-4513-931C-9B7B8F99D55F}" dt="2019-12-21T10:15:41.700" v="38"/>
-          <ac:spMkLst>
-            <pc:docMk/>
-            <pc:sldMk cId="138331970" sldId="257"/>
-            <ac:spMk id="13" creationId="{EABAD4DA-87BA-4F70-9EF0-45C6BCF17823}"/>
-          </ac:spMkLst>
-        </pc:spChg>
-        <pc:spChg chg="add">
-          <ac:chgData name="Michael O'Donnell" userId="bb50bfc61f885e19" providerId="Windows Live" clId="Web-{04794B95-45BE-4513-931C-9B7B8F99D55F}" dt="2019-12-21T10:15:41.700" v="38"/>
-          <ac:spMkLst>
-            <pc:docMk/>
-            <pc:sldMk cId="138331970" sldId="257"/>
-            <ac:spMk id="15" creationId="{915128D9-2797-47FA-B6FE-EC24E6B8437A}"/>
-          </ac:spMkLst>
-        </pc:spChg>
-        <pc:spChg chg="add mod">
-          <ac:chgData name="Michael O'Donnell" userId="bb50bfc61f885e19" providerId="Windows Live" clId="Web-{04794B95-45BE-4513-931C-9B7B8F99D55F}" dt="2019-12-21T10:18:56.373" v="203" actId="1076"/>
-          <ac:spMkLst>
-            <pc:docMk/>
-            <pc:sldMk cId="138331970" sldId="257"/>
-            <ac:spMk id="25" creationId="{122DF6D3-770A-484E-ABAE-3E8ACDF8F537}"/>
-          </ac:spMkLst>
-        </pc:spChg>
-        <pc:graphicFrameChg chg="add del mod ord modGraphic">
-          <ac:chgData name="Michael O'Donnell" userId="bb50bfc61f885e19" providerId="Windows Live" clId="Web-{04794B95-45BE-4513-931C-9B7B8F99D55F}" dt="2019-12-21T10:16:06.779" v="40"/>
-          <ac:graphicFrameMkLst>
-            <pc:docMk/>
-            <pc:sldMk cId="138331970" sldId="257"/>
-            <ac:graphicFrameMk id="6" creationId="{8B5AEB76-D9E2-4349-A1E2-0C6E850FC5EE}"/>
-          </ac:graphicFrameMkLst>
-        </pc:graphicFrameChg>
-        <pc:picChg chg="add mod ord">
-          <ac:chgData name="Michael O'Donnell" userId="bb50bfc61f885e19" providerId="Windows Live" clId="Web-{04794B95-45BE-4513-931C-9B7B8F99D55F}" dt="2019-12-21T10:15:41.700" v="38"/>
-          <ac:picMkLst>
-            <pc:docMk/>
-            <pc:sldMk cId="138331970" sldId="257"/>
-            <ac:picMk id="4" creationId="{5EE2B728-62E2-46CF-AA9D-4556B862774C}"/>
-          </ac:picMkLst>
-        </pc:picChg>
-      </pc:sldChg>
-      <pc:sldChg chg="addSp delSp modSp new mod setBg">
-        <pc:chgData name="Michael O'Donnell" userId="bb50bfc61f885e19" providerId="Windows Live" clId="Web-{04794B95-45BE-4513-931C-9B7B8F99D55F}" dt="2019-12-21T10:25:27.697" v="523" actId="20577"/>
-        <pc:sldMkLst>
-          <pc:docMk/>
-          <pc:sldMk cId="880554330" sldId="258"/>
-        </pc:sldMkLst>
-        <pc:spChg chg="mod">
-          <ac:chgData name="Michael O'Donnell" userId="bb50bfc61f885e19" providerId="Windows Live" clId="Web-{04794B95-45BE-4513-931C-9B7B8F99D55F}" dt="2019-12-21T10:24:59.050" v="517" actId="1076"/>
-          <ac:spMkLst>
-            <pc:docMk/>
-            <pc:sldMk cId="880554330" sldId="258"/>
-            <ac:spMk id="2" creationId="{153D7B5C-A7AF-4129-8DC1-6D523CCC15E9}"/>
-          </ac:spMkLst>
-        </pc:spChg>
-        <pc:spChg chg="mod">
-          <ac:chgData name="Michael O'Donnell" userId="bb50bfc61f885e19" providerId="Windows Live" clId="Web-{04794B95-45BE-4513-931C-9B7B8F99D55F}" dt="2019-12-21T10:25:27.697" v="523" actId="20577"/>
-          <ac:spMkLst>
-            <pc:docMk/>
-            <pc:sldMk cId="880554330" sldId="258"/>
-            <ac:spMk id="3" creationId="{C7F74014-2BBF-44B2-8A37-9FECFA4FAF2A}"/>
-          </ac:spMkLst>
-        </pc:spChg>
-        <pc:spChg chg="add del">
-          <ac:chgData name="Michael O'Donnell" userId="bb50bfc61f885e19" providerId="Windows Live" clId="Web-{04794B95-45BE-4513-931C-9B7B8F99D55F}" dt="2019-12-21T10:21:42.548" v="387"/>
-          <ac:spMkLst>
-            <pc:docMk/>
-            <pc:sldMk cId="880554330" sldId="258"/>
-            <ac:spMk id="9" creationId="{122F9423-F4B1-45D4-8445-E9991ECCBCCF}"/>
-          </ac:spMkLst>
-        </pc:spChg>
-        <pc:grpChg chg="add del">
-          <ac:chgData name="Michael O'Donnell" userId="bb50bfc61f885e19" providerId="Windows Live" clId="Web-{04794B95-45BE-4513-931C-9B7B8F99D55F}" dt="2019-12-21T10:21:42.548" v="387"/>
-          <ac:grpSpMkLst>
-            <pc:docMk/>
-            <pc:sldMk cId="880554330" sldId="258"/>
-            <ac:grpSpMk id="11" creationId="{770AE191-D2EA-45C9-A44D-830C188F74CB}"/>
-          </ac:grpSpMkLst>
-        </pc:grpChg>
-        <pc:picChg chg="add mod ord">
-          <ac:chgData name="Michael O'Donnell" userId="bb50bfc61f885e19" providerId="Windows Live" clId="Web-{04794B95-45BE-4513-931C-9B7B8F99D55F}" dt="2019-12-21T10:24:13.956" v="511"/>
-          <ac:picMkLst>
-            <pc:docMk/>
-            <pc:sldMk cId="880554330" sldId="258"/>
-            <ac:picMk id="4" creationId="{4AB896A8-20AC-4483-8E6C-2910C6CDA633}"/>
-          </ac:picMkLst>
-        </pc:picChg>
-        <pc:picChg chg="add">
-          <ac:chgData name="Michael O'Donnell" userId="bb50bfc61f885e19" providerId="Windows Live" clId="Web-{04794B95-45BE-4513-931C-9B7B8F99D55F}" dt="2019-12-21T10:24:13.956" v="511"/>
-          <ac:picMkLst>
-            <pc:docMk/>
-            <pc:sldMk cId="880554330" sldId="258"/>
-            <ac:picMk id="12" creationId="{54DDEBDD-D8BD-41A6-8A0D-B00E3768B0F9}"/>
-          </ac:picMkLst>
-        </pc:picChg>
-        <pc:cxnChg chg="add del">
-          <ac:chgData name="Michael O'Donnell" userId="bb50bfc61f885e19" providerId="Windows Live" clId="Web-{04794B95-45BE-4513-931C-9B7B8F99D55F}" dt="2019-12-21T10:21:51.314" v="389"/>
-          <ac:cxnSpMkLst>
-            <pc:docMk/>
-            <pc:sldMk cId="880554330" sldId="258"/>
-            <ac:cxnSpMk id="6" creationId="{A7F400EE-A8A5-48AF-B4D6-291B52C6F0B0}"/>
-          </ac:cxnSpMkLst>
-        </pc:cxnChg>
-        <pc:cxnChg chg="add del">
-          <ac:chgData name="Michael O'Donnell" userId="bb50bfc61f885e19" providerId="Windows Live" clId="Web-{04794B95-45BE-4513-931C-9B7B8F99D55F}" dt="2019-12-21T10:24:13.956" v="511"/>
-          <ac:cxnSpMkLst>
-            <pc:docMk/>
-            <pc:sldMk cId="880554330" sldId="258"/>
-            <ac:cxnSpMk id="7" creationId="{E4A809D5-3600-46D4-A466-67F2349A54FB}"/>
-          </ac:cxnSpMkLst>
-        </pc:cxnChg>
-      </pc:sldChg>
-      <pc:sldChg chg="addSp delSp modSp add replId">
-        <pc:chgData name="Michael O'Donnell" userId="bb50bfc61f885e19" providerId="Windows Live" clId="Web-{04794B95-45BE-4513-931C-9B7B8F99D55F}" dt="2019-12-21T10:29:22.542" v="545" actId="1076"/>
-        <pc:sldMkLst>
-          <pc:docMk/>
-          <pc:sldMk cId="369734767" sldId="259"/>
-        </pc:sldMkLst>
-        <pc:spChg chg="mod">
-          <ac:chgData name="Michael O'Donnell" userId="bb50bfc61f885e19" providerId="Windows Live" clId="Web-{04794B95-45BE-4513-931C-9B7B8F99D55F}" dt="2019-12-21T10:28:01.010" v="533" actId="20577"/>
-          <ac:spMkLst>
-            <pc:docMk/>
-            <pc:sldMk cId="369734767" sldId="259"/>
-            <ac:spMk id="2" creationId="{153D7B5C-A7AF-4129-8DC1-6D523CCC15E9}"/>
-          </ac:spMkLst>
-        </pc:spChg>
-        <pc:spChg chg="del">
-          <ac:chgData name="Michael O'Donnell" userId="bb50bfc61f885e19" providerId="Windows Live" clId="Web-{04794B95-45BE-4513-931C-9B7B8F99D55F}" dt="2019-12-21T10:28:07.666" v="537"/>
-          <ac:spMkLst>
-            <pc:docMk/>
-            <pc:sldMk cId="369734767" sldId="259"/>
-            <ac:spMk id="3" creationId="{C7F74014-2BBF-44B2-8A37-9FECFA4FAF2A}"/>
-          </ac:spMkLst>
-        </pc:spChg>
-        <pc:spChg chg="add del mod">
-          <ac:chgData name="Michael O'Donnell" userId="bb50bfc61f885e19" providerId="Windows Live" clId="Web-{04794B95-45BE-4513-931C-9B7B8F99D55F}" dt="2019-12-21T10:28:22.292" v="538"/>
-          <ac:spMkLst>
-            <pc:docMk/>
-            <pc:sldMk cId="369734767" sldId="259"/>
-            <ac:spMk id="6" creationId="{0AB0088C-DD2E-47AE-AC95-7FC2A5C1A3E2}"/>
-          </ac:spMkLst>
-        </pc:spChg>
-        <pc:spChg chg="add del mod">
-          <ac:chgData name="Michael O'Donnell" userId="bb50bfc61f885e19" providerId="Windows Live" clId="Web-{04794B95-45BE-4513-931C-9B7B8F99D55F}" dt="2019-12-21T10:28:29.838" v="540"/>
-          <ac:spMkLst>
-            <pc:docMk/>
-            <pc:sldMk cId="369734767" sldId="259"/>
-            <ac:spMk id="17" creationId="{1460A940-06EE-4E41-9A76-36CB51B15D97}"/>
-          </ac:spMkLst>
-        </pc:spChg>
-        <pc:spChg chg="add mod">
-          <ac:chgData name="Michael O'Donnell" userId="bb50bfc61f885e19" providerId="Windows Live" clId="Web-{04794B95-45BE-4513-931C-9B7B8F99D55F}" dt="2019-12-21T10:29:22.542" v="545" actId="1076"/>
-          <ac:spMkLst>
-            <pc:docMk/>
-            <pc:sldMk cId="369734767" sldId="259"/>
-            <ac:spMk id="18" creationId="{A64FB206-83F4-4480-8683-908163B5AC92}"/>
-          </ac:spMkLst>
-        </pc:spChg>
-        <pc:graphicFrameChg chg="add del mod ord modGraphic">
-          <ac:chgData name="Michael O'Donnell" userId="bb50bfc61f885e19" providerId="Windows Live" clId="Web-{04794B95-45BE-4513-931C-9B7B8F99D55F}" dt="2019-12-21T10:28:25.776" v="539"/>
-          <ac:graphicFrameMkLst>
-            <pc:docMk/>
-            <pc:sldMk cId="369734767" sldId="259"/>
-            <ac:graphicFrameMk id="7" creationId="{9A249CBC-8001-4095-9C26-501C679D16B1}"/>
-          </ac:graphicFrameMkLst>
-        </pc:graphicFrameChg>
-        <pc:picChg chg="del">
-          <ac:chgData name="Michael O'Donnell" userId="bb50bfc61f885e19" providerId="Windows Live" clId="Web-{04794B95-45BE-4513-931C-9B7B8F99D55F}" dt="2019-12-21T10:28:03.151" v="536"/>
-          <ac:picMkLst>
-            <pc:docMk/>
-            <pc:sldMk cId="369734767" sldId="259"/>
-            <ac:picMk id="4" creationId="{4AB896A8-20AC-4483-8E6C-2910C6CDA633}"/>
-          </ac:picMkLst>
-        </pc:picChg>
-      </pc:sldChg>
-    </pc:docChg>
-  </pc:docChgLst>
-  <pc:docChgLst>
-    <pc:chgData name="Guest User" providerId="Windows Live" clId="Web-{8A6552EE-E891-4804-B5A9-91201273715C}"/>
-    <pc:docChg chg="modSld">
-      <pc:chgData name="Guest User" userId="" providerId="Windows Live" clId="Web-{8A6552EE-E891-4804-B5A9-91201273715C}" dt="2020-01-01T21:30:54.098" v="326" actId="20577"/>
-      <pc:docMkLst>
-        <pc:docMk/>
-      </pc:docMkLst>
-      <pc:sldChg chg="modSp">
-        <pc:chgData name="Guest User" userId="" providerId="Windows Live" clId="Web-{8A6552EE-E891-4804-B5A9-91201273715C}" dt="2020-01-01T21:03:09.608" v="22" actId="20577"/>
-        <pc:sldMkLst>
-          <pc:docMk/>
-          <pc:sldMk cId="369734767" sldId="259"/>
-        </pc:sldMkLst>
-        <pc:spChg chg="mod">
-          <ac:chgData name="Guest User" userId="" providerId="Windows Live" clId="Web-{8A6552EE-E891-4804-B5A9-91201273715C}" dt="2020-01-01T21:03:09.608" v="22" actId="20577"/>
-          <ac:spMkLst>
-            <pc:docMk/>
-            <pc:sldMk cId="369734767" sldId="259"/>
-            <ac:spMk id="2" creationId="{153D7B5C-A7AF-4129-8DC1-6D523CCC15E9}"/>
-          </ac:spMkLst>
-        </pc:spChg>
-      </pc:sldChg>
-      <pc:sldChg chg="modSp">
-        <pc:chgData name="Guest User" userId="" providerId="Windows Live" clId="Web-{8A6552EE-E891-4804-B5A9-91201273715C}" dt="2020-01-01T21:23:30.418" v="212" actId="20577"/>
-        <pc:sldMkLst>
-          <pc:docMk/>
-          <pc:sldMk cId="666172367" sldId="261"/>
-        </pc:sldMkLst>
-        <pc:spChg chg="mod">
-          <ac:chgData name="Guest User" userId="" providerId="Windows Live" clId="Web-{8A6552EE-E891-4804-B5A9-91201273715C}" dt="2020-01-01T21:23:30.418" v="212" actId="20577"/>
-          <ac:spMkLst>
-            <pc:docMk/>
-            <pc:sldMk cId="666172367" sldId="261"/>
-            <ac:spMk id="3" creationId="{C7F74014-2BBF-44B2-8A37-9FECFA4FAF2A}"/>
-          </ac:spMkLst>
-        </pc:spChg>
-      </pc:sldChg>
-      <pc:sldChg chg="modSp">
-        <pc:chgData name="Guest User" userId="" providerId="Windows Live" clId="Web-{8A6552EE-E891-4804-B5A9-91201273715C}" dt="2020-01-01T21:14:27.078" v="136" actId="20577"/>
-        <pc:sldMkLst>
-          <pc:docMk/>
-          <pc:sldMk cId="1398038657" sldId="262"/>
-        </pc:sldMkLst>
-        <pc:spChg chg="mod">
-          <ac:chgData name="Guest User" userId="" providerId="Windows Live" clId="Web-{8A6552EE-E891-4804-B5A9-91201273715C}" dt="2020-01-01T21:14:27.078" v="136" actId="20577"/>
-          <ac:spMkLst>
-            <pc:docMk/>
-            <pc:sldMk cId="1398038657" sldId="262"/>
-            <ac:spMk id="3" creationId="{C7F74014-2BBF-44B2-8A37-9FECFA4FAF2A}"/>
-          </ac:spMkLst>
-        </pc:spChg>
-      </pc:sldChg>
-      <pc:sldChg chg="modSp">
-        <pc:chgData name="Guest User" userId="" providerId="Windows Live" clId="Web-{8A6552EE-E891-4804-B5A9-91201273715C}" dt="2020-01-01T21:15:44.359" v="142" actId="20577"/>
-        <pc:sldMkLst>
-          <pc:docMk/>
-          <pc:sldMk cId="889292684" sldId="264"/>
-        </pc:sldMkLst>
-        <pc:spChg chg="mod">
-          <ac:chgData name="Guest User" userId="" providerId="Windows Live" clId="Web-{8A6552EE-E891-4804-B5A9-91201273715C}" dt="2020-01-01T21:15:44.359" v="142" actId="20577"/>
-          <ac:spMkLst>
-            <pc:docMk/>
-            <pc:sldMk cId="889292684" sldId="264"/>
-            <ac:spMk id="3" creationId="{C7F74014-2BBF-44B2-8A37-9FECFA4FAF2A}"/>
-          </ac:spMkLst>
-        </pc:spChg>
-      </pc:sldChg>
-      <pc:sldChg chg="modSp">
-        <pc:chgData name="Guest User" userId="" providerId="Windows Live" clId="Web-{8A6552EE-E891-4804-B5A9-91201273715C}" dt="2020-01-01T21:06:05.503" v="36" actId="20577"/>
-        <pc:sldMkLst>
-          <pc:docMk/>
-          <pc:sldMk cId="70201403" sldId="265"/>
-        </pc:sldMkLst>
-        <pc:spChg chg="mod">
-          <ac:chgData name="Guest User" userId="" providerId="Windows Live" clId="Web-{8A6552EE-E891-4804-B5A9-91201273715C}" dt="2020-01-01T21:06:05.503" v="36" actId="20577"/>
-          <ac:spMkLst>
-            <pc:docMk/>
-            <pc:sldMk cId="70201403" sldId="265"/>
-            <ac:spMk id="11" creationId="{D81989F8-FCC8-47C1-955F-7B669DDBA299}"/>
-          </ac:spMkLst>
-        </pc:spChg>
-      </pc:sldChg>
-      <pc:sldChg chg="modSp">
-        <pc:chgData name="Guest User" userId="" providerId="Windows Live" clId="Web-{8A6552EE-E891-4804-B5A9-91201273715C}" dt="2020-01-01T21:08:39.618" v="56" actId="20577"/>
-        <pc:sldMkLst>
-          <pc:docMk/>
-          <pc:sldMk cId="1772165243" sldId="266"/>
-        </pc:sldMkLst>
-        <pc:spChg chg="mod">
-          <ac:chgData name="Guest User" userId="" providerId="Windows Live" clId="Web-{8A6552EE-E891-4804-B5A9-91201273715C}" dt="2020-01-01T21:08:39.618" v="56" actId="20577"/>
-          <ac:spMkLst>
-            <pc:docMk/>
-            <pc:sldMk cId="1772165243" sldId="266"/>
-            <ac:spMk id="3" creationId="{62FCA77C-22DC-4E3D-9BD8-2F664B247097}"/>
-          </ac:spMkLst>
-        </pc:spChg>
-      </pc:sldChg>
-      <pc:sldChg chg="modSp">
-        <pc:chgData name="Guest User" userId="" providerId="Windows Live" clId="Web-{8A6552EE-E891-4804-B5A9-91201273715C}" dt="2020-01-01T21:14:52.969" v="137" actId="20577"/>
-        <pc:sldMkLst>
-          <pc:docMk/>
-          <pc:sldMk cId="4184916103" sldId="268"/>
-        </pc:sldMkLst>
-        <pc:spChg chg="mod">
-          <ac:chgData name="Guest User" userId="" providerId="Windows Live" clId="Web-{8A6552EE-E891-4804-B5A9-91201273715C}" dt="2020-01-01T21:14:52.969" v="137" actId="20577"/>
-          <ac:spMkLst>
-            <pc:docMk/>
-            <pc:sldMk cId="4184916103" sldId="268"/>
-            <ac:spMk id="3" creationId="{62FCA77C-22DC-4E3D-9BD8-2F664B247097}"/>
-          </ac:spMkLst>
-        </pc:spChg>
-      </pc:sldChg>
-      <pc:sldChg chg="modSp">
-        <pc:chgData name="Guest User" userId="" providerId="Windows Live" clId="Web-{8A6552EE-E891-4804-B5A9-91201273715C}" dt="2020-01-01T21:29:56.472" v="325" actId="1076"/>
-        <pc:sldMkLst>
-          <pc:docMk/>
-          <pc:sldMk cId="1317988489" sldId="269"/>
-        </pc:sldMkLst>
-        <pc:spChg chg="mod">
-          <ac:chgData name="Guest User" userId="" providerId="Windows Live" clId="Web-{8A6552EE-E891-4804-B5A9-91201273715C}" dt="2020-01-01T21:29:46.595" v="323" actId="1076"/>
-          <ac:spMkLst>
-            <pc:docMk/>
-            <pc:sldMk cId="1317988489" sldId="269"/>
-            <ac:spMk id="7" creationId="{48F42861-174B-46EB-B5A3-138189A323D8}"/>
-          </ac:spMkLst>
-        </pc:spChg>
-        <pc:spChg chg="mod">
-          <ac:chgData name="Guest User" userId="" providerId="Windows Live" clId="Web-{8A6552EE-E891-4804-B5A9-91201273715C}" dt="2020-01-01T21:29:56.472" v="325" actId="1076"/>
-          <ac:spMkLst>
-            <pc:docMk/>
-            <pc:sldMk cId="1317988489" sldId="269"/>
-            <ac:spMk id="9" creationId="{2B043F70-14A2-4166-924A-4B71C6E39866}"/>
-          </ac:spMkLst>
-        </pc:spChg>
-        <pc:picChg chg="mod">
-          <ac:chgData name="Guest User" userId="" providerId="Windows Live" clId="Web-{8A6552EE-E891-4804-B5A9-91201273715C}" dt="2020-01-01T21:29:46.595" v="322" actId="1076"/>
-          <ac:picMkLst>
-            <pc:docMk/>
-            <pc:sldMk cId="1317988489" sldId="269"/>
-            <ac:picMk id="4" creationId="{26CBF1E9-F886-41F5-A6F2-17CFDDC7AD12}"/>
-          </ac:picMkLst>
-        </pc:picChg>
-      </pc:sldChg>
-      <pc:sldChg chg="modSp">
-        <pc:chgData name="Guest User" userId="" providerId="Windows Live" clId="Web-{8A6552EE-E891-4804-B5A9-91201273715C}" dt="2020-01-01T21:21:41.180" v="181" actId="20577"/>
-        <pc:sldMkLst>
-          <pc:docMk/>
-          <pc:sldMk cId="652006984" sldId="270"/>
-        </pc:sldMkLst>
-        <pc:spChg chg="mod">
-          <ac:chgData name="Guest User" userId="" providerId="Windows Live" clId="Web-{8A6552EE-E891-4804-B5A9-91201273715C}" dt="2020-01-01T21:21:41.180" v="181" actId="20577"/>
-          <ac:spMkLst>
-            <pc:docMk/>
-            <pc:sldMk cId="652006984" sldId="270"/>
-            <ac:spMk id="11" creationId="{879BE482-B1B6-46CF-ADFD-56F18600637B}"/>
-          </ac:spMkLst>
-        </pc:spChg>
-      </pc:sldChg>
-      <pc:sldChg chg="modSp">
-        <pc:chgData name="Guest User" userId="" providerId="Windows Live" clId="Web-{8A6552EE-E891-4804-B5A9-91201273715C}" dt="2020-01-01T21:21:33.039" v="179" actId="20577"/>
-        <pc:sldMkLst>
-          <pc:docMk/>
-          <pc:sldMk cId="388635339" sldId="271"/>
-        </pc:sldMkLst>
-        <pc:spChg chg="mod">
-          <ac:chgData name="Guest User" userId="" providerId="Windows Live" clId="Web-{8A6552EE-E891-4804-B5A9-91201273715C}" dt="2020-01-01T21:21:33.039" v="179" actId="20577"/>
-          <ac:spMkLst>
-            <pc:docMk/>
-            <pc:sldMk cId="388635339" sldId="271"/>
-            <ac:spMk id="11" creationId="{879BE482-B1B6-46CF-ADFD-56F18600637B}"/>
-          </ac:spMkLst>
-        </pc:spChg>
-      </pc:sldChg>
-      <pc:sldChg chg="modSp">
-        <pc:chgData name="Guest User" userId="" providerId="Windows Live" clId="Web-{8A6552EE-E891-4804-B5A9-91201273715C}" dt="2020-01-01T21:21:13.758" v="177" actId="20577"/>
-        <pc:sldMkLst>
-          <pc:docMk/>
-          <pc:sldMk cId="3800846885" sldId="272"/>
-        </pc:sldMkLst>
-        <pc:spChg chg="mod">
-          <ac:chgData name="Guest User" userId="" providerId="Windows Live" clId="Web-{8A6552EE-E891-4804-B5A9-91201273715C}" dt="2020-01-01T21:21:13.758" v="177" actId="20577"/>
-          <ac:spMkLst>
-            <pc:docMk/>
-            <pc:sldMk cId="3800846885" sldId="272"/>
-            <ac:spMk id="11" creationId="{879BE482-B1B6-46CF-ADFD-56F18600637B}"/>
-          </ac:spMkLst>
-        </pc:spChg>
-      </pc:sldChg>
-      <pc:sldChg chg="modSp">
-        <pc:chgData name="Guest User" userId="" providerId="Windows Live" clId="Web-{8A6552EE-E891-4804-B5A9-91201273715C}" dt="2020-01-01T21:29:23.359" v="319" actId="1076"/>
-        <pc:sldMkLst>
-          <pc:docMk/>
-          <pc:sldMk cId="3855330876" sldId="273"/>
-        </pc:sldMkLst>
-        <pc:spChg chg="mod">
-          <ac:chgData name="Guest User" userId="" providerId="Windows Live" clId="Web-{8A6552EE-E891-4804-B5A9-91201273715C}" dt="2020-01-01T21:29:23.359" v="318" actId="1076"/>
-          <ac:spMkLst>
-            <pc:docMk/>
-            <pc:sldMk cId="3855330876" sldId="273"/>
-            <ac:spMk id="7" creationId="{48F42861-174B-46EB-B5A3-138189A323D8}"/>
-          </ac:spMkLst>
-        </pc:spChg>
-        <pc:spChg chg="mod">
-          <ac:chgData name="Guest User" userId="" providerId="Windows Live" clId="Web-{8A6552EE-E891-4804-B5A9-91201273715C}" dt="2020-01-01T21:29:23.359" v="319" actId="1076"/>
-          <ac:spMkLst>
-            <pc:docMk/>
-            <pc:sldMk cId="3855330876" sldId="273"/>
-            <ac:spMk id="9" creationId="{2B043F70-14A2-4166-924A-4B71C6E39866}"/>
-          </ac:spMkLst>
-        </pc:spChg>
-        <pc:picChg chg="mod">
-          <ac:chgData name="Guest User" userId="" providerId="Windows Live" clId="Web-{8A6552EE-E891-4804-B5A9-91201273715C}" dt="2020-01-01T21:29:23.343" v="317" actId="1076"/>
-          <ac:picMkLst>
-            <pc:docMk/>
-            <pc:sldMk cId="3855330876" sldId="273"/>
-            <ac:picMk id="3" creationId="{DE6BAE23-7530-455B-A0C2-F1FDB5431C79}"/>
-          </ac:picMkLst>
-        </pc:picChg>
-      </pc:sldChg>
-      <pc:sldChg chg="modSp">
-        <pc:chgData name="Guest User" userId="" providerId="Windows Live" clId="Web-{8A6552EE-E891-4804-B5A9-91201273715C}" dt="2020-01-01T21:30:54.098" v="326" actId="20577"/>
-        <pc:sldMkLst>
-          <pc:docMk/>
-          <pc:sldMk cId="3827292106" sldId="274"/>
-        </pc:sldMkLst>
-        <pc:spChg chg="mod">
-          <ac:chgData name="Guest User" userId="" providerId="Windows Live" clId="Web-{8A6552EE-E891-4804-B5A9-91201273715C}" dt="2020-01-01T21:30:54.098" v="326" actId="20577"/>
-          <ac:spMkLst>
-            <pc:docMk/>
-            <pc:sldMk cId="3827292106" sldId="274"/>
-            <ac:spMk id="3" creationId="{C7F74014-2BBF-44B2-8A37-9FECFA4FAF2A}"/>
-          </ac:spMkLst>
-        </pc:spChg>
-      </pc:sldChg>
-      <pc:sldChg chg="modSp">
-        <pc:chgData name="Guest User" userId="" providerId="Windows Live" clId="Web-{8A6552EE-E891-4804-B5A9-91201273715C}" dt="2020-01-01T21:25:46.465" v="227" actId="20577"/>
-        <pc:sldMkLst>
-          <pc:docMk/>
-          <pc:sldMk cId="3942921402" sldId="275"/>
-        </pc:sldMkLst>
-        <pc:spChg chg="mod">
-          <ac:chgData name="Guest User" userId="" providerId="Windows Live" clId="Web-{8A6552EE-E891-4804-B5A9-91201273715C}" dt="2020-01-01T21:25:46.465" v="227" actId="20577"/>
-          <ac:spMkLst>
-            <pc:docMk/>
-            <pc:sldMk cId="3942921402" sldId="275"/>
-            <ac:spMk id="3" creationId="{C7F74014-2BBF-44B2-8A37-9FECFA4FAF2A}"/>
-          </ac:spMkLst>
-        </pc:spChg>
-      </pc:sldChg>
-    </pc:docChg>
-  </pc:docChgLst>
-  <pc:docChgLst>
-    <pc:chgData name="Michael O'Donnell" userId="bb50bfc61f885e19" providerId="LiveId" clId="{C9E138DD-0041-4035-BB7E-145C274754A3}"/>
-    <pc:docChg chg="undo custSel addSld delSld modSld sldOrd">
-      <pc:chgData name="Michael O'Donnell" userId="bb50bfc61f885e19" providerId="LiveId" clId="{C9E138DD-0041-4035-BB7E-145C274754A3}" dt="2020-01-01T20:24:42.015" v="8301" actId="20577"/>
-      <pc:docMkLst>
-        <pc:docMk/>
-      </pc:docMkLst>
-      <pc:sldChg chg="addSp delSp modSp">
-        <pc:chgData name="Michael O'Donnell" userId="bb50bfc61f885e19" providerId="LiveId" clId="{C9E138DD-0041-4035-BB7E-145C274754A3}" dt="2019-12-31T11:55:11.897" v="5474" actId="20577"/>
-        <pc:sldMkLst>
-          <pc:docMk/>
-          <pc:sldMk cId="109857222" sldId="256"/>
-        </pc:sldMkLst>
-        <pc:spChg chg="mod">
-          <ac:chgData name="Michael O'Donnell" userId="bb50bfc61f885e19" providerId="LiveId" clId="{C9E138DD-0041-4035-BB7E-145C274754A3}" dt="2019-12-31T11:55:11.897" v="5474" actId="20577"/>
-          <ac:spMkLst>
-            <pc:docMk/>
-            <pc:sldMk cId="109857222" sldId="256"/>
-            <ac:spMk id="2" creationId="{00000000-0000-0000-0000-000000000000}"/>
-          </ac:spMkLst>
-        </pc:spChg>
-        <pc:spChg chg="mod">
-          <ac:chgData name="Michael O'Donnell" userId="bb50bfc61f885e19" providerId="LiveId" clId="{C9E138DD-0041-4035-BB7E-145C274754A3}" dt="2019-12-21T10:41:37.598" v="393" actId="1076"/>
-          <ac:spMkLst>
-            <pc:docMk/>
-            <pc:sldMk cId="109857222" sldId="256"/>
-            <ac:spMk id="3" creationId="{00000000-0000-0000-0000-000000000000}"/>
-          </ac:spMkLst>
-        </pc:spChg>
-        <pc:picChg chg="add del mod">
-          <ac:chgData name="Michael O'Donnell" userId="bb50bfc61f885e19" providerId="LiveId" clId="{C9E138DD-0041-4035-BB7E-145C274754A3}" dt="2019-12-21T10:40:25.699" v="382" actId="478"/>
-          <ac:picMkLst>
-            <pc:docMk/>
-            <pc:sldMk cId="109857222" sldId="256"/>
-            <ac:picMk id="1026" creationId="{3270699A-99B0-4E22-A858-B875C9AED9FD}"/>
-          </ac:picMkLst>
-        </pc:picChg>
-        <pc:picChg chg="add del mod">
-          <ac:chgData name="Michael O'Donnell" userId="bb50bfc61f885e19" providerId="LiveId" clId="{C9E138DD-0041-4035-BB7E-145C274754A3}" dt="2019-12-21T10:41:39.810" v="396" actId="478"/>
-          <ac:picMkLst>
-            <pc:docMk/>
-            <pc:sldMk cId="109857222" sldId="256"/>
-            <ac:picMk id="1028" creationId="{7256184A-E281-4477-9DDA-09B841DF9439}"/>
-          </ac:picMkLst>
-        </pc:picChg>
-      </pc:sldChg>
-      <pc:sldChg chg="modSp">
-        <pc:chgData name="Michael O'Donnell" userId="bb50bfc61f885e19" providerId="LiveId" clId="{C9E138DD-0041-4035-BB7E-145C274754A3}" dt="2019-12-21T10:48:24.917" v="548" actId="20577"/>
-        <pc:sldMkLst>
-          <pc:docMk/>
-          <pc:sldMk cId="880554330" sldId="258"/>
-        </pc:sldMkLst>
-        <pc:spChg chg="mod">
-          <ac:chgData name="Michael O'Donnell" userId="bb50bfc61f885e19" providerId="LiveId" clId="{C9E138DD-0041-4035-BB7E-145C274754A3}" dt="2019-12-21T10:45:16.891" v="515" actId="1076"/>
-          <ac:spMkLst>
-            <pc:docMk/>
-            <pc:sldMk cId="880554330" sldId="258"/>
-            <ac:spMk id="2" creationId="{153D7B5C-A7AF-4129-8DC1-6D523CCC15E9}"/>
-          </ac:spMkLst>
-        </pc:spChg>
-        <pc:spChg chg="mod">
-          <ac:chgData name="Michael O'Donnell" userId="bb50bfc61f885e19" providerId="LiveId" clId="{C9E138DD-0041-4035-BB7E-145C274754A3}" dt="2019-12-21T10:48:24.917" v="548" actId="20577"/>
-          <ac:spMkLst>
-            <pc:docMk/>
-            <pc:sldMk cId="880554330" sldId="258"/>
-            <ac:spMk id="3" creationId="{C7F74014-2BBF-44B2-8A37-9FECFA4FAF2A}"/>
-          </ac:spMkLst>
-        </pc:spChg>
-      </pc:sldChg>
-      <pc:sldChg chg="addSp modSp">
-        <pc:chgData name="Michael O'Donnell" userId="bb50bfc61f885e19" providerId="LiveId" clId="{C9E138DD-0041-4035-BB7E-145C274754A3}" dt="2019-12-21T10:45:31.464" v="544" actId="20577"/>
-        <pc:sldMkLst>
-          <pc:docMk/>
-          <pc:sldMk cId="369734767" sldId="259"/>
-        </pc:sldMkLst>
-        <pc:spChg chg="mod">
-          <ac:chgData name="Michael O'Donnell" userId="bb50bfc61f885e19" providerId="LiveId" clId="{C9E138DD-0041-4035-BB7E-145C274754A3}" dt="2019-12-21T10:35:26.077" v="247" actId="20577"/>
-          <ac:spMkLst>
-            <pc:docMk/>
-            <pc:sldMk cId="369734767" sldId="259"/>
-            <ac:spMk id="2" creationId="{153D7B5C-A7AF-4129-8DC1-6D523CCC15E9}"/>
-          </ac:spMkLst>
-        </pc:spChg>
-        <pc:spChg chg="add mod">
-          <ac:chgData name="Michael O'Donnell" userId="bb50bfc61f885e19" providerId="LiveId" clId="{C9E138DD-0041-4035-BB7E-145C274754A3}" dt="2019-12-21T10:37:55.276" v="372" actId="20577"/>
-          <ac:spMkLst>
-            <pc:docMk/>
-            <pc:sldMk cId="369734767" sldId="259"/>
-            <ac:spMk id="3" creationId="{62FCA77C-22DC-4E3D-9BD8-2F664B247097}"/>
-          </ac:spMkLst>
-        </pc:spChg>
-        <pc:spChg chg="add mod">
-          <ac:chgData name="Michael O'Donnell" userId="bb50bfc61f885e19" providerId="LiveId" clId="{C9E138DD-0041-4035-BB7E-145C274754A3}" dt="2019-12-21T10:43:25.423" v="435" actId="1076"/>
-          <ac:spMkLst>
-            <pc:docMk/>
-            <pc:sldMk cId="369734767" sldId="259"/>
-            <ac:spMk id="6" creationId="{EB0C5956-BC21-4640-9E32-07E45D29B5CC}"/>
-          </ac:spMkLst>
-        </pc:spChg>
-        <pc:spChg chg="add mod">
-          <ac:chgData name="Michael O'Donnell" userId="bb50bfc61f885e19" providerId="LiveId" clId="{C9E138DD-0041-4035-BB7E-145C274754A3}" dt="2019-12-21T10:36:27.122" v="253" actId="2085"/>
-          <ac:spMkLst>
-            <pc:docMk/>
-            <pc:sldMk cId="369734767" sldId="259"/>
-            <ac:spMk id="7" creationId="{6E2A5AD2-F14A-4B95-939C-94E694D3BE50}"/>
-          </ac:spMkLst>
-        </pc:spChg>
-        <pc:spChg chg="add mod">
-          <ac:chgData name="Michael O'Donnell" userId="bb50bfc61f885e19" providerId="LiveId" clId="{C9E138DD-0041-4035-BB7E-145C274754A3}" dt="2019-12-21T10:36:54.644" v="276" actId="1035"/>
-          <ac:spMkLst>
-            <pc:docMk/>
-            <pc:sldMk cId="369734767" sldId="259"/>
-            <ac:spMk id="8" creationId="{8892F66A-0E71-4F58-A39F-B5FAFAECD2B0}"/>
-          </ac:spMkLst>
-        </pc:spChg>
-        <pc:spChg chg="add mod">
-          <ac:chgData name="Michael O'Donnell" userId="bb50bfc61f885e19" providerId="LiveId" clId="{C9E138DD-0041-4035-BB7E-145C274754A3}" dt="2019-12-21T10:34:55.057" v="224" actId="1037"/>
-          <ac:spMkLst>
-            <pc:docMk/>
-            <pc:sldMk cId="369734767" sldId="259"/>
-            <ac:spMk id="9" creationId="{66DA7456-6762-4CF4-A36D-D971B135A9A8}"/>
-          </ac:spMkLst>
-        </pc:spChg>
-        <pc:spChg chg="add mod">
-          <ac:chgData name="Michael O'Donnell" userId="bb50bfc61f885e19" providerId="LiveId" clId="{C9E138DD-0041-4035-BB7E-145C274754A3}" dt="2019-12-21T10:38:22.506" v="375" actId="2085"/>
-          <ac:spMkLst>
-            <pc:docMk/>
-            <pc:sldMk cId="369734767" sldId="259"/>
-            <ac:spMk id="10" creationId="{F80C7F36-E11F-4AA2-B31C-6480FB126225}"/>
-          </ac:spMkLst>
-        </pc:spChg>
-        <pc:spChg chg="add mod">
-          <ac:chgData name="Michael O'Donnell" userId="bb50bfc61f885e19" providerId="LiveId" clId="{C9E138DD-0041-4035-BB7E-145C274754A3}" dt="2019-12-21T10:43:45.721" v="445" actId="20577"/>
-          <ac:spMkLst>
-            <pc:docMk/>
-            <pc:sldMk cId="369734767" sldId="259"/>
-            <ac:spMk id="11" creationId="{A887364A-717A-42B5-8A08-C0F4DC928F8F}"/>
-          </ac:spMkLst>
-        </pc:spChg>
-        <pc:spChg chg="add mod">
-          <ac:chgData name="Michael O'Donnell" userId="bb50bfc61f885e19" providerId="LiveId" clId="{C9E138DD-0041-4035-BB7E-145C274754A3}" dt="2019-12-21T10:34:57.713" v="229" actId="1037"/>
-          <ac:spMkLst>
-            <pc:docMk/>
-            <pc:sldMk cId="369734767" sldId="259"/>
-            <ac:spMk id="13" creationId="{CDC02B8F-C087-4ED7-9FD5-EDBA12AB1C8A}"/>
-          </ac:spMkLst>
-        </pc:spChg>
-        <pc:spChg chg="add mod">
-          <ac:chgData name="Michael O'Donnell" userId="bb50bfc61f885e19" providerId="LiveId" clId="{C9E138DD-0041-4035-BB7E-145C274754A3}" dt="2019-12-21T10:38:18.434" v="374" actId="2085"/>
-          <ac:spMkLst>
-            <pc:docMk/>
-            <pc:sldMk cId="369734767" sldId="259"/>
-            <ac:spMk id="14" creationId="{5903DEAA-073C-4678-A2D0-7A199DA523E2}"/>
-          </ac:spMkLst>
-        </pc:spChg>
-        <pc:spChg chg="add mod">
-          <ac:chgData name="Michael O'Donnell" userId="bb50bfc61f885e19" providerId="LiveId" clId="{C9E138DD-0041-4035-BB7E-145C274754A3}" dt="2019-12-21T10:45:31.464" v="544" actId="20577"/>
-          <ac:spMkLst>
-            <pc:docMk/>
-            <pc:sldMk cId="369734767" sldId="259"/>
-            <ac:spMk id="15" creationId="{08F309AB-BEC4-4B27-A102-4F7E927D3448}"/>
-          </ac:spMkLst>
-        </pc:spChg>
-        <pc:spChg chg="add mod">
-          <ac:chgData name="Michael O'Donnell" userId="bb50bfc61f885e19" providerId="LiveId" clId="{C9E138DD-0041-4035-BB7E-145C274754A3}" dt="2019-12-21T10:35:01.299" v="234" actId="1037"/>
-          <ac:spMkLst>
-            <pc:docMk/>
-            <pc:sldMk cId="369734767" sldId="259"/>
-            <ac:spMk id="16" creationId="{1EEF842A-9870-42BF-95B3-F89F39F253BE}"/>
-          </ac:spMkLst>
-        </pc:spChg>
-        <pc:spChg chg="mod">
-          <ac:chgData name="Michael O'Donnell" userId="bb50bfc61f885e19" providerId="LiveId" clId="{C9E138DD-0041-4035-BB7E-145C274754A3}" dt="2019-12-21T10:43:28.023" v="436" actId="14100"/>
-          <ac:spMkLst>
-            <pc:docMk/>
-            <pc:sldMk cId="369734767" sldId="259"/>
-            <ac:spMk id="18" creationId="{A64FB206-83F4-4480-8683-908163B5AC92}"/>
-          </ac:spMkLst>
-        </pc:spChg>
-      </pc:sldChg>
-      <pc:sldChg chg="addSp delSp modSp add del ord">
-        <pc:chgData name="Michael O'Donnell" userId="bb50bfc61f885e19" providerId="LiveId" clId="{C9E138DD-0041-4035-BB7E-145C274754A3}" dt="2019-12-31T10:12:23.592" v="875" actId="47"/>
-        <pc:sldMkLst>
-          <pc:docMk/>
-          <pc:sldMk cId="640576458" sldId="260"/>
-        </pc:sldMkLst>
-        <pc:spChg chg="mod">
-          <ac:chgData name="Michael O'Donnell" userId="bb50bfc61f885e19" providerId="LiveId" clId="{C9E138DD-0041-4035-BB7E-145C274754A3}" dt="2019-12-21T10:51:12.027" v="561" actId="20577"/>
-          <ac:spMkLst>
-            <pc:docMk/>
-            <pc:sldMk cId="640576458" sldId="260"/>
-            <ac:spMk id="2" creationId="{153D7B5C-A7AF-4129-8DC1-6D523CCC15E9}"/>
-          </ac:spMkLst>
-        </pc:spChg>
-        <pc:spChg chg="mod">
-          <ac:chgData name="Michael O'Donnell" userId="bb50bfc61f885e19" providerId="LiveId" clId="{C9E138DD-0041-4035-BB7E-145C274754A3}" dt="2019-12-21T10:55:00.999" v="785" actId="20577"/>
-          <ac:spMkLst>
-            <pc:docMk/>
-            <pc:sldMk cId="640576458" sldId="260"/>
-            <ac:spMk id="3" creationId="{C7F74014-2BBF-44B2-8A37-9FECFA4FAF2A}"/>
-          </ac:spMkLst>
-        </pc:spChg>
-        <pc:picChg chg="del">
-          <ac:chgData name="Michael O'Donnell" userId="bb50bfc61f885e19" providerId="LiveId" clId="{C9E138DD-0041-4035-BB7E-145C274754A3}" dt="2019-12-21T10:50:33.167" v="551" actId="478"/>
-          <ac:picMkLst>
-            <pc:docMk/>
-            <pc:sldMk cId="640576458" sldId="260"/>
-            <ac:picMk id="4" creationId="{4AB896A8-20AC-4483-8E6C-2910C6CDA633}"/>
-          </ac:picMkLst>
-        </pc:picChg>
-        <pc:picChg chg="add mod">
-          <ac:chgData name="Michael O'Donnell" userId="bb50bfc61f885e19" providerId="LiveId" clId="{C9E138DD-0041-4035-BB7E-145C274754A3}" dt="2019-12-21T10:51:27.719" v="563" actId="1076"/>
-          <ac:picMkLst>
-            <pc:docMk/>
-            <pc:sldMk cId="640576458" sldId="260"/>
-            <ac:picMk id="6" creationId="{6BE8CC78-E686-4C15-B478-BB46C9E2722A}"/>
-          </ac:picMkLst>
-        </pc:picChg>
-        <pc:picChg chg="add del">
-          <ac:chgData name="Michael O'Donnell" userId="bb50bfc61f885e19" providerId="LiveId" clId="{C9E138DD-0041-4035-BB7E-145C274754A3}" dt="2019-12-21T10:50:35.316" v="553"/>
-          <ac:picMkLst>
-            <pc:docMk/>
-            <pc:sldMk cId="640576458" sldId="260"/>
-            <ac:picMk id="2050" creationId="{C7CC68B3-FAE6-4433-9CE2-73CFBD2528EE}"/>
-          </ac:picMkLst>
-        </pc:picChg>
-      </pc:sldChg>
-      <pc:sldChg chg="addSp delSp modSp add ord setBg delDesignElem">
-        <pc:chgData name="Michael O'Donnell" userId="bb50bfc61f885e19" providerId="LiveId" clId="{C9E138DD-0041-4035-BB7E-145C274754A3}" dt="2020-01-01T19:57:55.094" v="7391" actId="113"/>
-        <pc:sldMkLst>
-          <pc:docMk/>
-          <pc:sldMk cId="666172367" sldId="261"/>
-        </pc:sldMkLst>
-        <pc:spChg chg="mod">
-          <ac:chgData name="Michael O'Donnell" userId="bb50bfc61f885e19" providerId="LiveId" clId="{C9E138DD-0041-4035-BB7E-145C274754A3}" dt="2020-01-01T19:45:28.451" v="6627" actId="20577"/>
-          <ac:spMkLst>
-            <pc:docMk/>
-            <pc:sldMk cId="666172367" sldId="261"/>
-            <ac:spMk id="2" creationId="{153D7B5C-A7AF-4129-8DC1-6D523CCC15E9}"/>
-          </ac:spMkLst>
-        </pc:spChg>
-        <pc:spChg chg="mod">
-          <ac:chgData name="Michael O'Donnell" userId="bb50bfc61f885e19" providerId="LiveId" clId="{C9E138DD-0041-4035-BB7E-145C274754A3}" dt="2020-01-01T19:57:55.094" v="7391" actId="113"/>
-          <ac:spMkLst>
-            <pc:docMk/>
-            <pc:sldMk cId="666172367" sldId="261"/>
-            <ac:spMk id="3" creationId="{C7F74014-2BBF-44B2-8A37-9FECFA4FAF2A}"/>
-          </ac:spMkLst>
-        </pc:spChg>
-        <pc:picChg chg="del">
-          <ac:chgData name="Michael O'Donnell" userId="bb50bfc61f885e19" providerId="LiveId" clId="{C9E138DD-0041-4035-BB7E-145C274754A3}" dt="2019-12-31T09:59:07.948" v="790" actId="478"/>
-          <ac:picMkLst>
-            <pc:docMk/>
-            <pc:sldMk cId="666172367" sldId="261"/>
-            <ac:picMk id="4" creationId="{4AB896A8-20AC-4483-8E6C-2910C6CDA633}"/>
-          </ac:picMkLst>
-        </pc:picChg>
-        <pc:picChg chg="add mod">
-          <ac:chgData name="Michael O'Donnell" userId="bb50bfc61f885e19" providerId="LiveId" clId="{C9E138DD-0041-4035-BB7E-145C274754A3}" dt="2020-01-01T19:45:19.194" v="6603" actId="1076"/>
-          <ac:picMkLst>
-            <pc:docMk/>
-            <pc:sldMk cId="666172367" sldId="261"/>
-            <ac:picMk id="4" creationId="{BC8F390E-29FC-4CD2-94E5-A4071187A2F9}"/>
-          </ac:picMkLst>
-        </pc:picChg>
-        <pc:picChg chg="del">
-          <ac:chgData name="Michael O'Donnell" userId="bb50bfc61f885e19" providerId="LiveId" clId="{C9E138DD-0041-4035-BB7E-145C274754A3}" dt="2019-12-31T09:58:05.493" v="787"/>
-          <ac:picMkLst>
-            <pc:docMk/>
-            <pc:sldMk cId="666172367" sldId="261"/>
-            <ac:picMk id="12" creationId="{54DDEBDD-D8BD-41A6-8A0D-B00E3768B0F9}"/>
-          </ac:picMkLst>
-        </pc:picChg>
-        <pc:picChg chg="add del mod">
-          <ac:chgData name="Michael O'Donnell" userId="bb50bfc61f885e19" providerId="LiveId" clId="{C9E138DD-0041-4035-BB7E-145C274754A3}" dt="2020-01-01T19:45:04.900" v="6598" actId="478"/>
-          <ac:picMkLst>
-            <pc:docMk/>
-            <pc:sldMk cId="666172367" sldId="261"/>
-            <ac:picMk id="1026" creationId="{523335C4-0C0E-4E69-9C00-C37D6FA0AE4E}"/>
-          </ac:picMkLst>
-        </pc:picChg>
-      </pc:sldChg>
-      <pc:sldChg chg="addSp delSp modSp add setBg delDesignElem">
-        <pc:chgData name="Michael O'Donnell" userId="bb50bfc61f885e19" providerId="LiveId" clId="{C9E138DD-0041-4035-BB7E-145C274754A3}" dt="2020-01-01T19:55:37.385" v="7342" actId="20577"/>
-        <pc:sldMkLst>
-          <pc:docMk/>
-          <pc:sldMk cId="1398038657" sldId="262"/>
-        </pc:sldMkLst>
-        <pc:spChg chg="mod">
-          <ac:chgData name="Michael O'Donnell" userId="bb50bfc61f885e19" providerId="LiveId" clId="{C9E138DD-0041-4035-BB7E-145C274754A3}" dt="2020-01-01T19:55:37.385" v="7342" actId="20577"/>
-          <ac:spMkLst>
-            <pc:docMk/>
-            <pc:sldMk cId="1398038657" sldId="262"/>
-            <ac:spMk id="2" creationId="{153D7B5C-A7AF-4129-8DC1-6D523CCC15E9}"/>
-          </ac:spMkLst>
-        </pc:spChg>
-        <pc:spChg chg="mod">
-          <ac:chgData name="Michael O'Donnell" userId="bb50bfc61f885e19" providerId="LiveId" clId="{C9E138DD-0041-4035-BB7E-145C274754A3}" dt="2019-12-31T11:11:34.539" v="3685" actId="207"/>
-          <ac:spMkLst>
-            <pc:docMk/>
-            <pc:sldMk cId="1398038657" sldId="262"/>
-            <ac:spMk id="3" creationId="{C7F74014-2BBF-44B2-8A37-9FECFA4FAF2A}"/>
-          </ac:spMkLst>
-        </pc:spChg>
-        <pc:picChg chg="add del">
-          <ac:chgData name="Michael O'Donnell" userId="bb50bfc61f885e19" providerId="LiveId" clId="{C9E138DD-0041-4035-BB7E-145C274754A3}" dt="2019-12-31T10:07:54.345" v="839"/>
-          <ac:picMkLst>
-            <pc:docMk/>
-            <pc:sldMk cId="1398038657" sldId="262"/>
-            <ac:picMk id="4" creationId="{7A4E1745-3B08-40C5-BAD8-958B61E46937}"/>
-          </ac:picMkLst>
-        </pc:picChg>
-        <pc:picChg chg="del">
-          <ac:chgData name="Michael O'Donnell" userId="bb50bfc61f885e19" providerId="LiveId" clId="{C9E138DD-0041-4035-BB7E-145C274754A3}" dt="2019-12-31T10:08:08.064" v="840" actId="478"/>
-          <ac:picMkLst>
-            <pc:docMk/>
-            <pc:sldMk cId="1398038657" sldId="262"/>
-            <ac:picMk id="6" creationId="{6BE8CC78-E686-4C15-B478-BB46C9E2722A}"/>
-          </ac:picMkLst>
-        </pc:picChg>
-        <pc:picChg chg="add mod">
-          <ac:chgData name="Michael O'Donnell" userId="bb50bfc61f885e19" providerId="LiveId" clId="{C9E138DD-0041-4035-BB7E-145C274754A3}" dt="2019-12-31T10:09:50.855" v="842" actId="1076"/>
-          <ac:picMkLst>
-            <pc:docMk/>
-            <pc:sldMk cId="1398038657" sldId="262"/>
-            <ac:picMk id="7" creationId="{B9625CE9-FA93-425B-BC5B-D0F5B1193ECF}"/>
-          </ac:picMkLst>
-        </pc:picChg>
-        <pc:picChg chg="add del mod">
-          <ac:chgData name="Michael O'Donnell" userId="bb50bfc61f885e19" providerId="LiveId" clId="{C9E138DD-0041-4035-BB7E-145C274754A3}" dt="2019-12-31T10:11:39.975" v="857" actId="478"/>
-          <ac:picMkLst>
-            <pc:docMk/>
-            <pc:sldMk cId="1398038657" sldId="262"/>
-            <ac:picMk id="9" creationId="{456C4C7E-FEC2-4A26-B8DA-DA858AB5BABC}"/>
-          </ac:picMkLst>
-        </pc:picChg>
-        <pc:picChg chg="add mod">
-          <ac:chgData name="Michael O'Donnell" userId="bb50bfc61f885e19" providerId="LiveId" clId="{C9E138DD-0041-4035-BB7E-145C274754A3}" dt="2019-12-31T10:12:20.175" v="874" actId="1037"/>
-          <ac:picMkLst>
-            <pc:docMk/>
-            <pc:sldMk cId="1398038657" sldId="262"/>
-            <ac:picMk id="11" creationId="{F108622D-B985-4EC3-8CA7-E2DF2E0EBBA8}"/>
-          </ac:picMkLst>
-        </pc:picChg>
-        <pc:picChg chg="del">
-          <ac:chgData name="Michael O'Donnell" userId="bb50bfc61f885e19" providerId="LiveId" clId="{C9E138DD-0041-4035-BB7E-145C274754A3}" dt="2019-12-31T10:02:19.739" v="837"/>
-          <ac:picMkLst>
-            <pc:docMk/>
-            <pc:sldMk cId="1398038657" sldId="262"/>
-            <ac:picMk id="12" creationId="{54DDEBDD-D8BD-41A6-8A0D-B00E3768B0F9}"/>
-          </ac:picMkLst>
-        </pc:picChg>
-        <pc:picChg chg="add del">
-          <ac:chgData name="Michael O'Donnell" userId="bb50bfc61f885e19" providerId="LiveId" clId="{C9E138DD-0041-4035-BB7E-145C274754A3}" dt="2019-12-31T10:17:02.265" v="1097" actId="478"/>
-          <ac:picMkLst>
-            <pc:docMk/>
-            <pc:sldMk cId="1398038657" sldId="262"/>
-            <ac:picMk id="13" creationId="{455BBA86-C3DF-4B51-AFEF-9D2BC04858DF}"/>
-          </ac:picMkLst>
-        </pc:picChg>
-      </pc:sldChg>
-      <pc:sldChg chg="add del">
-        <pc:chgData name="Michael O'Donnell" userId="bb50bfc61f885e19" providerId="LiveId" clId="{C9E138DD-0041-4035-BB7E-145C274754A3}" dt="2019-12-31T10:02:17.278" v="835"/>
-        <pc:sldMkLst>
-          <pc:docMk/>
-          <pc:sldMk cId="1451053037" sldId="262"/>
-        </pc:sldMkLst>
-      </pc:sldChg>
-      <pc:sldChg chg="modSp add del">
-        <pc:chgData name="Michael O'Donnell" userId="bb50bfc61f885e19" providerId="LiveId" clId="{C9E138DD-0041-4035-BB7E-145C274754A3}" dt="2019-12-31T10:43:09.574" v="2516" actId="47"/>
-        <pc:sldMkLst>
-          <pc:docMk/>
-          <pc:sldMk cId="343553830" sldId="263"/>
-        </pc:sldMkLst>
-        <pc:spChg chg="mod">
-          <ac:chgData name="Michael O'Donnell" userId="bb50bfc61f885e19" providerId="LiveId" clId="{C9E138DD-0041-4035-BB7E-145C274754A3}" dt="2019-12-31T10:17:15.433" v="1113" actId="20577"/>
-          <ac:spMkLst>
-            <pc:docMk/>
-            <pc:sldMk cId="343553830" sldId="263"/>
-            <ac:spMk id="2" creationId="{153D7B5C-A7AF-4129-8DC1-6D523CCC15E9}"/>
-          </ac:spMkLst>
-        </pc:spChg>
-      </pc:sldChg>
-      <pc:sldChg chg="addSp delSp modSp add ord">
-        <pc:chgData name="Michael O'Donnell" userId="bb50bfc61f885e19" providerId="LiveId" clId="{C9E138DD-0041-4035-BB7E-145C274754A3}" dt="2019-12-31T11:39:21.856" v="4786"/>
-        <pc:sldMkLst>
-          <pc:docMk/>
-          <pc:sldMk cId="889292684" sldId="264"/>
-        </pc:sldMkLst>
-        <pc:spChg chg="mod">
-          <ac:chgData name="Michael O'Donnell" userId="bb50bfc61f885e19" providerId="LiveId" clId="{C9E138DD-0041-4035-BB7E-145C274754A3}" dt="2019-12-31T10:42:44.949" v="2512" actId="20577"/>
-          <ac:spMkLst>
-            <pc:docMk/>
-            <pc:sldMk cId="889292684" sldId="264"/>
-            <ac:spMk id="2" creationId="{153D7B5C-A7AF-4129-8DC1-6D523CCC15E9}"/>
-          </ac:spMkLst>
-        </pc:spChg>
-        <pc:spChg chg="mod">
-          <ac:chgData name="Michael O'Donnell" userId="bb50bfc61f885e19" providerId="LiveId" clId="{C9E138DD-0041-4035-BB7E-145C274754A3}" dt="2019-12-31T10:42:31.224" v="2510" actId="20577"/>
-          <ac:spMkLst>
-            <pc:docMk/>
-            <pc:sldMk cId="889292684" sldId="264"/>
-            <ac:spMk id="3" creationId="{C7F74014-2BBF-44B2-8A37-9FECFA4FAF2A}"/>
-          </ac:spMkLst>
-        </pc:spChg>
-        <pc:picChg chg="add mod">
-          <ac:chgData name="Michael O'Donnell" userId="bb50bfc61f885e19" providerId="LiveId" clId="{C9E138DD-0041-4035-BB7E-145C274754A3}" dt="2019-12-31T10:19:01.032" v="1166" actId="1076"/>
-          <ac:picMkLst>
-            <pc:docMk/>
-            <pc:sldMk cId="889292684" sldId="264"/>
-            <ac:picMk id="4" creationId="{6E7A2603-34AA-4691-9B4D-5B1C6C914136}"/>
-          </ac:picMkLst>
-        </pc:picChg>
-        <pc:picChg chg="add mod">
-          <ac:chgData name="Michael O'Donnell" userId="bb50bfc61f885e19" providerId="LiveId" clId="{C9E138DD-0041-4035-BB7E-145C274754A3}" dt="2019-12-31T10:53:10.661" v="3116" actId="1036"/>
-          <ac:picMkLst>
-            <pc:docMk/>
-            <pc:sldMk cId="889292684" sldId="264"/>
-            <ac:picMk id="5" creationId="{49AE797F-E60E-45DF-8168-E14F9994BA7D}"/>
-          </ac:picMkLst>
-        </pc:picChg>
-        <pc:picChg chg="del">
-          <ac:chgData name="Michael O'Donnell" userId="bb50bfc61f885e19" providerId="LiveId" clId="{C9E138DD-0041-4035-BB7E-145C274754A3}" dt="2019-12-31T10:17:26.504" v="1124" actId="478"/>
-          <ac:picMkLst>
-            <pc:docMk/>
-            <pc:sldMk cId="889292684" sldId="264"/>
-            <ac:picMk id="7" creationId="{B9625CE9-FA93-425B-BC5B-D0F5B1193ECF}"/>
-          </ac:picMkLst>
-        </pc:picChg>
-        <pc:picChg chg="del">
-          <ac:chgData name="Michael O'Donnell" userId="bb50bfc61f885e19" providerId="LiveId" clId="{C9E138DD-0041-4035-BB7E-145C274754A3}" dt="2019-12-31T10:17:26.049" v="1123" actId="478"/>
-          <ac:picMkLst>
-            <pc:docMk/>
-            <pc:sldMk cId="889292684" sldId="264"/>
-            <ac:picMk id="11" creationId="{F108622D-B985-4EC3-8CA7-E2DF2E0EBBA8}"/>
-          </ac:picMkLst>
-        </pc:picChg>
-      </pc:sldChg>
-      <pc:sldChg chg="addSp delSp modSp add setBg delDesignElem">
-        <pc:chgData name="Michael O'Donnell" userId="bb50bfc61f885e19" providerId="LiveId" clId="{C9E138DD-0041-4035-BB7E-145C274754A3}" dt="2020-01-01T20:21:57.313" v="8086" actId="1035"/>
-        <pc:sldMkLst>
-          <pc:docMk/>
-          <pc:sldMk cId="70201403" sldId="265"/>
-        </pc:sldMkLst>
-        <pc:spChg chg="mod">
-          <ac:chgData name="Michael O'Donnell" userId="bb50bfc61f885e19" providerId="LiveId" clId="{C9E138DD-0041-4035-BB7E-145C274754A3}" dt="2019-12-31T10:52:52.542" v="3105" actId="1035"/>
-          <ac:spMkLst>
-            <pc:docMk/>
-            <pc:sldMk cId="70201403" sldId="265"/>
-            <ac:spMk id="2" creationId="{153D7B5C-A7AF-4129-8DC1-6D523CCC15E9}"/>
-          </ac:spMkLst>
-        </pc:spChg>
-        <pc:spChg chg="mod">
-          <ac:chgData name="Michael O'Donnell" userId="bb50bfc61f885e19" providerId="LiveId" clId="{C9E138DD-0041-4035-BB7E-145C274754A3}" dt="2020-01-01T20:21:57.313" v="8086" actId="1035"/>
-          <ac:spMkLst>
-            <pc:docMk/>
-            <pc:sldMk cId="70201403" sldId="265"/>
-            <ac:spMk id="3" creationId="{62FCA77C-22DC-4E3D-9BD8-2F664B247097}"/>
-          </ac:spMkLst>
-        </pc:spChg>
-        <pc:spChg chg="del">
-          <ac:chgData name="Michael O'Donnell" userId="bb50bfc61f885e19" providerId="LiveId" clId="{C9E138DD-0041-4035-BB7E-145C274754A3}" dt="2019-12-31T10:31:15.075" v="1738" actId="478"/>
-          <ac:spMkLst>
-            <pc:docMk/>
-            <pc:sldMk cId="70201403" sldId="265"/>
-            <ac:spMk id="6" creationId="{EB0C5956-BC21-4640-9E32-07E45D29B5CC}"/>
-          </ac:spMkLst>
-        </pc:spChg>
-        <pc:spChg chg="del">
-          <ac:chgData name="Michael O'Donnell" userId="bb50bfc61f885e19" providerId="LiveId" clId="{C9E138DD-0041-4035-BB7E-145C274754A3}" dt="2019-12-31T10:31:13.372" v="1737" actId="478"/>
-          <ac:spMkLst>
-            <pc:docMk/>
-            <pc:sldMk cId="70201403" sldId="265"/>
-            <ac:spMk id="7" creationId="{6E2A5AD2-F14A-4B95-939C-94E694D3BE50}"/>
-          </ac:spMkLst>
-        </pc:spChg>
-        <pc:spChg chg="del">
-          <ac:chgData name="Michael O'Donnell" userId="bb50bfc61f885e19" providerId="LiveId" clId="{C9E138DD-0041-4035-BB7E-145C274754A3}" dt="2019-12-31T10:31:13.372" v="1737" actId="478"/>
-          <ac:spMkLst>
-            <pc:docMk/>
-            <pc:sldMk cId="70201403" sldId="265"/>
-            <ac:spMk id="8" creationId="{8892F66A-0E71-4F58-A39F-B5FAFAECD2B0}"/>
-          </ac:spMkLst>
-        </pc:spChg>
-        <pc:spChg chg="del">
-          <ac:chgData name="Michael O'Donnell" userId="bb50bfc61f885e19" providerId="LiveId" clId="{C9E138DD-0041-4035-BB7E-145C274754A3}" dt="2019-12-31T10:31:13.372" v="1737" actId="478"/>
-          <ac:spMkLst>
-            <pc:docMk/>
-            <pc:sldMk cId="70201403" sldId="265"/>
-            <ac:spMk id="9" creationId="{66DA7456-6762-4CF4-A36D-D971B135A9A8}"/>
-          </ac:spMkLst>
-        </pc:spChg>
-        <pc:spChg chg="del">
-          <ac:chgData name="Michael O'Donnell" userId="bb50bfc61f885e19" providerId="LiveId" clId="{C9E138DD-0041-4035-BB7E-145C274754A3}" dt="2019-12-31T10:31:13.372" v="1737" actId="478"/>
-          <ac:spMkLst>
-            <pc:docMk/>
-            <pc:sldMk cId="70201403" sldId="265"/>
-            <ac:spMk id="10" creationId="{F80C7F36-E11F-4AA2-B31C-6480FB126225}"/>
-          </ac:spMkLst>
-        </pc:spChg>
-        <pc:spChg chg="del">
-          <ac:chgData name="Michael O'Donnell" userId="bb50bfc61f885e19" providerId="LiveId" clId="{C9E138DD-0041-4035-BB7E-145C274754A3}" dt="2019-12-31T10:31:13.372" v="1737" actId="478"/>
-          <ac:spMkLst>
-            <pc:docMk/>
-            <pc:sldMk cId="70201403" sldId="265"/>
-            <ac:spMk id="11" creationId="{A887364A-717A-42B5-8A08-C0F4DC928F8F}"/>
-          </ac:spMkLst>
-        </pc:spChg>
-        <pc:spChg chg="add mod">
-          <ac:chgData name="Michael O'Donnell" userId="bb50bfc61f885e19" providerId="LiveId" clId="{C9E138DD-0041-4035-BB7E-145C274754A3}" dt="2020-01-01T20:21:57.313" v="8086" actId="1035"/>
-          <ac:spMkLst>
-            <pc:docMk/>
-            <pc:sldMk cId="70201403" sldId="265"/>
-            <ac:spMk id="11" creationId="{D81989F8-FCC8-47C1-955F-7B669DDBA299}"/>
-          </ac:spMkLst>
-        </pc:spChg>
-        <pc:spChg chg="del">
-          <ac:chgData name="Michael O'Donnell" userId="bb50bfc61f885e19" providerId="LiveId" clId="{C9E138DD-0041-4035-BB7E-145C274754A3}" dt="2019-12-31T10:31:13.372" v="1737" actId="478"/>
-          <ac:spMkLst>
-            <pc:docMk/>
-            <pc:sldMk cId="70201403" sldId="265"/>
-            <ac:spMk id="13" creationId="{CDC02B8F-C087-4ED7-9FD5-EDBA12AB1C8A}"/>
-          </ac:spMkLst>
-        </pc:spChg>
-        <pc:spChg chg="del">
-          <ac:chgData name="Michael O'Donnell" userId="bb50bfc61f885e19" providerId="LiveId" clId="{C9E138DD-0041-4035-BB7E-145C274754A3}" dt="2019-12-31T10:31:13.372" v="1737" actId="478"/>
-          <ac:spMkLst>
-            <pc:docMk/>
-            <pc:sldMk cId="70201403" sldId="265"/>
-            <ac:spMk id="14" creationId="{5903DEAA-073C-4678-A2D0-7A199DA523E2}"/>
-          </ac:spMkLst>
-        </pc:spChg>
-        <pc:spChg chg="del">
-          <ac:chgData name="Michael O'Donnell" userId="bb50bfc61f885e19" providerId="LiveId" clId="{C9E138DD-0041-4035-BB7E-145C274754A3}" dt="2019-12-31T10:31:13.372" v="1737" actId="478"/>
-          <ac:spMkLst>
-            <pc:docMk/>
-            <pc:sldMk cId="70201403" sldId="265"/>
-            <ac:spMk id="15" creationId="{08F309AB-BEC4-4B27-A102-4F7E927D3448}"/>
-          </ac:spMkLst>
-        </pc:spChg>
-        <pc:spChg chg="del">
-          <ac:chgData name="Michael O'Donnell" userId="bb50bfc61f885e19" providerId="LiveId" clId="{C9E138DD-0041-4035-BB7E-145C274754A3}" dt="2019-12-31T10:31:13.372" v="1737" actId="478"/>
-          <ac:spMkLst>
-            <pc:docMk/>
-            <pc:sldMk cId="70201403" sldId="265"/>
-            <ac:spMk id="16" creationId="{1EEF842A-9870-42BF-95B3-F89F39F253BE}"/>
-          </ac:spMkLst>
-        </pc:spChg>
-        <pc:spChg chg="add del mod">
-          <ac:chgData name="Michael O'Donnell" userId="bb50bfc61f885e19" providerId="LiveId" clId="{C9E138DD-0041-4035-BB7E-145C274754A3}" dt="2020-01-01T20:18:11.510" v="7685" actId="478"/>
-          <ac:spMkLst>
-            <pc:docMk/>
-            <pc:sldMk cId="70201403" sldId="265"/>
-            <ac:spMk id="17" creationId="{273E8F8D-C086-4FEB-823A-E9ABEC437EB2}"/>
-          </ac:spMkLst>
-        </pc:spChg>
-        <pc:spChg chg="del">
-          <ac:chgData name="Michael O'Donnell" userId="bb50bfc61f885e19" providerId="LiveId" clId="{C9E138DD-0041-4035-BB7E-145C274754A3}" dt="2019-12-31T10:31:06.276" v="1736" actId="478"/>
-          <ac:spMkLst>
-            <pc:docMk/>
-            <pc:sldMk cId="70201403" sldId="265"/>
-            <ac:spMk id="18" creationId="{A64FB206-83F4-4480-8683-908163B5AC92}"/>
-          </ac:spMkLst>
-        </pc:spChg>
-        <pc:spChg chg="add mod">
-          <ac:chgData name="Michael O'Donnell" userId="bb50bfc61f885e19" providerId="LiveId" clId="{C9E138DD-0041-4035-BB7E-145C274754A3}" dt="2020-01-01T20:21:57.313" v="8086" actId="1035"/>
-          <ac:spMkLst>
-            <pc:docMk/>
-            <pc:sldMk cId="70201403" sldId="265"/>
-            <ac:spMk id="19" creationId="{B081367D-E8D7-4075-ACFA-73ED161513B6}"/>
-          </ac:spMkLst>
-        </pc:spChg>
-        <pc:spChg chg="add mod">
-          <ac:chgData name="Michael O'Donnell" userId="bb50bfc61f885e19" providerId="LiveId" clId="{C9E138DD-0041-4035-BB7E-145C274754A3}" dt="2020-01-01T20:21:57.313" v="8086" actId="1035"/>
-          <ac:spMkLst>
-            <pc:docMk/>
-            <pc:sldMk cId="70201403" sldId="265"/>
-            <ac:spMk id="20" creationId="{68C859CF-2087-4B70-93FC-E56329D22CE3}"/>
-          </ac:spMkLst>
-        </pc:spChg>
-        <pc:spChg chg="add del mod">
-          <ac:chgData name="Michael O'Donnell" userId="bb50bfc61f885e19" providerId="LiveId" clId="{C9E138DD-0041-4035-BB7E-145C274754A3}" dt="2019-12-31T10:36:45.368" v="2213"/>
-          <ac:spMkLst>
-            <pc:docMk/>
-            <pc:sldMk cId="70201403" sldId="265"/>
-            <ac:spMk id="21" creationId="{D44278CE-C29D-438C-9267-7E90327E0F6E}"/>
-          </ac:spMkLst>
-        </pc:spChg>
-        <pc:spChg chg="add del mod">
-          <ac:chgData name="Michael O'Donnell" userId="bb50bfc61f885e19" providerId="LiveId" clId="{C9E138DD-0041-4035-BB7E-145C274754A3}" dt="2020-01-01T19:58:29.961" v="7393" actId="478"/>
-          <ac:spMkLst>
-            <pc:docMk/>
-            <pc:sldMk cId="70201403" sldId="265"/>
-            <ac:spMk id="22" creationId="{4E86919F-92EF-4B21-98FA-D139F0D33AE3}"/>
-          </ac:spMkLst>
-        </pc:spChg>
-        <pc:spChg chg="add del mod">
-          <ac:chgData name="Michael O'Donnell" userId="bb50bfc61f885e19" providerId="LiveId" clId="{C9E138DD-0041-4035-BB7E-145C274754A3}" dt="2020-01-01T19:58:33.376" v="7394" actId="478"/>
-          <ac:spMkLst>
-            <pc:docMk/>
-            <pc:sldMk cId="70201403" sldId="265"/>
-            <ac:spMk id="23" creationId="{CBCD20BF-A0DF-4355-8E74-596BF5C11101}"/>
-          </ac:spMkLst>
-        </pc:spChg>
-        <pc:spChg chg="add del mod">
-          <ac:chgData name="Michael O'Donnell" userId="bb50bfc61f885e19" providerId="LiveId" clId="{C9E138DD-0041-4035-BB7E-145C274754A3}" dt="2020-01-01T19:58:33.376" v="7394" actId="478"/>
-          <ac:spMkLst>
-            <pc:docMk/>
-            <pc:sldMk cId="70201403" sldId="265"/>
-            <ac:spMk id="24" creationId="{EA6FB442-3536-4A84-B62E-7034EEB1866E}"/>
-          </ac:spMkLst>
-        </pc:spChg>
-        <pc:spChg chg="add del mod">
-          <ac:chgData name="Michael O'Donnell" userId="bb50bfc61f885e19" providerId="LiveId" clId="{C9E138DD-0041-4035-BB7E-145C274754A3}" dt="2019-12-31T10:37:17.697" v="2257" actId="478"/>
-          <ac:spMkLst>
-            <pc:docMk/>
-            <pc:sldMk cId="70201403" sldId="265"/>
-            <ac:spMk id="25" creationId="{51688703-8BD0-4DD3-8C80-B5C2C17AC63E}"/>
-          </ac:spMkLst>
-        </pc:spChg>
-        <pc:spChg chg="add del mod">
-          <ac:chgData name="Michael O'Donnell" userId="bb50bfc61f885e19" providerId="LiveId" clId="{C9E138DD-0041-4035-BB7E-145C274754A3}" dt="2019-12-31T10:37:17.697" v="2257" actId="478"/>
-          <ac:spMkLst>
-            <pc:docMk/>
-            <pc:sldMk cId="70201403" sldId="265"/>
-            <ac:spMk id="26" creationId="{3A06DC13-3310-47FC-B56E-080FC86A87D9}"/>
-          </ac:spMkLst>
-        </pc:spChg>
-        <pc:spChg chg="add del mod">
-          <ac:chgData name="Michael O'Donnell" userId="bb50bfc61f885e19" providerId="LiveId" clId="{C9E138DD-0041-4035-BB7E-145C274754A3}" dt="2019-12-31T10:45:44.996" v="2655" actId="478"/>
-          <ac:spMkLst>
-            <pc:docMk/>
-            <pc:sldMk cId="70201403" sldId="265"/>
-            <ac:spMk id="27" creationId="{762F3817-6FFF-45D8-82D5-1F727E11DB2F}"/>
-          </ac:spMkLst>
-        </pc:spChg>
-        <pc:spChg chg="add del mod">
-          <ac:chgData name="Michael O'Donnell" userId="bb50bfc61f885e19" providerId="LiveId" clId="{C9E138DD-0041-4035-BB7E-145C274754A3}" dt="2020-01-01T19:58:33.376" v="7394" actId="478"/>
-          <ac:spMkLst>
-            <pc:docMk/>
-            <pc:sldMk cId="70201403" sldId="265"/>
-            <ac:spMk id="28" creationId="{6C0D7AFD-524A-481C-B2C5-0C0172E81939}"/>
-          </ac:spMkLst>
-        </pc:spChg>
-        <pc:picChg chg="del">
-          <ac:chgData name="Michael O'Donnell" userId="bb50bfc61f885e19" providerId="LiveId" clId="{C9E138DD-0041-4035-BB7E-145C274754A3}" dt="2019-12-31T10:24:32.132" v="1705"/>
-          <ac:picMkLst>
-            <pc:docMk/>
-            <pc:sldMk cId="70201403" sldId="265"/>
-            <ac:picMk id="12" creationId="{54DDEBDD-D8BD-41A6-8A0D-B00E3768B0F9}"/>
-          </ac:picMkLst>
-        </pc:picChg>
-      </pc:sldChg>
-      <pc:sldChg chg="addSp delSp modSp add ord">
-        <pc:chgData name="Michael O'Donnell" userId="bb50bfc61f885e19" providerId="LiveId" clId="{C9E138DD-0041-4035-BB7E-145C274754A3}" dt="2019-12-31T11:56:05.905" v="5477" actId="1076"/>
-        <pc:sldMkLst>
-          <pc:docMk/>
-          <pc:sldMk cId="1772165243" sldId="266"/>
-        </pc:sldMkLst>
-        <pc:spChg chg="mod">
-          <ac:chgData name="Michael O'Donnell" userId="bb50bfc61f885e19" providerId="LiveId" clId="{C9E138DD-0041-4035-BB7E-145C274754A3}" dt="2019-12-31T10:43:22.051" v="2529" actId="20577"/>
-          <ac:spMkLst>
-            <pc:docMk/>
-            <pc:sldMk cId="1772165243" sldId="266"/>
-            <ac:spMk id="2" creationId="{153D7B5C-A7AF-4129-8DC1-6D523CCC15E9}"/>
-          </ac:spMkLst>
-        </pc:spChg>
-        <pc:spChg chg="mod">
-          <ac:chgData name="Michael O'Donnell" userId="bb50bfc61f885e19" providerId="LiveId" clId="{C9E138DD-0041-4035-BB7E-145C274754A3}" dt="2019-12-31T11:55:55.332" v="5475" actId="20577"/>
-          <ac:spMkLst>
-            <pc:docMk/>
-            <pc:sldMk cId="1772165243" sldId="266"/>
-            <ac:spMk id="3" creationId="{62FCA77C-22DC-4E3D-9BD8-2F664B247097}"/>
-          </ac:spMkLst>
-        </pc:spChg>
-        <pc:spChg chg="del">
-          <ac:chgData name="Michael O'Donnell" userId="bb50bfc61f885e19" providerId="LiveId" clId="{C9E138DD-0041-4035-BB7E-145C274754A3}" dt="2019-12-31T10:47:07.154" v="2857" actId="478"/>
-          <ac:spMkLst>
-            <pc:docMk/>
-            <pc:sldMk cId="1772165243" sldId="266"/>
-            <ac:spMk id="17" creationId="{273E8F8D-C086-4FEB-823A-E9ABEC437EB2}"/>
-          </ac:spMkLst>
-        </pc:spChg>
-        <pc:spChg chg="del">
-          <ac:chgData name="Michael O'Donnell" userId="bb50bfc61f885e19" providerId="LiveId" clId="{C9E138DD-0041-4035-BB7E-145C274754A3}" dt="2019-12-31T10:46:06.318" v="2657" actId="478"/>
-          <ac:spMkLst>
-            <pc:docMk/>
-            <pc:sldMk cId="1772165243" sldId="266"/>
-            <ac:spMk id="19" creationId="{B081367D-E8D7-4075-ACFA-73ED161513B6}"/>
-          </ac:spMkLst>
-        </pc:spChg>
-        <pc:spChg chg="del">
-          <ac:chgData name="Michael O'Donnell" userId="bb50bfc61f885e19" providerId="LiveId" clId="{C9E138DD-0041-4035-BB7E-145C274754A3}" dt="2019-12-31T10:46:04.508" v="2656" actId="478"/>
-          <ac:spMkLst>
-            <pc:docMk/>
-            <pc:sldMk cId="1772165243" sldId="266"/>
-            <ac:spMk id="20" creationId="{68C859CF-2087-4B70-93FC-E56329D22CE3}"/>
-          </ac:spMkLst>
-        </pc:spChg>
-        <pc:spChg chg="del">
-          <ac:chgData name="Michael O'Donnell" userId="bb50bfc61f885e19" providerId="LiveId" clId="{C9E138DD-0041-4035-BB7E-145C274754A3}" dt="2019-12-31T10:43:16.531" v="2527" actId="478"/>
-          <ac:spMkLst>
-            <pc:docMk/>
-            <pc:sldMk cId="1772165243" sldId="266"/>
-            <ac:spMk id="22" creationId="{4E86919F-92EF-4B21-98FA-D139F0D33AE3}"/>
-          </ac:spMkLst>
-        </pc:spChg>
-        <pc:spChg chg="del">
-          <ac:chgData name="Michael O'Donnell" userId="bb50bfc61f885e19" providerId="LiveId" clId="{C9E138DD-0041-4035-BB7E-145C274754A3}" dt="2019-12-31T10:43:18.803" v="2528" actId="478"/>
-          <ac:spMkLst>
-            <pc:docMk/>
-            <pc:sldMk cId="1772165243" sldId="266"/>
-            <ac:spMk id="23" creationId="{CBCD20BF-A0DF-4355-8E74-596BF5C11101}"/>
-          </ac:spMkLst>
-        </pc:spChg>
-        <pc:spChg chg="del">
-          <ac:chgData name="Michael O'Donnell" userId="bb50bfc61f885e19" providerId="LiveId" clId="{C9E138DD-0041-4035-BB7E-145C274754A3}" dt="2019-12-31T10:43:18.803" v="2528" actId="478"/>
-          <ac:spMkLst>
-            <pc:docMk/>
-            <pc:sldMk cId="1772165243" sldId="266"/>
-            <ac:spMk id="24" creationId="{EA6FB442-3536-4A84-B62E-7034EEB1866E}"/>
-          </ac:spMkLst>
-        </pc:spChg>
-        <pc:picChg chg="add mod">
-          <ac:chgData name="Michael O'Donnell" userId="bb50bfc61f885e19" providerId="LiveId" clId="{C9E138DD-0041-4035-BB7E-145C274754A3}" dt="2019-12-31T11:56:05.905" v="5477" actId="1076"/>
-          <ac:picMkLst>
-            <pc:docMk/>
-            <pc:sldMk cId="1772165243" sldId="266"/>
-            <ac:picMk id="2050" creationId="{8D1D21A6-A0D6-451E-8043-3D3BE44C7A79}"/>
-          </ac:picMkLst>
-        </pc:picChg>
-      </pc:sldChg>
-      <pc:sldChg chg="addSp delSp modSp add">
-        <pc:chgData name="Michael O'Donnell" userId="bb50bfc61f885e19" providerId="LiveId" clId="{C9E138DD-0041-4035-BB7E-145C274754A3}" dt="2019-12-31T12:04:22.349" v="5913" actId="20577"/>
-        <pc:sldMkLst>
-          <pc:docMk/>
-          <pc:sldMk cId="379652001" sldId="267"/>
-        </pc:sldMkLst>
-        <pc:spChg chg="del">
-          <ac:chgData name="Michael O'Donnell" userId="bb50bfc61f885e19" providerId="LiveId" clId="{C9E138DD-0041-4035-BB7E-145C274754A3}" dt="2019-12-31T11:01:08.044" v="3304" actId="478"/>
-          <ac:spMkLst>
-            <pc:docMk/>
-            <pc:sldMk cId="379652001" sldId="267"/>
-            <ac:spMk id="2" creationId="{153D7B5C-A7AF-4129-8DC1-6D523CCC15E9}"/>
-          </ac:spMkLst>
-        </pc:spChg>
-        <pc:spChg chg="del mod">
-          <ac:chgData name="Michael O'Donnell" userId="bb50bfc61f885e19" providerId="LiveId" clId="{C9E138DD-0041-4035-BB7E-145C274754A3}" dt="2019-12-31T11:00:34.637" v="3297" actId="478"/>
-          <ac:spMkLst>
-            <pc:docMk/>
-            <pc:sldMk cId="379652001" sldId="267"/>
-            <ac:spMk id="3" creationId="{C7F74014-2BBF-44B2-8A37-9FECFA4FAF2A}"/>
-          </ac:spMkLst>
-        </pc:spChg>
-        <pc:spChg chg="add del mod">
-          <ac:chgData name="Michael O'Donnell" userId="bb50bfc61f885e19" providerId="LiveId" clId="{C9E138DD-0041-4035-BB7E-145C274754A3}" dt="2019-12-31T11:00:39.278" v="3298" actId="478"/>
-          <ac:spMkLst>
-            <pc:docMk/>
-            <pc:sldMk cId="379652001" sldId="267"/>
-            <ac:spMk id="5" creationId="{275D4800-7EC9-45F2-8058-0AB488B7F6A1}"/>
-          </ac:spMkLst>
-        </pc:spChg>
-        <pc:spChg chg="add del mod">
-          <ac:chgData name="Michael O'Donnell" userId="bb50bfc61f885e19" providerId="LiveId" clId="{C9E138DD-0041-4035-BB7E-145C274754A3}" dt="2019-12-31T11:01:11.422" v="3305" actId="478"/>
-          <ac:spMkLst>
-            <pc:docMk/>
-            <pc:sldMk cId="379652001" sldId="267"/>
-            <ac:spMk id="10" creationId="{78BD08A0-F8D4-4F94-8080-EF7CDD2059C3}"/>
-          </ac:spMkLst>
-        </pc:spChg>
-        <pc:spChg chg="add mod">
-          <ac:chgData name="Michael O'Donnell" userId="bb50bfc61f885e19" providerId="LiveId" clId="{C9E138DD-0041-4035-BB7E-145C274754A3}" dt="2019-12-31T11:12:17.813" v="3688" actId="1076"/>
-          <ac:spMkLst>
-            <pc:docMk/>
-            <pc:sldMk cId="379652001" sldId="267"/>
-            <ac:spMk id="15" creationId="{0C7B49B5-22E8-415D-B349-818E0FD8F4D0}"/>
-          </ac:spMkLst>
-        </pc:spChg>
-        <pc:spChg chg="add mod">
-          <ac:chgData name="Michael O'Donnell" userId="bb50bfc61f885e19" providerId="LiveId" clId="{C9E138DD-0041-4035-BB7E-145C274754A3}" dt="2019-12-31T11:12:17.813" v="3688" actId="1076"/>
-          <ac:spMkLst>
-            <pc:docMk/>
-            <pc:sldMk cId="379652001" sldId="267"/>
-            <ac:spMk id="16" creationId="{A03E7C94-BB82-4C73-B680-9A8D9FACD78C}"/>
-          </ac:spMkLst>
-        </pc:spChg>
-        <pc:spChg chg="add mod">
-          <ac:chgData name="Michael O'Donnell" userId="bb50bfc61f885e19" providerId="LiveId" clId="{C9E138DD-0041-4035-BB7E-145C274754A3}" dt="2019-12-31T12:04:22.349" v="5913" actId="20577"/>
-          <ac:spMkLst>
-            <pc:docMk/>
-            <pc:sldMk cId="379652001" sldId="267"/>
-            <ac:spMk id="17" creationId="{D3CBD303-7761-4619-B2BC-2A1D26A0A11D}"/>
-          </ac:spMkLst>
-        </pc:spChg>
-        <pc:picChg chg="mod">
-          <ac:chgData name="Michael O'Donnell" userId="bb50bfc61f885e19" providerId="LiveId" clId="{C9E138DD-0041-4035-BB7E-145C274754A3}" dt="2019-12-31T11:12:17.813" v="3688" actId="1076"/>
-          <ac:picMkLst>
-            <pc:docMk/>
-            <pc:sldMk cId="379652001" sldId="267"/>
-            <ac:picMk id="7" creationId="{B9625CE9-FA93-425B-BC5B-D0F5B1193ECF}"/>
-          </ac:picMkLst>
-        </pc:picChg>
-        <pc:picChg chg="add mod">
-          <ac:chgData name="Michael O'Donnell" userId="bb50bfc61f885e19" providerId="LiveId" clId="{C9E138DD-0041-4035-BB7E-145C274754A3}" dt="2019-12-31T11:12:17.813" v="3688" actId="1076"/>
-          <ac:picMkLst>
-            <pc:docMk/>
-            <pc:sldMk cId="379652001" sldId="267"/>
-            <ac:picMk id="8" creationId="{D19AB6A2-AFBF-4064-8223-AC40EED809AC}"/>
-          </ac:picMkLst>
-        </pc:picChg>
-        <pc:picChg chg="add mod ord">
-          <ac:chgData name="Michael O'Donnell" userId="bb50bfc61f885e19" providerId="LiveId" clId="{C9E138DD-0041-4035-BB7E-145C274754A3}" dt="2019-12-31T11:12:17.813" v="3688" actId="1076"/>
-          <ac:picMkLst>
-            <pc:docMk/>
-            <pc:sldMk cId="379652001" sldId="267"/>
-            <ac:picMk id="9" creationId="{24D44132-80D3-4A77-9AD4-D40BF0D9C335}"/>
-          </ac:picMkLst>
-        </pc:picChg>
-        <pc:picChg chg="del">
-          <ac:chgData name="Michael O'Donnell" userId="bb50bfc61f885e19" providerId="LiveId" clId="{C9E138DD-0041-4035-BB7E-145C274754A3}" dt="2019-12-31T11:01:38.292" v="3309" actId="478"/>
-          <ac:picMkLst>
-            <pc:docMk/>
-            <pc:sldMk cId="379652001" sldId="267"/>
-            <ac:picMk id="11" creationId="{F108622D-B985-4EC3-8CA7-E2DF2E0EBBA8}"/>
-          </ac:picMkLst>
-        </pc:picChg>
-        <pc:picChg chg="add mod">
-          <ac:chgData name="Michael O'Donnell" userId="bb50bfc61f885e19" providerId="LiveId" clId="{C9E138DD-0041-4035-BB7E-145C274754A3}" dt="2019-12-31T11:12:17.813" v="3688" actId="1076"/>
-          <ac:picMkLst>
-            <pc:docMk/>
-            <pc:sldMk cId="379652001" sldId="267"/>
-            <ac:picMk id="12" creationId="{08546A84-DEE7-4348-8301-D10E1A08AD24}"/>
-          </ac:picMkLst>
-        </pc:picChg>
-        <pc:picChg chg="add mod">
-          <ac:chgData name="Michael O'Donnell" userId="bb50bfc61f885e19" providerId="LiveId" clId="{C9E138DD-0041-4035-BB7E-145C274754A3}" dt="2019-12-31T11:12:17.813" v="3688" actId="1076"/>
-          <ac:picMkLst>
-            <pc:docMk/>
-            <pc:sldMk cId="379652001" sldId="267"/>
-            <ac:picMk id="14" creationId="{00031C44-814F-446C-A5A5-A3717D45E194}"/>
-          </ac:picMkLst>
-        </pc:picChg>
-        <pc:picChg chg="add mod">
-          <ac:chgData name="Michael O'Donnell" userId="bb50bfc61f885e19" providerId="LiveId" clId="{C9E138DD-0041-4035-BB7E-145C274754A3}" dt="2019-12-31T11:12:17.813" v="3688" actId="1076"/>
-          <ac:picMkLst>
-            <pc:docMk/>
-            <pc:sldMk cId="379652001" sldId="267"/>
-            <ac:picMk id="19" creationId="{9E485281-12B7-4B41-AB10-614BE99C4123}"/>
-          </ac:picMkLst>
-        </pc:picChg>
-      </pc:sldChg>
-      <pc:sldChg chg="addSp delSp modSp add">
-        <pc:chgData name="Michael O'Donnell" userId="bb50bfc61f885e19" providerId="LiveId" clId="{C9E138DD-0041-4035-BB7E-145C274754A3}" dt="2020-01-01T19:55:03.821" v="7328" actId="20577"/>
-        <pc:sldMkLst>
-          <pc:docMk/>
-          <pc:sldMk cId="4184916103" sldId="268"/>
-        </pc:sldMkLst>
-        <pc:spChg chg="mod">
-          <ac:chgData name="Michael O'Donnell" userId="bb50bfc61f885e19" providerId="LiveId" clId="{C9E138DD-0041-4035-BB7E-145C274754A3}" dt="2019-12-31T11:40:29.921" v="4854" actId="20577"/>
-          <ac:spMkLst>
-            <pc:docMk/>
-            <pc:sldMk cId="4184916103" sldId="268"/>
-            <ac:spMk id="2" creationId="{153D7B5C-A7AF-4129-8DC1-6D523CCC15E9}"/>
-          </ac:spMkLst>
-        </pc:spChg>
-        <pc:spChg chg="mod">
-          <ac:chgData name="Michael O'Donnell" userId="bb50bfc61f885e19" providerId="LiveId" clId="{C9E138DD-0041-4035-BB7E-145C274754A3}" dt="2020-01-01T19:55:03.821" v="7328" actId="20577"/>
-          <ac:spMkLst>
-            <pc:docMk/>
-            <pc:sldMk cId="4184916103" sldId="268"/>
-            <ac:spMk id="3" creationId="{62FCA77C-22DC-4E3D-9BD8-2F664B247097}"/>
-          </ac:spMkLst>
-        </pc:spChg>
-        <pc:picChg chg="del">
-          <ac:chgData name="Michael O'Donnell" userId="bb50bfc61f885e19" providerId="LiveId" clId="{C9E138DD-0041-4035-BB7E-145C274754A3}" dt="2019-12-31T11:08:40.127" v="3427" actId="478"/>
-          <ac:picMkLst>
-            <pc:docMk/>
-            <pc:sldMk cId="4184916103" sldId="268"/>
-            <ac:picMk id="2050" creationId="{8D1D21A6-A0D6-451E-8043-3D3BE44C7A79}"/>
-          </ac:picMkLst>
-        </pc:picChg>
-        <pc:picChg chg="add mod">
-          <ac:chgData name="Michael O'Donnell" userId="bb50bfc61f885e19" providerId="LiveId" clId="{C9E138DD-0041-4035-BB7E-145C274754A3}" dt="2019-12-31T11:27:04.063" v="4270" actId="1036"/>
-          <ac:picMkLst>
-            <pc:docMk/>
-            <pc:sldMk cId="4184916103" sldId="268"/>
-            <ac:picMk id="3074" creationId="{50C77283-1EB2-496F-955C-8664A7F64620}"/>
-          </ac:picMkLst>
-        </pc:picChg>
-      </pc:sldChg>
-      <pc:sldChg chg="addSp delSp modSp add">
-        <pc:chgData name="Michael O'Donnell" userId="bb50bfc61f885e19" providerId="LiveId" clId="{C9E138DD-0041-4035-BB7E-145C274754A3}" dt="2019-12-31T11:44:26.318" v="4928" actId="207"/>
-        <pc:sldMkLst>
-          <pc:docMk/>
-          <pc:sldMk cId="1317988489" sldId="269"/>
-        </pc:sldMkLst>
-        <pc:spChg chg="mod">
-          <ac:chgData name="Michael O'Donnell" userId="bb50bfc61f885e19" providerId="LiveId" clId="{C9E138DD-0041-4035-BB7E-145C274754A3}" dt="2019-12-31T11:42:23.632" v="4882" actId="14100"/>
-          <ac:spMkLst>
-            <pc:docMk/>
-            <pc:sldMk cId="1317988489" sldId="269"/>
-            <ac:spMk id="2" creationId="{153D7B5C-A7AF-4129-8DC1-6D523CCC15E9}"/>
-          </ac:spMkLst>
-        </pc:spChg>
-        <pc:spChg chg="del">
-          <ac:chgData name="Michael O'Donnell" userId="bb50bfc61f885e19" providerId="LiveId" clId="{C9E138DD-0041-4035-BB7E-145C274754A3}" dt="2019-12-31T11:42:14.593" v="4879" actId="478"/>
-          <ac:spMkLst>
-            <pc:docMk/>
-            <pc:sldMk cId="1317988489" sldId="269"/>
-            <ac:spMk id="3" creationId="{C7F74014-2BBF-44B2-8A37-9FECFA4FAF2A}"/>
-          </ac:spMkLst>
-        </pc:spChg>
-        <pc:spChg chg="add del mod">
-          <ac:chgData name="Michael O'Donnell" userId="bb50bfc61f885e19" providerId="LiveId" clId="{C9E138DD-0041-4035-BB7E-145C274754A3}" dt="2019-12-31T11:42:16.640" v="4880" actId="478"/>
-          <ac:spMkLst>
-            <pc:docMk/>
-            <pc:sldMk cId="1317988489" sldId="269"/>
-            <ac:spMk id="6" creationId="{36F61E96-DB2E-432A-9812-C5A1CE1A84E3}"/>
-          </ac:spMkLst>
-        </pc:spChg>
-        <pc:spChg chg="add mod">
-          <ac:chgData name="Michael O'Donnell" userId="bb50bfc61f885e19" providerId="LiveId" clId="{C9E138DD-0041-4035-BB7E-145C274754A3}" dt="2019-12-31T11:43:44.403" v="4891" actId="1582"/>
-          <ac:spMkLst>
-            <pc:docMk/>
-            <pc:sldMk cId="1317988489" sldId="269"/>
-            <ac:spMk id="7" creationId="{48F42861-174B-46EB-B5A3-138189A323D8}"/>
-          </ac:spMkLst>
-        </pc:spChg>
-        <pc:spChg chg="add mod">
-          <ac:chgData name="Michael O'Donnell" userId="bb50bfc61f885e19" providerId="LiveId" clId="{C9E138DD-0041-4035-BB7E-145C274754A3}" dt="2019-12-31T11:44:26.318" v="4928" actId="207"/>
-          <ac:spMkLst>
-            <pc:docMk/>
-            <pc:sldMk cId="1317988489" sldId="269"/>
-            <ac:spMk id="9" creationId="{2B043F70-14A2-4166-924A-4B71C6E39866}"/>
-          </ac:spMkLst>
-        </pc:spChg>
-        <pc:picChg chg="add mod">
-          <ac:chgData name="Michael O'Donnell" userId="bb50bfc61f885e19" providerId="LiveId" clId="{C9E138DD-0041-4035-BB7E-145C274754A3}" dt="2019-12-31T11:42:37.903" v="4885" actId="1076"/>
-          <ac:picMkLst>
-            <pc:docMk/>
-            <pc:sldMk cId="1317988489" sldId="269"/>
-            <ac:picMk id="4" creationId="{26CBF1E9-F886-41F5-A6F2-17CFDDC7AD12}"/>
-          </ac:picMkLst>
-        </pc:picChg>
-        <pc:picChg chg="del">
-          <ac:chgData name="Michael O'Donnell" userId="bb50bfc61f885e19" providerId="LiveId" clId="{C9E138DD-0041-4035-BB7E-145C274754A3}" dt="2019-12-31T11:42:10.994" v="4878" actId="478"/>
-          <ac:picMkLst>
-            <pc:docMk/>
-            <pc:sldMk cId="1317988489" sldId="269"/>
-            <ac:picMk id="1026" creationId="{523335C4-0C0E-4E69-9C00-C37D6FA0AE4E}"/>
-          </ac:picMkLst>
-        </pc:picChg>
-      </pc:sldChg>
-      <pc:sldChg chg="addSp delSp modSp add">
-        <pc:chgData name="Michael O'Donnell" userId="bb50bfc61f885e19" providerId="LiveId" clId="{C9E138DD-0041-4035-BB7E-145C274754A3}" dt="2020-01-01T19:56:34.435" v="7370"/>
-        <pc:sldMkLst>
-          <pc:docMk/>
-          <pc:sldMk cId="652006984" sldId="270"/>
-        </pc:sldMkLst>
-        <pc:spChg chg="add mod">
-          <ac:chgData name="Michael O'Donnell" userId="bb50bfc61f885e19" providerId="LiveId" clId="{C9E138DD-0041-4035-BB7E-145C274754A3}" dt="2020-01-01T19:56:34.435" v="7370"/>
-          <ac:spMkLst>
-            <pc:docMk/>
-            <pc:sldMk cId="652006984" sldId="270"/>
-            <ac:spMk id="11" creationId="{879BE482-B1B6-46CF-ADFD-56F18600637B}"/>
-          </ac:spMkLst>
-        </pc:spChg>
-        <pc:spChg chg="del">
-          <ac:chgData name="Michael O'Donnell" userId="bb50bfc61f885e19" providerId="LiveId" clId="{C9E138DD-0041-4035-BB7E-145C274754A3}" dt="2019-12-31T11:52:27.324" v="5339" actId="478"/>
-          <ac:spMkLst>
-            <pc:docMk/>
-            <pc:sldMk cId="652006984" sldId="270"/>
-            <ac:spMk id="15" creationId="{0C7B49B5-22E8-415D-B349-818E0FD8F4D0}"/>
-          </ac:spMkLst>
-        </pc:spChg>
-        <pc:spChg chg="del">
-          <ac:chgData name="Michael O'Donnell" userId="bb50bfc61f885e19" providerId="LiveId" clId="{C9E138DD-0041-4035-BB7E-145C274754A3}" dt="2019-12-31T11:45:55.192" v="4937" actId="478"/>
-          <ac:spMkLst>
-            <pc:docMk/>
-            <pc:sldMk cId="652006984" sldId="270"/>
-            <ac:spMk id="16" creationId="{A03E7C94-BB82-4C73-B680-9A8D9FACD78C}"/>
-          </ac:spMkLst>
-        </pc:spChg>
-        <pc:spChg chg="del">
-          <ac:chgData name="Michael O'Donnell" userId="bb50bfc61f885e19" providerId="LiveId" clId="{C9E138DD-0041-4035-BB7E-145C274754A3}" dt="2019-12-31T11:45:52.152" v="4936" actId="478"/>
-          <ac:spMkLst>
-            <pc:docMk/>
-            <pc:sldMk cId="652006984" sldId="270"/>
-            <ac:spMk id="17" creationId="{D3CBD303-7761-4619-B2BC-2A1D26A0A11D}"/>
-          </ac:spMkLst>
-        </pc:spChg>
-        <pc:picChg chg="del">
-          <ac:chgData name="Michael O'Donnell" userId="bb50bfc61f885e19" providerId="LiveId" clId="{C9E138DD-0041-4035-BB7E-145C274754A3}" dt="2019-12-31T11:45:50.839" v="4935" actId="478"/>
-          <ac:picMkLst>
-            <pc:docMk/>
-            <pc:sldMk cId="652006984" sldId="270"/>
-            <ac:picMk id="7" creationId="{B9625CE9-FA93-425B-BC5B-D0F5B1193ECF}"/>
-          </ac:picMkLst>
-        </pc:picChg>
-        <pc:picChg chg="del">
-          <ac:chgData name="Michael O'Donnell" userId="bb50bfc61f885e19" providerId="LiveId" clId="{C9E138DD-0041-4035-BB7E-145C274754A3}" dt="2019-12-31T11:45:49.275" v="4932" actId="478"/>
-          <ac:picMkLst>
-            <pc:docMk/>
-            <pc:sldMk cId="652006984" sldId="270"/>
-            <ac:picMk id="8" creationId="{D19AB6A2-AFBF-4064-8223-AC40EED809AC}"/>
-          </ac:picMkLst>
-        </pc:picChg>
-        <pc:picChg chg="add del mod">
-          <ac:chgData name="Michael O'Donnell" userId="bb50bfc61f885e19" providerId="LiveId" clId="{C9E138DD-0041-4035-BB7E-145C274754A3}" dt="2019-12-31T11:52:39.004" v="5356" actId="1036"/>
-          <ac:picMkLst>
-            <pc:docMk/>
-            <pc:sldMk cId="652006984" sldId="270"/>
-            <ac:picMk id="9" creationId="{24D44132-80D3-4A77-9AD4-D40BF0D9C335}"/>
-          </ac:picMkLst>
-        </pc:picChg>
-        <pc:picChg chg="mod">
-          <ac:chgData name="Michael O'Donnell" userId="bb50bfc61f885e19" providerId="LiveId" clId="{C9E138DD-0041-4035-BB7E-145C274754A3}" dt="2019-12-31T11:52:39.004" v="5356" actId="1036"/>
-          <ac:picMkLst>
-            <pc:docMk/>
-            <pc:sldMk cId="652006984" sldId="270"/>
-            <ac:picMk id="12" creationId="{08546A84-DEE7-4348-8301-D10E1A08AD24}"/>
-          </ac:picMkLst>
-        </pc:picChg>
-        <pc:picChg chg="del">
-          <ac:chgData name="Michael O'Donnell" userId="bb50bfc61f885e19" providerId="LiveId" clId="{C9E138DD-0041-4035-BB7E-145C274754A3}" dt="2019-12-31T11:45:50.336" v="4934" actId="478"/>
-          <ac:picMkLst>
-            <pc:docMk/>
-            <pc:sldMk cId="652006984" sldId="270"/>
-            <ac:picMk id="14" creationId="{00031C44-814F-446C-A5A5-A3717D45E194}"/>
-          </ac:picMkLst>
-        </pc:picChg>
-        <pc:picChg chg="del">
-          <ac:chgData name="Michael O'Donnell" userId="bb50bfc61f885e19" providerId="LiveId" clId="{C9E138DD-0041-4035-BB7E-145C274754A3}" dt="2019-12-31T11:45:49.824" v="4933" actId="478"/>
-          <ac:picMkLst>
-            <pc:docMk/>
-            <pc:sldMk cId="652006984" sldId="270"/>
-            <ac:picMk id="19" creationId="{9E485281-12B7-4B41-AB10-614BE99C4123}"/>
-          </ac:picMkLst>
-        </pc:picChg>
-      </pc:sldChg>
-      <pc:sldChg chg="addSp delSp modSp add">
-        <pc:chgData name="Michael O'Donnell" userId="bb50bfc61f885e19" providerId="LiveId" clId="{C9E138DD-0041-4035-BB7E-145C274754A3}" dt="2020-01-01T19:56:32.681" v="7369"/>
-        <pc:sldMkLst>
-          <pc:docMk/>
-          <pc:sldMk cId="388635339" sldId="271"/>
-        </pc:sldMkLst>
-        <pc:spChg chg="mod">
-          <ac:chgData name="Michael O'Donnell" userId="bb50bfc61f885e19" providerId="LiveId" clId="{C9E138DD-0041-4035-BB7E-145C274754A3}" dt="2020-01-01T19:56:32.681" v="7369"/>
-          <ac:spMkLst>
-            <pc:docMk/>
-            <pc:sldMk cId="388635339" sldId="271"/>
-            <ac:spMk id="11" creationId="{879BE482-B1B6-46CF-ADFD-56F18600637B}"/>
-          </ac:spMkLst>
-        </pc:spChg>
-        <pc:spChg chg="del mod">
-          <ac:chgData name="Michael O'Donnell" userId="bb50bfc61f885e19" providerId="LiveId" clId="{C9E138DD-0041-4035-BB7E-145C274754A3}" dt="2019-12-31T11:52:22.418" v="5336" actId="478"/>
-          <ac:spMkLst>
-            <pc:docMk/>
-            <pc:sldMk cId="388635339" sldId="271"/>
-            <ac:spMk id="15" creationId="{0C7B49B5-22E8-415D-B349-818E0FD8F4D0}"/>
-          </ac:spMkLst>
-        </pc:spChg>
-        <pc:picChg chg="add mod">
-          <ac:chgData name="Michael O'Donnell" userId="bb50bfc61f885e19" providerId="LiveId" clId="{C9E138DD-0041-4035-BB7E-145C274754A3}" dt="2019-12-31T11:53:08.608" v="5401" actId="1076"/>
-          <ac:picMkLst>
-            <pc:docMk/>
-            <pc:sldMk cId="388635339" sldId="271"/>
-            <ac:picMk id="6" creationId="{FEFEE8B6-9DB7-4C6D-B709-D816FBBF5421}"/>
-          </ac:picMkLst>
-        </pc:picChg>
-        <pc:picChg chg="add del mod">
-          <ac:chgData name="Michael O'Donnell" userId="bb50bfc61f885e19" providerId="LiveId" clId="{C9E138DD-0041-4035-BB7E-145C274754A3}" dt="2019-12-31T11:52:45.412" v="5371" actId="1035"/>
-          <ac:picMkLst>
-            <pc:docMk/>
-            <pc:sldMk cId="388635339" sldId="271"/>
-            <ac:picMk id="9" creationId="{24D44132-80D3-4A77-9AD4-D40BF0D9C335}"/>
-          </ac:picMkLst>
-        </pc:picChg>
-        <pc:picChg chg="del mod">
-          <ac:chgData name="Michael O'Donnell" userId="bb50bfc61f885e19" providerId="LiveId" clId="{C9E138DD-0041-4035-BB7E-145C274754A3}" dt="2019-12-31T11:53:05.547" v="5399" actId="478"/>
-          <ac:picMkLst>
-            <pc:docMk/>
-            <pc:sldMk cId="388635339" sldId="271"/>
-            <ac:picMk id="12" creationId="{08546A84-DEE7-4348-8301-D10E1A08AD24}"/>
-          </ac:picMkLst>
-        </pc:picChg>
-      </pc:sldChg>
-      <pc:sldChg chg="add del">
-        <pc:chgData name="Michael O'Donnell" userId="bb50bfc61f885e19" providerId="LiveId" clId="{C9E138DD-0041-4035-BB7E-145C274754A3}" dt="2019-12-31T11:46:21.424" v="4944" actId="47"/>
-        <pc:sldMkLst>
-          <pc:docMk/>
-          <pc:sldMk cId="708236136" sldId="271"/>
-        </pc:sldMkLst>
-      </pc:sldChg>
-      <pc:sldChg chg="add del">
-        <pc:chgData name="Michael O'Donnell" userId="bb50bfc61f885e19" providerId="LiveId" clId="{C9E138DD-0041-4035-BB7E-145C274754A3}" dt="2019-12-31T11:46:21.424" v="4944" actId="47"/>
-        <pc:sldMkLst>
-          <pc:docMk/>
-          <pc:sldMk cId="3406100820" sldId="272"/>
-        </pc:sldMkLst>
-      </pc:sldChg>
-      <pc:sldChg chg="addSp delSp modSp add">
-        <pc:chgData name="Michael O'Donnell" userId="bb50bfc61f885e19" providerId="LiveId" clId="{C9E138DD-0041-4035-BB7E-145C274754A3}" dt="2020-01-01T19:56:28.436" v="7368" actId="20577"/>
-        <pc:sldMkLst>
-          <pc:docMk/>
-          <pc:sldMk cId="3800846885" sldId="272"/>
-        </pc:sldMkLst>
-        <pc:spChg chg="mod">
-          <ac:chgData name="Michael O'Donnell" userId="bb50bfc61f885e19" providerId="LiveId" clId="{C9E138DD-0041-4035-BB7E-145C274754A3}" dt="2020-01-01T19:56:28.436" v="7368" actId="20577"/>
-          <ac:spMkLst>
-            <pc:docMk/>
-            <pc:sldMk cId="3800846885" sldId="272"/>
-            <ac:spMk id="11" creationId="{879BE482-B1B6-46CF-ADFD-56F18600637B}"/>
-          </ac:spMkLst>
-        </pc:spChg>
-        <pc:spChg chg="del mod">
-          <ac:chgData name="Michael O'Donnell" userId="bb50bfc61f885e19" providerId="LiveId" clId="{C9E138DD-0041-4035-BB7E-145C274754A3}" dt="2019-12-31T11:52:16.393" v="5333" actId="478"/>
-          <ac:spMkLst>
-            <pc:docMk/>
-            <pc:sldMk cId="3800846885" sldId="272"/>
-            <ac:spMk id="15" creationId="{0C7B49B5-22E8-415D-B349-818E0FD8F4D0}"/>
-          </ac:spMkLst>
-        </pc:spChg>
-        <pc:picChg chg="add mod">
-          <ac:chgData name="Michael O'Donnell" userId="bb50bfc61f885e19" providerId="LiveId" clId="{C9E138DD-0041-4035-BB7E-145C274754A3}" dt="2019-12-31T11:53:21.553" v="5404" actId="1076"/>
-          <ac:picMkLst>
-            <pc:docMk/>
-            <pc:sldMk cId="3800846885" sldId="272"/>
-            <ac:picMk id="6" creationId="{A0E5130E-FBB6-437E-B29E-939C1A5614F9}"/>
-          </ac:picMkLst>
-        </pc:picChg>
-        <pc:picChg chg="mod">
-          <ac:chgData name="Michael O'Donnell" userId="bb50bfc61f885e19" providerId="LiveId" clId="{C9E138DD-0041-4035-BB7E-145C274754A3}" dt="2019-12-31T11:52:50.681" v="5385" actId="1036"/>
-          <ac:picMkLst>
-            <pc:docMk/>
-            <pc:sldMk cId="3800846885" sldId="272"/>
-            <ac:picMk id="9" creationId="{24D44132-80D3-4A77-9AD4-D40BF0D9C335}"/>
-          </ac:picMkLst>
-        </pc:picChg>
-        <pc:picChg chg="del mod">
-          <ac:chgData name="Michael O'Donnell" userId="bb50bfc61f885e19" providerId="LiveId" clId="{C9E138DD-0041-4035-BB7E-145C274754A3}" dt="2019-12-31T11:53:17.746" v="5402" actId="478"/>
-          <ac:picMkLst>
-            <pc:docMk/>
-            <pc:sldMk cId="3800846885" sldId="272"/>
-            <ac:picMk id="12" creationId="{08546A84-DEE7-4348-8301-D10E1A08AD24}"/>
-          </ac:picMkLst>
-        </pc:picChg>
-      </pc:sldChg>
-      <pc:sldChg chg="add del">
-        <pc:chgData name="Michael O'Donnell" userId="bb50bfc61f885e19" providerId="LiveId" clId="{C9E138DD-0041-4035-BB7E-145C274754A3}" dt="2019-12-31T11:46:01.476" v="4939"/>
-        <pc:sldMkLst>
-          <pc:docMk/>
-          <pc:sldMk cId="2033821053" sldId="273"/>
-        </pc:sldMkLst>
-      </pc:sldChg>
-      <pc:sldChg chg="addSp delSp modSp add">
-        <pc:chgData name="Michael O'Donnell" userId="bb50bfc61f885e19" providerId="LiveId" clId="{C9E138DD-0041-4035-BB7E-145C274754A3}" dt="2019-12-31T12:56:00.343" v="6191" actId="1036"/>
-        <pc:sldMkLst>
-          <pc:docMk/>
-          <pc:sldMk cId="3855330876" sldId="273"/>
-        </pc:sldMkLst>
-        <pc:spChg chg="mod">
-          <ac:chgData name="Michael O'Donnell" userId="bb50bfc61f885e19" providerId="LiveId" clId="{C9E138DD-0041-4035-BB7E-145C274754A3}" dt="2019-12-31T12:55:54.358" v="6187" actId="14100"/>
-          <ac:spMkLst>
-            <pc:docMk/>
-            <pc:sldMk cId="3855330876" sldId="273"/>
-            <ac:spMk id="7" creationId="{48F42861-174B-46EB-B5A3-138189A323D8}"/>
-          </ac:spMkLst>
-        </pc:spChg>
-        <pc:spChg chg="mod">
-          <ac:chgData name="Michael O'Donnell" userId="bb50bfc61f885e19" providerId="LiveId" clId="{C9E138DD-0041-4035-BB7E-145C274754A3}" dt="2019-12-31T12:56:00.343" v="6191" actId="1036"/>
-          <ac:spMkLst>
-            <pc:docMk/>
-            <pc:sldMk cId="3855330876" sldId="273"/>
-            <ac:spMk id="9" creationId="{2B043F70-14A2-4166-924A-4B71C6E39866}"/>
-          </ac:spMkLst>
-        </pc:spChg>
-        <pc:picChg chg="add mod ord">
-          <ac:chgData name="Michael O'Donnell" userId="bb50bfc61f885e19" providerId="LiveId" clId="{C9E138DD-0041-4035-BB7E-145C274754A3}" dt="2019-12-31T12:54:51.604" v="6151" actId="1076"/>
-          <ac:picMkLst>
-            <pc:docMk/>
-            <pc:sldMk cId="3855330876" sldId="273"/>
-            <ac:picMk id="3" creationId="{DE6BAE23-7530-455B-A0C2-F1FDB5431C79}"/>
-          </ac:picMkLst>
-        </pc:picChg>
-        <pc:picChg chg="del">
-          <ac:chgData name="Michael O'Donnell" userId="bb50bfc61f885e19" providerId="LiveId" clId="{C9E138DD-0041-4035-BB7E-145C274754A3}" dt="2019-12-31T12:54:23.968" v="6086" actId="478"/>
-          <ac:picMkLst>
-            <pc:docMk/>
-            <pc:sldMk cId="3855330876" sldId="273"/>
-            <ac:picMk id="4" creationId="{26CBF1E9-F886-41F5-A6F2-17CFDDC7AD12}"/>
-          </ac:picMkLst>
-        </pc:picChg>
-      </pc:sldChg>
-      <pc:sldChg chg="modSp add">
-        <pc:chgData name="Michael O'Donnell" userId="bb50bfc61f885e19" providerId="LiveId" clId="{C9E138DD-0041-4035-BB7E-145C274754A3}" dt="2020-01-01T19:38:15.598" v="6596" actId="20577"/>
-        <pc:sldMkLst>
-          <pc:docMk/>
-          <pc:sldMk cId="3827292106" sldId="274"/>
-        </pc:sldMkLst>
-        <pc:spChg chg="mod">
-          <ac:chgData name="Michael O'Donnell" userId="bb50bfc61f885e19" providerId="LiveId" clId="{C9E138DD-0041-4035-BB7E-145C274754A3}" dt="2020-01-01T19:38:15.598" v="6596" actId="20577"/>
-          <ac:spMkLst>
-            <pc:docMk/>
-            <pc:sldMk cId="3827292106" sldId="274"/>
-            <ac:spMk id="3" creationId="{C7F74014-2BBF-44B2-8A37-9FECFA4FAF2A}"/>
-          </ac:spMkLst>
-        </pc:spChg>
-      </pc:sldChg>
-      <pc:sldChg chg="add">
-        <pc:chgData name="Michael O'Donnell" userId="bb50bfc61f885e19" providerId="LiveId" clId="{C9E138DD-0041-4035-BB7E-145C274754A3}" dt="2020-01-01T19:43:41.343" v="6597"/>
-        <pc:sldMkLst>
-          <pc:docMk/>
-          <pc:sldMk cId="3942921402" sldId="275"/>
-        </pc:sldMkLst>
-      </pc:sldChg>
-      <pc:sldChg chg="modSp add ord">
-        <pc:chgData name="Michael O'Donnell" userId="bb50bfc61f885e19" providerId="LiveId" clId="{C9E138DD-0041-4035-BB7E-145C274754A3}" dt="2020-01-01T19:57:13.222" v="7388" actId="20577"/>
-        <pc:sldMkLst>
-          <pc:docMk/>
-          <pc:sldMk cId="2186078849" sldId="276"/>
-        </pc:sldMkLst>
-        <pc:spChg chg="mod">
-          <ac:chgData name="Michael O'Donnell" userId="bb50bfc61f885e19" providerId="LiveId" clId="{C9E138DD-0041-4035-BB7E-145C274754A3}" dt="2020-01-01T19:57:09.616" v="7383" actId="20577"/>
-          <ac:spMkLst>
-            <pc:docMk/>
-            <pc:sldMk cId="2186078849" sldId="276"/>
-            <ac:spMk id="2" creationId="{00000000-0000-0000-0000-000000000000}"/>
-          </ac:spMkLst>
-        </pc:spChg>
-        <pc:spChg chg="mod">
-          <ac:chgData name="Michael O'Donnell" userId="bb50bfc61f885e19" providerId="LiveId" clId="{C9E138DD-0041-4035-BB7E-145C274754A3}" dt="2020-01-01T19:57:13.222" v="7388" actId="20577"/>
-          <ac:spMkLst>
-            <pc:docMk/>
-            <pc:sldMk cId="2186078849" sldId="276"/>
-            <ac:spMk id="3" creationId="{00000000-0000-0000-0000-000000000000}"/>
-          </ac:spMkLst>
-        </pc:spChg>
-      </pc:sldChg>
-      <pc:sldChg chg="addSp delSp modSp add">
-        <pc:chgData name="Michael O'Donnell" userId="bb50bfc61f885e19" providerId="LiveId" clId="{C9E138DD-0041-4035-BB7E-145C274754A3}" dt="2020-01-01T20:24:42.015" v="8301" actId="20577"/>
-        <pc:sldMkLst>
-          <pc:docMk/>
-          <pc:sldMk cId="2363476921" sldId="277"/>
-        </pc:sldMkLst>
-        <pc:spChg chg="del">
-          <ac:chgData name="Michael O'Donnell" userId="bb50bfc61f885e19" providerId="LiveId" clId="{C9E138DD-0041-4035-BB7E-145C274754A3}" dt="2020-01-01T19:58:50.504" v="7425" actId="478"/>
-          <ac:spMkLst>
-            <pc:docMk/>
-            <pc:sldMk cId="2363476921" sldId="277"/>
-            <ac:spMk id="2" creationId="{153D7B5C-A7AF-4129-8DC1-6D523CCC15E9}"/>
-          </ac:spMkLst>
-        </pc:spChg>
-        <pc:spChg chg="del">
-          <ac:chgData name="Michael O'Donnell" userId="bb50bfc61f885e19" providerId="LiveId" clId="{C9E138DD-0041-4035-BB7E-145C274754A3}" dt="2020-01-01T19:58:50.504" v="7425" actId="478"/>
-          <ac:spMkLst>
-            <pc:docMk/>
-            <pc:sldMk cId="2363476921" sldId="277"/>
-            <ac:spMk id="3" creationId="{62FCA77C-22DC-4E3D-9BD8-2F664B247097}"/>
-          </ac:spMkLst>
-        </pc:spChg>
-        <pc:spChg chg="add mod">
-          <ac:chgData name="Michael O'Donnell" userId="bb50bfc61f885e19" providerId="LiveId" clId="{C9E138DD-0041-4035-BB7E-145C274754A3}" dt="2020-01-01T19:58:55.101" v="7429" actId="20577"/>
-          <ac:spMkLst>
-            <pc:docMk/>
-            <pc:sldMk cId="2363476921" sldId="277"/>
-            <ac:spMk id="5" creationId="{9416501F-0560-4FBD-B895-B45D4A859D51}"/>
-          </ac:spMkLst>
-        </pc:spChg>
-        <pc:spChg chg="add del mod">
-          <ac:chgData name="Michael O'Donnell" userId="bb50bfc61f885e19" providerId="LiveId" clId="{C9E138DD-0041-4035-BB7E-145C274754A3}" dt="2020-01-01T20:16:09.862" v="7622" actId="478"/>
-          <ac:spMkLst>
-            <pc:docMk/>
-            <pc:sldMk cId="2363476921" sldId="277"/>
-            <ac:spMk id="13" creationId="{21950C4A-43DC-41D7-A2D3-17DE5F6D5177}"/>
-          </ac:spMkLst>
-        </pc:spChg>
-        <pc:spChg chg="add mod">
-          <ac:chgData name="Michael O'Donnell" userId="bb50bfc61f885e19" providerId="LiveId" clId="{C9E138DD-0041-4035-BB7E-145C274754A3}" dt="2020-01-01T20:24:42.015" v="8301" actId="20577"/>
-          <ac:spMkLst>
-            <pc:docMk/>
-            <pc:sldMk cId="2363476921" sldId="277"/>
-            <ac:spMk id="14" creationId="{EB97E132-C0D0-4167-9FD5-D6F7545145B9}"/>
-          </ac:spMkLst>
-        </pc:spChg>
-        <pc:spChg chg="add mod">
-          <ac:chgData name="Michael O'Donnell" userId="bb50bfc61f885e19" providerId="LiveId" clId="{C9E138DD-0041-4035-BB7E-145C274754A3}" dt="2020-01-01T20:17:28.496" v="7652" actId="1035"/>
-          <ac:spMkLst>
-            <pc:docMk/>
-            <pc:sldMk cId="2363476921" sldId="277"/>
-            <ac:spMk id="15" creationId="{A5D2120A-A769-4D78-BE27-3B4C1EAF242F}"/>
-          </ac:spMkLst>
-        </pc:spChg>
-        <pc:spChg chg="add mod">
-          <ac:chgData name="Michael O'Donnell" userId="bb50bfc61f885e19" providerId="LiveId" clId="{C9E138DD-0041-4035-BB7E-145C274754A3}" dt="2020-01-01T20:17:28.496" v="7652" actId="1035"/>
-          <ac:spMkLst>
-            <pc:docMk/>
-            <pc:sldMk cId="2363476921" sldId="277"/>
-            <ac:spMk id="16" creationId="{2D4B7B98-6C1C-4D93-A2D2-AA8C717B6D89}"/>
-          </ac:spMkLst>
-        </pc:spChg>
-        <pc:spChg chg="del">
-          <ac:chgData name="Michael O'Donnell" userId="bb50bfc61f885e19" providerId="LiveId" clId="{C9E138DD-0041-4035-BB7E-145C274754A3}" dt="2020-01-01T19:58:50.504" v="7425" actId="478"/>
-          <ac:spMkLst>
-            <pc:docMk/>
-            <pc:sldMk cId="2363476921" sldId="277"/>
-            <ac:spMk id="17" creationId="{273E8F8D-C086-4FEB-823A-E9ABEC437EB2}"/>
-          </ac:spMkLst>
-        </pc:spChg>
-        <pc:spChg chg="add mod">
-          <ac:chgData name="Michael O'Donnell" userId="bb50bfc61f885e19" providerId="LiveId" clId="{C9E138DD-0041-4035-BB7E-145C274754A3}" dt="2020-01-01T20:23:35.989" v="8234" actId="20577"/>
-          <ac:spMkLst>
-            <pc:docMk/>
-            <pc:sldMk cId="2363476921" sldId="277"/>
-            <ac:spMk id="18" creationId="{A22CFF1D-C6C6-404F-829C-7F2637D1FD28}"/>
-          </ac:spMkLst>
-        </pc:spChg>
-        <pc:spChg chg="del">
-          <ac:chgData name="Michael O'Donnell" userId="bb50bfc61f885e19" providerId="LiveId" clId="{C9E138DD-0041-4035-BB7E-145C274754A3}" dt="2020-01-01T19:58:50.504" v="7425" actId="478"/>
-          <ac:spMkLst>
-            <pc:docMk/>
-            <pc:sldMk cId="2363476921" sldId="277"/>
-            <ac:spMk id="19" creationId="{B081367D-E8D7-4075-ACFA-73ED161513B6}"/>
-          </ac:spMkLst>
-        </pc:spChg>
-        <pc:spChg chg="del">
-          <ac:chgData name="Michael O'Donnell" userId="bb50bfc61f885e19" providerId="LiveId" clId="{C9E138DD-0041-4035-BB7E-145C274754A3}" dt="2020-01-01T19:58:50.504" v="7425" actId="478"/>
-          <ac:spMkLst>
-            <pc:docMk/>
-            <pc:sldMk cId="2363476921" sldId="277"/>
-            <ac:spMk id="20" creationId="{68C859CF-2087-4B70-93FC-E56329D22CE3}"/>
-          </ac:spMkLst>
-        </pc:spChg>
-        <pc:spChg chg="del mod">
-          <ac:chgData name="Michael O'Donnell" userId="bb50bfc61f885e19" providerId="LiveId" clId="{C9E138DD-0041-4035-BB7E-145C274754A3}" dt="2020-01-01T19:58:56.852" v="7430" actId="478"/>
-          <ac:spMkLst>
-            <pc:docMk/>
-            <pc:sldMk cId="2363476921" sldId="277"/>
-            <ac:spMk id="22" creationId="{4E86919F-92EF-4B21-98FA-D139F0D33AE3}"/>
-          </ac:spMkLst>
-        </pc:spChg>
-        <pc:spChg chg="mod">
-          <ac:chgData name="Michael O'Donnell" userId="bb50bfc61f885e19" providerId="LiveId" clId="{C9E138DD-0041-4035-BB7E-145C274754A3}" dt="2020-01-01T20:17:28.496" v="7652" actId="1035"/>
-          <ac:spMkLst>
-            <pc:docMk/>
-            <pc:sldMk cId="2363476921" sldId="277"/>
-            <ac:spMk id="23" creationId="{CBCD20BF-A0DF-4355-8E74-596BF5C11101}"/>
-          </ac:spMkLst>
-        </pc:spChg>
-        <pc:spChg chg="mod">
-          <ac:chgData name="Michael O'Donnell" userId="bb50bfc61f885e19" providerId="LiveId" clId="{C9E138DD-0041-4035-BB7E-145C274754A3}" dt="2020-01-01T20:17:28.496" v="7652" actId="1035"/>
-          <ac:spMkLst>
-            <pc:docMk/>
-            <pc:sldMk cId="2363476921" sldId="277"/>
-            <ac:spMk id="24" creationId="{EA6FB442-3536-4A84-B62E-7034EEB1866E}"/>
-          </ac:spMkLst>
-        </pc:spChg>
-        <pc:spChg chg="mod">
-          <ac:chgData name="Michael O'Donnell" userId="bb50bfc61f885e19" providerId="LiveId" clId="{C9E138DD-0041-4035-BB7E-145C274754A3}" dt="2020-01-01T20:17:28.496" v="7652" actId="1035"/>
-          <ac:spMkLst>
-            <pc:docMk/>
-            <pc:sldMk cId="2363476921" sldId="277"/>
-            <ac:spMk id="28" creationId="{6C0D7AFD-524A-481C-B2C5-0C0172E81939}"/>
-          </ac:spMkLst>
-        </pc:spChg>
-      </pc:sldChg>
-    </pc:docChg>
-  </pc:docChgLst>
-</pc:chgInfo>
 </file>
 
 <file path=ppt/slideLayouts/slideLayout1.xml><?xml version="1.0" encoding="utf-8"?>
@@ -2053,7 +188,6 @@
               <a:rPr lang="en-US"/>
               <a:t>Click to edit Master title style</a:t>
             </a:r>
-            <a:endParaRPr lang="en-US" dirty="0"/>
           </a:p>
         </p:txBody>
       </p:sp>
@@ -2118,7 +252,6 @@
               <a:rPr lang="en-US"/>
               <a:t>Click to edit Master subtitle style</a:t>
             </a:r>
-            <a:endParaRPr lang="en-US" dirty="0"/>
           </a:p>
         </p:txBody>
       </p:sp>
@@ -2139,7 +272,7 @@
           <a:p>
             <a:fld id="{846CE7D5-CF57-46EF-B807-FDD0502418D4}" type="datetimeFigureOut">
               <a:rPr lang="en-US" smtClean="0"/>
-              <a:t>1/1/2020</a:t>
+              <a:t>1/22/2020</a:t>
             </a:fld>
             <a:endParaRPr lang="en-US"/>
           </a:p>
@@ -2236,7 +369,6 @@
               <a:rPr lang="en-US"/>
               <a:t>Click to edit Master title style</a:t>
             </a:r>
-            <a:endParaRPr lang="en-US" dirty="0"/>
           </a:p>
         </p:txBody>
       </p:sp>
@@ -2288,7 +420,6 @@
               <a:rPr lang="en-US"/>
               <a:t>Fifth level</a:t>
             </a:r>
-            <a:endParaRPr lang="en-US" dirty="0"/>
           </a:p>
         </p:txBody>
       </p:sp>
@@ -2309,7 +440,7 @@
           <a:p>
             <a:fld id="{846CE7D5-CF57-46EF-B807-FDD0502418D4}" type="datetimeFigureOut">
               <a:rPr lang="en-US" smtClean="0"/>
-              <a:t>1/1/2020</a:t>
+              <a:t>1/22/2020</a:t>
             </a:fld>
             <a:endParaRPr lang="en-US"/>
           </a:p>
@@ -2411,7 +542,6 @@
               <a:rPr lang="en-US"/>
               <a:t>Click to edit Master title style</a:t>
             </a:r>
-            <a:endParaRPr lang="en-US" dirty="0"/>
           </a:p>
         </p:txBody>
       </p:sp>
@@ -2468,7 +598,6 @@
               <a:rPr lang="en-US"/>
               <a:t>Fifth level</a:t>
             </a:r>
-            <a:endParaRPr lang="en-US" dirty="0"/>
           </a:p>
         </p:txBody>
       </p:sp>
@@ -2489,7 +618,7 @@
           <a:p>
             <a:fld id="{846CE7D5-CF57-46EF-B807-FDD0502418D4}" type="datetimeFigureOut">
               <a:rPr lang="en-US" smtClean="0"/>
-              <a:t>1/1/2020</a:t>
+              <a:t>1/22/2020</a:t>
             </a:fld>
             <a:endParaRPr lang="en-US"/>
           </a:p>
@@ -2586,7 +715,6 @@
               <a:rPr lang="en-US"/>
               <a:t>Click to edit Master title style</a:t>
             </a:r>
-            <a:endParaRPr lang="en-US" dirty="0"/>
           </a:p>
         </p:txBody>
       </p:sp>
@@ -2638,7 +766,6 @@
               <a:rPr lang="en-US"/>
               <a:t>Fifth level</a:t>
             </a:r>
-            <a:endParaRPr lang="en-US" dirty="0"/>
           </a:p>
         </p:txBody>
       </p:sp>
@@ -2659,7 +786,7 @@
           <a:p>
             <a:fld id="{846CE7D5-CF57-46EF-B807-FDD0502418D4}" type="datetimeFigureOut">
               <a:rPr lang="en-US" smtClean="0"/>
-              <a:t>1/1/2020</a:t>
+              <a:t>1/22/2020</a:t>
             </a:fld>
             <a:endParaRPr lang="en-US"/>
           </a:p>
@@ -2765,7 +892,6 @@
               <a:rPr lang="en-US"/>
               <a:t>Click to edit Master title style</a:t>
             </a:r>
-            <a:endParaRPr lang="en-US" dirty="0"/>
           </a:p>
         </p:txBody>
       </p:sp>
@@ -2905,7 +1031,7 @@
           <a:p>
             <a:fld id="{846CE7D5-CF57-46EF-B807-FDD0502418D4}" type="datetimeFigureOut">
               <a:rPr lang="en-US" smtClean="0"/>
-              <a:t>1/1/2020</a:t>
+              <a:t>1/22/2020</a:t>
             </a:fld>
             <a:endParaRPr lang="en-US"/>
           </a:p>
@@ -3002,7 +1128,6 @@
               <a:rPr lang="en-US"/>
               <a:t>Click to edit Master title style</a:t>
             </a:r>
-            <a:endParaRPr lang="en-US" dirty="0"/>
           </a:p>
         </p:txBody>
       </p:sp>
@@ -3059,7 +1184,6 @@
               <a:rPr lang="en-US"/>
               <a:t>Fifth level</a:t>
             </a:r>
-            <a:endParaRPr lang="en-US" dirty="0"/>
           </a:p>
         </p:txBody>
       </p:sp>
@@ -3116,7 +1240,6 @@
               <a:rPr lang="en-US"/>
               <a:t>Fifth level</a:t>
             </a:r>
-            <a:endParaRPr lang="en-US" dirty="0"/>
           </a:p>
         </p:txBody>
       </p:sp>
@@ -3137,7 +1260,7 @@
           <a:p>
             <a:fld id="{846CE7D5-CF57-46EF-B807-FDD0502418D4}" type="datetimeFigureOut">
               <a:rPr lang="en-US" smtClean="0"/>
-              <a:t>1/1/2020</a:t>
+              <a:t>1/22/2020</a:t>
             </a:fld>
             <a:endParaRPr lang="en-US"/>
           </a:p>
@@ -3239,7 +1362,6 @@
               <a:rPr lang="en-US"/>
               <a:t>Click to edit Master title style</a:t>
             </a:r>
-            <a:endParaRPr lang="en-US" dirty="0"/>
           </a:p>
         </p:txBody>
       </p:sp>
@@ -3361,7 +1483,6 @@
               <a:rPr lang="en-US"/>
               <a:t>Fifth level</a:t>
             </a:r>
-            <a:endParaRPr lang="en-US" dirty="0"/>
           </a:p>
         </p:txBody>
       </p:sp>
@@ -3483,7 +1604,6 @@
               <a:rPr lang="en-US"/>
               <a:t>Fifth level</a:t>
             </a:r>
-            <a:endParaRPr lang="en-US" dirty="0"/>
           </a:p>
         </p:txBody>
       </p:sp>
@@ -3504,7 +1624,7 @@
           <a:p>
             <a:fld id="{846CE7D5-CF57-46EF-B807-FDD0502418D4}" type="datetimeFigureOut">
               <a:rPr lang="en-US" smtClean="0"/>
-              <a:t>1/1/2020</a:t>
+              <a:t>1/22/2020</a:t>
             </a:fld>
             <a:endParaRPr lang="en-US"/>
           </a:p>
@@ -3601,7 +1721,6 @@
               <a:rPr lang="en-US"/>
               <a:t>Click to edit Master title style</a:t>
             </a:r>
-            <a:endParaRPr lang="en-US" dirty="0"/>
           </a:p>
         </p:txBody>
       </p:sp>
@@ -3622,7 +1741,7 @@
           <a:p>
             <a:fld id="{846CE7D5-CF57-46EF-B807-FDD0502418D4}" type="datetimeFigureOut">
               <a:rPr lang="en-US" smtClean="0"/>
-              <a:t>1/1/2020</a:t>
+              <a:t>1/22/2020</a:t>
             </a:fld>
             <a:endParaRPr lang="en-US"/>
           </a:p>
@@ -3717,7 +1836,7 @@
           <a:p>
             <a:fld id="{846CE7D5-CF57-46EF-B807-FDD0502418D4}" type="datetimeFigureOut">
               <a:rPr lang="en-US" smtClean="0"/>
-              <a:t>1/1/2020</a:t>
+              <a:t>1/22/2020</a:t>
             </a:fld>
             <a:endParaRPr lang="en-US"/>
           </a:p>
@@ -3823,7 +1942,6 @@
               <a:rPr lang="en-US"/>
               <a:t>Click to edit Master title style</a:t>
             </a:r>
-            <a:endParaRPr lang="en-US" dirty="0"/>
           </a:p>
         </p:txBody>
       </p:sp>
@@ -3908,7 +2026,6 @@
               <a:rPr lang="en-US"/>
               <a:t>Fifth level</a:t>
             </a:r>
-            <a:endParaRPr lang="en-US" dirty="0"/>
           </a:p>
         </p:txBody>
       </p:sp>
@@ -3994,7 +2111,7 @@
           <a:p>
             <a:fld id="{846CE7D5-CF57-46EF-B807-FDD0502418D4}" type="datetimeFigureOut">
               <a:rPr lang="en-US" smtClean="0"/>
-              <a:t>1/1/2020</a:t>
+              <a:t>1/22/2020</a:t>
             </a:fld>
             <a:endParaRPr lang="en-US"/>
           </a:p>
@@ -4100,7 +2217,6 @@
               <a:rPr lang="en-US"/>
               <a:t>Click to edit Master title style</a:t>
             </a:r>
-            <a:endParaRPr lang="en-US" dirty="0"/>
           </a:p>
         </p:txBody>
       </p:sp>
@@ -4165,7 +2281,6 @@
               <a:rPr lang="en-US"/>
               <a:t>Click icon to add picture</a:t>
             </a:r>
-            <a:endParaRPr lang="en-US" dirty="0"/>
           </a:p>
         </p:txBody>
       </p:sp>
@@ -4251,7 +2366,7 @@
           <a:p>
             <a:fld id="{846CE7D5-CF57-46EF-B807-FDD0502418D4}" type="datetimeFigureOut">
               <a:rPr lang="en-US" smtClean="0"/>
-              <a:t>1/1/2020</a:t>
+              <a:t>1/22/2020</a:t>
             </a:fld>
             <a:endParaRPr lang="en-US"/>
           </a:p>
@@ -4363,7 +2478,6 @@
               <a:rPr lang="en-US"/>
               <a:t>Click to edit Master title style</a:t>
             </a:r>
-            <a:endParaRPr lang="en-US" dirty="0"/>
           </a:p>
         </p:txBody>
       </p:sp>
@@ -4425,7 +2539,6 @@
               <a:rPr lang="en-US"/>
               <a:t>Fifth level</a:t>
             </a:r>
-            <a:endParaRPr lang="en-US" dirty="0"/>
           </a:p>
         </p:txBody>
       </p:sp>
@@ -4464,7 +2577,7 @@
           <a:p>
             <a:fld id="{846CE7D5-CF57-46EF-B807-FDD0502418D4}" type="datetimeFigureOut">
               <a:rPr lang="en-US" smtClean="0"/>
-              <a:t>1/1/2020</a:t>
+              <a:t>1/22/2020</a:t>
             </a:fld>
             <a:endParaRPr lang="en-US"/>
           </a:p>
@@ -4890,12 +3003,12 @@
           <a:lstStyle/>
           <a:p>
             <a:r>
-              <a:rPr lang="en-US" dirty="0">
+              <a:rPr lang="en-US">
                 <a:cs typeface="Calibri Light"/>
               </a:rPr>
               <a:t>A Christmas Miracle</a:t>
             </a:r>
-            <a:endParaRPr lang="en-US" dirty="0"/>
+            <a:endParaRPr lang="en-US"/>
           </a:p>
         </p:txBody>
       </p:sp>
@@ -4917,12 +3030,12 @@
           <a:lstStyle/>
           <a:p>
             <a:r>
-              <a:rPr lang="en-US" dirty="0">
+              <a:rPr lang="en-US">
                 <a:cs typeface="Calibri"/>
               </a:rPr>
               <a:t>Michael O'Donnell</a:t>
             </a:r>
-            <a:endParaRPr lang="en-US" dirty="0"/>
+            <a:endParaRPr lang="en-US"/>
           </a:p>
         </p:txBody>
       </p:sp>
@@ -4942,6 +3055,14 @@
 <file path=ppt/slides/slide10.xml><?xml version="1.0" encoding="utf-8"?>
 <p:sld xmlns:a="http://schemas.openxmlformats.org/drawingml/2006/main" xmlns:r="http://schemas.openxmlformats.org/officeDocument/2006/relationships" xmlns:p="http://schemas.openxmlformats.org/presentationml/2006/main">
   <p:cSld>
+    <p:bg>
+      <p:bgPr>
+        <a:solidFill>
+          <a:schemeClr val="tx1"/>
+        </a:solidFill>
+        <a:effectLst/>
+      </p:bgPr>
+    </p:bg>
     <p:spTree>
       <p:nvGrpSpPr>
         <p:cNvPr id="1" name=""/>
@@ -4956,352 +3077,55 @@
           <a:chExt cx="0" cy="0"/>
         </a:xfrm>
       </p:grpSpPr>
-      <p:pic>
-        <p:nvPicPr>
-          <p:cNvPr id="9" name="Picture 8">
-            <a:extLst>
-              <a:ext uri="{FF2B5EF4-FFF2-40B4-BE49-F238E27FC236}">
-                <a16:creationId xmlns:a16="http://schemas.microsoft.com/office/drawing/2014/main" id="{24D44132-80D3-4A77-9AD4-D40BF0D9C335}"/>
-              </a:ext>
-            </a:extLst>
-          </p:cNvPr>
-          <p:cNvPicPr>
-            <a:picLocks noChangeAspect="1"/>
-          </p:cNvPicPr>
-          <p:nvPr/>
-        </p:nvPicPr>
-        <p:blipFill>
-          <a:blip r:embed="rId2">
-            <a:extLst>
-              <a:ext uri="{28A0092B-C50C-407E-A947-70E740481C1C}">
-                <a14:useLocalDpi xmlns:a14="http://schemas.microsoft.com/office/drawing/2010/main" val="0"/>
-              </a:ext>
-            </a:extLst>
-          </a:blip>
-          <a:stretch>
-            <a:fillRect/>
-          </a:stretch>
-        </p:blipFill>
-        <p:spPr>
-          <a:xfrm>
-            <a:off x="-512179" y="-162045"/>
-            <a:ext cx="6858000" cy="6858000"/>
-          </a:xfrm>
-          <a:prstGeom prst="rect">
-            <a:avLst/>
-          </a:prstGeom>
-        </p:spPr>
-      </p:pic>
-      <p:pic>
-        <p:nvPicPr>
-          <p:cNvPr id="7" name="Picture 6">
-            <a:extLst>
-              <a:ext uri="{FF2B5EF4-FFF2-40B4-BE49-F238E27FC236}">
-                <a16:creationId xmlns:a16="http://schemas.microsoft.com/office/drawing/2014/main" id="{B9625CE9-FA93-425B-BC5B-D0F5B1193ECF}"/>
-              </a:ext>
-            </a:extLst>
-          </p:cNvPr>
-          <p:cNvPicPr>
-            <a:picLocks noChangeAspect="1"/>
-          </p:cNvPicPr>
-          <p:nvPr/>
-        </p:nvPicPr>
-        <p:blipFill>
-          <a:blip r:embed="rId2">
-            <a:extLst>
-              <a:ext uri="{28A0092B-C50C-407E-A947-70E740481C1C}">
-                <a14:useLocalDpi xmlns:a14="http://schemas.microsoft.com/office/drawing/2010/main" val="0"/>
-              </a:ext>
-            </a:extLst>
-          </a:blip>
-          <a:stretch>
-            <a:fillRect/>
-          </a:stretch>
-        </p:blipFill>
-        <p:spPr>
-          <a:xfrm>
-            <a:off x="5757441" y="-162045"/>
-            <a:ext cx="6858000" cy="6858000"/>
-          </a:xfrm>
-          <a:prstGeom prst="rect">
-            <a:avLst/>
-          </a:prstGeom>
-        </p:spPr>
-      </p:pic>
-      <p:pic>
-        <p:nvPicPr>
-          <p:cNvPr id="8" name="Picture 7">
-            <a:extLst>
-              <a:ext uri="{FF2B5EF4-FFF2-40B4-BE49-F238E27FC236}">
-                <a16:creationId xmlns:a16="http://schemas.microsoft.com/office/drawing/2014/main" id="{D19AB6A2-AFBF-4064-8223-AC40EED809AC}"/>
-              </a:ext>
-            </a:extLst>
-          </p:cNvPr>
-          <p:cNvPicPr>
-            <a:picLocks noChangeAspect="1"/>
-          </p:cNvPicPr>
-          <p:nvPr/>
-        </p:nvPicPr>
-        <p:blipFill>
-          <a:blip r:embed="rId2">
-            <a:extLst>
-              <a:ext uri="{28A0092B-C50C-407E-A947-70E740481C1C}">
-                <a14:useLocalDpi xmlns:a14="http://schemas.microsoft.com/office/drawing/2010/main" val="0"/>
-              </a:ext>
-            </a:extLst>
-          </a:blip>
-          <a:stretch>
-            <a:fillRect/>
-          </a:stretch>
-        </p:blipFill>
-        <p:spPr>
-          <a:xfrm>
-            <a:off x="2622631" y="-162045"/>
-            <a:ext cx="6858000" cy="6858000"/>
-          </a:xfrm>
-          <a:prstGeom prst="rect">
-            <a:avLst/>
-          </a:prstGeom>
-        </p:spPr>
-      </p:pic>
-      <p:pic>
-        <p:nvPicPr>
-          <p:cNvPr id="12" name="Picture 11">
-            <a:extLst>
-              <a:ext uri="{FF2B5EF4-FFF2-40B4-BE49-F238E27FC236}">
-                <a16:creationId xmlns:a16="http://schemas.microsoft.com/office/drawing/2014/main" id="{08546A84-DEE7-4348-8301-D10E1A08AD24}"/>
-              </a:ext>
-            </a:extLst>
-          </p:cNvPr>
-          <p:cNvPicPr>
-            <a:picLocks noChangeAspect="1"/>
-          </p:cNvPicPr>
-          <p:nvPr/>
-        </p:nvPicPr>
-        <p:blipFill>
-          <a:blip r:embed="rId3">
-            <a:extLst>
-              <a:ext uri="{28A0092B-C50C-407E-A947-70E740481C1C}">
-                <a14:useLocalDpi xmlns:a14="http://schemas.microsoft.com/office/drawing/2010/main" val="0"/>
-              </a:ext>
-            </a:extLst>
-          </a:blip>
-          <a:stretch>
-            <a:fillRect/>
-          </a:stretch>
-        </p:blipFill>
-        <p:spPr>
-          <a:xfrm>
-            <a:off x="1640714" y="1046992"/>
-            <a:ext cx="2546649" cy="4527375"/>
-          </a:xfrm>
-          <a:prstGeom prst="rect">
-            <a:avLst/>
-          </a:prstGeom>
-        </p:spPr>
-      </p:pic>
-      <p:pic>
-        <p:nvPicPr>
-          <p:cNvPr id="14" name="Picture 13">
-            <a:extLst>
-              <a:ext uri="{FF2B5EF4-FFF2-40B4-BE49-F238E27FC236}">
-                <a16:creationId xmlns:a16="http://schemas.microsoft.com/office/drawing/2014/main" id="{00031C44-814F-446C-A5A5-A3717D45E194}"/>
-              </a:ext>
-            </a:extLst>
-          </p:cNvPr>
-          <p:cNvPicPr>
-            <a:picLocks noChangeAspect="1"/>
-          </p:cNvPicPr>
-          <p:nvPr/>
-        </p:nvPicPr>
-        <p:blipFill>
-          <a:blip r:embed="rId4">
-            <a:extLst>
-              <a:ext uri="{28A0092B-C50C-407E-A947-70E740481C1C}">
-                <a14:useLocalDpi xmlns:a14="http://schemas.microsoft.com/office/drawing/2010/main" val="0"/>
-              </a:ext>
-            </a:extLst>
-          </a:blip>
-          <a:stretch>
-            <a:fillRect/>
-          </a:stretch>
-        </p:blipFill>
-        <p:spPr>
-          <a:xfrm>
-            <a:off x="4775524" y="1046992"/>
-            <a:ext cx="2546649" cy="4527376"/>
-          </a:xfrm>
-          <a:prstGeom prst="rect">
-            <a:avLst/>
-          </a:prstGeom>
-        </p:spPr>
-      </p:pic>
-      <p:sp>
-        <p:nvSpPr>
-          <p:cNvPr id="15" name="Rectangle 14">
-            <a:extLst>
-              <a:ext uri="{FF2B5EF4-FFF2-40B4-BE49-F238E27FC236}">
-                <a16:creationId xmlns:a16="http://schemas.microsoft.com/office/drawing/2014/main" id="{0C7B49B5-22E8-415D-B349-818E0FD8F4D0}"/>
-              </a:ext>
-            </a:extLst>
-          </p:cNvPr>
-          <p:cNvSpPr/>
-          <p:nvPr/>
-        </p:nvSpPr>
-        <p:spPr>
-          <a:xfrm>
-            <a:off x="1640714" y="6269542"/>
-            <a:ext cx="2546649" cy="369332"/>
-          </a:xfrm>
-          <a:prstGeom prst="rect">
-            <a:avLst/>
-          </a:prstGeom>
-        </p:spPr>
-        <p:txBody>
-          <a:bodyPr wrap="square">
-            <a:spAutoFit/>
+      <p:sp>
+        <p:nvSpPr>
+          <p:cNvPr id="2" name="Title 1">
+            <a:extLst>
+              <a:ext uri="{FF2B5EF4-FFF2-40B4-BE49-F238E27FC236}">
+                <a16:creationId xmlns:a16="http://schemas.microsoft.com/office/drawing/2014/main" id="{153D7B5C-A7AF-4129-8DC1-6D523CCC15E9}"/>
+              </a:ext>
+            </a:extLst>
+          </p:cNvPr>
+          <p:cNvSpPr>
+            <a:spLocks noGrp="1"/>
+          </p:cNvSpPr>
+          <p:nvPr>
+            <p:ph type="title"/>
+          </p:nvPr>
+        </p:nvSpPr>
+        <p:spPr>
+          <a:xfrm>
+            <a:off x="3690605" y="2616320"/>
+            <a:ext cx="4803636" cy="1311664"/>
+          </a:xfrm>
+        </p:spPr>
+        <p:txBody>
+          <a:bodyPr>
+            <a:normAutofit/>
           </a:bodyPr>
           <a:lstStyle/>
           <a:p>
             <a:pPr algn="ctr"/>
             <a:r>
-              <a:rPr lang="en-US" dirty="0">
-                <a:solidFill>
-                  <a:srgbClr val="000000"/>
-                </a:solidFill>
-                <a:ea typeface="+mn-lt"/>
-                <a:cs typeface="+mn-lt"/>
-              </a:rPr>
-              <a:t>Help Center</a:t>
-            </a:r>
-            <a:endParaRPr lang="en-US" b="1" dirty="0"/>
-          </a:p>
-        </p:txBody>
-      </p:sp>
-      <p:sp>
-        <p:nvSpPr>
-          <p:cNvPr id="16" name="Rectangle 15">
-            <a:extLst>
-              <a:ext uri="{FF2B5EF4-FFF2-40B4-BE49-F238E27FC236}">
-                <a16:creationId xmlns:a16="http://schemas.microsoft.com/office/drawing/2014/main" id="{A03E7C94-BB82-4C73-B680-9A8D9FACD78C}"/>
-              </a:ext>
-            </a:extLst>
-          </p:cNvPr>
-          <p:cNvSpPr/>
-          <p:nvPr/>
-        </p:nvSpPr>
-        <p:spPr>
-          <a:xfrm>
-            <a:off x="4775523" y="6267535"/>
-            <a:ext cx="2546649" cy="369332"/>
-          </a:xfrm>
-          <a:prstGeom prst="rect">
-            <a:avLst/>
-          </a:prstGeom>
-        </p:spPr>
-        <p:txBody>
-          <a:bodyPr wrap="square">
-            <a:spAutoFit/>
-          </a:bodyPr>
-          <a:lstStyle/>
-          <a:p>
-            <a:pPr algn="ctr"/>
-            <a:r>
-              <a:rPr lang="en-US" dirty="0">
-                <a:solidFill>
-                  <a:srgbClr val="000000"/>
-                </a:solidFill>
-                <a:ea typeface="+mn-lt"/>
-                <a:cs typeface="+mn-lt"/>
-              </a:rPr>
-              <a:t>Live Chat</a:t>
-            </a:r>
-            <a:endParaRPr lang="en-US" b="1" dirty="0"/>
-          </a:p>
-        </p:txBody>
-      </p:sp>
-      <p:sp>
-        <p:nvSpPr>
-          <p:cNvPr id="17" name="Rectangle 16">
-            <a:extLst>
-              <a:ext uri="{FF2B5EF4-FFF2-40B4-BE49-F238E27FC236}">
-                <a16:creationId xmlns:a16="http://schemas.microsoft.com/office/drawing/2014/main" id="{D3CBD303-7761-4619-B2BC-2A1D26A0A11D}"/>
-              </a:ext>
-            </a:extLst>
-          </p:cNvPr>
-          <p:cNvSpPr/>
-          <p:nvPr/>
-        </p:nvSpPr>
-        <p:spPr>
-          <a:xfrm>
-            <a:off x="7910332" y="6267535"/>
-            <a:ext cx="2546649" cy="369332"/>
-          </a:xfrm>
-          <a:prstGeom prst="rect">
-            <a:avLst/>
-          </a:prstGeom>
-        </p:spPr>
-        <p:txBody>
-          <a:bodyPr wrap="square">
-            <a:spAutoFit/>
-          </a:bodyPr>
-          <a:lstStyle/>
-          <a:p>
-            <a:pPr algn="ctr"/>
-            <a:r>
-              <a:rPr lang="en-US" dirty="0">
-                <a:solidFill>
-                  <a:srgbClr val="000000"/>
-                </a:solidFill>
-                <a:ea typeface="+mn-lt"/>
-                <a:cs typeface="+mn-lt"/>
-              </a:rPr>
-              <a:t>Open Tickets</a:t>
-            </a:r>
-            <a:endParaRPr lang="en-US" b="1" dirty="0"/>
-          </a:p>
-        </p:txBody>
-      </p:sp>
-      <p:pic>
-        <p:nvPicPr>
-          <p:cNvPr id="19" name="Picture 18">
-            <a:extLst>
-              <a:ext uri="{FF2B5EF4-FFF2-40B4-BE49-F238E27FC236}">
-                <a16:creationId xmlns:a16="http://schemas.microsoft.com/office/drawing/2014/main" id="{9E485281-12B7-4B41-AB10-614BE99C4123}"/>
-              </a:ext>
-            </a:extLst>
-          </p:cNvPr>
-          <p:cNvPicPr>
-            <a:picLocks noChangeAspect="1"/>
-          </p:cNvPicPr>
-          <p:nvPr/>
-        </p:nvPicPr>
-        <p:blipFill>
-          <a:blip r:embed="rId5">
-            <a:extLst>
-              <a:ext uri="{28A0092B-C50C-407E-A947-70E740481C1C}">
-                <a14:useLocalDpi xmlns:a14="http://schemas.microsoft.com/office/drawing/2010/main" val="0"/>
-              </a:ext>
-            </a:extLst>
-          </a:blip>
-          <a:stretch>
-            <a:fillRect/>
-          </a:stretch>
-        </p:blipFill>
-        <p:spPr>
-          <a:xfrm>
-            <a:off x="7910333" y="1046992"/>
-            <a:ext cx="2546648" cy="4527375"/>
-          </a:xfrm>
-          <a:prstGeom prst="rect">
-            <a:avLst/>
-          </a:prstGeom>
-        </p:spPr>
-      </p:pic>
+              <a:rPr lang="en-US">
+                <a:solidFill>
+                  <a:schemeClr val="bg1"/>
+                </a:solidFill>
+                <a:ea typeface="+mj-lt"/>
+                <a:cs typeface="+mj-lt"/>
+              </a:rPr>
+              <a:t>DEMO</a:t>
+            </a:r>
+            <a:endParaRPr lang="en-US">
+              <a:cs typeface="Calibri Light" panose="020F0302020204030204"/>
+            </a:endParaRPr>
+          </a:p>
+        </p:txBody>
+      </p:sp>
     </p:spTree>
     <p:extLst>
       <p:ext uri="{BB962C8B-B14F-4D97-AF65-F5344CB8AC3E}">
-        <p14:creationId xmlns:p14="http://schemas.microsoft.com/office/powerpoint/2010/main" val="379652001"/>
+        <p14:creationId xmlns:p14="http://schemas.microsoft.com/office/powerpoint/2010/main" val="1313486791"/>
       </p:ext>
     </p:extLst>
   </p:cSld>
@@ -5356,7 +3180,79 @@
         </p:blipFill>
         <p:spPr>
           <a:xfrm>
-            <a:off x="-512179" y="11580"/>
+            <a:off x="-512179" y="-162045"/>
+            <a:ext cx="6858000" cy="6858000"/>
+          </a:xfrm>
+          <a:prstGeom prst="rect">
+            <a:avLst/>
+          </a:prstGeom>
+        </p:spPr>
+      </p:pic>
+      <p:pic>
+        <p:nvPicPr>
+          <p:cNvPr id="7" name="Picture 6">
+            <a:extLst>
+              <a:ext uri="{FF2B5EF4-FFF2-40B4-BE49-F238E27FC236}">
+                <a16:creationId xmlns:a16="http://schemas.microsoft.com/office/drawing/2014/main" id="{B9625CE9-FA93-425B-BC5B-D0F5B1193ECF}"/>
+              </a:ext>
+            </a:extLst>
+          </p:cNvPr>
+          <p:cNvPicPr>
+            <a:picLocks noChangeAspect="1"/>
+          </p:cNvPicPr>
+          <p:nvPr/>
+        </p:nvPicPr>
+        <p:blipFill>
+          <a:blip r:embed="rId2">
+            <a:extLst>
+              <a:ext uri="{28A0092B-C50C-407E-A947-70E740481C1C}">
+                <a14:useLocalDpi xmlns:a14="http://schemas.microsoft.com/office/drawing/2010/main" val="0"/>
+              </a:ext>
+            </a:extLst>
+          </a:blip>
+          <a:stretch>
+            <a:fillRect/>
+          </a:stretch>
+        </p:blipFill>
+        <p:spPr>
+          <a:xfrm>
+            <a:off x="5757441" y="-162045"/>
+            <a:ext cx="6858000" cy="6858000"/>
+          </a:xfrm>
+          <a:prstGeom prst="rect">
+            <a:avLst/>
+          </a:prstGeom>
+        </p:spPr>
+      </p:pic>
+      <p:pic>
+        <p:nvPicPr>
+          <p:cNvPr id="8" name="Picture 7">
+            <a:extLst>
+              <a:ext uri="{FF2B5EF4-FFF2-40B4-BE49-F238E27FC236}">
+                <a16:creationId xmlns:a16="http://schemas.microsoft.com/office/drawing/2014/main" id="{D19AB6A2-AFBF-4064-8223-AC40EED809AC}"/>
+              </a:ext>
+            </a:extLst>
+          </p:cNvPr>
+          <p:cNvPicPr>
+            <a:picLocks noChangeAspect="1"/>
+          </p:cNvPicPr>
+          <p:nvPr/>
+        </p:nvPicPr>
+        <p:blipFill>
+          <a:blip r:embed="rId2">
+            <a:extLst>
+              <a:ext uri="{28A0092B-C50C-407E-A947-70E740481C1C}">
+                <a14:useLocalDpi xmlns:a14="http://schemas.microsoft.com/office/drawing/2010/main" val="0"/>
+              </a:ext>
+            </a:extLst>
+          </a:blip>
+          <a:stretch>
+            <a:fillRect/>
+          </a:stretch>
+        </p:blipFill>
+        <p:spPr>
+          <a:xfrm>
+            <a:off x="2622631" y="-162045"/>
             <a:ext cx="6858000" cy="6858000"/>
           </a:xfrm>
           <a:prstGeom prst="rect">
@@ -5392,7 +3288,7 @@
         </p:blipFill>
         <p:spPr>
           <a:xfrm>
-            <a:off x="1640714" y="1220617"/>
+            <a:off x="1640714" y="1046992"/>
             <a:ext cx="2546649" cy="4527375"/>
           </a:xfrm>
           <a:prstGeom prst="rect">
@@ -5400,39 +3296,72 @@
           </a:prstGeom>
         </p:spPr>
       </p:pic>
-      <p:sp>
-        <p:nvSpPr>
-          <p:cNvPr id="11" name="Content Placeholder 2">
-            <a:extLst>
-              <a:ext uri="{FF2B5EF4-FFF2-40B4-BE49-F238E27FC236}">
-                <a16:creationId xmlns:a16="http://schemas.microsoft.com/office/drawing/2014/main" id="{879BE482-B1B6-46CF-ADFD-56F18600637B}"/>
-              </a:ext>
-            </a:extLst>
-          </p:cNvPr>
-          <p:cNvSpPr>
-            <a:spLocks noGrp="1"/>
-          </p:cNvSpPr>
-          <p:nvPr>
-            <p:ph idx="1"/>
-          </p:nvPr>
-        </p:nvSpPr>
-        <p:spPr>
-          <a:xfrm>
-            <a:off x="4763539" y="1046992"/>
-            <a:ext cx="6359731" cy="4731643"/>
-          </a:xfrm>
-        </p:spPr>
-        <p:txBody>
-          <a:bodyPr vert="horz" lIns="91440" tIns="45720" rIns="91440" bIns="45720" rtlCol="0" anchor="ctr">
-            <a:noAutofit/>
+      <p:pic>
+        <p:nvPicPr>
+          <p:cNvPr id="14" name="Picture 13">
+            <a:extLst>
+              <a:ext uri="{FF2B5EF4-FFF2-40B4-BE49-F238E27FC236}">
+                <a16:creationId xmlns:a16="http://schemas.microsoft.com/office/drawing/2014/main" id="{00031C44-814F-446C-A5A5-A3717D45E194}"/>
+              </a:ext>
+            </a:extLst>
+          </p:cNvPr>
+          <p:cNvPicPr>
+            <a:picLocks noChangeAspect="1"/>
+          </p:cNvPicPr>
+          <p:nvPr/>
+        </p:nvPicPr>
+        <p:blipFill>
+          <a:blip r:embed="rId4">
+            <a:extLst>
+              <a:ext uri="{28A0092B-C50C-407E-A947-70E740481C1C}">
+                <a14:useLocalDpi xmlns:a14="http://schemas.microsoft.com/office/drawing/2010/main" val="0"/>
+              </a:ext>
+            </a:extLst>
+          </a:blip>
+          <a:stretch>
+            <a:fillRect/>
+          </a:stretch>
+        </p:blipFill>
+        <p:spPr>
+          <a:xfrm>
+            <a:off x="4775524" y="1046992"/>
+            <a:ext cx="2546649" cy="4527376"/>
+          </a:xfrm>
+          <a:prstGeom prst="rect">
+            <a:avLst/>
+          </a:prstGeom>
+        </p:spPr>
+      </p:pic>
+      <p:sp>
+        <p:nvSpPr>
+          <p:cNvPr id="15" name="Rectangle 14">
+            <a:extLst>
+              <a:ext uri="{FF2B5EF4-FFF2-40B4-BE49-F238E27FC236}">
+                <a16:creationId xmlns:a16="http://schemas.microsoft.com/office/drawing/2014/main" id="{0C7B49B5-22E8-415D-B349-818E0FD8F4D0}"/>
+              </a:ext>
+            </a:extLst>
+          </p:cNvPr>
+          <p:cNvSpPr/>
+          <p:nvPr/>
+        </p:nvSpPr>
+        <p:spPr>
+          <a:xfrm>
+            <a:off x="1640714" y="6269542"/>
+            <a:ext cx="2546649" cy="369332"/>
+          </a:xfrm>
+          <a:prstGeom prst="rect">
+            <a:avLst/>
+          </a:prstGeom>
+        </p:spPr>
+        <p:txBody>
+          <a:bodyPr wrap="square">
+            <a:spAutoFit/>
           </a:bodyPr>
           <a:lstStyle/>
           <a:p>
-            <a:pPr marL="0" indent="0">
-              <a:buNone/>
-            </a:pPr>
-            <a:r>
-              <a:rPr lang="en-US" dirty="0">
+            <a:pPr algn="ctr"/>
+            <a:r>
+              <a:rPr lang="en-US">
                 <a:solidFill>
                   <a:srgbClr val="000000"/>
                 </a:solidFill>
@@ -5441,161 +3370,134 @@
               </a:rPr>
               <a:t>Help Center</a:t>
             </a:r>
-          </a:p>
-          <a:p>
-            <a:pPr marL="0" indent="0">
-              <a:buNone/>
-            </a:pPr>
-            <a:endParaRPr lang="en-US" dirty="0">
-              <a:solidFill>
-                <a:srgbClr val="000000"/>
-              </a:solidFill>
-              <a:ea typeface="+mn-lt"/>
-              <a:cs typeface="+mn-lt"/>
-            </a:endParaRPr>
-          </a:p>
-          <a:p>
-            <a:pPr marL="0" indent="0">
-              <a:buNone/>
-            </a:pPr>
-            <a:r>
-              <a:rPr lang="en-US" sz="1800" b="1" dirty="0">
-                <a:solidFill>
-                  <a:srgbClr val="000000"/>
-                </a:solidFill>
-                <a:ea typeface="+mn-lt"/>
-                <a:cs typeface="+mn-lt"/>
-              </a:rPr>
-              <a:t>INTEGRATION</a:t>
-            </a:r>
-          </a:p>
-          <a:p>
-            <a:r>
-              <a:rPr lang="en-US" sz="1800" dirty="0">
-                <a:solidFill>
-                  <a:srgbClr val="000000"/>
-                </a:solidFill>
-                <a:ea typeface="+mn-lt"/>
-                <a:cs typeface="+mn-lt"/>
-              </a:rPr>
-              <a:t>Directly integrated via the </a:t>
-            </a:r>
-            <a:r>
-              <a:rPr lang="en-US" sz="1800" b="1" dirty="0">
-                <a:solidFill>
-                  <a:srgbClr val="000000"/>
-                </a:solidFill>
-                <a:ea typeface="+mn-lt"/>
-                <a:cs typeface="+mn-lt"/>
-              </a:rPr>
-              <a:t>Zendesk Support </a:t>
-            </a:r>
-            <a:r>
-              <a:rPr lang="en-US" sz="1800" b="1">
-                <a:solidFill>
-                  <a:srgbClr val="000000"/>
-                </a:solidFill>
-                <a:ea typeface="+mn-lt"/>
-                <a:cs typeface="+mn-lt"/>
-              </a:rPr>
-              <a:t>Mobile </a:t>
-            </a:r>
-            <a:r>
-              <a:rPr lang="en-US" sz="1800" b="1" dirty="0">
-                <a:solidFill>
-                  <a:srgbClr val="000000"/>
-                </a:solidFill>
-                <a:ea typeface="+mn-lt"/>
-                <a:cs typeface="+mn-lt"/>
-              </a:rPr>
-              <a:t>SDK</a:t>
-            </a:r>
-            <a:r>
-              <a:rPr lang="en-US" sz="1800" dirty="0">
-                <a:solidFill>
-                  <a:srgbClr val="000000"/>
-                </a:solidFill>
-                <a:ea typeface="+mn-lt"/>
-                <a:cs typeface="+mn-lt"/>
-              </a:rPr>
-              <a:t>.</a:t>
-            </a:r>
-          </a:p>
-          <a:p>
-            <a:pPr marL="0" indent="0">
-              <a:buNone/>
-            </a:pPr>
-            <a:endParaRPr lang="en-US" sz="1800" dirty="0">
-              <a:solidFill>
-                <a:srgbClr val="000000"/>
-              </a:solidFill>
-              <a:ea typeface="+mn-lt"/>
-              <a:cs typeface="+mn-lt"/>
-            </a:endParaRPr>
-          </a:p>
-          <a:p>
-            <a:pPr marL="0" indent="0">
-              <a:buNone/>
-            </a:pPr>
-            <a:r>
-              <a:rPr lang="en-US" sz="1800" b="1" dirty="0">
-                <a:solidFill>
-                  <a:srgbClr val="000000"/>
-                </a:solidFill>
-                <a:ea typeface="+mn-lt"/>
-                <a:cs typeface="+mn-lt"/>
-              </a:rPr>
-              <a:t>CONFIGURATION</a:t>
-            </a:r>
-          </a:p>
-          <a:p>
-            <a:r>
-              <a:rPr lang="en-US" sz="1800" dirty="0">
-                <a:solidFill>
-                  <a:srgbClr val="000000"/>
-                </a:solidFill>
-                <a:ea typeface="+mn-lt"/>
-                <a:cs typeface="+mn-lt"/>
-              </a:rPr>
-              <a:t>Configured as an intent as the Help Center would not be displayed straight away.</a:t>
-            </a:r>
-          </a:p>
-          <a:p>
-            <a:r>
-              <a:rPr lang="en-US" sz="1800" dirty="0">
-                <a:solidFill>
-                  <a:srgbClr val="000000"/>
-                </a:solidFill>
-                <a:ea typeface="+mn-lt"/>
-                <a:cs typeface="+mn-lt"/>
-              </a:rPr>
-              <a:t>Customized the Help Center with the look and feel of the app itself.</a:t>
-            </a:r>
-          </a:p>
-          <a:p>
-            <a:r>
-              <a:rPr lang="en-US" sz="1800" dirty="0">
-                <a:solidFill>
-                  <a:srgbClr val="000000"/>
-                </a:solidFill>
-                <a:ea typeface="+mn-lt"/>
-                <a:cs typeface="+mn-lt"/>
-              </a:rPr>
-              <a:t>Do not require authentication.</a:t>
-            </a:r>
-            <a:endParaRPr lang="en-US" sz="1800" dirty="0">
-              <a:solidFill>
-                <a:srgbClr val="000000"/>
-              </a:solidFill>
-              <a:cs typeface="Calibri"/>
-            </a:endParaRPr>
-          </a:p>
-        </p:txBody>
-      </p:sp>
+            <a:endParaRPr lang="en-US" b="1"/>
+          </a:p>
+        </p:txBody>
+      </p:sp>
+      <p:sp>
+        <p:nvSpPr>
+          <p:cNvPr id="16" name="Rectangle 15">
+            <a:extLst>
+              <a:ext uri="{FF2B5EF4-FFF2-40B4-BE49-F238E27FC236}">
+                <a16:creationId xmlns:a16="http://schemas.microsoft.com/office/drawing/2014/main" id="{A03E7C94-BB82-4C73-B680-9A8D9FACD78C}"/>
+              </a:ext>
+            </a:extLst>
+          </p:cNvPr>
+          <p:cNvSpPr/>
+          <p:nvPr/>
+        </p:nvSpPr>
+        <p:spPr>
+          <a:xfrm>
+            <a:off x="4775523" y="6267535"/>
+            <a:ext cx="2546649" cy="369332"/>
+          </a:xfrm>
+          <a:prstGeom prst="rect">
+            <a:avLst/>
+          </a:prstGeom>
+        </p:spPr>
+        <p:txBody>
+          <a:bodyPr wrap="square">
+            <a:spAutoFit/>
+          </a:bodyPr>
+          <a:lstStyle/>
+          <a:p>
+            <a:pPr algn="ctr"/>
+            <a:r>
+              <a:rPr lang="en-US">
+                <a:solidFill>
+                  <a:srgbClr val="000000"/>
+                </a:solidFill>
+                <a:ea typeface="+mn-lt"/>
+                <a:cs typeface="+mn-lt"/>
+              </a:rPr>
+              <a:t>Live Chat</a:t>
+            </a:r>
+            <a:endParaRPr lang="en-US" b="1"/>
+          </a:p>
+        </p:txBody>
+      </p:sp>
+      <p:sp>
+        <p:nvSpPr>
+          <p:cNvPr id="17" name="Rectangle 16">
+            <a:extLst>
+              <a:ext uri="{FF2B5EF4-FFF2-40B4-BE49-F238E27FC236}">
+                <a16:creationId xmlns:a16="http://schemas.microsoft.com/office/drawing/2014/main" id="{D3CBD303-7761-4619-B2BC-2A1D26A0A11D}"/>
+              </a:ext>
+            </a:extLst>
+          </p:cNvPr>
+          <p:cNvSpPr/>
+          <p:nvPr/>
+        </p:nvSpPr>
+        <p:spPr>
+          <a:xfrm>
+            <a:off x="7910332" y="6267535"/>
+            <a:ext cx="2546649" cy="369332"/>
+          </a:xfrm>
+          <a:prstGeom prst="rect">
+            <a:avLst/>
+          </a:prstGeom>
+        </p:spPr>
+        <p:txBody>
+          <a:bodyPr wrap="square" anchor="t">
+            <a:spAutoFit/>
+          </a:bodyPr>
+          <a:lstStyle/>
+          <a:p>
+            <a:pPr algn="ctr"/>
+            <a:r>
+              <a:rPr lang="en-US">
+                <a:solidFill>
+                  <a:srgbClr val="000000"/>
+                </a:solidFill>
+                <a:ea typeface="+mn-lt"/>
+                <a:cs typeface="+mn-lt"/>
+              </a:rPr>
+              <a:t>Open Tickets + Auto Elf</a:t>
+            </a:r>
+            <a:endParaRPr lang="en-US" b="1"/>
+          </a:p>
+        </p:txBody>
+      </p:sp>
+      <p:pic>
+        <p:nvPicPr>
+          <p:cNvPr id="19" name="Picture 18">
+            <a:extLst>
+              <a:ext uri="{FF2B5EF4-FFF2-40B4-BE49-F238E27FC236}">
+                <a16:creationId xmlns:a16="http://schemas.microsoft.com/office/drawing/2014/main" id="{9E485281-12B7-4B41-AB10-614BE99C4123}"/>
+              </a:ext>
+            </a:extLst>
+          </p:cNvPr>
+          <p:cNvPicPr>
+            <a:picLocks noChangeAspect="1"/>
+          </p:cNvPicPr>
+          <p:nvPr/>
+        </p:nvPicPr>
+        <p:blipFill>
+          <a:blip r:embed="rId5">
+            <a:extLst>
+              <a:ext uri="{28A0092B-C50C-407E-A947-70E740481C1C}">
+                <a14:useLocalDpi xmlns:a14="http://schemas.microsoft.com/office/drawing/2010/main" val="0"/>
+              </a:ext>
+            </a:extLst>
+          </a:blip>
+          <a:stretch>
+            <a:fillRect/>
+          </a:stretch>
+        </p:blipFill>
+        <p:spPr>
+          <a:xfrm>
+            <a:off x="7910333" y="1046992"/>
+            <a:ext cx="2546648" cy="4527375"/>
+          </a:xfrm>
+          <a:prstGeom prst="rect">
+            <a:avLst/>
+          </a:prstGeom>
+        </p:spPr>
+      </p:pic>
     </p:spTree>
     <p:extLst>
       <p:ext uri="{BB962C8B-B14F-4D97-AF65-F5344CB8AC3E}">
-        <p14:creationId xmlns:p14="http://schemas.microsoft.com/office/powerpoint/2010/main" val="652006984"/>
+        <p14:creationId xmlns:p14="http://schemas.microsoft.com/office/powerpoint/2010/main" val="379652001"/>
       </p:ext>
     </p:extLst>
   </p:cSld>
@@ -5650,7 +3552,7 @@
         </p:blipFill>
         <p:spPr>
           <a:xfrm>
-            <a:off x="-512179" y="4"/>
+            <a:off x="-512179" y="11580"/>
             <a:ext cx="6858000" cy="6858000"/>
           </a:xfrm>
           <a:prstGeom prst="rect">
@@ -5658,232 +3560,12 @@
           </a:prstGeom>
         </p:spPr>
       </p:pic>
-      <p:sp>
-        <p:nvSpPr>
-          <p:cNvPr id="11" name="Content Placeholder 2">
-            <a:extLst>
-              <a:ext uri="{FF2B5EF4-FFF2-40B4-BE49-F238E27FC236}">
-                <a16:creationId xmlns:a16="http://schemas.microsoft.com/office/drawing/2014/main" id="{879BE482-B1B6-46CF-ADFD-56F18600637B}"/>
-              </a:ext>
-            </a:extLst>
-          </p:cNvPr>
-          <p:cNvSpPr>
-            <a:spLocks noGrp="1"/>
-          </p:cNvSpPr>
-          <p:nvPr>
-            <p:ph idx="1"/>
-          </p:nvPr>
-        </p:nvSpPr>
-        <p:spPr>
-          <a:xfrm>
-            <a:off x="4763539" y="1046992"/>
-            <a:ext cx="6359731" cy="4731643"/>
-          </a:xfrm>
-        </p:spPr>
-        <p:txBody>
-          <a:bodyPr vert="horz" lIns="91440" tIns="45720" rIns="91440" bIns="45720" rtlCol="0" anchor="ctr">
-            <a:noAutofit/>
-          </a:bodyPr>
-          <a:lstStyle/>
-          <a:p>
-            <a:pPr marL="0" indent="0">
-              <a:buNone/>
-            </a:pPr>
-            <a:r>
-              <a:rPr lang="en-US" dirty="0">
-                <a:solidFill>
-                  <a:srgbClr val="000000"/>
-                </a:solidFill>
-                <a:ea typeface="+mn-lt"/>
-                <a:cs typeface="+mn-lt"/>
-              </a:rPr>
-              <a:t>Live Chat</a:t>
-            </a:r>
-          </a:p>
-          <a:p>
-            <a:pPr marL="0" indent="0">
-              <a:buNone/>
-            </a:pPr>
-            <a:endParaRPr lang="en-US" dirty="0">
-              <a:solidFill>
-                <a:srgbClr val="000000"/>
-              </a:solidFill>
-              <a:ea typeface="+mn-lt"/>
-              <a:cs typeface="+mn-lt"/>
-            </a:endParaRPr>
-          </a:p>
-          <a:p>
-            <a:pPr marL="0" indent="0">
-              <a:buNone/>
-            </a:pPr>
-            <a:r>
-              <a:rPr lang="en-US" sz="1800" b="1" dirty="0">
-                <a:solidFill>
-                  <a:srgbClr val="000000"/>
-                </a:solidFill>
-                <a:ea typeface="+mn-lt"/>
-                <a:cs typeface="+mn-lt"/>
-              </a:rPr>
-              <a:t>INTEGRATION</a:t>
-            </a:r>
-          </a:p>
-          <a:p>
-            <a:r>
-              <a:rPr lang="en-US" sz="1800" dirty="0">
-                <a:solidFill>
-                  <a:srgbClr val="000000"/>
-                </a:solidFill>
-                <a:ea typeface="+mn-lt"/>
-                <a:cs typeface="+mn-lt"/>
-              </a:rPr>
-              <a:t>Directly integrated via the </a:t>
-            </a:r>
-            <a:r>
-              <a:rPr lang="en-US" sz="1800" b="1" dirty="0">
-                <a:solidFill>
-                  <a:srgbClr val="000000"/>
-                </a:solidFill>
-                <a:ea typeface="+mn-lt"/>
-                <a:cs typeface="+mn-lt"/>
-              </a:rPr>
-              <a:t>Zendesk Chat </a:t>
-            </a:r>
-            <a:r>
-              <a:rPr lang="en-US" sz="1800" b="1">
-                <a:solidFill>
-                  <a:srgbClr val="000000"/>
-                </a:solidFill>
-                <a:ea typeface="+mn-lt"/>
-                <a:cs typeface="+mn-lt"/>
-              </a:rPr>
-              <a:t>Mobile </a:t>
-            </a:r>
-            <a:r>
-              <a:rPr lang="en-US" sz="1800" b="1" dirty="0">
-                <a:solidFill>
-                  <a:srgbClr val="000000"/>
-                </a:solidFill>
-                <a:ea typeface="+mn-lt"/>
-                <a:cs typeface="+mn-lt"/>
-              </a:rPr>
-              <a:t>SDK</a:t>
-            </a:r>
-            <a:r>
-              <a:rPr lang="en-US" sz="1800" dirty="0">
-                <a:solidFill>
-                  <a:srgbClr val="000000"/>
-                </a:solidFill>
-                <a:ea typeface="+mn-lt"/>
-                <a:cs typeface="+mn-lt"/>
-              </a:rPr>
-              <a:t>.</a:t>
-            </a:r>
-          </a:p>
-          <a:p>
-            <a:pPr marL="0" indent="0">
-              <a:buNone/>
-            </a:pPr>
-            <a:endParaRPr lang="en-US" sz="1800" dirty="0">
-              <a:solidFill>
-                <a:srgbClr val="000000"/>
-              </a:solidFill>
-              <a:ea typeface="+mn-lt"/>
-              <a:cs typeface="+mn-lt"/>
-            </a:endParaRPr>
-          </a:p>
-          <a:p>
-            <a:pPr marL="0" indent="0">
-              <a:buNone/>
-            </a:pPr>
-            <a:r>
-              <a:rPr lang="en-US" sz="1800" b="1" dirty="0">
-                <a:solidFill>
-                  <a:srgbClr val="000000"/>
-                </a:solidFill>
-                <a:ea typeface="+mn-lt"/>
-                <a:cs typeface="+mn-lt"/>
-              </a:rPr>
-              <a:t>CONFIGURATION</a:t>
-            </a:r>
-          </a:p>
-          <a:p>
-            <a:r>
-              <a:rPr lang="en-US" sz="1800" dirty="0">
-                <a:solidFill>
-                  <a:srgbClr val="000000"/>
-                </a:solidFill>
-                <a:ea typeface="+mn-lt"/>
-                <a:cs typeface="+mn-lt"/>
-              </a:rPr>
-              <a:t>Configured as an intent as the Live Chat would not be displayed straight away.</a:t>
-            </a:r>
-          </a:p>
-          <a:p>
-            <a:r>
-              <a:rPr lang="en-US" sz="1800" dirty="0">
-                <a:solidFill>
-                  <a:srgbClr val="000000"/>
-                </a:solidFill>
-                <a:ea typeface="+mn-lt"/>
-                <a:cs typeface="+mn-lt"/>
-              </a:rPr>
-              <a:t>Require the name of the user</a:t>
-            </a:r>
-            <a:r>
-              <a:rPr lang="en-US" sz="1800">
-                <a:solidFill>
-                  <a:srgbClr val="000000"/>
-                </a:solidFill>
-                <a:ea typeface="+mn-lt"/>
-                <a:cs typeface="+mn-lt"/>
-              </a:rPr>
-              <a:t>,</a:t>
-            </a:r>
-            <a:r>
-              <a:rPr lang="en-US" sz="1800" dirty="0">
-                <a:solidFill>
-                  <a:srgbClr val="000000"/>
-                </a:solidFill>
-                <a:ea typeface="+mn-lt"/>
-                <a:cs typeface="+mn-lt"/>
-              </a:rPr>
-              <a:t> </a:t>
-            </a:r>
-            <a:r>
-              <a:rPr lang="en-US" sz="1800">
-                <a:solidFill>
-                  <a:srgbClr val="000000"/>
-                </a:solidFill>
-                <a:ea typeface="+mn-lt"/>
-                <a:cs typeface="+mn-lt"/>
-              </a:rPr>
-              <a:t>during pre-chat, </a:t>
-            </a:r>
-            <a:r>
-              <a:rPr lang="en-US" sz="1800" dirty="0">
-                <a:solidFill>
-                  <a:srgbClr val="000000"/>
-                </a:solidFill>
-                <a:ea typeface="+mn-lt"/>
-                <a:cs typeface="+mn-lt"/>
-              </a:rPr>
-              <a:t>so that agents can see critical user information.</a:t>
-            </a:r>
-            <a:endParaRPr lang="en-US" sz="1800" dirty="0">
-              <a:solidFill>
-                <a:srgbClr val="000000"/>
-              </a:solidFill>
-              <a:cs typeface="Calibri"/>
-            </a:endParaRPr>
-          </a:p>
-        </p:txBody>
-      </p:sp>
       <p:pic>
         <p:nvPicPr>
-          <p:cNvPr id="6" name="Picture 5">
-            <a:extLst>
-              <a:ext uri="{FF2B5EF4-FFF2-40B4-BE49-F238E27FC236}">
-                <a16:creationId xmlns:a16="http://schemas.microsoft.com/office/drawing/2014/main" id="{FEFEE8B6-9DB7-4C6D-B709-D816FBBF5421}"/>
+          <p:cNvPr id="12" name="Picture 11">
+            <a:extLst>
+              <a:ext uri="{FF2B5EF4-FFF2-40B4-BE49-F238E27FC236}">
+                <a16:creationId xmlns:a16="http://schemas.microsoft.com/office/drawing/2014/main" id="{08546A84-DEE7-4348-8301-D10E1A08AD24}"/>
               </a:ext>
             </a:extLst>
           </p:cNvPr>
@@ -5906,18 +3588,190 @@
         </p:blipFill>
         <p:spPr>
           <a:xfrm>
-            <a:off x="1643496" y="1165312"/>
-            <a:ext cx="2546649" cy="4527376"/>
+            <a:off x="1640714" y="1220617"/>
+            <a:ext cx="2546649" cy="4527375"/>
           </a:xfrm>
           <a:prstGeom prst="rect">
             <a:avLst/>
           </a:prstGeom>
         </p:spPr>
       </p:pic>
+      <p:sp>
+        <p:nvSpPr>
+          <p:cNvPr id="11" name="Content Placeholder 2">
+            <a:extLst>
+              <a:ext uri="{FF2B5EF4-FFF2-40B4-BE49-F238E27FC236}">
+                <a16:creationId xmlns:a16="http://schemas.microsoft.com/office/drawing/2014/main" id="{879BE482-B1B6-46CF-ADFD-56F18600637B}"/>
+              </a:ext>
+            </a:extLst>
+          </p:cNvPr>
+          <p:cNvSpPr>
+            <a:spLocks noGrp="1"/>
+          </p:cNvSpPr>
+          <p:nvPr>
+            <p:ph idx="1"/>
+          </p:nvPr>
+        </p:nvSpPr>
+        <p:spPr>
+          <a:xfrm>
+            <a:off x="4763539" y="1046992"/>
+            <a:ext cx="6359731" cy="4731643"/>
+          </a:xfrm>
+        </p:spPr>
+        <p:txBody>
+          <a:bodyPr vert="horz" lIns="91440" tIns="45720" rIns="91440" bIns="45720" rtlCol="0" anchor="ctr">
+            <a:noAutofit/>
+          </a:bodyPr>
+          <a:lstStyle/>
+          <a:p>
+            <a:pPr marL="0" indent="0">
+              <a:buNone/>
+            </a:pPr>
+            <a:r>
+              <a:rPr lang="en-US">
+                <a:solidFill>
+                  <a:srgbClr val="000000"/>
+                </a:solidFill>
+                <a:ea typeface="+mn-lt"/>
+                <a:cs typeface="+mn-lt"/>
+              </a:rPr>
+              <a:t>Help Center</a:t>
+            </a:r>
+          </a:p>
+          <a:p>
+            <a:pPr marL="0" indent="0">
+              <a:buNone/>
+            </a:pPr>
+            <a:endParaRPr lang="en-US">
+              <a:solidFill>
+                <a:srgbClr val="000000"/>
+              </a:solidFill>
+              <a:ea typeface="+mn-lt"/>
+              <a:cs typeface="+mn-lt"/>
+            </a:endParaRPr>
+          </a:p>
+          <a:p>
+            <a:pPr marL="0" indent="0">
+              <a:buNone/>
+            </a:pPr>
+            <a:r>
+              <a:rPr lang="en-US" sz="1800" b="1">
+                <a:solidFill>
+                  <a:srgbClr val="000000"/>
+                </a:solidFill>
+                <a:ea typeface="+mn-lt"/>
+                <a:cs typeface="+mn-lt"/>
+              </a:rPr>
+              <a:t>INTEGRATION</a:t>
+            </a:r>
+          </a:p>
+          <a:p>
+            <a:r>
+              <a:rPr lang="en-US" sz="1800">
+                <a:solidFill>
+                  <a:srgbClr val="000000"/>
+                </a:solidFill>
+                <a:ea typeface="+mn-lt"/>
+                <a:cs typeface="+mn-lt"/>
+              </a:rPr>
+              <a:t>Directly integrated via the </a:t>
+            </a:r>
+            <a:r>
+              <a:rPr lang="en-US" sz="1800" b="1">
+                <a:solidFill>
+                  <a:srgbClr val="000000"/>
+                </a:solidFill>
+                <a:ea typeface="+mn-lt"/>
+                <a:cs typeface="+mn-lt"/>
+              </a:rPr>
+              <a:t>Zendesk Support Mobile SDK</a:t>
+            </a:r>
+            <a:r>
+              <a:rPr lang="en-US" sz="1800">
+                <a:solidFill>
+                  <a:srgbClr val="000000"/>
+                </a:solidFill>
+                <a:ea typeface="+mn-lt"/>
+                <a:cs typeface="+mn-lt"/>
+              </a:rPr>
+              <a:t>.</a:t>
+            </a:r>
+          </a:p>
+          <a:p>
+            <a:pPr marL="0" indent="0">
+              <a:buNone/>
+            </a:pPr>
+            <a:endParaRPr lang="en-US" sz="1800">
+              <a:solidFill>
+                <a:srgbClr val="000000"/>
+              </a:solidFill>
+              <a:ea typeface="+mn-lt"/>
+              <a:cs typeface="+mn-lt"/>
+            </a:endParaRPr>
+          </a:p>
+          <a:p>
+            <a:pPr marL="0" indent="0">
+              <a:buNone/>
+            </a:pPr>
+            <a:r>
+              <a:rPr lang="en-US" sz="1800" b="1">
+                <a:solidFill>
+                  <a:srgbClr val="000000"/>
+                </a:solidFill>
+                <a:ea typeface="+mn-lt"/>
+                <a:cs typeface="+mn-lt"/>
+              </a:rPr>
+              <a:t>CONFIGURATION</a:t>
+            </a:r>
+          </a:p>
+          <a:p>
+            <a:r>
+              <a:rPr lang="en-US" sz="1800">
+                <a:solidFill>
+                  <a:srgbClr val="000000"/>
+                </a:solidFill>
+                <a:ea typeface="+mn-lt"/>
+                <a:cs typeface="+mn-lt"/>
+              </a:rPr>
+              <a:t>Implemented as an "intent" as the Help Center would not be displayed straight away.</a:t>
+            </a:r>
+          </a:p>
+          <a:p>
+            <a:r>
+              <a:rPr lang="en-US" sz="1800">
+                <a:solidFill>
+                  <a:srgbClr val="000000"/>
+                </a:solidFill>
+                <a:ea typeface="+mn-lt"/>
+                <a:cs typeface="+mn-lt"/>
+              </a:rPr>
+              <a:t>Customized the Help Center with the look and feel of the app itself.</a:t>
+            </a:r>
+          </a:p>
+          <a:p>
+            <a:r>
+              <a:rPr lang="en-US" sz="1800">
+                <a:solidFill>
+                  <a:srgbClr val="000000"/>
+                </a:solidFill>
+                <a:ea typeface="+mn-lt"/>
+                <a:cs typeface="+mn-lt"/>
+              </a:rPr>
+              <a:t>Do not require authentication.</a:t>
+            </a:r>
+            <a:endParaRPr lang="en-US" sz="1800">
+              <a:solidFill>
+                <a:srgbClr val="000000"/>
+              </a:solidFill>
+              <a:cs typeface="Calibri"/>
+            </a:endParaRPr>
+          </a:p>
+        </p:txBody>
+      </p:sp>
     </p:spTree>
     <p:extLst>
       <p:ext uri="{BB962C8B-B14F-4D97-AF65-F5344CB8AC3E}">
-        <p14:creationId xmlns:p14="http://schemas.microsoft.com/office/powerpoint/2010/main" val="388635339"/>
+        <p14:creationId xmlns:p14="http://schemas.microsoft.com/office/powerpoint/2010/main" val="652006984"/>
       </p:ext>
     </p:extLst>
   </p:cSld>
@@ -5972,7 +3826,7 @@
         </p:blipFill>
         <p:spPr>
           <a:xfrm>
-            <a:off x="-512179" y="5"/>
+            <a:off x="-512179" y="4"/>
             <a:ext cx="6858000" cy="6858000"/>
           </a:xfrm>
           <a:prstGeom prst="rect">
@@ -6012,21 +3866,21 @@
               <a:buNone/>
             </a:pPr>
             <a:r>
-              <a:rPr lang="en-US" dirty="0">
-                <a:solidFill>
-                  <a:srgbClr val="000000"/>
-                </a:solidFill>
-                <a:ea typeface="+mn-lt"/>
-                <a:cs typeface="+mn-lt"/>
-              </a:rPr>
-              <a:t>Open Tickets</a:t>
+              <a:rPr lang="en-US">
+                <a:solidFill>
+                  <a:srgbClr val="000000"/>
+                </a:solidFill>
+                <a:ea typeface="+mn-lt"/>
+                <a:cs typeface="+mn-lt"/>
+              </a:rPr>
+              <a:t>Live Chat</a:t>
             </a:r>
           </a:p>
           <a:p>
             <a:pPr marL="0" indent="0">
               <a:buNone/>
             </a:pPr>
-            <a:endParaRPr lang="en-US" dirty="0">
+            <a:endParaRPr lang="en-US">
               <a:solidFill>
                 <a:srgbClr val="000000"/>
               </a:solidFill>
@@ -6039,7 +3893,7 @@
               <a:buNone/>
             </a:pPr>
             <a:r>
-              <a:rPr lang="en-US" sz="1800" b="1" dirty="0">
+              <a:rPr lang="en-US" sz="1800" b="1">
                 <a:solidFill>
                   <a:srgbClr val="000000"/>
                 </a:solidFill>
@@ -6051,24 +3905,14 @@
           </a:p>
           <a:p>
             <a:r>
-              <a:rPr lang="en-US" sz="1800" dirty="0">
-                <a:solidFill>
-                  <a:srgbClr val="000000"/>
-                </a:solidFill>
-                <a:ea typeface="+mn-lt"/>
-                <a:cs typeface="+mn-lt"/>
-              </a:rPr>
-              <a:t>Directly integrated via the</a:t>
-            </a:r>
-            <a:r>
-              <a:rPr lang="en-US" sz="1800" b="1" dirty="0">
-                <a:solidFill>
-                  <a:srgbClr val="000000"/>
-                </a:solidFill>
-                <a:ea typeface="+mn-lt"/>
-                <a:cs typeface="+mn-lt"/>
-              </a:rPr>
-              <a:t> Zendesk Support </a:t>
+              <a:rPr lang="en-US" sz="1800">
+                <a:solidFill>
+                  <a:srgbClr val="000000"/>
+                </a:solidFill>
+                <a:ea typeface="+mn-lt"/>
+                <a:cs typeface="+mn-lt"/>
+              </a:rPr>
+              <a:t>Directly integrated via the </a:t>
             </a:r>
             <a:r>
               <a:rPr lang="en-US" sz="1800" b="1">
@@ -6078,20 +3922,10 @@
                 <a:ea typeface="+mn-lt"/>
                 <a:cs typeface="+mn-lt"/>
               </a:rPr>
-              <a:t>Mobile </a:t>
-            </a:r>
-            <a:r>
-              <a:rPr lang="en-US" sz="1800" b="1" dirty="0">
-                <a:solidFill>
-                  <a:srgbClr val="000000"/>
-                </a:solidFill>
-                <a:ea typeface="+mn-lt"/>
-                <a:cs typeface="+mn-lt"/>
-              </a:rPr>
-              <a:t>SDK</a:t>
-            </a:r>
-            <a:r>
-              <a:rPr lang="en-US" sz="1800" dirty="0">
+              <a:t>Zendesk Chat Mobile SDK</a:t>
+            </a:r>
+            <a:r>
+              <a:rPr lang="en-US" sz="1800">
                 <a:solidFill>
                   <a:srgbClr val="000000"/>
                 </a:solidFill>
@@ -6100,15 +3934,12 @@
               </a:rPr>
               <a:t>.</a:t>
             </a:r>
-            <a:endParaRPr lang="en-US">
-              <a:cs typeface="Calibri" panose="020F0502020204030204"/>
-            </a:endParaRPr>
           </a:p>
           <a:p>
             <a:pPr marL="0" indent="0">
               <a:buNone/>
             </a:pPr>
-            <a:endParaRPr lang="en-US" sz="1800" dirty="0">
+            <a:endParaRPr lang="en-US" sz="1800">
               <a:solidFill>
                 <a:srgbClr val="000000"/>
               </a:solidFill>
@@ -6121,7 +3952,7 @@
               <a:buNone/>
             </a:pPr>
             <a:r>
-              <a:rPr lang="en-US" sz="1800" b="1" dirty="0">
+              <a:rPr lang="en-US" sz="1800" b="1">
                 <a:solidFill>
                   <a:srgbClr val="000000"/>
                 </a:solidFill>
@@ -6133,16 +3964,6 @@
           </a:p>
           <a:p>
             <a:r>
-              <a:rPr lang="en-US" sz="1800" dirty="0">
-                <a:solidFill>
-                  <a:srgbClr val="000000"/>
-                </a:solidFill>
-                <a:ea typeface="+mn-lt"/>
-                <a:cs typeface="+mn-lt"/>
-              </a:rPr>
-              <a:t>Configured as an intent as the Open Tickets </a:t>
-            </a:r>
-            <a:r>
               <a:rPr lang="en-US" sz="1800">
                 <a:solidFill>
                   <a:srgbClr val="000000"/>
@@ -6150,30 +3971,26 @@
                 <a:ea typeface="+mn-lt"/>
                 <a:cs typeface="+mn-lt"/>
               </a:rPr>
-              <a:t>screen</a:t>
-            </a:r>
-            <a:r>
-              <a:rPr lang="en-US" sz="1800" dirty="0">
-                <a:solidFill>
-                  <a:srgbClr val="000000"/>
-                </a:solidFill>
-                <a:ea typeface="+mn-lt"/>
-                <a:cs typeface="+mn-lt"/>
-              </a:rPr>
-              <a:t> would not be displayed straight away.</a:t>
-            </a:r>
-          </a:p>
-          <a:p>
-            <a:r>
-              <a:rPr lang="en-US" sz="1800" dirty="0">
-                <a:solidFill>
-                  <a:srgbClr val="000000"/>
-                </a:solidFill>
-                <a:ea typeface="+mn-lt"/>
-                <a:cs typeface="+mn-lt"/>
-              </a:rPr>
-              <a:t>Enable Answer Bot to suggest relevant FAQ articles which may help the user while they are waiting for a reply.</a:t>
-            </a:r>
+              <a:t>Implemented as an "intent" as the Live Chat would not be displayed straight away.</a:t>
+            </a:r>
+          </a:p>
+          <a:p>
+            <a:r>
+              <a:rPr lang="en-US" sz="1800">
+                <a:solidFill>
+                  <a:srgbClr val="000000"/>
+                </a:solidFill>
+                <a:ea typeface="+mn-lt"/>
+                <a:cs typeface="+mn-lt"/>
+              </a:rPr>
+              <a:t>Require the name of the user, during pre-chat, so that agents can see critical user information.</a:t>
+            </a:r>
+            <a:endParaRPr lang="en-US" sz="1800">
+              <a:solidFill>
+                <a:srgbClr val="000000"/>
+              </a:solidFill>
+              <a:cs typeface="Calibri"/>
+            </a:endParaRPr>
           </a:p>
         </p:txBody>
       </p:sp>
@@ -6182,7 +3999,7 @@
           <p:cNvPr id="6" name="Picture 5">
             <a:extLst>
               <a:ext uri="{FF2B5EF4-FFF2-40B4-BE49-F238E27FC236}">
-                <a16:creationId xmlns:a16="http://schemas.microsoft.com/office/drawing/2014/main" id="{A0E5130E-FBB6-437E-B29E-939C1A5614F9}"/>
+                <a16:creationId xmlns:a16="http://schemas.microsoft.com/office/drawing/2014/main" id="{FEFEE8B6-9DB7-4C6D-B709-D816FBBF5421}"/>
               </a:ext>
             </a:extLst>
           </p:cNvPr>
@@ -6205,8 +4022,8 @@
         </p:blipFill>
         <p:spPr>
           <a:xfrm>
-            <a:off x="1643497" y="1165312"/>
-            <a:ext cx="2546648" cy="4527375"/>
+            <a:off x="1643496" y="1165312"/>
+            <a:ext cx="2546649" cy="4527376"/>
           </a:xfrm>
           <a:prstGeom prst="rect">
             <a:avLst/>
@@ -6216,7 +4033,7 @@
     </p:spTree>
     <p:extLst>
       <p:ext uri="{BB962C8B-B14F-4D97-AF65-F5344CB8AC3E}">
-        <p14:creationId xmlns:p14="http://schemas.microsoft.com/office/powerpoint/2010/main" val="3800846885"/>
+        <p14:creationId xmlns:p14="http://schemas.microsoft.com/office/powerpoint/2010/main" val="388635339"/>
       </p:ext>
     </p:extLst>
   </p:cSld>
@@ -6243,61 +4060,48 @@
           <a:chExt cx="0" cy="0"/>
         </a:xfrm>
       </p:grpSpPr>
-      <p:sp>
-        <p:nvSpPr>
-          <p:cNvPr id="2" name="Title 1">
-            <a:extLst>
-              <a:ext uri="{FF2B5EF4-FFF2-40B4-BE49-F238E27FC236}">
-                <a16:creationId xmlns:a16="http://schemas.microsoft.com/office/drawing/2014/main" id="{153D7B5C-A7AF-4129-8DC1-6D523CCC15E9}"/>
-              </a:ext>
-            </a:extLst>
-          </p:cNvPr>
-          <p:cNvSpPr>
-            <a:spLocks noGrp="1"/>
-          </p:cNvSpPr>
-          <p:nvPr>
-            <p:ph type="title"/>
-          </p:nvPr>
-        </p:nvSpPr>
-        <p:spPr>
-          <a:xfrm>
-            <a:off x="804997" y="802826"/>
-            <a:ext cx="8975611" cy="1311664"/>
-          </a:xfrm>
-        </p:spPr>
-        <p:txBody>
-          <a:bodyPr>
-            <a:normAutofit/>
-          </a:bodyPr>
-          <a:lstStyle/>
-          <a:p>
-            <a:r>
-              <a:rPr lang="en-US" dirty="0">
-                <a:solidFill>
-                  <a:srgbClr val="000000"/>
-                </a:solidFill>
-                <a:ea typeface="+mj-lt"/>
-                <a:cs typeface="+mj-lt"/>
-              </a:rPr>
-              <a:t>Future Improvements</a:t>
-            </a:r>
-          </a:p>
-          <a:p>
-            <a:endParaRPr lang="en-US" dirty="0">
-              <a:solidFill>
-                <a:srgbClr val="000000"/>
-              </a:solidFill>
-              <a:cs typeface="Calibri Light"/>
-            </a:endParaRPr>
-          </a:p>
-        </p:txBody>
-      </p:sp>
-      <p:sp>
-        <p:nvSpPr>
-          <p:cNvPr id="3" name="Content Placeholder 2">
-            <a:extLst>
-              <a:ext uri="{FF2B5EF4-FFF2-40B4-BE49-F238E27FC236}">
-                <a16:creationId xmlns:a16="http://schemas.microsoft.com/office/drawing/2014/main" id="{C7F74014-2BBF-44B2-8A37-9FECFA4FAF2A}"/>
+      <p:pic>
+        <p:nvPicPr>
+          <p:cNvPr id="9" name="Picture 8">
+            <a:extLst>
+              <a:ext uri="{FF2B5EF4-FFF2-40B4-BE49-F238E27FC236}">
+                <a16:creationId xmlns:a16="http://schemas.microsoft.com/office/drawing/2014/main" id="{24D44132-80D3-4A77-9AD4-D40BF0D9C335}"/>
+              </a:ext>
+            </a:extLst>
+          </p:cNvPr>
+          <p:cNvPicPr>
+            <a:picLocks noChangeAspect="1"/>
+          </p:cNvPicPr>
+          <p:nvPr/>
+        </p:nvPicPr>
+        <p:blipFill>
+          <a:blip r:embed="rId2">
+            <a:extLst>
+              <a:ext uri="{28A0092B-C50C-407E-A947-70E740481C1C}">
+                <a14:useLocalDpi xmlns:a14="http://schemas.microsoft.com/office/drawing/2010/main" val="0"/>
+              </a:ext>
+            </a:extLst>
+          </a:blip>
+          <a:stretch>
+            <a:fillRect/>
+          </a:stretch>
+        </p:blipFill>
+        <p:spPr>
+          <a:xfrm>
+            <a:off x="-512179" y="5"/>
+            <a:ext cx="6858000" cy="6858000"/>
+          </a:xfrm>
+          <a:prstGeom prst="rect">
+            <a:avLst/>
+          </a:prstGeom>
+        </p:spPr>
+      </p:pic>
+      <p:sp>
+        <p:nvSpPr>
+          <p:cNvPr id="11" name="Content Placeholder 2">
+            <a:extLst>
+              <a:ext uri="{FF2B5EF4-FFF2-40B4-BE49-F238E27FC236}">
+                <a16:creationId xmlns:a16="http://schemas.microsoft.com/office/drawing/2014/main" id="{879BE482-B1B6-46CF-ADFD-56F18600637B}"/>
               </a:ext>
             </a:extLst>
           </p:cNvPr>
@@ -6310,8 +4114,8 @@
         </p:nvSpPr>
         <p:spPr>
           <a:xfrm>
-            <a:off x="804997" y="1601575"/>
-            <a:ext cx="5676826" cy="4469174"/>
+            <a:off x="4763539" y="1046992"/>
+            <a:ext cx="6359731" cy="4731643"/>
           </a:xfrm>
         </p:spPr>
         <p:txBody>
@@ -6320,230 +4124,211 @@
           </a:bodyPr>
           <a:lstStyle/>
           <a:p>
-            <a:r>
-              <a:rPr lang="en-US" sz="1800" dirty="0">
-                <a:solidFill>
-                  <a:srgbClr val="000000"/>
-                </a:solidFill>
-                <a:ea typeface="+mn-lt"/>
-                <a:cs typeface="+mn-lt"/>
-              </a:rPr>
-              <a:t>Enable the organization to develop </a:t>
-            </a:r>
-            <a:r>
-              <a:rPr lang="en-US" sz="1800" b="1" dirty="0">
-                <a:solidFill>
-                  <a:srgbClr val="000000"/>
-                </a:solidFill>
-                <a:ea typeface="+mn-lt"/>
-                <a:cs typeface="+mn-lt"/>
-              </a:rPr>
-              <a:t>their own customer </a:t>
-            </a:r>
-            <a:r>
-              <a:rPr lang="en-US" sz="1800" b="1">
-                <a:solidFill>
-                  <a:srgbClr val="000000"/>
-                </a:solidFill>
-                <a:ea typeface="+mn-lt"/>
-                <a:cs typeface="+mn-lt"/>
-              </a:rPr>
-              <a:t>service</a:t>
-            </a:r>
-            <a:r>
-              <a:rPr lang="en-US" sz="1800" b="1" dirty="0">
-                <a:solidFill>
-                  <a:srgbClr val="000000"/>
-                </a:solidFill>
-                <a:ea typeface="+mn-lt"/>
-                <a:cs typeface="+mn-lt"/>
-              </a:rPr>
-              <a:t> applications</a:t>
-            </a:r>
-            <a:r>
-              <a:rPr lang="en-US" sz="1800" dirty="0">
-                <a:solidFill>
-                  <a:srgbClr val="000000"/>
-                </a:solidFill>
-                <a:ea typeface="+mn-lt"/>
-                <a:cs typeface="+mn-lt"/>
-              </a:rPr>
-              <a:t>, which can bring greater efficiencies and cost reduction moving forward.</a:t>
-            </a:r>
-          </a:p>
-          <a:p>
-            <a:r>
-              <a:rPr lang="en-US" sz="1800" dirty="0">
-                <a:solidFill>
-                  <a:srgbClr val="000000"/>
-                </a:solidFill>
-                <a:ea typeface="+mn-lt"/>
-                <a:cs typeface="+mn-lt"/>
-              </a:rPr>
-              <a:t>For example: Allowing agents to see </a:t>
-            </a:r>
-            <a:r>
-              <a:rPr lang="en-US" sz="1800" b="1" dirty="0">
-                <a:solidFill>
-                  <a:srgbClr val="000000"/>
-                </a:solidFill>
-                <a:ea typeface="+mn-lt"/>
-                <a:cs typeface="+mn-lt"/>
-              </a:rPr>
-              <a:t>detailed information relating to the end-user</a:t>
-            </a:r>
-            <a:r>
-              <a:rPr lang="en-US" sz="1800" dirty="0">
-                <a:solidFill>
-                  <a:srgbClr val="000000"/>
-                </a:solidFill>
-                <a:ea typeface="+mn-lt"/>
-                <a:cs typeface="+mn-lt"/>
-              </a:rPr>
-              <a:t> may </a:t>
-            </a:r>
-            <a:r>
-              <a:rPr lang="en-US" sz="1800">
-                <a:solidFill>
-                  <a:srgbClr val="000000"/>
-                </a:solidFill>
-                <a:ea typeface="+mn-lt"/>
-                <a:cs typeface="+mn-lt"/>
-              </a:rPr>
-              <a:t>assist</a:t>
-            </a:r>
-            <a:r>
-              <a:rPr lang="en-US" sz="1800" dirty="0">
-                <a:solidFill>
-                  <a:srgbClr val="000000"/>
-                </a:solidFill>
-                <a:ea typeface="+mn-lt"/>
-                <a:cs typeface="+mn-lt"/>
-              </a:rPr>
-              <a:t> them in achieving faster and more effective ticket resolutions.</a:t>
-            </a:r>
-          </a:p>
-          <a:p>
-            <a:r>
-              <a:rPr lang="en-US" sz="1800" b="1" dirty="0">
-                <a:solidFill>
-                  <a:srgbClr val="000000"/>
-                </a:solidFill>
-                <a:ea typeface="+mn-lt"/>
-                <a:cs typeface="+mn-lt"/>
-              </a:rPr>
-              <a:t>A layered solution</a:t>
-            </a:r>
-            <a:r>
-              <a:rPr lang="en-US" sz="1800" dirty="0">
-                <a:solidFill>
-                  <a:srgbClr val="000000"/>
-                </a:solidFill>
-                <a:ea typeface="+mn-lt"/>
-                <a:cs typeface="+mn-lt"/>
-              </a:rPr>
-              <a:t>, in which parents are also able to contact customer service on different channels (such as phone support) may result in a </a:t>
-            </a:r>
-            <a:r>
-              <a:rPr lang="en-US" sz="1800">
-                <a:solidFill>
-                  <a:srgbClr val="000000"/>
-                </a:solidFill>
-                <a:ea typeface="+mn-lt"/>
-                <a:cs typeface="+mn-lt"/>
-              </a:rPr>
-              <a:t>higher</a:t>
-            </a:r>
-            <a:r>
-              <a:rPr lang="en-US" sz="1800" dirty="0">
-                <a:solidFill>
-                  <a:srgbClr val="000000"/>
-                </a:solidFill>
-                <a:ea typeface="+mn-lt"/>
-                <a:cs typeface="+mn-lt"/>
-              </a:rPr>
-              <a:t> rate of </a:t>
-            </a:r>
-            <a:r>
-              <a:rPr lang="en-US" sz="1800">
-                <a:solidFill>
-                  <a:srgbClr val="000000"/>
-                </a:solidFill>
-                <a:ea typeface="+mn-lt"/>
-                <a:cs typeface="+mn-lt"/>
-              </a:rPr>
-              <a:t>customer satisfaction following ticket</a:t>
-            </a:r>
-            <a:r>
-              <a:rPr lang="en-US" sz="1800" dirty="0">
-                <a:solidFill>
-                  <a:srgbClr val="000000"/>
-                </a:solidFill>
-                <a:ea typeface="+mn-lt"/>
-                <a:cs typeface="+mn-lt"/>
-              </a:rPr>
-              <a:t> closures.</a:t>
-            </a:r>
-            <a:endParaRPr lang="en-US" sz="1800" dirty="0">
+            <a:pPr marL="0" indent="0">
+              <a:buNone/>
+            </a:pPr>
+            <a:r>
+              <a:rPr lang="en-US">
+                <a:solidFill>
+                  <a:srgbClr val="000000"/>
+                </a:solidFill>
+                <a:ea typeface="+mn-lt"/>
+                <a:cs typeface="+mn-lt"/>
+              </a:rPr>
+              <a:t>Open Tickets + Auto Elf</a:t>
+            </a:r>
+          </a:p>
+          <a:p>
+            <a:pPr marL="0" indent="0">
+              <a:buNone/>
+            </a:pPr>
+            <a:endParaRPr lang="en-US">
               <a:solidFill>
                 <a:srgbClr val="000000"/>
               </a:solidFill>
-              <a:cs typeface="Calibri"/>
+              <a:ea typeface="+mn-lt"/>
+              <a:cs typeface="+mn-lt"/>
             </a:endParaRPr>
+          </a:p>
+          <a:p>
+            <a:pPr marL="0" indent="0">
+              <a:buNone/>
+            </a:pPr>
+            <a:r>
+              <a:rPr lang="en-US" sz="1800" b="1">
+                <a:solidFill>
+                  <a:srgbClr val="000000"/>
+                </a:solidFill>
+                <a:ea typeface="+mn-lt"/>
+                <a:cs typeface="+mn-lt"/>
+              </a:rPr>
+              <a:t>INTEGRATION</a:t>
+            </a:r>
+          </a:p>
+          <a:p>
+            <a:r>
+              <a:rPr lang="en-US" sz="1800">
+                <a:solidFill>
+                  <a:srgbClr val="000000"/>
+                </a:solidFill>
+                <a:ea typeface="+mn-lt"/>
+                <a:cs typeface="+mn-lt"/>
+              </a:rPr>
+              <a:t>Directly integrated via the</a:t>
+            </a:r>
+            <a:r>
+              <a:rPr lang="en-US" sz="1800" b="1">
+                <a:solidFill>
+                  <a:srgbClr val="000000"/>
+                </a:solidFill>
+                <a:ea typeface="+mn-lt"/>
+                <a:cs typeface="+mn-lt"/>
+              </a:rPr>
+              <a:t> Zendesk Support Mobile SDK</a:t>
+            </a:r>
+            <a:r>
+              <a:rPr lang="en-US" sz="1800">
+                <a:solidFill>
+                  <a:srgbClr val="000000"/>
+                </a:solidFill>
+                <a:ea typeface="+mn-lt"/>
+                <a:cs typeface="+mn-lt"/>
+              </a:rPr>
+              <a:t>.</a:t>
+            </a:r>
+            <a:endParaRPr lang="en-US">
+              <a:cs typeface="Calibri" panose="020F0502020204030204"/>
+            </a:endParaRPr>
+          </a:p>
+          <a:p>
+            <a:r>
+              <a:rPr lang="en-US" sz="1800">
+                <a:solidFill>
+                  <a:srgbClr val="000000"/>
+                </a:solidFill>
+                <a:ea typeface="+mn-lt"/>
+                <a:cs typeface="+mn-lt"/>
+              </a:rPr>
+              <a:t>Directly integrated via the</a:t>
+            </a:r>
+            <a:r>
+              <a:rPr lang="en-US" sz="1800" b="1">
+                <a:solidFill>
+                  <a:srgbClr val="000000"/>
+                </a:solidFill>
+                <a:ea typeface="+mn-lt"/>
+                <a:cs typeface="+mn-lt"/>
+              </a:rPr>
+              <a:t> Zendesk Answer Bot SDK</a:t>
+            </a:r>
+            <a:r>
+              <a:rPr lang="en-US" sz="1800">
+                <a:solidFill>
+                  <a:srgbClr val="000000"/>
+                </a:solidFill>
+                <a:ea typeface="+mn-lt"/>
+                <a:cs typeface="+mn-lt"/>
+              </a:rPr>
+              <a:t>.</a:t>
+            </a:r>
+            <a:endParaRPr lang="en-US" sz="1800">
+              <a:ea typeface="+mn-lt"/>
+              <a:cs typeface="+mn-lt"/>
+            </a:endParaRPr>
+          </a:p>
+          <a:p>
+            <a:pPr marL="0" indent="0">
+              <a:buNone/>
+            </a:pPr>
+            <a:endParaRPr lang="en-US" sz="1800">
+              <a:solidFill>
+                <a:srgbClr val="000000"/>
+              </a:solidFill>
+              <a:ea typeface="+mn-lt"/>
+              <a:cs typeface="+mn-lt"/>
+            </a:endParaRPr>
+          </a:p>
+          <a:p>
+            <a:pPr marL="0" indent="0">
+              <a:buNone/>
+            </a:pPr>
+            <a:r>
+              <a:rPr lang="en-US" sz="1800" b="1">
+                <a:solidFill>
+                  <a:srgbClr val="000000"/>
+                </a:solidFill>
+                <a:ea typeface="+mn-lt"/>
+                <a:cs typeface="+mn-lt"/>
+              </a:rPr>
+              <a:t>CONFIGURATION</a:t>
+            </a:r>
+          </a:p>
+          <a:p>
+            <a:r>
+              <a:rPr lang="en-US" sz="1800">
+                <a:solidFill>
+                  <a:srgbClr val="000000"/>
+                </a:solidFill>
+                <a:ea typeface="+mn-lt"/>
+                <a:cs typeface="+mn-lt"/>
+              </a:rPr>
+              <a:t>Implemented as an "intent" as the Open Tickets screen would not be displayed straight away.</a:t>
+            </a:r>
+          </a:p>
+          <a:p>
+            <a:r>
+              <a:rPr lang="en-US" sz="1800">
+                <a:solidFill>
+                  <a:srgbClr val="000000"/>
+                </a:solidFill>
+                <a:ea typeface="+mn-lt"/>
+                <a:cs typeface="+mn-lt"/>
+              </a:rPr>
+              <a:t>Enable Answer Bot to suggest relevant FAQ articles which may help the user while they are waiting for a reply.</a:t>
+            </a:r>
           </a:p>
         </p:txBody>
       </p:sp>
       <p:pic>
         <p:nvPicPr>
-          <p:cNvPr id="4" name="Picture 2">
-            <a:extLst>
-              <a:ext uri="{FF2B5EF4-FFF2-40B4-BE49-F238E27FC236}">
-                <a16:creationId xmlns:a16="http://schemas.microsoft.com/office/drawing/2014/main" id="{BC8F390E-29FC-4CD2-94E5-A4071187A2F9}"/>
+          <p:cNvPr id="6" name="Picture 5">
+            <a:extLst>
+              <a:ext uri="{FF2B5EF4-FFF2-40B4-BE49-F238E27FC236}">
+                <a16:creationId xmlns:a16="http://schemas.microsoft.com/office/drawing/2014/main" id="{A0E5130E-FBB6-437E-B29E-939C1A5614F9}"/>
               </a:ext>
             </a:extLst>
           </p:cNvPr>
           <p:cNvPicPr>
-            <a:picLocks noChangeAspect="1" noChangeArrowheads="1"/>
+            <a:picLocks noChangeAspect="1"/>
           </p:cNvPicPr>
           <p:nvPr/>
         </p:nvPicPr>
         <p:blipFill>
-          <a:blip r:embed="rId2">
+          <a:blip r:embed="rId3">
             <a:extLst>
               <a:ext uri="{28A0092B-C50C-407E-A947-70E740481C1C}">
                 <a14:useLocalDpi xmlns:a14="http://schemas.microsoft.com/office/drawing/2010/main" val="0"/>
               </a:ext>
             </a:extLst>
           </a:blip>
-          <a:srcRect/>
           <a:stretch>
             <a:fillRect/>
           </a:stretch>
         </p:blipFill>
-        <p:spPr bwMode="auto">
-          <a:xfrm>
-            <a:off x="7000198" y="2114490"/>
-            <a:ext cx="4386805" cy="3290104"/>
+        <p:spPr>
+          <a:xfrm>
+            <a:off x="1643497" y="1165312"/>
+            <a:ext cx="2546648" cy="4527375"/>
           </a:xfrm>
           <a:prstGeom prst="rect">
             <a:avLst/>
           </a:prstGeom>
-          <a:noFill/>
-          <a:extLst>
-            <a:ext uri="{909E8E84-426E-40DD-AFC4-6F175D3DCCD1}">
-              <a14:hiddenFill xmlns:a14="http://schemas.microsoft.com/office/drawing/2010/main">
-                <a:solidFill>
-                  <a:srgbClr val="FFFFFF"/>
-                </a:solidFill>
-              </a14:hiddenFill>
-            </a:ext>
-          </a:extLst>
         </p:spPr>
       </p:pic>
     </p:spTree>
     <p:extLst>
       <p:ext uri="{BB962C8B-B14F-4D97-AF65-F5344CB8AC3E}">
-        <p14:creationId xmlns:p14="http://schemas.microsoft.com/office/powerpoint/2010/main" val="666172367"/>
+        <p14:creationId xmlns:p14="http://schemas.microsoft.com/office/powerpoint/2010/main" val="3800846885"/>
       </p:ext>
     </p:extLst>
   </p:cSld>
@@ -6556,6 +4341,14 @@
 <file path=ppt/slides/slide15.xml><?xml version="1.0" encoding="utf-8"?>
 <p:sld xmlns:a="http://schemas.openxmlformats.org/drawingml/2006/main" xmlns:r="http://schemas.openxmlformats.org/officeDocument/2006/relationships" xmlns:p="http://schemas.openxmlformats.org/presentationml/2006/main">
   <p:cSld>
+    <p:bg>
+      <p:bgPr>
+        <a:solidFill>
+          <a:schemeClr val="bg1"/>
+        </a:solidFill>
+        <a:effectLst/>
+      </p:bgPr>
+    </p:bg>
     <p:spTree>
       <p:nvGrpSpPr>
         <p:cNvPr id="1" name=""/>
@@ -6570,6 +4363,51 @@
           <a:chExt cx="0" cy="0"/>
         </a:xfrm>
       </p:grpSpPr>
+      <p:pic>
+        <p:nvPicPr>
+          <p:cNvPr id="12" name="Picture 11">
+            <a:extLst>
+              <a:ext uri="{FF2B5EF4-FFF2-40B4-BE49-F238E27FC236}">
+                <a16:creationId xmlns:a16="http://schemas.microsoft.com/office/drawing/2014/main" id="{54DDEBDD-D8BD-41A6-8A0D-B00E3768B0F9}"/>
+              </a:ext>
+              <a:ext uri="{C183D7F6-B498-43B3-948B-1728B52AA6E4}">
+                <adec:decorative xmlns:adec="http://schemas.microsoft.com/office/drawing/2017/decorative" val="1"/>
+              </a:ext>
+            </a:extLst>
+          </p:cNvPr>
+          <p:cNvPicPr>
+            <a:picLocks noGrp="1" noRot="1" noChangeAspect="1" noMove="1" noResize="1" noEditPoints="1" noAdjustHandles="1" noChangeArrowheads="1" noChangeShapeType="1" noCrop="1"/>
+          </p:cNvPicPr>
+          <p:nvPr>
+            <p:extLst>
+              <p:ext uri="{386F3935-93C4-4BCD-93E2-E3B085C9AB24}">
+                <p16:designElem xmlns:p16="http://schemas.microsoft.com/office/powerpoint/2015/main" val="1"/>
+              </p:ext>
+            </p:extLst>
+          </p:nvPr>
+        </p:nvPicPr>
+        <p:blipFill>
+          <a:blip r:embed="rId2">
+            <a:extLst>
+              <a:ext uri="{28A0092B-C50C-407E-A947-70E740481C1C}">
+                <a14:useLocalDpi xmlns:a14="http://schemas.microsoft.com/office/drawing/2010/main" val="0"/>
+              </a:ext>
+            </a:extLst>
+          </a:blip>
+          <a:stretch>
+            <a:fillRect/>
+          </a:stretch>
+        </p:blipFill>
+        <p:spPr>
+          <a:xfrm flipH="1" flipV="1">
+            <a:off x="0" y="0"/>
+            <a:ext cx="12192000" cy="6858000"/>
+          </a:xfrm>
+          <a:prstGeom prst="rect">
+            <a:avLst/>
+          </a:prstGeom>
+        </p:spPr>
+      </p:pic>
       <p:sp>
         <p:nvSpPr>
           <p:cNvPr id="2" name="Title 1">
@@ -6588,8 +4426,8 @@
         </p:nvSpPr>
         <p:spPr>
           <a:xfrm>
-            <a:off x="804997" y="802826"/>
-            <a:ext cx="8975611" cy="1311664"/>
+            <a:off x="804998" y="617631"/>
+            <a:ext cx="9574678" cy="1311664"/>
           </a:xfrm>
         </p:spPr>
         <p:txBody>
@@ -6606,216 +4444,707 @@
                 <a:ea typeface="+mj-lt"/>
                 <a:cs typeface="+mj-lt"/>
               </a:rPr>
-              <a:t>Recommendations for Improvement</a:t>
-            </a:r>
-          </a:p>
-          <a:p>
-            <a:endParaRPr lang="en-US" dirty="0">
-              <a:solidFill>
-                <a:srgbClr val="000000"/>
-              </a:solidFill>
-              <a:cs typeface="Calibri Light"/>
-            </a:endParaRPr>
-          </a:p>
-        </p:txBody>
-      </p:sp>
-      <p:sp>
-        <p:nvSpPr>
-          <p:cNvPr id="3" name="Content Placeholder 2">
-            <a:extLst>
-              <a:ext uri="{FF2B5EF4-FFF2-40B4-BE49-F238E27FC236}">
-                <a16:creationId xmlns:a16="http://schemas.microsoft.com/office/drawing/2014/main" id="{C7F74014-2BBF-44B2-8A37-9FECFA4FAF2A}"/>
-              </a:ext>
-            </a:extLst>
-          </p:cNvPr>
-          <p:cNvSpPr>
-            <a:spLocks noGrp="1"/>
-          </p:cNvSpPr>
-          <p:nvPr>
-            <p:ph idx="1"/>
-          </p:nvPr>
-        </p:nvSpPr>
-        <p:spPr>
-          <a:xfrm>
-            <a:off x="804997" y="1601575"/>
-            <a:ext cx="6255560" cy="4469174"/>
-          </a:xfrm>
-        </p:spPr>
-        <p:txBody>
-          <a:bodyPr vert="horz" lIns="91440" tIns="45720" rIns="91440" bIns="45720" rtlCol="0" anchor="ctr">
-            <a:noAutofit/>
-          </a:bodyPr>
-          <a:lstStyle/>
-          <a:p>
-            <a:pPr marL="0" indent="0">
-              <a:buNone/>
-            </a:pPr>
-            <a:r>
-              <a:rPr lang="en-US" sz="1800" b="1">
-                <a:solidFill>
-                  <a:srgbClr val="000000"/>
-                </a:solidFill>
-                <a:ea typeface="+mn-lt"/>
-                <a:cs typeface="+mn-lt"/>
-              </a:rPr>
-              <a:t>Zendesk Support</a:t>
-            </a:r>
-            <a:r>
-              <a:rPr lang="en-US" sz="1800" b="1" dirty="0">
-                <a:solidFill>
-                  <a:srgbClr val="000000"/>
-                </a:solidFill>
-                <a:ea typeface="+mn-lt"/>
-                <a:cs typeface="+mn-lt"/>
-              </a:rPr>
-              <a:t> Mobile SDK</a:t>
-            </a:r>
-          </a:p>
-          <a:p>
-            <a:r>
-              <a:rPr lang="en-US" sz="1800" dirty="0">
-                <a:solidFill>
-                  <a:srgbClr val="000000"/>
-                </a:solidFill>
-                <a:ea typeface="+mn-lt"/>
-                <a:cs typeface="+mn-lt"/>
-              </a:rPr>
-              <a:t>Advanced ticket functionality, such as “Split Ticket” or “Merge Ticket” may be useful for custom CS apps and for the Zendesk Support app.</a:t>
-            </a:r>
-          </a:p>
-          <a:p>
-            <a:r>
-              <a:rPr lang="en-US" sz="1800">
-                <a:solidFill>
-                  <a:srgbClr val="000000"/>
-                </a:solidFill>
-                <a:ea typeface="+mn-lt"/>
-                <a:cs typeface="+mn-lt"/>
-              </a:rPr>
-              <a:t>Provide</a:t>
-            </a:r>
-            <a:r>
-              <a:rPr lang="en-US" sz="1800" dirty="0">
-                <a:solidFill>
-                  <a:srgbClr val="000000"/>
-                </a:solidFill>
-                <a:ea typeface="+mn-lt"/>
-                <a:cs typeface="+mn-lt"/>
-              </a:rPr>
-              <a:t> helpful articles within the </a:t>
-            </a:r>
-            <a:r>
-              <a:rPr lang="en-US" sz="1800" dirty="0" err="1">
-                <a:solidFill>
-                  <a:srgbClr val="000000"/>
-                </a:solidFill>
-                <a:ea typeface="+mn-lt"/>
-                <a:cs typeface="+mn-lt"/>
-              </a:rPr>
-              <a:t>RequestActivity</a:t>
-            </a:r>
-            <a:r>
-              <a:rPr lang="en-US" sz="1800" dirty="0">
-                <a:solidFill>
-                  <a:srgbClr val="000000"/>
-                </a:solidFill>
-                <a:ea typeface="+mn-lt"/>
-                <a:cs typeface="+mn-lt"/>
-              </a:rPr>
-              <a:t> itself – bring relevant information into conversation sooner and in a more automated manner.</a:t>
-            </a:r>
-          </a:p>
-          <a:p>
-            <a:r>
-              <a:rPr lang="en-US" sz="1800" dirty="0">
-                <a:solidFill>
-                  <a:srgbClr val="000000"/>
-                </a:solidFill>
-                <a:ea typeface="+mn-lt"/>
-                <a:cs typeface="+mn-lt"/>
-              </a:rPr>
-              <a:t>Possibly review the naming convention of the </a:t>
-            </a:r>
-            <a:r>
-              <a:rPr lang="en-US" sz="1800" dirty="0" err="1">
-                <a:solidFill>
-                  <a:srgbClr val="000000"/>
-                </a:solidFill>
-                <a:ea typeface="+mn-lt"/>
-                <a:cs typeface="+mn-lt"/>
-              </a:rPr>
-              <a:t>RequestActivity</a:t>
-            </a:r>
-            <a:r>
-              <a:rPr lang="en-US" sz="1800" dirty="0">
-                <a:solidFill>
-                  <a:srgbClr val="000000"/>
-                </a:solidFill>
-                <a:ea typeface="+mn-lt"/>
-                <a:cs typeface="+mn-lt"/>
-              </a:rPr>
-              <a:t> and consider something more closely related to Tickets.</a:t>
-            </a:r>
-            <a:endParaRPr lang="en-US" sz="1800" dirty="0">
-              <a:solidFill>
-                <a:srgbClr val="000000"/>
-              </a:solidFill>
-              <a:cs typeface="Calibri"/>
-            </a:endParaRPr>
-          </a:p>
-        </p:txBody>
-      </p:sp>
-      <p:pic>
-        <p:nvPicPr>
-          <p:cNvPr id="1026" name="Picture 2" descr="Image result for mobile sdk&quot;">
-            <a:extLst>
-              <a:ext uri="{FF2B5EF4-FFF2-40B4-BE49-F238E27FC236}">
-                <a16:creationId xmlns:a16="http://schemas.microsoft.com/office/drawing/2014/main" id="{523335C4-0C0E-4E69-9C00-C37D6FA0AE4E}"/>
-              </a:ext>
-            </a:extLst>
-          </p:cNvPr>
-          <p:cNvPicPr>
-            <a:picLocks noChangeAspect="1" noChangeArrowheads="1"/>
-          </p:cNvPicPr>
+              <a:t>The Business Outcome</a:t>
+            </a:r>
+            <a:endParaRPr lang="en-US" dirty="0"/>
+          </a:p>
+        </p:txBody>
+      </p:sp>
+      <p:sp>
+        <p:nvSpPr>
+          <p:cNvPr id="18" name="Rectangle 17">
+            <a:extLst>
+              <a:ext uri="{FF2B5EF4-FFF2-40B4-BE49-F238E27FC236}">
+                <a16:creationId xmlns:a16="http://schemas.microsoft.com/office/drawing/2014/main" id="{A64FB206-83F4-4480-8683-908163B5AC92}"/>
+              </a:ext>
+            </a:extLst>
+          </p:cNvPr>
+          <p:cNvSpPr/>
           <p:nvPr/>
-        </p:nvPicPr>
-        <p:blipFill>
-          <a:blip r:embed="rId2">
-            <a:extLst>
-              <a:ext uri="{28A0092B-C50C-407E-A947-70E740481C1C}">
-                <a14:useLocalDpi xmlns:a14="http://schemas.microsoft.com/office/drawing/2010/main" val="0"/>
-              </a:ext>
-            </a:extLst>
-          </a:blip>
-          <a:srcRect/>
-          <a:stretch>
-            <a:fillRect/>
-          </a:stretch>
-        </p:blipFill>
-        <p:spPr bwMode="auto">
-          <a:xfrm>
-            <a:off x="6753225" y="1707325"/>
-            <a:ext cx="5438775" cy="4257675"/>
+        </p:nvSpPr>
+        <p:spPr>
+          <a:xfrm>
+            <a:off x="811990" y="2262609"/>
+            <a:ext cx="1712270" cy="348712"/>
           </a:xfrm>
           <a:prstGeom prst="rect">
             <a:avLst/>
           </a:prstGeom>
-          <a:noFill/>
-          <a:extLst>
-            <a:ext uri="{909E8E84-426E-40DD-AFC4-6F175D3DCCD1}">
-              <a14:hiddenFill xmlns:a14="http://schemas.microsoft.com/office/drawing/2010/main">
-                <a:solidFill>
-                  <a:srgbClr val="FFFFFF"/>
-                </a:solidFill>
-              </a14:hiddenFill>
-            </a:ext>
-          </a:extLst>
-        </p:spPr>
-      </p:pic>
+          <a:solidFill>
+            <a:schemeClr val="accent1"/>
+          </a:solidFill>
+          <a:ln>
+            <a:noFill/>
+          </a:ln>
+        </p:spPr>
+        <p:style>
+          <a:lnRef idx="2">
+            <a:schemeClr val="accent1">
+              <a:shade val="50000"/>
+            </a:schemeClr>
+          </a:lnRef>
+          <a:fillRef idx="1">
+            <a:schemeClr val="accent1"/>
+          </a:fillRef>
+          <a:effectRef idx="0">
+            <a:schemeClr val="accent1"/>
+          </a:effectRef>
+          <a:fontRef idx="minor">
+            <a:schemeClr val="lt1"/>
+          </a:fontRef>
+        </p:style>
+        <p:txBody>
+          <a:bodyPr rtlCol="0" anchor="ctr"/>
+          <a:lstStyle/>
+          <a:p>
+            <a:pPr algn="ctr"/>
+            <a:endParaRPr lang="en-US"/>
+          </a:p>
+        </p:txBody>
+      </p:sp>
+      <p:sp>
+        <p:nvSpPr>
+          <p:cNvPr id="3" name="Rectangle 2">
+            <a:extLst>
+              <a:ext uri="{FF2B5EF4-FFF2-40B4-BE49-F238E27FC236}">
+                <a16:creationId xmlns:a16="http://schemas.microsoft.com/office/drawing/2014/main" id="{62FCA77C-22DC-4E3D-9BD8-2F664B247097}"/>
+              </a:ext>
+            </a:extLst>
+          </p:cNvPr>
+          <p:cNvSpPr/>
+          <p:nvPr/>
+        </p:nvSpPr>
+        <p:spPr>
+          <a:xfrm>
+            <a:off x="709637" y="2652361"/>
+            <a:ext cx="3109890" cy="369332"/>
+          </a:xfrm>
+          <a:prstGeom prst="rect">
+            <a:avLst/>
+          </a:prstGeom>
+        </p:spPr>
+        <p:txBody>
+          <a:bodyPr wrap="none" anchor="t">
+            <a:spAutoFit/>
+          </a:bodyPr>
+          <a:lstStyle/>
+          <a:p>
+            <a:r>
+              <a:rPr lang="en-US" dirty="0">
+                <a:solidFill>
+                  <a:srgbClr val="000000"/>
+                </a:solidFill>
+                <a:ea typeface="+mn-lt"/>
+                <a:cs typeface="+mn-lt"/>
+              </a:rPr>
+              <a:t>Average Ticket Resolution Time</a:t>
+            </a:r>
+            <a:endParaRPr lang="en-US" dirty="0"/>
+          </a:p>
+        </p:txBody>
+      </p:sp>
+      <p:sp>
+        <p:nvSpPr>
+          <p:cNvPr id="6" name="Rectangle 5">
+            <a:extLst>
+              <a:ext uri="{FF2B5EF4-FFF2-40B4-BE49-F238E27FC236}">
+                <a16:creationId xmlns:a16="http://schemas.microsoft.com/office/drawing/2014/main" id="{EB0C5956-BC21-4640-9E32-07E45D29B5CC}"/>
+              </a:ext>
+            </a:extLst>
+          </p:cNvPr>
+          <p:cNvSpPr/>
+          <p:nvPr/>
+        </p:nvSpPr>
+        <p:spPr>
+          <a:xfrm>
+            <a:off x="2564990" y="2262501"/>
+            <a:ext cx="1791581" cy="369332"/>
+          </a:xfrm>
+          <a:prstGeom prst="rect">
+            <a:avLst/>
+          </a:prstGeom>
+        </p:spPr>
+        <p:txBody>
+          <a:bodyPr wrap="none">
+            <a:spAutoFit/>
+          </a:bodyPr>
+          <a:lstStyle/>
+          <a:p>
+            <a:r>
+              <a:rPr lang="en-US" dirty="0">
+                <a:solidFill>
+                  <a:srgbClr val="000000"/>
+                </a:solidFill>
+                <a:ea typeface="+mn-lt"/>
+                <a:cs typeface="+mn-lt"/>
+              </a:rPr>
+              <a:t>5 Minutes (-83%)</a:t>
+            </a:r>
+            <a:endParaRPr lang="en-US" dirty="0"/>
+          </a:p>
+        </p:txBody>
+      </p:sp>
+      <p:sp>
+        <p:nvSpPr>
+          <p:cNvPr id="19" name="Rectangle 18">
+            <a:extLst>
+              <a:ext uri="{FF2B5EF4-FFF2-40B4-BE49-F238E27FC236}">
+                <a16:creationId xmlns:a16="http://schemas.microsoft.com/office/drawing/2014/main" id="{CD81F77C-3FA2-4460-8FD5-628D72BFF0E2}"/>
+              </a:ext>
+            </a:extLst>
+          </p:cNvPr>
+          <p:cNvSpPr/>
+          <p:nvPr/>
+        </p:nvSpPr>
+        <p:spPr>
+          <a:xfrm>
+            <a:off x="811990" y="1872749"/>
+            <a:ext cx="8872924" cy="348712"/>
+          </a:xfrm>
+          <a:prstGeom prst="rect">
+            <a:avLst/>
+          </a:prstGeom>
+          <a:solidFill>
+            <a:schemeClr val="accent3"/>
+          </a:solidFill>
+          <a:ln>
+            <a:noFill/>
+          </a:ln>
+        </p:spPr>
+        <p:style>
+          <a:lnRef idx="2">
+            <a:schemeClr val="accent1">
+              <a:shade val="50000"/>
+            </a:schemeClr>
+          </a:lnRef>
+          <a:fillRef idx="1">
+            <a:schemeClr val="accent1"/>
+          </a:fillRef>
+          <a:effectRef idx="0">
+            <a:schemeClr val="accent1"/>
+          </a:effectRef>
+          <a:fontRef idx="minor">
+            <a:schemeClr val="lt1"/>
+          </a:fontRef>
+        </p:style>
+        <p:txBody>
+          <a:bodyPr rtlCol="0" anchor="ctr"/>
+          <a:lstStyle/>
+          <a:p>
+            <a:pPr algn="ctr"/>
+            <a:endParaRPr lang="en-US"/>
+          </a:p>
+        </p:txBody>
+      </p:sp>
+      <p:sp>
+        <p:nvSpPr>
+          <p:cNvPr id="20" name="Rectangle 19">
+            <a:extLst>
+              <a:ext uri="{FF2B5EF4-FFF2-40B4-BE49-F238E27FC236}">
+                <a16:creationId xmlns:a16="http://schemas.microsoft.com/office/drawing/2014/main" id="{192DA9C4-15E4-46DD-BCB2-07AF0A75B412}"/>
+              </a:ext>
+            </a:extLst>
+          </p:cNvPr>
+          <p:cNvSpPr/>
+          <p:nvPr/>
+        </p:nvSpPr>
+        <p:spPr>
+          <a:xfrm>
+            <a:off x="9677430" y="1798044"/>
+            <a:ext cx="2099255" cy="369332"/>
+          </a:xfrm>
+          <a:prstGeom prst="rect">
+            <a:avLst/>
+          </a:prstGeom>
+        </p:spPr>
+        <p:txBody>
+          <a:bodyPr wrap="square">
+            <a:spAutoFit/>
+          </a:bodyPr>
+          <a:lstStyle/>
+          <a:p>
+            <a:r>
+              <a:rPr lang="en-US" dirty="0">
+                <a:solidFill>
+                  <a:srgbClr val="000000"/>
+                </a:solidFill>
+                <a:ea typeface="+mn-lt"/>
+                <a:cs typeface="+mn-lt"/>
+              </a:rPr>
+              <a:t>30 Minutes</a:t>
+            </a:r>
+            <a:endParaRPr lang="en-US" dirty="0"/>
+          </a:p>
+        </p:txBody>
+      </p:sp>
+      <p:sp>
+        <p:nvSpPr>
+          <p:cNvPr id="27" name="Rectangle 26">
+            <a:extLst>
+              <a:ext uri="{FF2B5EF4-FFF2-40B4-BE49-F238E27FC236}">
+                <a16:creationId xmlns:a16="http://schemas.microsoft.com/office/drawing/2014/main" id="{AA5E6F24-D326-094E-BD52-C24EA0BFD128}"/>
+              </a:ext>
+            </a:extLst>
+          </p:cNvPr>
+          <p:cNvSpPr/>
+          <p:nvPr/>
+        </p:nvSpPr>
+        <p:spPr>
+          <a:xfrm>
+            <a:off x="804997" y="3908747"/>
+            <a:ext cx="4462461" cy="348712"/>
+          </a:xfrm>
+          <a:prstGeom prst="rect">
+            <a:avLst/>
+          </a:prstGeom>
+          <a:solidFill>
+            <a:schemeClr val="accent1"/>
+          </a:solidFill>
+          <a:ln>
+            <a:noFill/>
+          </a:ln>
+        </p:spPr>
+        <p:style>
+          <a:lnRef idx="2">
+            <a:schemeClr val="accent1">
+              <a:shade val="50000"/>
+            </a:schemeClr>
+          </a:lnRef>
+          <a:fillRef idx="1">
+            <a:schemeClr val="accent1"/>
+          </a:fillRef>
+          <a:effectRef idx="0">
+            <a:schemeClr val="accent1"/>
+          </a:effectRef>
+          <a:fontRef idx="minor">
+            <a:schemeClr val="lt1"/>
+          </a:fontRef>
+        </p:style>
+        <p:txBody>
+          <a:bodyPr rtlCol="0" anchor="ctr"/>
+          <a:lstStyle/>
+          <a:p>
+            <a:pPr algn="ctr"/>
+            <a:endParaRPr lang="en-US"/>
+          </a:p>
+        </p:txBody>
+      </p:sp>
+      <p:sp>
+        <p:nvSpPr>
+          <p:cNvPr id="28" name="Rectangle 27">
+            <a:extLst>
+              <a:ext uri="{FF2B5EF4-FFF2-40B4-BE49-F238E27FC236}">
+                <a16:creationId xmlns:a16="http://schemas.microsoft.com/office/drawing/2014/main" id="{C0C68719-E33D-4B40-8F26-C068D9476C76}"/>
+              </a:ext>
+            </a:extLst>
+          </p:cNvPr>
+          <p:cNvSpPr/>
+          <p:nvPr/>
+        </p:nvSpPr>
+        <p:spPr>
+          <a:xfrm>
+            <a:off x="702645" y="4298499"/>
+            <a:ext cx="3502241" cy="369332"/>
+          </a:xfrm>
+          <a:prstGeom prst="rect">
+            <a:avLst/>
+          </a:prstGeom>
+        </p:spPr>
+        <p:txBody>
+          <a:bodyPr wrap="none" anchor="t">
+            <a:spAutoFit/>
+          </a:bodyPr>
+          <a:lstStyle/>
+          <a:p>
+            <a:r>
+              <a:rPr lang="en-US" dirty="0">
+                <a:solidFill>
+                  <a:srgbClr val="000000"/>
+                </a:solidFill>
+                <a:ea typeface="+mn-lt"/>
+                <a:cs typeface="+mn-lt"/>
+              </a:rPr>
+              <a:t>The number of tickets opened daily</a:t>
+            </a:r>
+            <a:endParaRPr lang="en-US" dirty="0"/>
+          </a:p>
+        </p:txBody>
+      </p:sp>
+      <p:sp>
+        <p:nvSpPr>
+          <p:cNvPr id="29" name="Rectangle 28">
+            <a:extLst>
+              <a:ext uri="{FF2B5EF4-FFF2-40B4-BE49-F238E27FC236}">
+                <a16:creationId xmlns:a16="http://schemas.microsoft.com/office/drawing/2014/main" id="{5858FA9B-8F02-1F48-8E40-EB41F8B2F213}"/>
+              </a:ext>
+            </a:extLst>
+          </p:cNvPr>
+          <p:cNvSpPr/>
+          <p:nvPr/>
+        </p:nvSpPr>
+        <p:spPr>
+          <a:xfrm>
+            <a:off x="5267458" y="3898437"/>
+            <a:ext cx="1149674" cy="369332"/>
+          </a:xfrm>
+          <a:prstGeom prst="rect">
+            <a:avLst/>
+          </a:prstGeom>
+        </p:spPr>
+        <p:txBody>
+          <a:bodyPr wrap="none">
+            <a:spAutoFit/>
+          </a:bodyPr>
+          <a:lstStyle/>
+          <a:p>
+            <a:r>
+              <a:rPr lang="en-US" dirty="0">
+                <a:solidFill>
+                  <a:srgbClr val="000000"/>
+                </a:solidFill>
+                <a:ea typeface="+mn-lt"/>
+                <a:cs typeface="+mn-lt"/>
+              </a:rPr>
+              <a:t>6m (-50%)</a:t>
+            </a:r>
+            <a:endParaRPr lang="en-US" dirty="0"/>
+          </a:p>
+        </p:txBody>
+      </p:sp>
+      <p:sp>
+        <p:nvSpPr>
+          <p:cNvPr id="30" name="Rectangle 29">
+            <a:extLst>
+              <a:ext uri="{FF2B5EF4-FFF2-40B4-BE49-F238E27FC236}">
+                <a16:creationId xmlns:a16="http://schemas.microsoft.com/office/drawing/2014/main" id="{4B922D75-1C0E-2B47-8527-AC907497FEC5}"/>
+              </a:ext>
+            </a:extLst>
+          </p:cNvPr>
+          <p:cNvSpPr/>
+          <p:nvPr/>
+        </p:nvSpPr>
+        <p:spPr>
+          <a:xfrm>
+            <a:off x="804998" y="3518887"/>
+            <a:ext cx="8872924" cy="348712"/>
+          </a:xfrm>
+          <a:prstGeom prst="rect">
+            <a:avLst/>
+          </a:prstGeom>
+          <a:solidFill>
+            <a:schemeClr val="accent3"/>
+          </a:solidFill>
+          <a:ln>
+            <a:noFill/>
+          </a:ln>
+        </p:spPr>
+        <p:style>
+          <a:lnRef idx="2">
+            <a:schemeClr val="accent1">
+              <a:shade val="50000"/>
+            </a:schemeClr>
+          </a:lnRef>
+          <a:fillRef idx="1">
+            <a:schemeClr val="accent1"/>
+          </a:fillRef>
+          <a:effectRef idx="0">
+            <a:schemeClr val="accent1"/>
+          </a:effectRef>
+          <a:fontRef idx="minor">
+            <a:schemeClr val="lt1"/>
+          </a:fontRef>
+        </p:style>
+        <p:txBody>
+          <a:bodyPr rtlCol="0" anchor="ctr"/>
+          <a:lstStyle/>
+          <a:p>
+            <a:pPr algn="ctr"/>
+            <a:endParaRPr lang="en-US"/>
+          </a:p>
+        </p:txBody>
+      </p:sp>
+      <p:sp>
+        <p:nvSpPr>
+          <p:cNvPr id="31" name="Rectangle 30">
+            <a:extLst>
+              <a:ext uri="{FF2B5EF4-FFF2-40B4-BE49-F238E27FC236}">
+                <a16:creationId xmlns:a16="http://schemas.microsoft.com/office/drawing/2014/main" id="{BBBF60C9-8F7C-B64C-AC61-7FFB3377D391}"/>
+              </a:ext>
+            </a:extLst>
+          </p:cNvPr>
+          <p:cNvSpPr/>
+          <p:nvPr/>
+        </p:nvSpPr>
+        <p:spPr>
+          <a:xfrm>
+            <a:off x="9684914" y="3498267"/>
+            <a:ext cx="2099255" cy="369332"/>
+          </a:xfrm>
+          <a:prstGeom prst="rect">
+            <a:avLst/>
+          </a:prstGeom>
+        </p:spPr>
+        <p:txBody>
+          <a:bodyPr wrap="square">
+            <a:spAutoFit/>
+          </a:bodyPr>
+          <a:lstStyle/>
+          <a:p>
+            <a:r>
+              <a:rPr lang="en-US" dirty="0">
+                <a:solidFill>
+                  <a:srgbClr val="000000"/>
+                </a:solidFill>
+                <a:ea typeface="+mn-lt"/>
+                <a:cs typeface="+mn-lt"/>
+              </a:rPr>
+              <a:t>12m</a:t>
+            </a:r>
+            <a:endParaRPr lang="en-US" dirty="0"/>
+          </a:p>
+        </p:txBody>
+      </p:sp>
+      <p:sp>
+        <p:nvSpPr>
+          <p:cNvPr id="32" name="Rectangle 31">
+            <a:extLst>
+              <a:ext uri="{FF2B5EF4-FFF2-40B4-BE49-F238E27FC236}">
+                <a16:creationId xmlns:a16="http://schemas.microsoft.com/office/drawing/2014/main" id="{F5EC9202-5230-6A40-AEAC-8657E8AF4233}"/>
+              </a:ext>
+            </a:extLst>
+          </p:cNvPr>
+          <p:cNvSpPr/>
+          <p:nvPr/>
+        </p:nvSpPr>
+        <p:spPr>
+          <a:xfrm>
+            <a:off x="811989" y="5672761"/>
+            <a:ext cx="1222873" cy="348712"/>
+          </a:xfrm>
+          <a:prstGeom prst="rect">
+            <a:avLst/>
+          </a:prstGeom>
+          <a:solidFill>
+            <a:schemeClr val="accent1"/>
+          </a:solidFill>
+          <a:ln>
+            <a:noFill/>
+          </a:ln>
+        </p:spPr>
+        <p:style>
+          <a:lnRef idx="2">
+            <a:schemeClr val="accent1">
+              <a:shade val="50000"/>
+            </a:schemeClr>
+          </a:lnRef>
+          <a:fillRef idx="1">
+            <a:schemeClr val="accent1"/>
+          </a:fillRef>
+          <a:effectRef idx="0">
+            <a:schemeClr val="accent1"/>
+          </a:effectRef>
+          <a:fontRef idx="minor">
+            <a:schemeClr val="lt1"/>
+          </a:fontRef>
+        </p:style>
+        <p:txBody>
+          <a:bodyPr rtlCol="0" anchor="ctr"/>
+          <a:lstStyle/>
+          <a:p>
+            <a:pPr algn="ctr"/>
+            <a:endParaRPr lang="en-US"/>
+          </a:p>
+        </p:txBody>
+      </p:sp>
+      <p:sp>
+        <p:nvSpPr>
+          <p:cNvPr id="33" name="Rectangle 32">
+            <a:extLst>
+              <a:ext uri="{FF2B5EF4-FFF2-40B4-BE49-F238E27FC236}">
+                <a16:creationId xmlns:a16="http://schemas.microsoft.com/office/drawing/2014/main" id="{7A2D82C0-5E1B-F042-824B-28C62E9F45DB}"/>
+              </a:ext>
+            </a:extLst>
+          </p:cNvPr>
+          <p:cNvSpPr/>
+          <p:nvPr/>
+        </p:nvSpPr>
+        <p:spPr>
+          <a:xfrm>
+            <a:off x="709637" y="6062513"/>
+            <a:ext cx="5223931" cy="369332"/>
+          </a:xfrm>
+          <a:prstGeom prst="rect">
+            <a:avLst/>
+          </a:prstGeom>
+        </p:spPr>
+        <p:txBody>
+          <a:bodyPr wrap="none" anchor="t">
+            <a:spAutoFit/>
+          </a:bodyPr>
+          <a:lstStyle/>
+          <a:p>
+            <a:r>
+              <a:rPr lang="en-US" dirty="0">
+                <a:solidFill>
+                  <a:srgbClr val="000000"/>
+                </a:solidFill>
+                <a:ea typeface="+mn-lt"/>
+                <a:cs typeface="+mn-lt"/>
+              </a:rPr>
+              <a:t>Daily running cost of Santa’s Customer Service </a:t>
+            </a:r>
+            <a:r>
+              <a:rPr lang="en-US" dirty="0" err="1">
+                <a:solidFill>
+                  <a:srgbClr val="000000"/>
+                </a:solidFill>
+                <a:ea typeface="+mn-lt"/>
+                <a:cs typeface="+mn-lt"/>
+              </a:rPr>
+              <a:t>divison</a:t>
+            </a:r>
+            <a:endParaRPr lang="en-US" dirty="0"/>
+          </a:p>
+        </p:txBody>
+      </p:sp>
+      <p:sp>
+        <p:nvSpPr>
+          <p:cNvPr id="34" name="Rectangle 33">
+            <a:extLst>
+              <a:ext uri="{FF2B5EF4-FFF2-40B4-BE49-F238E27FC236}">
+                <a16:creationId xmlns:a16="http://schemas.microsoft.com/office/drawing/2014/main" id="{89DB0F40-33B7-054C-A0CE-BBE8B07F834D}"/>
+              </a:ext>
+            </a:extLst>
+          </p:cNvPr>
+          <p:cNvSpPr/>
+          <p:nvPr/>
+        </p:nvSpPr>
+        <p:spPr>
+          <a:xfrm>
+            <a:off x="2034862" y="5676141"/>
+            <a:ext cx="1733167" cy="369332"/>
+          </a:xfrm>
+          <a:prstGeom prst="rect">
+            <a:avLst/>
+          </a:prstGeom>
+        </p:spPr>
+        <p:txBody>
+          <a:bodyPr wrap="none">
+            <a:spAutoFit/>
+          </a:bodyPr>
+          <a:lstStyle/>
+          <a:p>
+            <a:r>
+              <a:rPr lang="en-US" dirty="0">
+                <a:solidFill>
+                  <a:srgbClr val="000000"/>
+                </a:solidFill>
+                <a:ea typeface="+mn-lt"/>
+                <a:cs typeface="+mn-lt"/>
+              </a:rPr>
+              <a:t>$7.5m (-91.67%)</a:t>
+            </a:r>
+            <a:endParaRPr lang="en-US" dirty="0"/>
+          </a:p>
+        </p:txBody>
+      </p:sp>
+      <p:sp>
+        <p:nvSpPr>
+          <p:cNvPr id="35" name="Rectangle 34">
+            <a:extLst>
+              <a:ext uri="{FF2B5EF4-FFF2-40B4-BE49-F238E27FC236}">
+                <a16:creationId xmlns:a16="http://schemas.microsoft.com/office/drawing/2014/main" id="{E6A36B72-FEC5-B94A-B53D-7119161E70D5}"/>
+              </a:ext>
+            </a:extLst>
+          </p:cNvPr>
+          <p:cNvSpPr/>
+          <p:nvPr/>
+        </p:nvSpPr>
+        <p:spPr>
+          <a:xfrm>
+            <a:off x="811990" y="5282901"/>
+            <a:ext cx="8872924" cy="348712"/>
+          </a:xfrm>
+          <a:prstGeom prst="rect">
+            <a:avLst/>
+          </a:prstGeom>
+          <a:solidFill>
+            <a:schemeClr val="accent3"/>
+          </a:solidFill>
+          <a:ln>
+            <a:noFill/>
+          </a:ln>
+        </p:spPr>
+        <p:style>
+          <a:lnRef idx="2">
+            <a:schemeClr val="accent1">
+              <a:shade val="50000"/>
+            </a:schemeClr>
+          </a:lnRef>
+          <a:fillRef idx="1">
+            <a:schemeClr val="accent1"/>
+          </a:fillRef>
+          <a:effectRef idx="0">
+            <a:schemeClr val="accent1"/>
+          </a:effectRef>
+          <a:fontRef idx="minor">
+            <a:schemeClr val="lt1"/>
+          </a:fontRef>
+        </p:style>
+        <p:txBody>
+          <a:bodyPr rtlCol="0" anchor="ctr"/>
+          <a:lstStyle/>
+          <a:p>
+            <a:pPr algn="ctr"/>
+            <a:endParaRPr lang="en-US"/>
+          </a:p>
+        </p:txBody>
+      </p:sp>
+      <p:sp>
+        <p:nvSpPr>
+          <p:cNvPr id="36" name="Rectangle 35">
+            <a:extLst>
+              <a:ext uri="{FF2B5EF4-FFF2-40B4-BE49-F238E27FC236}">
+                <a16:creationId xmlns:a16="http://schemas.microsoft.com/office/drawing/2014/main" id="{B07DA856-D710-C145-B60C-782587DC1DDD}"/>
+              </a:ext>
+            </a:extLst>
+          </p:cNvPr>
+          <p:cNvSpPr/>
+          <p:nvPr/>
+        </p:nvSpPr>
+        <p:spPr>
+          <a:xfrm>
+            <a:off x="9684914" y="5282901"/>
+            <a:ext cx="2099255" cy="369332"/>
+          </a:xfrm>
+          <a:prstGeom prst="rect">
+            <a:avLst/>
+          </a:prstGeom>
+        </p:spPr>
+        <p:txBody>
+          <a:bodyPr wrap="square">
+            <a:spAutoFit/>
+          </a:bodyPr>
+          <a:lstStyle/>
+          <a:p>
+            <a:r>
+              <a:rPr lang="en-US" dirty="0">
+                <a:solidFill>
+                  <a:srgbClr val="000000"/>
+                </a:solidFill>
+                <a:ea typeface="+mn-lt"/>
+                <a:cs typeface="+mn-lt"/>
+              </a:rPr>
+              <a:t>$90m</a:t>
+            </a:r>
+            <a:endParaRPr lang="en-US" dirty="0"/>
+          </a:p>
+        </p:txBody>
+      </p:sp>
     </p:spTree>
     <p:extLst>
       <p:ext uri="{BB962C8B-B14F-4D97-AF65-F5344CB8AC3E}">
-        <p14:creationId xmlns:p14="http://schemas.microsoft.com/office/powerpoint/2010/main" val="3942921402"/>
+        <p14:creationId xmlns:p14="http://schemas.microsoft.com/office/powerpoint/2010/main" val="1843986144"/>
       </p:ext>
     </p:extLst>
   </p:cSld>
@@ -6860,8 +5189,8 @@
         </p:nvSpPr>
         <p:spPr>
           <a:xfrm>
-            <a:off x="804997" y="802826"/>
-            <a:ext cx="8975611" cy="1311664"/>
+            <a:off x="804998" y="617631"/>
+            <a:ext cx="9574678" cy="1311664"/>
           </a:xfrm>
         </p:spPr>
         <p:txBody>
@@ -6878,219 +5207,482 @@
                 <a:ea typeface="+mj-lt"/>
                 <a:cs typeface="+mj-lt"/>
               </a:rPr>
-              <a:t>Recommendations for Improvement</a:t>
-            </a:r>
-          </a:p>
-          <a:p>
-            <a:endParaRPr lang="en-US" dirty="0">
-              <a:solidFill>
-                <a:srgbClr val="000000"/>
-              </a:solidFill>
-              <a:cs typeface="Calibri Light"/>
-            </a:endParaRPr>
-          </a:p>
-        </p:txBody>
-      </p:sp>
-      <p:sp>
-        <p:nvSpPr>
-          <p:cNvPr id="3" name="Content Placeholder 2">
-            <a:extLst>
-              <a:ext uri="{FF2B5EF4-FFF2-40B4-BE49-F238E27FC236}">
-                <a16:creationId xmlns:a16="http://schemas.microsoft.com/office/drawing/2014/main" id="{C7F74014-2BBF-44B2-8A37-9FECFA4FAF2A}"/>
-              </a:ext>
-            </a:extLst>
-          </p:cNvPr>
-          <p:cNvSpPr>
-            <a:spLocks noGrp="1"/>
-          </p:cNvSpPr>
-          <p:nvPr>
-            <p:ph idx="1"/>
-          </p:nvPr>
-        </p:nvSpPr>
-        <p:spPr>
-          <a:xfrm>
-            <a:off x="804997" y="1601575"/>
-            <a:ext cx="6255560" cy="4469174"/>
-          </a:xfrm>
-        </p:spPr>
-        <p:txBody>
-          <a:bodyPr vert="horz" lIns="91440" tIns="45720" rIns="91440" bIns="45720" rtlCol="0" anchor="ctr">
-            <a:noAutofit/>
-          </a:bodyPr>
-          <a:lstStyle/>
-          <a:p>
-            <a:pPr marL="0" indent="0">
-              <a:buNone/>
-            </a:pPr>
-            <a:r>
-              <a:rPr lang="en-US" sz="1800" b="1">
-                <a:solidFill>
-                  <a:srgbClr val="000000"/>
-                </a:solidFill>
-                <a:ea typeface="+mn-lt"/>
-                <a:cs typeface="+mn-lt"/>
-              </a:rPr>
-              <a:t>Zendesk </a:t>
-            </a:r>
-            <a:r>
-              <a:rPr lang="en-US" sz="1800" b="1" dirty="0">
-                <a:solidFill>
-                  <a:srgbClr val="000000"/>
-                </a:solidFill>
-                <a:ea typeface="+mn-lt"/>
-                <a:cs typeface="+mn-lt"/>
-              </a:rPr>
-              <a:t>Chat Mobile SDK</a:t>
-            </a:r>
-            <a:endParaRPr lang="en-US"/>
-          </a:p>
-          <a:p>
-            <a:r>
-              <a:rPr lang="en-US" sz="1800" dirty="0">
-                <a:solidFill>
-                  <a:srgbClr val="000000"/>
-                </a:solidFill>
-                <a:ea typeface="+mn-lt"/>
-                <a:cs typeface="+mn-lt"/>
-              </a:rPr>
-              <a:t>Capability to provide pre-chat information dynamically – possibly a combination of pre-defined (name, email, etc.) and dynamic (country, age, etc.) fields.</a:t>
-            </a:r>
-          </a:p>
-          <a:p>
-            <a:r>
-              <a:rPr lang="en-US" sz="1800" dirty="0">
-                <a:solidFill>
-                  <a:srgbClr val="000000"/>
-                </a:solidFill>
-                <a:ea typeface="+mn-lt"/>
-                <a:cs typeface="+mn-lt"/>
-              </a:rPr>
-              <a:t>Allowing the agent to see whether the user is typing may be useful (today only the user can see if the agent is typing).</a:t>
-            </a:r>
-          </a:p>
-          <a:p>
-            <a:r>
-              <a:rPr lang="en-US" sz="1800">
-                <a:solidFill>
-                  <a:srgbClr val="000000"/>
-                </a:solidFill>
-                <a:ea typeface="+mn-lt"/>
-                <a:cs typeface="+mn-lt"/>
-              </a:rPr>
-              <a:t>VisitorInfo</a:t>
-            </a:r>
-            <a:r>
-              <a:rPr lang="en-US" sz="1800" dirty="0">
-                <a:solidFill>
-                  <a:srgbClr val="000000"/>
-                </a:solidFill>
-                <a:ea typeface="+mn-lt"/>
-                <a:cs typeface="+mn-lt"/>
-              </a:rPr>
-              <a:t> object is required, but </a:t>
-            </a:r>
-            <a:r>
-              <a:rPr lang="en-US" sz="1800">
-                <a:solidFill>
-                  <a:srgbClr val="000000"/>
-                </a:solidFill>
-                <a:ea typeface="+mn-lt"/>
-                <a:cs typeface="+mn-lt"/>
-              </a:rPr>
-              <a:t>possibly </a:t>
-            </a:r>
-            <a:r>
-              <a:rPr lang="en-US" sz="1800" dirty="0">
-                <a:solidFill>
-                  <a:srgbClr val="000000"/>
-                </a:solidFill>
-                <a:ea typeface="+mn-lt"/>
-                <a:cs typeface="+mn-lt"/>
-              </a:rPr>
-              <a:t>not necessary</a:t>
-            </a:r>
-            <a:r>
-              <a:rPr lang="en-US" sz="1800">
-                <a:solidFill>
-                  <a:srgbClr val="000000"/>
-                </a:solidFill>
-                <a:ea typeface="+mn-lt"/>
-                <a:cs typeface="+mn-lt"/>
-              </a:rPr>
-              <a:t> when no customer information is provided</a:t>
-            </a:r>
-            <a:r>
-              <a:rPr lang="en-US" sz="1800" dirty="0">
-                <a:solidFill>
-                  <a:srgbClr val="000000"/>
-                </a:solidFill>
-                <a:ea typeface="+mn-lt"/>
-                <a:cs typeface="+mn-lt"/>
-              </a:rPr>
-              <a:t>.</a:t>
-            </a:r>
-          </a:p>
-          <a:p>
-            <a:endParaRPr lang="en-US" sz="1800" dirty="0">
-              <a:solidFill>
-                <a:srgbClr val="000000"/>
-              </a:solidFill>
-              <a:cs typeface="Calibri"/>
-            </a:endParaRPr>
-          </a:p>
-        </p:txBody>
-      </p:sp>
-      <p:pic>
-        <p:nvPicPr>
-          <p:cNvPr id="1026" name="Picture 2" descr="Image result for mobile sdk&quot;">
-            <a:extLst>
-              <a:ext uri="{FF2B5EF4-FFF2-40B4-BE49-F238E27FC236}">
-                <a16:creationId xmlns:a16="http://schemas.microsoft.com/office/drawing/2014/main" id="{523335C4-0C0E-4E69-9C00-C37D6FA0AE4E}"/>
-              </a:ext>
-            </a:extLst>
-          </p:cNvPr>
-          <p:cNvPicPr>
-            <a:picLocks noChangeAspect="1" noChangeArrowheads="1"/>
-          </p:cNvPicPr>
+              <a:t>The Business Outcome</a:t>
+            </a:r>
+            <a:endParaRPr lang="en-US" dirty="0"/>
+          </a:p>
+        </p:txBody>
+      </p:sp>
+      <p:sp>
+        <p:nvSpPr>
+          <p:cNvPr id="18" name="Rectangle 17">
+            <a:extLst>
+              <a:ext uri="{FF2B5EF4-FFF2-40B4-BE49-F238E27FC236}">
+                <a16:creationId xmlns:a16="http://schemas.microsoft.com/office/drawing/2014/main" id="{A64FB206-83F4-4480-8683-908163B5AC92}"/>
+              </a:ext>
+            </a:extLst>
+          </p:cNvPr>
+          <p:cNvSpPr/>
           <p:nvPr/>
-        </p:nvPicPr>
-        <p:blipFill>
-          <a:blip r:embed="rId2">
-            <a:extLst>
-              <a:ext uri="{28A0092B-C50C-407E-A947-70E740481C1C}">
-                <a14:useLocalDpi xmlns:a14="http://schemas.microsoft.com/office/drawing/2010/main" val="0"/>
-              </a:ext>
-            </a:extLst>
-          </a:blip>
-          <a:srcRect/>
-          <a:stretch>
-            <a:fillRect/>
-          </a:stretch>
-        </p:blipFill>
-        <p:spPr bwMode="auto">
-          <a:xfrm>
-            <a:off x="6753225" y="1707325"/>
-            <a:ext cx="5438775" cy="4257675"/>
+        </p:nvSpPr>
+        <p:spPr>
+          <a:xfrm>
+            <a:off x="811990" y="2262609"/>
+            <a:ext cx="1712270" cy="348712"/>
           </a:xfrm>
           <a:prstGeom prst="rect">
             <a:avLst/>
           </a:prstGeom>
-          <a:noFill/>
-          <a:extLst>
-            <a:ext uri="{909E8E84-426E-40DD-AFC4-6F175D3DCCD1}">
-              <a14:hiddenFill xmlns:a14="http://schemas.microsoft.com/office/drawing/2010/main">
-                <a:solidFill>
-                  <a:srgbClr val="FFFFFF"/>
-                </a:solidFill>
-              </a14:hiddenFill>
-            </a:ext>
-          </a:extLst>
-        </p:spPr>
-      </p:pic>
+          <a:solidFill>
+            <a:schemeClr val="accent1"/>
+          </a:solidFill>
+          <a:ln>
+            <a:noFill/>
+          </a:ln>
+        </p:spPr>
+        <p:style>
+          <a:lnRef idx="2">
+            <a:schemeClr val="accent1">
+              <a:shade val="50000"/>
+            </a:schemeClr>
+          </a:lnRef>
+          <a:fillRef idx="1">
+            <a:schemeClr val="accent1"/>
+          </a:fillRef>
+          <a:effectRef idx="0">
+            <a:schemeClr val="accent1"/>
+          </a:effectRef>
+          <a:fontRef idx="minor">
+            <a:schemeClr val="lt1"/>
+          </a:fontRef>
+        </p:style>
+        <p:txBody>
+          <a:bodyPr rtlCol="0" anchor="ctr"/>
+          <a:lstStyle/>
+          <a:p>
+            <a:pPr algn="ctr"/>
+            <a:endParaRPr lang="en-US"/>
+          </a:p>
+        </p:txBody>
+      </p:sp>
+      <p:sp>
+        <p:nvSpPr>
+          <p:cNvPr id="3" name="Rectangle 2">
+            <a:extLst>
+              <a:ext uri="{FF2B5EF4-FFF2-40B4-BE49-F238E27FC236}">
+                <a16:creationId xmlns:a16="http://schemas.microsoft.com/office/drawing/2014/main" id="{62FCA77C-22DC-4E3D-9BD8-2F664B247097}"/>
+              </a:ext>
+            </a:extLst>
+          </p:cNvPr>
+          <p:cNvSpPr/>
+          <p:nvPr/>
+        </p:nvSpPr>
+        <p:spPr>
+          <a:xfrm>
+            <a:off x="709637" y="2652361"/>
+            <a:ext cx="4448910" cy="369332"/>
+          </a:xfrm>
+          <a:prstGeom prst="rect">
+            <a:avLst/>
+          </a:prstGeom>
+        </p:spPr>
+        <p:txBody>
+          <a:bodyPr wrap="none" anchor="t">
+            <a:spAutoFit/>
+          </a:bodyPr>
+          <a:lstStyle/>
+          <a:p>
+            <a:r>
+              <a:rPr lang="en-US" dirty="0">
+                <a:solidFill>
+                  <a:srgbClr val="000000"/>
+                </a:solidFill>
+                <a:ea typeface="+mn-lt"/>
+                <a:cs typeface="+mn-lt"/>
+              </a:rPr>
+              <a:t>% of dissatisfied (or very dissatisfied) children</a:t>
+            </a:r>
+            <a:endParaRPr lang="en-US" dirty="0"/>
+          </a:p>
+        </p:txBody>
+      </p:sp>
+      <p:sp>
+        <p:nvSpPr>
+          <p:cNvPr id="6" name="Rectangle 5">
+            <a:extLst>
+              <a:ext uri="{FF2B5EF4-FFF2-40B4-BE49-F238E27FC236}">
+                <a16:creationId xmlns:a16="http://schemas.microsoft.com/office/drawing/2014/main" id="{EB0C5956-BC21-4640-9E32-07E45D29B5CC}"/>
+              </a:ext>
+            </a:extLst>
+          </p:cNvPr>
+          <p:cNvSpPr/>
+          <p:nvPr/>
+        </p:nvSpPr>
+        <p:spPr>
+          <a:xfrm>
+            <a:off x="2564990" y="2262501"/>
+            <a:ext cx="1247457" cy="369332"/>
+          </a:xfrm>
+          <a:prstGeom prst="rect">
+            <a:avLst/>
+          </a:prstGeom>
+        </p:spPr>
+        <p:txBody>
+          <a:bodyPr wrap="none">
+            <a:spAutoFit/>
+          </a:bodyPr>
+          <a:lstStyle/>
+          <a:p>
+            <a:r>
+              <a:rPr lang="en-US" dirty="0">
+                <a:solidFill>
+                  <a:srgbClr val="000000"/>
+                </a:solidFill>
+                <a:ea typeface="+mn-lt"/>
+                <a:cs typeface="+mn-lt"/>
+              </a:rPr>
+              <a:t>20% (-75%)</a:t>
+            </a:r>
+            <a:endParaRPr lang="en-US" dirty="0"/>
+          </a:p>
+        </p:txBody>
+      </p:sp>
+      <p:sp>
+        <p:nvSpPr>
+          <p:cNvPr id="19" name="Rectangle 18">
+            <a:extLst>
+              <a:ext uri="{FF2B5EF4-FFF2-40B4-BE49-F238E27FC236}">
+                <a16:creationId xmlns:a16="http://schemas.microsoft.com/office/drawing/2014/main" id="{CD81F77C-3FA2-4460-8FD5-628D72BFF0E2}"/>
+              </a:ext>
+            </a:extLst>
+          </p:cNvPr>
+          <p:cNvSpPr/>
+          <p:nvPr/>
+        </p:nvSpPr>
+        <p:spPr>
+          <a:xfrm>
+            <a:off x="811990" y="1872749"/>
+            <a:ext cx="8872924" cy="348712"/>
+          </a:xfrm>
+          <a:prstGeom prst="rect">
+            <a:avLst/>
+          </a:prstGeom>
+          <a:solidFill>
+            <a:schemeClr val="accent3"/>
+          </a:solidFill>
+          <a:ln>
+            <a:noFill/>
+          </a:ln>
+        </p:spPr>
+        <p:style>
+          <a:lnRef idx="2">
+            <a:schemeClr val="accent1">
+              <a:shade val="50000"/>
+            </a:schemeClr>
+          </a:lnRef>
+          <a:fillRef idx="1">
+            <a:schemeClr val="accent1"/>
+          </a:fillRef>
+          <a:effectRef idx="0">
+            <a:schemeClr val="accent1"/>
+          </a:effectRef>
+          <a:fontRef idx="minor">
+            <a:schemeClr val="lt1"/>
+          </a:fontRef>
+        </p:style>
+        <p:txBody>
+          <a:bodyPr rtlCol="0" anchor="ctr"/>
+          <a:lstStyle/>
+          <a:p>
+            <a:pPr algn="ctr"/>
+            <a:endParaRPr lang="en-US"/>
+          </a:p>
+        </p:txBody>
+      </p:sp>
+      <p:sp>
+        <p:nvSpPr>
+          <p:cNvPr id="20" name="Rectangle 19">
+            <a:extLst>
+              <a:ext uri="{FF2B5EF4-FFF2-40B4-BE49-F238E27FC236}">
+                <a16:creationId xmlns:a16="http://schemas.microsoft.com/office/drawing/2014/main" id="{192DA9C4-15E4-46DD-BCB2-07AF0A75B412}"/>
+              </a:ext>
+            </a:extLst>
+          </p:cNvPr>
+          <p:cNvSpPr/>
+          <p:nvPr/>
+        </p:nvSpPr>
+        <p:spPr>
+          <a:xfrm>
+            <a:off x="9677430" y="1798044"/>
+            <a:ext cx="2099255" cy="369332"/>
+          </a:xfrm>
+          <a:prstGeom prst="rect">
+            <a:avLst/>
+          </a:prstGeom>
+        </p:spPr>
+        <p:txBody>
+          <a:bodyPr wrap="square">
+            <a:spAutoFit/>
+          </a:bodyPr>
+          <a:lstStyle/>
+          <a:p>
+            <a:r>
+              <a:rPr lang="en-US" dirty="0">
+                <a:solidFill>
+                  <a:srgbClr val="000000"/>
+                </a:solidFill>
+                <a:ea typeface="+mn-lt"/>
+                <a:cs typeface="+mn-lt"/>
+              </a:rPr>
+              <a:t>80%</a:t>
+            </a:r>
+            <a:endParaRPr lang="en-US" dirty="0"/>
+          </a:p>
+        </p:txBody>
+      </p:sp>
+      <p:sp>
+        <p:nvSpPr>
+          <p:cNvPr id="27" name="Rectangle 26">
+            <a:extLst>
+              <a:ext uri="{FF2B5EF4-FFF2-40B4-BE49-F238E27FC236}">
+                <a16:creationId xmlns:a16="http://schemas.microsoft.com/office/drawing/2014/main" id="{AA5E6F24-D326-094E-BD52-C24EA0BFD128}"/>
+              </a:ext>
+            </a:extLst>
+          </p:cNvPr>
+          <p:cNvSpPr/>
+          <p:nvPr/>
+        </p:nvSpPr>
+        <p:spPr>
+          <a:xfrm>
+            <a:off x="804997" y="3908747"/>
+            <a:ext cx="4462461" cy="348712"/>
+          </a:xfrm>
+          <a:prstGeom prst="rect">
+            <a:avLst/>
+          </a:prstGeom>
+          <a:solidFill>
+            <a:schemeClr val="accent1"/>
+          </a:solidFill>
+          <a:ln>
+            <a:noFill/>
+          </a:ln>
+        </p:spPr>
+        <p:style>
+          <a:lnRef idx="2">
+            <a:schemeClr val="accent1">
+              <a:shade val="50000"/>
+            </a:schemeClr>
+          </a:lnRef>
+          <a:fillRef idx="1">
+            <a:schemeClr val="accent1"/>
+          </a:fillRef>
+          <a:effectRef idx="0">
+            <a:schemeClr val="accent1"/>
+          </a:effectRef>
+          <a:fontRef idx="minor">
+            <a:schemeClr val="lt1"/>
+          </a:fontRef>
+        </p:style>
+        <p:txBody>
+          <a:bodyPr rtlCol="0" anchor="ctr"/>
+          <a:lstStyle/>
+          <a:p>
+            <a:pPr algn="ctr"/>
+            <a:endParaRPr lang="en-US"/>
+          </a:p>
+        </p:txBody>
+      </p:sp>
+      <p:sp>
+        <p:nvSpPr>
+          <p:cNvPr id="28" name="Rectangle 27">
+            <a:extLst>
+              <a:ext uri="{FF2B5EF4-FFF2-40B4-BE49-F238E27FC236}">
+                <a16:creationId xmlns:a16="http://schemas.microsoft.com/office/drawing/2014/main" id="{C0C68719-E33D-4B40-8F26-C068D9476C76}"/>
+              </a:ext>
+            </a:extLst>
+          </p:cNvPr>
+          <p:cNvSpPr/>
+          <p:nvPr/>
+        </p:nvSpPr>
+        <p:spPr>
+          <a:xfrm>
+            <a:off x="702645" y="4298499"/>
+            <a:ext cx="9042540" cy="646331"/>
+          </a:xfrm>
+          <a:prstGeom prst="rect">
+            <a:avLst/>
+          </a:prstGeom>
+        </p:spPr>
+        <p:txBody>
+          <a:bodyPr wrap="none" anchor="t">
+            <a:spAutoFit/>
+          </a:bodyPr>
+          <a:lstStyle/>
+          <a:p>
+            <a:r>
+              <a:rPr lang="en-US" dirty="0">
+                <a:solidFill>
+                  <a:srgbClr val="000000"/>
+                </a:solidFill>
+                <a:ea typeface="+mn-lt"/>
+                <a:cs typeface="+mn-lt"/>
+              </a:rPr>
+              <a:t>% of customer support elves themselves report that they are dissatisfied or very dissatisfied  </a:t>
+            </a:r>
+          </a:p>
+          <a:p>
+            <a:r>
+              <a:rPr lang="en-US" dirty="0">
+                <a:solidFill>
+                  <a:srgbClr val="000000"/>
+                </a:solidFill>
+                <a:ea typeface="+mn-lt"/>
+                <a:cs typeface="+mn-lt"/>
+              </a:rPr>
+              <a:t>with their job</a:t>
+            </a:r>
+            <a:endParaRPr lang="en-US" dirty="0"/>
+          </a:p>
+        </p:txBody>
+      </p:sp>
+      <p:sp>
+        <p:nvSpPr>
+          <p:cNvPr id="29" name="Rectangle 28">
+            <a:extLst>
+              <a:ext uri="{FF2B5EF4-FFF2-40B4-BE49-F238E27FC236}">
+                <a16:creationId xmlns:a16="http://schemas.microsoft.com/office/drawing/2014/main" id="{5858FA9B-8F02-1F48-8E40-EB41F8B2F213}"/>
+              </a:ext>
+            </a:extLst>
+          </p:cNvPr>
+          <p:cNvSpPr/>
+          <p:nvPr/>
+        </p:nvSpPr>
+        <p:spPr>
+          <a:xfrm>
+            <a:off x="5267458" y="3898437"/>
+            <a:ext cx="1247457" cy="369332"/>
+          </a:xfrm>
+          <a:prstGeom prst="rect">
+            <a:avLst/>
+          </a:prstGeom>
+        </p:spPr>
+        <p:txBody>
+          <a:bodyPr wrap="none">
+            <a:spAutoFit/>
+          </a:bodyPr>
+          <a:lstStyle/>
+          <a:p>
+            <a:r>
+              <a:rPr lang="en-US" dirty="0">
+                <a:solidFill>
+                  <a:srgbClr val="000000"/>
+                </a:solidFill>
+                <a:ea typeface="+mn-lt"/>
+                <a:cs typeface="+mn-lt"/>
+              </a:rPr>
+              <a:t>35% (-50%)</a:t>
+            </a:r>
+            <a:endParaRPr lang="en-US" dirty="0"/>
+          </a:p>
+        </p:txBody>
+      </p:sp>
+      <p:sp>
+        <p:nvSpPr>
+          <p:cNvPr id="30" name="Rectangle 29">
+            <a:extLst>
+              <a:ext uri="{FF2B5EF4-FFF2-40B4-BE49-F238E27FC236}">
+                <a16:creationId xmlns:a16="http://schemas.microsoft.com/office/drawing/2014/main" id="{4B922D75-1C0E-2B47-8527-AC907497FEC5}"/>
+              </a:ext>
+            </a:extLst>
+          </p:cNvPr>
+          <p:cNvSpPr/>
+          <p:nvPr/>
+        </p:nvSpPr>
+        <p:spPr>
+          <a:xfrm>
+            <a:off x="804998" y="3518887"/>
+            <a:ext cx="8872924" cy="348712"/>
+          </a:xfrm>
+          <a:prstGeom prst="rect">
+            <a:avLst/>
+          </a:prstGeom>
+          <a:solidFill>
+            <a:schemeClr val="accent3"/>
+          </a:solidFill>
+          <a:ln>
+            <a:noFill/>
+          </a:ln>
+        </p:spPr>
+        <p:style>
+          <a:lnRef idx="2">
+            <a:schemeClr val="accent1">
+              <a:shade val="50000"/>
+            </a:schemeClr>
+          </a:lnRef>
+          <a:fillRef idx="1">
+            <a:schemeClr val="accent1"/>
+          </a:fillRef>
+          <a:effectRef idx="0">
+            <a:schemeClr val="accent1"/>
+          </a:effectRef>
+          <a:fontRef idx="minor">
+            <a:schemeClr val="lt1"/>
+          </a:fontRef>
+        </p:style>
+        <p:txBody>
+          <a:bodyPr rtlCol="0" anchor="ctr"/>
+          <a:lstStyle/>
+          <a:p>
+            <a:pPr algn="ctr"/>
+            <a:endParaRPr lang="en-US"/>
+          </a:p>
+        </p:txBody>
+      </p:sp>
+      <p:sp>
+        <p:nvSpPr>
+          <p:cNvPr id="31" name="Rectangle 30">
+            <a:extLst>
+              <a:ext uri="{FF2B5EF4-FFF2-40B4-BE49-F238E27FC236}">
+                <a16:creationId xmlns:a16="http://schemas.microsoft.com/office/drawing/2014/main" id="{BBBF60C9-8F7C-B64C-AC61-7FFB3377D391}"/>
+              </a:ext>
+            </a:extLst>
+          </p:cNvPr>
+          <p:cNvSpPr/>
+          <p:nvPr/>
+        </p:nvSpPr>
+        <p:spPr>
+          <a:xfrm>
+            <a:off x="9684914" y="3498267"/>
+            <a:ext cx="2099255" cy="369332"/>
+          </a:xfrm>
+          <a:prstGeom prst="rect">
+            <a:avLst/>
+          </a:prstGeom>
+        </p:spPr>
+        <p:txBody>
+          <a:bodyPr wrap="square">
+            <a:spAutoFit/>
+          </a:bodyPr>
+          <a:lstStyle/>
+          <a:p>
+            <a:r>
+              <a:rPr lang="en-US" dirty="0">
+                <a:solidFill>
+                  <a:srgbClr val="000000"/>
+                </a:solidFill>
+                <a:ea typeface="+mn-lt"/>
+                <a:cs typeface="+mn-lt"/>
+              </a:rPr>
+              <a:t>70%</a:t>
+            </a:r>
+            <a:endParaRPr lang="en-US" dirty="0"/>
+          </a:p>
+        </p:txBody>
+      </p:sp>
     </p:spTree>
     <p:extLst>
       <p:ext uri="{BB962C8B-B14F-4D97-AF65-F5344CB8AC3E}">
-        <p14:creationId xmlns:p14="http://schemas.microsoft.com/office/powerpoint/2010/main" val="3827292106"/>
+        <p14:creationId xmlns:p14="http://schemas.microsoft.com/office/powerpoint/2010/main" val="3772204251"/>
       </p:ext>
     </p:extLst>
   </p:cSld>
@@ -7136,7 +5728,7 @@
         <p:spPr>
           <a:xfrm>
             <a:off x="804997" y="802826"/>
-            <a:ext cx="9075916" cy="1311664"/>
+            <a:ext cx="8975611" cy="1311664"/>
           </a:xfrm>
         </p:spPr>
         <p:txBody>
@@ -7146,18 +5738,18 @@
           <a:lstStyle/>
           <a:p>
             <a:r>
-              <a:rPr lang="en-US" dirty="0">
+              <a:rPr lang="en-US">
                 <a:solidFill>
                   <a:srgbClr val="000000"/>
                 </a:solidFill>
                 <a:ea typeface="+mj-lt"/>
                 <a:cs typeface="+mj-lt"/>
               </a:rPr>
-              <a:t>Recommendations for Improvement</a:t>
-            </a:r>
-          </a:p>
-          <a:p>
-            <a:endParaRPr lang="en-US" dirty="0">
+              <a:t>Future Improvements</a:t>
+            </a:r>
+          </a:p>
+          <a:p>
+            <a:endParaRPr lang="en-US">
               <a:solidFill>
                 <a:srgbClr val="000000"/>
               </a:solidFill>
@@ -7166,94 +5758,12 @@
           </a:p>
         </p:txBody>
       </p:sp>
-      <p:pic>
-        <p:nvPicPr>
-          <p:cNvPr id="4" name="Picture 3">
-            <a:extLst>
-              <a:ext uri="{FF2B5EF4-FFF2-40B4-BE49-F238E27FC236}">
-                <a16:creationId xmlns:a16="http://schemas.microsoft.com/office/drawing/2014/main" id="{26CBF1E9-F886-41F5-A6F2-17CFDDC7AD12}"/>
-              </a:ext>
-            </a:extLst>
-          </p:cNvPr>
-          <p:cNvPicPr>
-            <a:picLocks noChangeAspect="1"/>
-          </p:cNvPicPr>
-          <p:nvPr/>
-        </p:nvPicPr>
-        <p:blipFill>
-          <a:blip r:embed="rId2"/>
-          <a:stretch>
-            <a:fillRect/>
-          </a:stretch>
-        </p:blipFill>
-        <p:spPr>
-          <a:xfrm>
-            <a:off x="3392867" y="1663058"/>
-            <a:ext cx="5697619" cy="4625314"/>
-          </a:xfrm>
-          <a:prstGeom prst="rect">
-            <a:avLst/>
-          </a:prstGeom>
-        </p:spPr>
-      </p:pic>
-      <p:sp>
-        <p:nvSpPr>
-          <p:cNvPr id="7" name="Rectangle: Rounded Corners 6">
-            <a:extLst>
-              <a:ext uri="{FF2B5EF4-FFF2-40B4-BE49-F238E27FC236}">
-                <a16:creationId xmlns:a16="http://schemas.microsoft.com/office/drawing/2014/main" id="{48F42861-174B-46EB-B5A3-138189A323D8}"/>
-              </a:ext>
-            </a:extLst>
-          </p:cNvPr>
-          <p:cNvSpPr/>
-          <p:nvPr/>
-        </p:nvSpPr>
-        <p:spPr>
-          <a:xfrm>
-            <a:off x="3305566" y="3869264"/>
-            <a:ext cx="3298784" cy="1311664"/>
-          </a:xfrm>
-          <a:prstGeom prst="roundRect">
-            <a:avLst/>
-          </a:prstGeom>
-          <a:noFill/>
-          <a:ln w="38100">
-            <a:solidFill>
-              <a:schemeClr val="accent2"/>
-            </a:solidFill>
-          </a:ln>
-        </p:spPr>
-        <p:style>
-          <a:lnRef idx="2">
-            <a:schemeClr val="accent1">
-              <a:shade val="50000"/>
-            </a:schemeClr>
-          </a:lnRef>
-          <a:fillRef idx="1">
-            <a:schemeClr val="accent1"/>
-          </a:fillRef>
-          <a:effectRef idx="0">
-            <a:schemeClr val="accent1"/>
-          </a:effectRef>
-          <a:fontRef idx="minor">
-            <a:schemeClr val="lt1"/>
-          </a:fontRef>
-        </p:style>
-        <p:txBody>
-          <a:bodyPr rtlCol="0" anchor="ctr"/>
-          <a:lstStyle/>
-          <a:p>
-            <a:pPr algn="ctr"/>
-            <a:endParaRPr lang="en-US"/>
-          </a:p>
-        </p:txBody>
-      </p:sp>
-      <p:sp>
-        <p:nvSpPr>
-          <p:cNvPr id="9" name="Content Placeholder 2">
-            <a:extLst>
-              <a:ext uri="{FF2B5EF4-FFF2-40B4-BE49-F238E27FC236}">
-                <a16:creationId xmlns:a16="http://schemas.microsoft.com/office/drawing/2014/main" id="{2B043F70-14A2-4166-924A-4B71C6E39866}"/>
+      <p:sp>
+        <p:nvSpPr>
+          <p:cNvPr id="3" name="Content Placeholder 2">
+            <a:extLst>
+              <a:ext uri="{FF2B5EF4-FFF2-40B4-BE49-F238E27FC236}">
+                <a16:creationId xmlns:a16="http://schemas.microsoft.com/office/drawing/2014/main" id="{C7F74014-2BBF-44B2-8A37-9FECFA4FAF2A}"/>
               </a:ext>
             </a:extLst>
           </p:cNvPr>
@@ -7266,8 +5776,8 @@
         </p:nvSpPr>
         <p:spPr>
           <a:xfrm>
-            <a:off x="737762" y="3869265"/>
-            <a:ext cx="2354892" cy="1311664"/>
+            <a:off x="804997" y="1601575"/>
+            <a:ext cx="5676826" cy="4469174"/>
           </a:xfrm>
         </p:spPr>
         <p:txBody>
@@ -7276,32 +5786,150 @@
           </a:bodyPr>
           <a:lstStyle/>
           <a:p>
-            <a:pPr marL="0" indent="0" algn="r">
-              <a:buNone/>
-            </a:pPr>
-            <a:r>
-              <a:rPr lang="en-US" sz="1800" b="1" dirty="0">
-                <a:solidFill>
-                  <a:schemeClr val="accent2"/>
-                </a:solidFill>
-                <a:ea typeface="+mn-lt"/>
-                <a:cs typeface="+mn-lt"/>
-              </a:rPr>
-              <a:t>Could potentially be more dynamic</a:t>
+            <a:r>
+              <a:rPr lang="en-US" sz="1800">
+                <a:solidFill>
+                  <a:srgbClr val="000000"/>
+                </a:solidFill>
+                <a:ea typeface="+mn-lt"/>
+                <a:cs typeface="+mn-lt"/>
+              </a:rPr>
+              <a:t>Enable the organization to develop </a:t>
+            </a:r>
+            <a:r>
+              <a:rPr lang="en-US" sz="1800" b="1">
+                <a:solidFill>
+                  <a:srgbClr val="000000"/>
+                </a:solidFill>
+                <a:ea typeface="+mn-lt"/>
+                <a:cs typeface="+mn-lt"/>
+              </a:rPr>
+              <a:t>their own customer service applications</a:t>
+            </a:r>
+            <a:r>
+              <a:rPr lang="en-US" sz="1800">
+                <a:solidFill>
+                  <a:srgbClr val="000000"/>
+                </a:solidFill>
+                <a:ea typeface="+mn-lt"/>
+                <a:cs typeface="+mn-lt"/>
+              </a:rPr>
+              <a:t>, which can bring greater efficiencies and cost reduction moving forward.</a:t>
+            </a:r>
+          </a:p>
+          <a:p>
+            <a:r>
+              <a:rPr lang="en-US" sz="1800">
+                <a:solidFill>
+                  <a:srgbClr val="000000"/>
+                </a:solidFill>
+                <a:ea typeface="+mn-lt"/>
+                <a:cs typeface="+mn-lt"/>
+              </a:rPr>
+              <a:t>For example: Allowing agents to see </a:t>
+            </a:r>
+            <a:r>
+              <a:rPr lang="en-US" sz="1800" b="1">
+                <a:solidFill>
+                  <a:srgbClr val="000000"/>
+                </a:solidFill>
+                <a:ea typeface="+mn-lt"/>
+                <a:cs typeface="+mn-lt"/>
+              </a:rPr>
+              <a:t>detailed information relating to the end-user</a:t>
+            </a:r>
+            <a:r>
+              <a:rPr lang="en-US" sz="1800">
+                <a:solidFill>
+                  <a:srgbClr val="000000"/>
+                </a:solidFill>
+                <a:ea typeface="+mn-lt"/>
+                <a:cs typeface="+mn-lt"/>
+              </a:rPr>
+              <a:t> may assist them in achieving faster and more effective ticket resolutions.</a:t>
+            </a:r>
+          </a:p>
+          <a:p>
+            <a:r>
+              <a:rPr lang="en-US" sz="1800" b="1">
+                <a:solidFill>
+                  <a:srgbClr val="000000"/>
+                </a:solidFill>
+                <a:ea typeface="+mn-lt"/>
+                <a:cs typeface="+mn-lt"/>
+              </a:rPr>
+              <a:t>A layered solution</a:t>
+            </a:r>
+            <a:r>
+              <a:rPr lang="en-US" sz="1800">
+                <a:solidFill>
+                  <a:srgbClr val="000000"/>
+                </a:solidFill>
+                <a:ea typeface="+mn-lt"/>
+                <a:cs typeface="+mn-lt"/>
+              </a:rPr>
+              <a:t>, in which parents are also able to contact customer service on different channels (such as phone support) may result in a higher rate of customer satisfaction following ticket closures.</a:t>
             </a:r>
             <a:endParaRPr lang="en-US" sz="1800">
               <a:solidFill>
-                <a:schemeClr val="accent2"/>
+                <a:srgbClr val="000000"/>
               </a:solidFill>
               <a:cs typeface="Calibri"/>
             </a:endParaRPr>
           </a:p>
         </p:txBody>
       </p:sp>
+      <p:pic>
+        <p:nvPicPr>
+          <p:cNvPr id="4" name="Picture 2">
+            <a:extLst>
+              <a:ext uri="{FF2B5EF4-FFF2-40B4-BE49-F238E27FC236}">
+                <a16:creationId xmlns:a16="http://schemas.microsoft.com/office/drawing/2014/main" id="{BC8F390E-29FC-4CD2-94E5-A4071187A2F9}"/>
+              </a:ext>
+            </a:extLst>
+          </p:cNvPr>
+          <p:cNvPicPr>
+            <a:picLocks noChangeAspect="1" noChangeArrowheads="1"/>
+          </p:cNvPicPr>
+          <p:nvPr/>
+        </p:nvPicPr>
+        <p:blipFill>
+          <a:blip r:embed="rId2">
+            <a:extLst>
+              <a:ext uri="{28A0092B-C50C-407E-A947-70E740481C1C}">
+                <a14:useLocalDpi xmlns:a14="http://schemas.microsoft.com/office/drawing/2010/main" val="0"/>
+              </a:ext>
+            </a:extLst>
+          </a:blip>
+          <a:srcRect/>
+          <a:stretch>
+            <a:fillRect/>
+          </a:stretch>
+        </p:blipFill>
+        <p:spPr bwMode="auto">
+          <a:xfrm>
+            <a:off x="7000198" y="2114490"/>
+            <a:ext cx="4386805" cy="3290104"/>
+          </a:xfrm>
+          <a:prstGeom prst="rect">
+            <a:avLst/>
+          </a:prstGeom>
+          <a:noFill/>
+          <a:extLst>
+            <a:ext uri="{909E8E84-426E-40DD-AFC4-6F175D3DCCD1}">
+              <a14:hiddenFill xmlns:a14="http://schemas.microsoft.com/office/drawing/2010/main">
+                <a:solidFill>
+                  <a:srgbClr val="FFFFFF"/>
+                </a:solidFill>
+              </a14:hiddenFill>
+            </a:ext>
+          </a:extLst>
+        </p:spPr>
+      </p:pic>
     </p:spTree>
     <p:extLst>
       <p:ext uri="{BB962C8B-B14F-4D97-AF65-F5344CB8AC3E}">
-        <p14:creationId xmlns:p14="http://schemas.microsoft.com/office/powerpoint/2010/main" val="1317988489"/>
+        <p14:creationId xmlns:p14="http://schemas.microsoft.com/office/powerpoint/2010/main" val="666172367"/>
       </p:ext>
     </p:extLst>
   </p:cSld>
@@ -7328,36 +5956,6 @@
           <a:chExt cx="0" cy="0"/>
         </a:xfrm>
       </p:grpSpPr>
-      <p:pic>
-        <p:nvPicPr>
-          <p:cNvPr id="3" name="Picture 2">
-            <a:extLst>
-              <a:ext uri="{FF2B5EF4-FFF2-40B4-BE49-F238E27FC236}">
-                <a16:creationId xmlns:a16="http://schemas.microsoft.com/office/drawing/2014/main" id="{DE6BAE23-7530-455B-A0C2-F1FDB5431C79}"/>
-              </a:ext>
-            </a:extLst>
-          </p:cNvPr>
-          <p:cNvPicPr>
-            <a:picLocks noChangeAspect="1"/>
-          </p:cNvPicPr>
-          <p:nvPr/>
-        </p:nvPicPr>
-        <p:blipFill>
-          <a:blip r:embed="rId2"/>
-          <a:stretch>
-            <a:fillRect/>
-          </a:stretch>
-        </p:blipFill>
-        <p:spPr>
-          <a:xfrm>
-            <a:off x="3308533" y="2614967"/>
-            <a:ext cx="7840169" cy="2343477"/>
-          </a:xfrm>
-          <a:prstGeom prst="rect">
-            <a:avLst/>
-          </a:prstGeom>
-        </p:spPr>
-      </p:pic>
       <p:sp>
         <p:nvSpPr>
           <p:cNvPr id="2" name="Title 1">
@@ -7377,7 +5975,7 @@
         <p:spPr>
           <a:xfrm>
             <a:off x="804997" y="802826"/>
-            <a:ext cx="9075916" cy="1311664"/>
+            <a:ext cx="8975611" cy="1311664"/>
           </a:xfrm>
         </p:spPr>
         <p:txBody>
@@ -7387,7 +5985,7 @@
           <a:lstStyle/>
           <a:p>
             <a:r>
-              <a:rPr lang="en-US" dirty="0">
+              <a:rPr lang="en-US">
                 <a:solidFill>
                   <a:srgbClr val="000000"/>
                 </a:solidFill>
@@ -7398,7 +5996,7 @@
             </a:r>
           </a:p>
           <a:p>
-            <a:endParaRPr lang="en-US" dirty="0">
+            <a:endParaRPr lang="en-US">
               <a:solidFill>
                 <a:srgbClr val="000000"/>
               </a:solidFill>
@@ -7409,62 +6007,10 @@
       </p:sp>
       <p:sp>
         <p:nvSpPr>
-          <p:cNvPr id="7" name="Rectangle: Rounded Corners 6">
-            <a:extLst>
-              <a:ext uri="{FF2B5EF4-FFF2-40B4-BE49-F238E27FC236}">
-                <a16:creationId xmlns:a16="http://schemas.microsoft.com/office/drawing/2014/main" id="{48F42861-174B-46EB-B5A3-138189A323D8}"/>
-              </a:ext>
-            </a:extLst>
-          </p:cNvPr>
-          <p:cNvSpPr/>
-          <p:nvPr/>
-        </p:nvSpPr>
-        <p:spPr>
-          <a:xfrm>
-            <a:off x="4639745" y="3806964"/>
-            <a:ext cx="4282633" cy="428263"/>
-          </a:xfrm>
-          <a:prstGeom prst="roundRect">
-            <a:avLst/>
-          </a:prstGeom>
-          <a:noFill/>
-          <a:ln w="38100">
-            <a:solidFill>
-              <a:schemeClr val="accent2"/>
-            </a:solidFill>
-          </a:ln>
-        </p:spPr>
-        <p:style>
-          <a:lnRef idx="2">
-            <a:schemeClr val="accent1">
-              <a:shade val="50000"/>
-            </a:schemeClr>
-          </a:lnRef>
-          <a:fillRef idx="1">
-            <a:schemeClr val="accent1"/>
-          </a:fillRef>
-          <a:effectRef idx="0">
-            <a:schemeClr val="accent1"/>
-          </a:effectRef>
-          <a:fontRef idx="minor">
-            <a:schemeClr val="lt1"/>
-          </a:fontRef>
-        </p:style>
-        <p:txBody>
-          <a:bodyPr rtlCol="0" anchor="ctr"/>
-          <a:lstStyle/>
-          <a:p>
-            <a:pPr algn="ctr"/>
-            <a:endParaRPr lang="en-US"/>
-          </a:p>
-        </p:txBody>
-      </p:sp>
-      <p:sp>
-        <p:nvSpPr>
-          <p:cNvPr id="9" name="Content Placeholder 2">
-            <a:extLst>
-              <a:ext uri="{FF2B5EF4-FFF2-40B4-BE49-F238E27FC236}">
-                <a16:creationId xmlns:a16="http://schemas.microsoft.com/office/drawing/2014/main" id="{2B043F70-14A2-4166-924A-4B71C6E39866}"/>
+          <p:cNvPr id="3" name="Content Placeholder 2">
+            <a:extLst>
+              <a:ext uri="{FF2B5EF4-FFF2-40B4-BE49-F238E27FC236}">
+                <a16:creationId xmlns:a16="http://schemas.microsoft.com/office/drawing/2014/main" id="{C7F74014-2BBF-44B2-8A37-9FECFA4FAF2A}"/>
               </a:ext>
             </a:extLst>
           </p:cNvPr>
@@ -7477,8 +6023,8 @@
         </p:nvSpPr>
         <p:spPr>
           <a:xfrm>
-            <a:off x="726992" y="3366390"/>
-            <a:ext cx="2500132" cy="1311664"/>
+            <a:off x="804997" y="1601575"/>
+            <a:ext cx="6255560" cy="4469174"/>
           </a:xfrm>
         </p:spPr>
         <p:txBody>
@@ -7487,42 +6033,185 @@
           </a:bodyPr>
           <a:lstStyle/>
           <a:p>
-            <a:pPr marL="0" indent="0" algn="r">
+            <a:pPr marL="0" indent="0">
               <a:buNone/>
             </a:pPr>
             <a:r>
-              <a:rPr lang="en-US" sz="1800" b="1" dirty="0">
-                <a:solidFill>
-                  <a:schemeClr val="accent2"/>
-                </a:solidFill>
-                <a:ea typeface="+mn-lt"/>
-                <a:cs typeface="+mn-lt"/>
-              </a:rPr>
-              <a:t>Possibly not necessary</a:t>
-            </a:r>
-            <a:r>
               <a:rPr lang="en-US" sz="1800" b="1">
                 <a:solidFill>
-                  <a:schemeClr val="accent2"/>
-                </a:solidFill>
-                <a:ea typeface="+mn-lt"/>
-                <a:cs typeface="+mn-lt"/>
-              </a:rPr>
-              <a:t> when no customer information is provided</a:t>
+                  <a:srgbClr val="000000"/>
+                </a:solidFill>
+                <a:ea typeface="+mn-lt"/>
+                <a:cs typeface="+mn-lt"/>
+              </a:rPr>
+              <a:t>Zendesk Support Mobile SDK</a:t>
+            </a:r>
+          </a:p>
+          <a:p>
+            <a:r>
+              <a:rPr lang="en-US" sz="1800">
+                <a:solidFill>
+                  <a:srgbClr val="000000"/>
+                </a:solidFill>
+                <a:ea typeface="+mn-lt"/>
+                <a:cs typeface="+mn-lt"/>
+              </a:rPr>
+              <a:t>Advanced ticket functionality, such as “Split Ticket” or “Merge Ticket” may be useful for custom CS apps and for the Zendesk Support app.</a:t>
+            </a:r>
+          </a:p>
+          <a:p>
+            <a:r>
+              <a:rPr lang="en-US" sz="1800">
+                <a:solidFill>
+                  <a:srgbClr val="000000"/>
+                </a:solidFill>
+                <a:ea typeface="+mn-lt"/>
+                <a:cs typeface="+mn-lt"/>
+              </a:rPr>
+              <a:t>Provide helpful articles within the </a:t>
+            </a:r>
+            <a:r>
+              <a:rPr lang="en-US" sz="1800" err="1">
+                <a:solidFill>
+                  <a:srgbClr val="000000"/>
+                </a:solidFill>
+                <a:ea typeface="+mn-lt"/>
+                <a:cs typeface="+mn-lt"/>
+              </a:rPr>
+              <a:t>RequestActivity</a:t>
+            </a:r>
+            <a:r>
+              <a:rPr lang="en-US" sz="1800">
+                <a:solidFill>
+                  <a:srgbClr val="000000"/>
+                </a:solidFill>
+                <a:ea typeface="+mn-lt"/>
+                <a:cs typeface="+mn-lt"/>
+              </a:rPr>
+              <a:t> itself – bring relevant information into conversation sooner and in a more automated manner</a:t>
+            </a:r>
+            <a:r>
+              <a:rPr lang="en-US" sz="1800" dirty="0">
+                <a:solidFill>
+                  <a:srgbClr val="000000"/>
+                </a:solidFill>
+                <a:ea typeface="+mn-lt"/>
+                <a:cs typeface="+mn-lt"/>
+              </a:rPr>
+              <a:t> (partial addressed via the Answer Bot).</a:t>
+            </a:r>
+          </a:p>
+          <a:p>
+            <a:r>
+              <a:rPr lang="en-US" sz="1800">
+                <a:solidFill>
+                  <a:srgbClr val="000000"/>
+                </a:solidFill>
+                <a:ea typeface="+mn-lt"/>
+                <a:cs typeface="+mn-lt"/>
+              </a:rPr>
+              <a:t>Possibly review the naming convention of the </a:t>
+            </a:r>
+            <a:r>
+              <a:rPr lang="en-US" sz="1800" err="1">
+                <a:solidFill>
+                  <a:srgbClr val="000000"/>
+                </a:solidFill>
+                <a:ea typeface="+mn-lt"/>
+                <a:cs typeface="+mn-lt"/>
+              </a:rPr>
+              <a:t>RequestActivity</a:t>
+            </a:r>
+            <a:r>
+              <a:rPr lang="en-US" sz="1800">
+                <a:solidFill>
+                  <a:srgbClr val="000000"/>
+                </a:solidFill>
+                <a:ea typeface="+mn-lt"/>
+                <a:cs typeface="+mn-lt"/>
+              </a:rPr>
+              <a:t> and consider something more closely related to</a:t>
+            </a:r>
+            <a:r>
+              <a:rPr lang="en-US" sz="1800" dirty="0">
+                <a:solidFill>
+                  <a:srgbClr val="000000"/>
+                </a:solidFill>
+                <a:ea typeface="+mn-lt"/>
+                <a:cs typeface="+mn-lt"/>
+              </a:rPr>
+              <a:t> Support or</a:t>
+            </a:r>
+            <a:r>
+              <a:rPr lang="en-US" sz="1800">
+                <a:solidFill>
+                  <a:srgbClr val="000000"/>
+                </a:solidFill>
+                <a:ea typeface="+mn-lt"/>
+                <a:cs typeface="+mn-lt"/>
+              </a:rPr>
+              <a:t> Tickets.</a:t>
             </a:r>
             <a:endParaRPr lang="en-US" sz="1800">
               <a:solidFill>
-                <a:schemeClr val="accent2"/>
+                <a:srgbClr val="000000"/>
               </a:solidFill>
               <a:cs typeface="Calibri"/>
             </a:endParaRPr>
           </a:p>
         </p:txBody>
       </p:sp>
+      <p:pic>
+        <p:nvPicPr>
+          <p:cNvPr id="1026" name="Picture 2" descr="Image result for mobile sdk&quot;">
+            <a:extLst>
+              <a:ext uri="{FF2B5EF4-FFF2-40B4-BE49-F238E27FC236}">
+                <a16:creationId xmlns:a16="http://schemas.microsoft.com/office/drawing/2014/main" id="{523335C4-0C0E-4E69-9C00-C37D6FA0AE4E}"/>
+              </a:ext>
+            </a:extLst>
+          </p:cNvPr>
+          <p:cNvPicPr>
+            <a:picLocks noChangeAspect="1" noChangeArrowheads="1"/>
+          </p:cNvPicPr>
+          <p:nvPr/>
+        </p:nvPicPr>
+        <p:blipFill>
+          <a:blip r:embed="rId2">
+            <a:extLst>
+              <a:ext uri="{28A0092B-C50C-407E-A947-70E740481C1C}">
+                <a14:useLocalDpi xmlns:a14="http://schemas.microsoft.com/office/drawing/2010/main" val="0"/>
+              </a:ext>
+            </a:extLst>
+          </a:blip>
+          <a:srcRect/>
+          <a:stretch>
+            <a:fillRect/>
+          </a:stretch>
+        </p:blipFill>
+        <p:spPr bwMode="auto">
+          <a:xfrm>
+            <a:off x="6753225" y="1707325"/>
+            <a:ext cx="5438775" cy="4257675"/>
+          </a:xfrm>
+          <a:prstGeom prst="rect">
+            <a:avLst/>
+          </a:prstGeom>
+          <a:noFill/>
+          <a:extLst>
+            <a:ext uri="{909E8E84-426E-40DD-AFC4-6F175D3DCCD1}">
+              <a14:hiddenFill xmlns:a14="http://schemas.microsoft.com/office/drawing/2010/main">
+                <a:solidFill>
+                  <a:srgbClr val="FFFFFF"/>
+                </a:solidFill>
+              </a14:hiddenFill>
+            </a:ext>
+          </a:extLst>
+        </p:spPr>
+      </p:pic>
     </p:spTree>
     <p:extLst>
       <p:ext uri="{BB962C8B-B14F-4D97-AF65-F5344CB8AC3E}">
-        <p14:creationId xmlns:p14="http://schemas.microsoft.com/office/powerpoint/2010/main" val="3855330876"/>
+        <p14:creationId xmlns:p14="http://schemas.microsoft.com/office/powerpoint/2010/main" val="3942921402"/>
       </p:ext>
     </p:extLst>
   </p:cSld>
@@ -7551,65 +6240,193 @@
       </p:grpSpPr>
       <p:sp>
         <p:nvSpPr>
-          <p:cNvPr id="2" name="Title 1"/>
+          <p:cNvPr id="2" name="Title 1">
+            <a:extLst>
+              <a:ext uri="{FF2B5EF4-FFF2-40B4-BE49-F238E27FC236}">
+                <a16:creationId xmlns:a16="http://schemas.microsoft.com/office/drawing/2014/main" id="{153D7B5C-A7AF-4129-8DC1-6D523CCC15E9}"/>
+              </a:ext>
+            </a:extLst>
+          </p:cNvPr>
           <p:cNvSpPr>
             <a:spLocks noGrp="1"/>
           </p:cNvSpPr>
           <p:nvPr>
-            <p:ph type="ctrTitle"/>
+            <p:ph type="title"/>
           </p:nvPr>
         </p:nvSpPr>
         <p:spPr>
           <a:xfrm>
-            <a:off x="1524000" y="1122363"/>
-            <a:ext cx="9144000" cy="2387600"/>
-          </a:xfrm>
-        </p:spPr>
-        <p:txBody>
-          <a:bodyPr/>
-          <a:lstStyle/>
-          <a:p>
-            <a:r>
-              <a:rPr lang="en-US" dirty="0">
-                <a:cs typeface="Calibri Light"/>
-              </a:rPr>
-              <a:t>Thank You!</a:t>
-            </a:r>
-            <a:endParaRPr lang="en-US" dirty="0"/>
-          </a:p>
-        </p:txBody>
-      </p:sp>
-      <p:sp>
-        <p:nvSpPr>
-          <p:cNvPr id="3" name="Subtitle 2"/>
+            <a:off x="804997" y="802826"/>
+            <a:ext cx="8975611" cy="1311664"/>
+          </a:xfrm>
+        </p:spPr>
+        <p:txBody>
+          <a:bodyPr>
+            <a:normAutofit/>
+          </a:bodyPr>
+          <a:lstStyle/>
+          <a:p>
+            <a:r>
+              <a:rPr lang="en-US">
+                <a:solidFill>
+                  <a:srgbClr val="000000"/>
+                </a:solidFill>
+                <a:ea typeface="+mj-lt"/>
+                <a:cs typeface="+mj-lt"/>
+              </a:rPr>
+              <a:t>Recommendations for Improvement</a:t>
+            </a:r>
+          </a:p>
+          <a:p>
+            <a:endParaRPr lang="en-US">
+              <a:solidFill>
+                <a:srgbClr val="000000"/>
+              </a:solidFill>
+              <a:cs typeface="Calibri Light"/>
+            </a:endParaRPr>
+          </a:p>
+        </p:txBody>
+      </p:sp>
+      <p:sp>
+        <p:nvSpPr>
+          <p:cNvPr id="3" name="Content Placeholder 2">
+            <a:extLst>
+              <a:ext uri="{FF2B5EF4-FFF2-40B4-BE49-F238E27FC236}">
+                <a16:creationId xmlns:a16="http://schemas.microsoft.com/office/drawing/2014/main" id="{C7F74014-2BBF-44B2-8A37-9FECFA4FAF2A}"/>
+              </a:ext>
+            </a:extLst>
+          </p:cNvPr>
           <p:cNvSpPr>
             <a:spLocks noGrp="1"/>
           </p:cNvSpPr>
           <p:nvPr>
-            <p:ph type="subTitle" idx="1"/>
+            <p:ph idx="1"/>
           </p:nvPr>
         </p:nvSpPr>
-        <p:spPr/>
-        <p:txBody>
-          <a:bodyPr vert="horz" lIns="91440" tIns="45720" rIns="91440" bIns="45720" rtlCol="0" anchor="t">
-            <a:normAutofit/>
+        <p:spPr>
+          <a:xfrm>
+            <a:off x="804997" y="1601575"/>
+            <a:ext cx="6255560" cy="4469174"/>
+          </a:xfrm>
+        </p:spPr>
+        <p:txBody>
+          <a:bodyPr vert="horz" lIns="91440" tIns="45720" rIns="91440" bIns="45720" rtlCol="0" anchor="ctr">
+            <a:noAutofit/>
           </a:bodyPr>
           <a:lstStyle/>
           <a:p>
-            <a:r>
-              <a:rPr lang="en-US" dirty="0">
-                <a:cs typeface="Calibri"/>
-              </a:rPr>
-              <a:t>Q &amp; A</a:t>
-            </a:r>
-            <a:endParaRPr lang="en-US" dirty="0"/>
-          </a:p>
-        </p:txBody>
-      </p:sp>
+            <a:pPr marL="0" indent="0">
+              <a:buNone/>
+            </a:pPr>
+            <a:r>
+              <a:rPr lang="en-US" sz="1800" b="1">
+                <a:solidFill>
+                  <a:srgbClr val="000000"/>
+                </a:solidFill>
+                <a:ea typeface="+mn-lt"/>
+                <a:cs typeface="+mn-lt"/>
+              </a:rPr>
+              <a:t>Zendesk Chat Mobile SDK</a:t>
+            </a:r>
+            <a:endParaRPr lang="en-US"/>
+          </a:p>
+          <a:p>
+            <a:r>
+              <a:rPr lang="en-US" sz="1800">
+                <a:solidFill>
+                  <a:srgbClr val="000000"/>
+                </a:solidFill>
+                <a:ea typeface="+mn-lt"/>
+                <a:cs typeface="+mn-lt"/>
+              </a:rPr>
+              <a:t>Capability to provide pre-chat information dynamically – possibly a combination of pre-defined (name, email, etc.) and dynamic (country, age, etc.) fields.</a:t>
+            </a:r>
+          </a:p>
+          <a:p>
+            <a:r>
+              <a:rPr lang="en-US" sz="1800">
+                <a:solidFill>
+                  <a:srgbClr val="000000"/>
+                </a:solidFill>
+                <a:ea typeface="+mn-lt"/>
+                <a:cs typeface="+mn-lt"/>
+              </a:rPr>
+              <a:t>Allowing the agent to see whether the user is typing may be useful (today only the user can see if the agent is typing).</a:t>
+            </a:r>
+          </a:p>
+          <a:p>
+            <a:r>
+              <a:rPr lang="en-US" sz="1800">
+                <a:solidFill>
+                  <a:srgbClr val="000000"/>
+                </a:solidFill>
+                <a:ea typeface="+mn-lt"/>
+                <a:cs typeface="+mn-lt"/>
+              </a:rPr>
+              <a:t>VisitorInfo object is required, but possibly not necessary when no customer information is provided.</a:t>
+            </a:r>
+          </a:p>
+          <a:p>
+            <a:endParaRPr lang="en-US" sz="1800">
+              <a:solidFill>
+                <a:srgbClr val="000000"/>
+              </a:solidFill>
+              <a:cs typeface="Calibri"/>
+            </a:endParaRPr>
+          </a:p>
+        </p:txBody>
+      </p:sp>
+      <p:pic>
+        <p:nvPicPr>
+          <p:cNvPr id="1026" name="Picture 2" descr="Image result for mobile sdk&quot;">
+            <a:extLst>
+              <a:ext uri="{FF2B5EF4-FFF2-40B4-BE49-F238E27FC236}">
+                <a16:creationId xmlns:a16="http://schemas.microsoft.com/office/drawing/2014/main" id="{523335C4-0C0E-4E69-9C00-C37D6FA0AE4E}"/>
+              </a:ext>
+            </a:extLst>
+          </p:cNvPr>
+          <p:cNvPicPr>
+            <a:picLocks noChangeAspect="1" noChangeArrowheads="1"/>
+          </p:cNvPicPr>
+          <p:nvPr/>
+        </p:nvPicPr>
+        <p:blipFill>
+          <a:blip r:embed="rId2">
+            <a:extLst>
+              <a:ext uri="{28A0092B-C50C-407E-A947-70E740481C1C}">
+                <a14:useLocalDpi xmlns:a14="http://schemas.microsoft.com/office/drawing/2010/main" val="0"/>
+              </a:ext>
+            </a:extLst>
+          </a:blip>
+          <a:srcRect/>
+          <a:stretch>
+            <a:fillRect/>
+          </a:stretch>
+        </p:blipFill>
+        <p:spPr bwMode="auto">
+          <a:xfrm>
+            <a:off x="6753225" y="1707325"/>
+            <a:ext cx="5438775" cy="4257675"/>
+          </a:xfrm>
+          <a:prstGeom prst="rect">
+            <a:avLst/>
+          </a:prstGeom>
+          <a:noFill/>
+          <a:extLst>
+            <a:ext uri="{909E8E84-426E-40DD-AFC4-6F175D3DCCD1}">
+              <a14:hiddenFill xmlns:a14="http://schemas.microsoft.com/office/drawing/2010/main">
+                <a:solidFill>
+                  <a:srgbClr val="FFFFFF"/>
+                </a:solidFill>
+              </a14:hiddenFill>
+            </a:ext>
+          </a:extLst>
+        </p:spPr>
+      </p:pic>
     </p:spTree>
     <p:extLst>
       <p:ext uri="{BB962C8B-B14F-4D97-AF65-F5344CB8AC3E}">
-        <p14:creationId xmlns:p14="http://schemas.microsoft.com/office/powerpoint/2010/main" val="2186078849"/>
+        <p14:creationId xmlns:p14="http://schemas.microsoft.com/office/powerpoint/2010/main" val="3827292106"/>
       </p:ext>
     </p:extLst>
   </p:cSld>
@@ -7749,7 +6566,7 @@
           <a:lstStyle/>
           <a:p>
             <a:r>
-              <a:rPr lang="en-US" dirty="0">
+              <a:rPr lang="en-US">
                 <a:solidFill>
                   <a:srgbClr val="000000"/>
                 </a:solidFill>
@@ -7760,7 +6577,7 @@
             </a:r>
           </a:p>
           <a:p>
-            <a:endParaRPr lang="en-US" dirty="0">
+            <a:endParaRPr lang="en-US">
               <a:solidFill>
                 <a:srgbClr val="000000"/>
               </a:solidFill>
@@ -7801,7 +6618,7 @@
               <a:buNone/>
             </a:pPr>
             <a:r>
-              <a:rPr lang="en-US" sz="1800" b="1" dirty="0">
+              <a:rPr lang="en-US" sz="1800" b="1">
                 <a:solidFill>
                   <a:srgbClr val="000000"/>
                 </a:solidFill>
@@ -7816,7 +6633,7 @@
               <a:buNone/>
             </a:pPr>
             <a:r>
-              <a:rPr lang="en-US" sz="1800" dirty="0">
+              <a:rPr lang="en-US" sz="1800">
                 <a:solidFill>
                   <a:srgbClr val="000000"/>
                 </a:solidFill>
@@ -7826,7 +6643,7 @@
               <a:t>Santa's workshop is well focused on the primary business outcome of preparing </a:t>
             </a:r>
             <a:r>
-              <a:rPr lang="en-US" sz="1800" dirty="0">
+              <a:rPr lang="en-US" sz="1800">
                 <a:solidFill>
                   <a:srgbClr val="C00000"/>
                 </a:solidFill>
@@ -7836,7 +6653,7 @@
               <a:t>100% of toys </a:t>
             </a:r>
             <a:r>
-              <a:rPr lang="en-US" sz="1800" dirty="0">
+              <a:rPr lang="en-US" sz="1800">
                 <a:solidFill>
                   <a:srgbClr val="000000"/>
                 </a:solidFill>
@@ -7850,7 +6667,7 @@
             <a:pPr marL="0" indent="0">
               <a:buNone/>
             </a:pPr>
-            <a:endParaRPr lang="en-US" sz="1800" dirty="0">
+            <a:endParaRPr lang="en-US" sz="1800">
               <a:solidFill>
                 <a:srgbClr val="000000"/>
               </a:solidFill>
@@ -7863,7 +6680,7 @@
               <a:buNone/>
             </a:pPr>
             <a:r>
-              <a:rPr lang="en-US" sz="1800" b="1" dirty="0">
+              <a:rPr lang="en-US" sz="1800" b="1">
                 <a:solidFill>
                   <a:srgbClr val="000000"/>
                 </a:solidFill>
@@ -7872,7 +6689,7 @@
               </a:rPr>
               <a:t>REALITY</a:t>
             </a:r>
-            <a:endParaRPr lang="en-US" sz="1800" b="1" dirty="0">
+            <a:endParaRPr lang="en-US" sz="1800" b="1">
               <a:solidFill>
                 <a:srgbClr val="000000"/>
               </a:solidFill>
@@ -7884,7 +6701,7 @@
               <a:buNone/>
             </a:pPr>
             <a:r>
-              <a:rPr lang="en-US" sz="1800" dirty="0">
+              <a:rPr lang="en-US" sz="1800">
                 <a:solidFill>
                   <a:srgbClr val="000000"/>
                 </a:solidFill>
@@ -7898,7 +6715,7 @@
             <a:pPr marL="0" indent="0">
               <a:buNone/>
             </a:pPr>
-            <a:endParaRPr lang="en-US" sz="1800" dirty="0">
+            <a:endParaRPr lang="en-US" sz="1800">
               <a:solidFill>
                 <a:srgbClr val="000000"/>
               </a:solidFill>
@@ -7911,7 +6728,7 @@
               <a:buNone/>
             </a:pPr>
             <a:r>
-              <a:rPr lang="en-US" sz="1800" b="1" dirty="0">
+              <a:rPr lang="en-US" sz="1800" b="1">
                 <a:solidFill>
                   <a:srgbClr val="000000"/>
                 </a:solidFill>
@@ -7926,7 +6743,7 @@
               <a:buNone/>
             </a:pPr>
             <a:r>
-              <a:rPr lang="en-US" sz="1800" dirty="0">
+              <a:rPr lang="en-US" sz="1800">
                 <a:solidFill>
                   <a:srgbClr val="000000"/>
                 </a:solidFill>
@@ -7936,7 +6753,7 @@
               <a:t>Santa has had to pull </a:t>
             </a:r>
             <a:r>
-              <a:rPr lang="en-US" sz="1800" dirty="0">
+              <a:rPr lang="en-US" sz="1800">
                 <a:solidFill>
                   <a:srgbClr val="C00000"/>
                 </a:solidFill>
@@ -7946,7 +6763,7 @@
               <a:t>1,000 elves </a:t>
             </a:r>
             <a:r>
-              <a:rPr lang="en-US" sz="1800" dirty="0">
+              <a:rPr lang="en-US" sz="1800">
                 <a:solidFill>
                   <a:srgbClr val="000000"/>
                 </a:solidFill>
@@ -7956,7 +6773,7 @@
               <a:t>from production onto customer support. As a result, production lines are </a:t>
             </a:r>
             <a:r>
-              <a:rPr lang="en-US" sz="1800" dirty="0">
+              <a:rPr lang="en-US" sz="1800">
                 <a:solidFill>
                   <a:srgbClr val="C00000"/>
                 </a:solidFill>
@@ -7966,7 +6783,7 @@
               <a:t>10% behind schedule </a:t>
             </a:r>
             <a:r>
-              <a:rPr lang="en-US" sz="1800" dirty="0">
+              <a:rPr lang="en-US" sz="1800">
                 <a:solidFill>
                   <a:srgbClr val="000000"/>
                 </a:solidFill>
@@ -7980,7 +6797,7 @@
             <a:pPr marL="0" indent="0">
               <a:buNone/>
             </a:pPr>
-            <a:endParaRPr lang="en-US" sz="1800" dirty="0">
+            <a:endParaRPr lang="en-US" sz="1800">
               <a:solidFill>
                 <a:srgbClr val="000000"/>
               </a:solidFill>
@@ -7993,6 +6810,758 @@
     <p:extLst>
       <p:ext uri="{BB962C8B-B14F-4D97-AF65-F5344CB8AC3E}">
         <p14:creationId xmlns:p14="http://schemas.microsoft.com/office/powerpoint/2010/main" val="880554330"/>
+      </p:ext>
+    </p:extLst>
+  </p:cSld>
+  <p:clrMapOvr>
+    <a:masterClrMapping/>
+  </p:clrMapOvr>
+</p:sld>
+</file>
+
+<file path=ppt/slides/slide20.xml><?xml version="1.0" encoding="utf-8"?>
+<p:sld xmlns:a="http://schemas.openxmlformats.org/drawingml/2006/main" xmlns:r="http://schemas.openxmlformats.org/officeDocument/2006/relationships" xmlns:p="http://schemas.openxmlformats.org/presentationml/2006/main">
+  <p:cSld>
+    <p:spTree>
+      <p:nvGrpSpPr>
+        <p:cNvPr id="1" name=""/>
+        <p:cNvGrpSpPr/>
+        <p:nvPr/>
+      </p:nvGrpSpPr>
+      <p:grpSpPr>
+        <a:xfrm>
+          <a:off x="0" y="0"/>
+          <a:ext cx="0" cy="0"/>
+          <a:chOff x="0" y="0"/>
+          <a:chExt cx="0" cy="0"/>
+        </a:xfrm>
+      </p:grpSpPr>
+      <p:sp>
+        <p:nvSpPr>
+          <p:cNvPr id="2" name="Title 1">
+            <a:extLst>
+              <a:ext uri="{FF2B5EF4-FFF2-40B4-BE49-F238E27FC236}">
+                <a16:creationId xmlns:a16="http://schemas.microsoft.com/office/drawing/2014/main" id="{153D7B5C-A7AF-4129-8DC1-6D523CCC15E9}"/>
+              </a:ext>
+            </a:extLst>
+          </p:cNvPr>
+          <p:cNvSpPr>
+            <a:spLocks noGrp="1"/>
+          </p:cNvSpPr>
+          <p:nvPr>
+            <p:ph type="title"/>
+          </p:nvPr>
+        </p:nvSpPr>
+        <p:spPr>
+          <a:xfrm>
+            <a:off x="804997" y="802826"/>
+            <a:ext cx="8975611" cy="1311664"/>
+          </a:xfrm>
+        </p:spPr>
+        <p:txBody>
+          <a:bodyPr>
+            <a:normAutofit/>
+          </a:bodyPr>
+          <a:lstStyle/>
+          <a:p>
+            <a:r>
+              <a:rPr lang="en-US">
+                <a:solidFill>
+                  <a:srgbClr val="000000"/>
+                </a:solidFill>
+                <a:ea typeface="+mj-lt"/>
+                <a:cs typeface="+mj-lt"/>
+              </a:rPr>
+              <a:t>Recommendations for Improvement</a:t>
+            </a:r>
+          </a:p>
+          <a:p>
+            <a:endParaRPr lang="en-US">
+              <a:solidFill>
+                <a:srgbClr val="000000"/>
+              </a:solidFill>
+              <a:cs typeface="Calibri Light"/>
+            </a:endParaRPr>
+          </a:p>
+        </p:txBody>
+      </p:sp>
+      <p:sp>
+        <p:nvSpPr>
+          <p:cNvPr id="3" name="Content Placeholder 2">
+            <a:extLst>
+              <a:ext uri="{FF2B5EF4-FFF2-40B4-BE49-F238E27FC236}">
+                <a16:creationId xmlns:a16="http://schemas.microsoft.com/office/drawing/2014/main" id="{C7F74014-2BBF-44B2-8A37-9FECFA4FAF2A}"/>
+              </a:ext>
+            </a:extLst>
+          </p:cNvPr>
+          <p:cNvSpPr>
+            <a:spLocks noGrp="1"/>
+          </p:cNvSpPr>
+          <p:nvPr>
+            <p:ph idx="1"/>
+          </p:nvPr>
+        </p:nvSpPr>
+        <p:spPr>
+          <a:xfrm>
+            <a:off x="804997" y="1601575"/>
+            <a:ext cx="6255560" cy="4469174"/>
+          </a:xfrm>
+        </p:spPr>
+        <p:txBody>
+          <a:bodyPr vert="horz" lIns="91440" tIns="45720" rIns="91440" bIns="45720" rtlCol="0" anchor="ctr">
+            <a:noAutofit/>
+          </a:bodyPr>
+          <a:lstStyle/>
+          <a:p>
+            <a:pPr marL="0" indent="0">
+              <a:buNone/>
+            </a:pPr>
+            <a:r>
+              <a:rPr lang="en-US" sz="1800" b="1">
+                <a:solidFill>
+                  <a:srgbClr val="000000"/>
+                </a:solidFill>
+                <a:ea typeface="+mn-lt"/>
+                <a:cs typeface="+mn-lt"/>
+              </a:rPr>
+              <a:t>Zendesk Answer Bot SDK</a:t>
+            </a:r>
+            <a:endParaRPr lang="en-US"/>
+          </a:p>
+          <a:p>
+            <a:r>
+              <a:rPr lang="en-US" sz="1800">
+                <a:solidFill>
+                  <a:srgbClr val="000000"/>
+                </a:solidFill>
+                <a:ea typeface="+mn-lt"/>
+                <a:cs typeface="+mn-lt"/>
+              </a:rPr>
+              <a:t>More of a question – Is it possible that the Answer Bot capabilities could be used in the context of chat solutions, as well as the Support SDK?</a:t>
+            </a:r>
+            <a:endParaRPr lang="en-US" sz="1800">
+              <a:solidFill>
+                <a:srgbClr val="000000"/>
+              </a:solidFill>
+              <a:cs typeface="Calibri"/>
+            </a:endParaRPr>
+          </a:p>
+        </p:txBody>
+      </p:sp>
+      <p:pic>
+        <p:nvPicPr>
+          <p:cNvPr id="1026" name="Picture 2" descr="Image result for mobile sdk&quot;">
+            <a:extLst>
+              <a:ext uri="{FF2B5EF4-FFF2-40B4-BE49-F238E27FC236}">
+                <a16:creationId xmlns:a16="http://schemas.microsoft.com/office/drawing/2014/main" id="{523335C4-0C0E-4E69-9C00-C37D6FA0AE4E}"/>
+              </a:ext>
+            </a:extLst>
+          </p:cNvPr>
+          <p:cNvPicPr>
+            <a:picLocks noChangeAspect="1" noChangeArrowheads="1"/>
+          </p:cNvPicPr>
+          <p:nvPr/>
+        </p:nvPicPr>
+        <p:blipFill>
+          <a:blip r:embed="rId2">
+            <a:extLst>
+              <a:ext uri="{28A0092B-C50C-407E-A947-70E740481C1C}">
+                <a14:useLocalDpi xmlns:a14="http://schemas.microsoft.com/office/drawing/2010/main" val="0"/>
+              </a:ext>
+            </a:extLst>
+          </a:blip>
+          <a:srcRect/>
+          <a:stretch>
+            <a:fillRect/>
+          </a:stretch>
+        </p:blipFill>
+        <p:spPr bwMode="auto">
+          <a:xfrm>
+            <a:off x="6753225" y="1707325"/>
+            <a:ext cx="5438775" cy="4257675"/>
+          </a:xfrm>
+          <a:prstGeom prst="rect">
+            <a:avLst/>
+          </a:prstGeom>
+          <a:noFill/>
+          <a:extLst>
+            <a:ext uri="{909E8E84-426E-40DD-AFC4-6F175D3DCCD1}">
+              <a14:hiddenFill xmlns:a14="http://schemas.microsoft.com/office/drawing/2010/main">
+                <a:solidFill>
+                  <a:srgbClr val="FFFFFF"/>
+                </a:solidFill>
+              </a14:hiddenFill>
+            </a:ext>
+          </a:extLst>
+        </p:spPr>
+      </p:pic>
+    </p:spTree>
+    <p:extLst>
+      <p:ext uri="{BB962C8B-B14F-4D97-AF65-F5344CB8AC3E}">
+        <p14:creationId xmlns:p14="http://schemas.microsoft.com/office/powerpoint/2010/main" val="2231873913"/>
+      </p:ext>
+    </p:extLst>
+  </p:cSld>
+  <p:clrMapOvr>
+    <a:masterClrMapping/>
+  </p:clrMapOvr>
+</p:sld>
+</file>
+
+<file path=ppt/slides/slide21.xml><?xml version="1.0" encoding="utf-8"?>
+<p:sld xmlns:a="http://schemas.openxmlformats.org/drawingml/2006/main" xmlns:r="http://schemas.openxmlformats.org/officeDocument/2006/relationships" xmlns:p="http://schemas.openxmlformats.org/presentationml/2006/main">
+  <p:cSld>
+    <p:spTree>
+      <p:nvGrpSpPr>
+        <p:cNvPr id="1" name=""/>
+        <p:cNvGrpSpPr/>
+        <p:nvPr/>
+      </p:nvGrpSpPr>
+      <p:grpSpPr>
+        <a:xfrm>
+          <a:off x="0" y="0"/>
+          <a:ext cx="0" cy="0"/>
+          <a:chOff x="0" y="0"/>
+          <a:chExt cx="0" cy="0"/>
+        </a:xfrm>
+      </p:grpSpPr>
+      <p:sp>
+        <p:nvSpPr>
+          <p:cNvPr id="2" name="Title 1">
+            <a:extLst>
+              <a:ext uri="{FF2B5EF4-FFF2-40B4-BE49-F238E27FC236}">
+                <a16:creationId xmlns:a16="http://schemas.microsoft.com/office/drawing/2014/main" id="{153D7B5C-A7AF-4129-8DC1-6D523CCC15E9}"/>
+              </a:ext>
+            </a:extLst>
+          </p:cNvPr>
+          <p:cNvSpPr>
+            <a:spLocks noGrp="1"/>
+          </p:cNvSpPr>
+          <p:nvPr>
+            <p:ph type="title"/>
+          </p:nvPr>
+        </p:nvSpPr>
+        <p:spPr>
+          <a:xfrm>
+            <a:off x="804997" y="802826"/>
+            <a:ext cx="10737325" cy="1311664"/>
+          </a:xfrm>
+        </p:spPr>
+        <p:txBody>
+          <a:bodyPr>
+            <a:normAutofit/>
+          </a:bodyPr>
+          <a:lstStyle/>
+          <a:p>
+            <a:r>
+              <a:rPr lang="en-US" dirty="0">
+                <a:solidFill>
+                  <a:srgbClr val="000000"/>
+                </a:solidFill>
+                <a:ea typeface="+mj-lt"/>
+                <a:cs typeface="+mj-lt"/>
+              </a:rPr>
+              <a:t>Possible </a:t>
+            </a:r>
+            <a:r>
+              <a:rPr lang="en-US">
+                <a:solidFill>
+                  <a:srgbClr val="000000"/>
+                </a:solidFill>
+                <a:ea typeface="+mj-lt"/>
+                <a:cs typeface="+mj-lt"/>
+              </a:rPr>
+              <a:t>Technical </a:t>
+            </a:r>
+            <a:r>
+              <a:rPr lang="en-US" dirty="0">
+                <a:solidFill>
+                  <a:srgbClr val="000000"/>
+                </a:solidFill>
+                <a:ea typeface="+mj-lt"/>
+                <a:cs typeface="+mj-lt"/>
+              </a:rPr>
+              <a:t>Improvements</a:t>
+            </a:r>
+            <a:endParaRPr lang="en-US">
+              <a:solidFill>
+                <a:srgbClr val="000000"/>
+              </a:solidFill>
+              <a:ea typeface="+mj-lt"/>
+              <a:cs typeface="+mj-lt"/>
+            </a:endParaRPr>
+          </a:p>
+          <a:p>
+            <a:endParaRPr lang="en-US">
+              <a:solidFill>
+                <a:srgbClr val="000000"/>
+              </a:solidFill>
+              <a:cs typeface="Calibri Light"/>
+            </a:endParaRPr>
+          </a:p>
+        </p:txBody>
+      </p:sp>
+      <p:pic>
+        <p:nvPicPr>
+          <p:cNvPr id="4" name="Picture 3">
+            <a:extLst>
+              <a:ext uri="{FF2B5EF4-FFF2-40B4-BE49-F238E27FC236}">
+                <a16:creationId xmlns:a16="http://schemas.microsoft.com/office/drawing/2014/main" id="{26CBF1E9-F886-41F5-A6F2-17CFDDC7AD12}"/>
+              </a:ext>
+            </a:extLst>
+          </p:cNvPr>
+          <p:cNvPicPr>
+            <a:picLocks noChangeAspect="1"/>
+          </p:cNvPicPr>
+          <p:nvPr/>
+        </p:nvPicPr>
+        <p:blipFill>
+          <a:blip r:embed="rId2"/>
+          <a:stretch>
+            <a:fillRect/>
+          </a:stretch>
+        </p:blipFill>
+        <p:spPr>
+          <a:xfrm>
+            <a:off x="3392867" y="1663058"/>
+            <a:ext cx="5697619" cy="4625314"/>
+          </a:xfrm>
+          <a:prstGeom prst="rect">
+            <a:avLst/>
+          </a:prstGeom>
+        </p:spPr>
+      </p:pic>
+      <p:sp>
+        <p:nvSpPr>
+          <p:cNvPr id="7" name="Rectangle: Rounded Corners 6">
+            <a:extLst>
+              <a:ext uri="{FF2B5EF4-FFF2-40B4-BE49-F238E27FC236}">
+                <a16:creationId xmlns:a16="http://schemas.microsoft.com/office/drawing/2014/main" id="{48F42861-174B-46EB-B5A3-138189A323D8}"/>
+              </a:ext>
+            </a:extLst>
+          </p:cNvPr>
+          <p:cNvSpPr/>
+          <p:nvPr/>
+        </p:nvSpPr>
+        <p:spPr>
+          <a:xfrm>
+            <a:off x="3305566" y="3869264"/>
+            <a:ext cx="3298784" cy="1311664"/>
+          </a:xfrm>
+          <a:prstGeom prst="roundRect">
+            <a:avLst/>
+          </a:prstGeom>
+          <a:noFill/>
+          <a:ln w="38100">
+            <a:solidFill>
+              <a:schemeClr val="accent2"/>
+            </a:solidFill>
+          </a:ln>
+        </p:spPr>
+        <p:style>
+          <a:lnRef idx="2">
+            <a:schemeClr val="accent1">
+              <a:shade val="50000"/>
+            </a:schemeClr>
+          </a:lnRef>
+          <a:fillRef idx="1">
+            <a:schemeClr val="accent1"/>
+          </a:fillRef>
+          <a:effectRef idx="0">
+            <a:schemeClr val="accent1"/>
+          </a:effectRef>
+          <a:fontRef idx="minor">
+            <a:schemeClr val="lt1"/>
+          </a:fontRef>
+        </p:style>
+        <p:txBody>
+          <a:bodyPr rtlCol="0" anchor="ctr"/>
+          <a:lstStyle/>
+          <a:p>
+            <a:pPr algn="ctr"/>
+            <a:endParaRPr lang="en-US"/>
+          </a:p>
+        </p:txBody>
+      </p:sp>
+      <p:sp>
+        <p:nvSpPr>
+          <p:cNvPr id="9" name="Content Placeholder 2">
+            <a:extLst>
+              <a:ext uri="{FF2B5EF4-FFF2-40B4-BE49-F238E27FC236}">
+                <a16:creationId xmlns:a16="http://schemas.microsoft.com/office/drawing/2014/main" id="{2B043F70-14A2-4166-924A-4B71C6E39866}"/>
+              </a:ext>
+            </a:extLst>
+          </p:cNvPr>
+          <p:cNvSpPr>
+            <a:spLocks noGrp="1"/>
+          </p:cNvSpPr>
+          <p:nvPr>
+            <p:ph idx="1"/>
+          </p:nvPr>
+        </p:nvSpPr>
+        <p:spPr>
+          <a:xfrm>
+            <a:off x="737762" y="3869265"/>
+            <a:ext cx="2354892" cy="1311664"/>
+          </a:xfrm>
+        </p:spPr>
+        <p:txBody>
+          <a:bodyPr vert="horz" lIns="91440" tIns="45720" rIns="91440" bIns="45720" rtlCol="0" anchor="ctr">
+            <a:noAutofit/>
+          </a:bodyPr>
+          <a:lstStyle/>
+          <a:p>
+            <a:pPr marL="0" indent="0" algn="r">
+              <a:buNone/>
+            </a:pPr>
+            <a:r>
+              <a:rPr lang="en-US" sz="1800" b="1">
+                <a:solidFill>
+                  <a:schemeClr val="accent2"/>
+                </a:solidFill>
+                <a:ea typeface="+mn-lt"/>
+                <a:cs typeface="+mn-lt"/>
+              </a:rPr>
+              <a:t>Could potentially be more dynamic</a:t>
+            </a:r>
+            <a:endParaRPr lang="en-US" sz="1800">
+              <a:solidFill>
+                <a:schemeClr val="accent2"/>
+              </a:solidFill>
+              <a:cs typeface="Calibri"/>
+            </a:endParaRPr>
+          </a:p>
+        </p:txBody>
+      </p:sp>
+    </p:spTree>
+    <p:extLst>
+      <p:ext uri="{BB962C8B-B14F-4D97-AF65-F5344CB8AC3E}">
+        <p14:creationId xmlns:p14="http://schemas.microsoft.com/office/powerpoint/2010/main" val="1317988489"/>
+      </p:ext>
+    </p:extLst>
+  </p:cSld>
+  <p:clrMapOvr>
+    <a:masterClrMapping/>
+  </p:clrMapOvr>
+</p:sld>
+</file>
+
+<file path=ppt/slides/slide22.xml><?xml version="1.0" encoding="utf-8"?>
+<p:sld xmlns:a="http://schemas.openxmlformats.org/drawingml/2006/main" xmlns:r="http://schemas.openxmlformats.org/officeDocument/2006/relationships" xmlns:p="http://schemas.openxmlformats.org/presentationml/2006/main">
+  <p:cSld>
+    <p:spTree>
+      <p:nvGrpSpPr>
+        <p:cNvPr id="1" name=""/>
+        <p:cNvGrpSpPr/>
+        <p:nvPr/>
+      </p:nvGrpSpPr>
+      <p:grpSpPr>
+        <a:xfrm>
+          <a:off x="0" y="0"/>
+          <a:ext cx="0" cy="0"/>
+          <a:chOff x="0" y="0"/>
+          <a:chExt cx="0" cy="0"/>
+        </a:xfrm>
+      </p:grpSpPr>
+      <p:pic>
+        <p:nvPicPr>
+          <p:cNvPr id="3" name="Picture 2">
+            <a:extLst>
+              <a:ext uri="{FF2B5EF4-FFF2-40B4-BE49-F238E27FC236}">
+                <a16:creationId xmlns:a16="http://schemas.microsoft.com/office/drawing/2014/main" id="{DE6BAE23-7530-455B-A0C2-F1FDB5431C79}"/>
+              </a:ext>
+            </a:extLst>
+          </p:cNvPr>
+          <p:cNvPicPr>
+            <a:picLocks noChangeAspect="1"/>
+          </p:cNvPicPr>
+          <p:nvPr/>
+        </p:nvPicPr>
+        <p:blipFill>
+          <a:blip r:embed="rId2"/>
+          <a:stretch>
+            <a:fillRect/>
+          </a:stretch>
+        </p:blipFill>
+        <p:spPr>
+          <a:xfrm>
+            <a:off x="3308533" y="2614967"/>
+            <a:ext cx="7840169" cy="2343477"/>
+          </a:xfrm>
+          <a:prstGeom prst="rect">
+            <a:avLst/>
+          </a:prstGeom>
+        </p:spPr>
+      </p:pic>
+      <p:sp>
+        <p:nvSpPr>
+          <p:cNvPr id="2" name="Title 1">
+            <a:extLst>
+              <a:ext uri="{FF2B5EF4-FFF2-40B4-BE49-F238E27FC236}">
+                <a16:creationId xmlns:a16="http://schemas.microsoft.com/office/drawing/2014/main" id="{153D7B5C-A7AF-4129-8DC1-6D523CCC15E9}"/>
+              </a:ext>
+            </a:extLst>
+          </p:cNvPr>
+          <p:cNvSpPr>
+            <a:spLocks noGrp="1"/>
+          </p:cNvSpPr>
+          <p:nvPr>
+            <p:ph type="title"/>
+          </p:nvPr>
+        </p:nvSpPr>
+        <p:spPr>
+          <a:xfrm>
+            <a:off x="804997" y="802826"/>
+            <a:ext cx="10949686" cy="1311664"/>
+          </a:xfrm>
+        </p:spPr>
+        <p:txBody>
+          <a:bodyPr>
+            <a:normAutofit/>
+          </a:bodyPr>
+          <a:lstStyle/>
+          <a:p>
+            <a:r>
+              <a:rPr lang="en-US" dirty="0">
+                <a:solidFill>
+                  <a:srgbClr val="000000"/>
+                </a:solidFill>
+                <a:ea typeface="+mj-lt"/>
+                <a:cs typeface="+mj-lt"/>
+              </a:rPr>
+              <a:t>Possible </a:t>
+            </a:r>
+            <a:r>
+              <a:rPr lang="en-US">
+                <a:solidFill>
+                  <a:srgbClr val="000000"/>
+                </a:solidFill>
+                <a:ea typeface="+mj-lt"/>
+                <a:cs typeface="+mj-lt"/>
+              </a:rPr>
+              <a:t>Technical </a:t>
+            </a:r>
+            <a:r>
+              <a:rPr lang="en-US" dirty="0">
+                <a:solidFill>
+                  <a:srgbClr val="000000"/>
+                </a:solidFill>
+                <a:ea typeface="+mj-lt"/>
+                <a:cs typeface="+mj-lt"/>
+              </a:rPr>
+              <a:t>Improvements</a:t>
+            </a:r>
+            <a:endParaRPr lang="en-US">
+              <a:solidFill>
+                <a:srgbClr val="000000"/>
+              </a:solidFill>
+              <a:ea typeface="+mj-lt"/>
+              <a:cs typeface="+mj-lt"/>
+            </a:endParaRPr>
+          </a:p>
+          <a:p>
+            <a:endParaRPr lang="en-US">
+              <a:solidFill>
+                <a:srgbClr val="000000"/>
+              </a:solidFill>
+              <a:cs typeface="Calibri Light"/>
+            </a:endParaRPr>
+          </a:p>
+        </p:txBody>
+      </p:sp>
+      <p:sp>
+        <p:nvSpPr>
+          <p:cNvPr id="7" name="Rectangle: Rounded Corners 6">
+            <a:extLst>
+              <a:ext uri="{FF2B5EF4-FFF2-40B4-BE49-F238E27FC236}">
+                <a16:creationId xmlns:a16="http://schemas.microsoft.com/office/drawing/2014/main" id="{48F42861-174B-46EB-B5A3-138189A323D8}"/>
+              </a:ext>
+            </a:extLst>
+          </p:cNvPr>
+          <p:cNvSpPr/>
+          <p:nvPr/>
+        </p:nvSpPr>
+        <p:spPr>
+          <a:xfrm>
+            <a:off x="4639745" y="3806964"/>
+            <a:ext cx="4282633" cy="428263"/>
+          </a:xfrm>
+          <a:prstGeom prst="roundRect">
+            <a:avLst/>
+          </a:prstGeom>
+          <a:noFill/>
+          <a:ln w="38100">
+            <a:solidFill>
+              <a:schemeClr val="accent2"/>
+            </a:solidFill>
+          </a:ln>
+        </p:spPr>
+        <p:style>
+          <a:lnRef idx="2">
+            <a:schemeClr val="accent1">
+              <a:shade val="50000"/>
+            </a:schemeClr>
+          </a:lnRef>
+          <a:fillRef idx="1">
+            <a:schemeClr val="accent1"/>
+          </a:fillRef>
+          <a:effectRef idx="0">
+            <a:schemeClr val="accent1"/>
+          </a:effectRef>
+          <a:fontRef idx="minor">
+            <a:schemeClr val="lt1"/>
+          </a:fontRef>
+        </p:style>
+        <p:txBody>
+          <a:bodyPr rtlCol="0" anchor="ctr"/>
+          <a:lstStyle/>
+          <a:p>
+            <a:pPr algn="ctr"/>
+            <a:endParaRPr lang="en-US"/>
+          </a:p>
+        </p:txBody>
+      </p:sp>
+      <p:sp>
+        <p:nvSpPr>
+          <p:cNvPr id="9" name="Content Placeholder 2">
+            <a:extLst>
+              <a:ext uri="{FF2B5EF4-FFF2-40B4-BE49-F238E27FC236}">
+                <a16:creationId xmlns:a16="http://schemas.microsoft.com/office/drawing/2014/main" id="{2B043F70-14A2-4166-924A-4B71C6E39866}"/>
+              </a:ext>
+            </a:extLst>
+          </p:cNvPr>
+          <p:cNvSpPr>
+            <a:spLocks noGrp="1"/>
+          </p:cNvSpPr>
+          <p:nvPr>
+            <p:ph idx="1"/>
+          </p:nvPr>
+        </p:nvSpPr>
+        <p:spPr>
+          <a:xfrm>
+            <a:off x="726992" y="3366390"/>
+            <a:ext cx="2500132" cy="1311664"/>
+          </a:xfrm>
+        </p:spPr>
+        <p:txBody>
+          <a:bodyPr vert="horz" lIns="91440" tIns="45720" rIns="91440" bIns="45720" rtlCol="0" anchor="ctr">
+            <a:noAutofit/>
+          </a:bodyPr>
+          <a:lstStyle/>
+          <a:p>
+            <a:pPr marL="0" indent="0" algn="r">
+              <a:buNone/>
+            </a:pPr>
+            <a:r>
+              <a:rPr lang="en-US" sz="1800" b="1">
+                <a:solidFill>
+                  <a:schemeClr val="accent2"/>
+                </a:solidFill>
+                <a:ea typeface="+mn-lt"/>
+                <a:cs typeface="+mn-lt"/>
+              </a:rPr>
+              <a:t>Possibly not necessary when no customer information is provided</a:t>
+            </a:r>
+            <a:endParaRPr lang="en-US" sz="1800">
+              <a:solidFill>
+                <a:schemeClr val="accent2"/>
+              </a:solidFill>
+              <a:cs typeface="Calibri"/>
+            </a:endParaRPr>
+          </a:p>
+        </p:txBody>
+      </p:sp>
+    </p:spTree>
+    <p:extLst>
+      <p:ext uri="{BB962C8B-B14F-4D97-AF65-F5344CB8AC3E}">
+        <p14:creationId xmlns:p14="http://schemas.microsoft.com/office/powerpoint/2010/main" val="3855330876"/>
+      </p:ext>
+    </p:extLst>
+  </p:cSld>
+  <p:clrMapOvr>
+    <a:masterClrMapping/>
+  </p:clrMapOvr>
+</p:sld>
+</file>
+
+<file path=ppt/slides/slide23.xml><?xml version="1.0" encoding="utf-8"?>
+<p:sld xmlns:a="http://schemas.openxmlformats.org/drawingml/2006/main" xmlns:r="http://schemas.openxmlformats.org/officeDocument/2006/relationships" xmlns:p="http://schemas.openxmlformats.org/presentationml/2006/main">
+  <p:cSld>
+    <p:spTree>
+      <p:nvGrpSpPr>
+        <p:cNvPr id="1" name=""/>
+        <p:cNvGrpSpPr/>
+        <p:nvPr/>
+      </p:nvGrpSpPr>
+      <p:grpSpPr>
+        <a:xfrm>
+          <a:off x="0" y="0"/>
+          <a:ext cx="0" cy="0"/>
+          <a:chOff x="0" y="0"/>
+          <a:chExt cx="0" cy="0"/>
+        </a:xfrm>
+      </p:grpSpPr>
+      <p:sp>
+        <p:nvSpPr>
+          <p:cNvPr id="2" name="Title 1"/>
+          <p:cNvSpPr>
+            <a:spLocks noGrp="1"/>
+          </p:cNvSpPr>
+          <p:nvPr>
+            <p:ph type="ctrTitle"/>
+          </p:nvPr>
+        </p:nvSpPr>
+        <p:spPr>
+          <a:xfrm>
+            <a:off x="1524000" y="1122363"/>
+            <a:ext cx="9144000" cy="2387600"/>
+          </a:xfrm>
+        </p:spPr>
+        <p:txBody>
+          <a:bodyPr/>
+          <a:lstStyle/>
+          <a:p>
+            <a:r>
+              <a:rPr lang="en-US" dirty="0">
+                <a:cs typeface="Calibri Light"/>
+              </a:rPr>
+              <a:t>Thank You!</a:t>
+            </a:r>
+            <a:endParaRPr lang="en-US" dirty="0"/>
+          </a:p>
+        </p:txBody>
+      </p:sp>
+      <p:sp>
+        <p:nvSpPr>
+          <p:cNvPr id="3" name="Subtitle 2"/>
+          <p:cNvSpPr>
+            <a:spLocks noGrp="1"/>
+          </p:cNvSpPr>
+          <p:nvPr>
+            <p:ph type="subTitle" idx="1"/>
+          </p:nvPr>
+        </p:nvSpPr>
+        <p:spPr/>
+        <p:txBody>
+          <a:bodyPr vert="horz" lIns="91440" tIns="45720" rIns="91440" bIns="45720" rtlCol="0" anchor="t">
+            <a:normAutofit/>
+          </a:bodyPr>
+          <a:lstStyle/>
+          <a:p>
+            <a:r>
+              <a:rPr lang="en-US" dirty="0">
+                <a:cs typeface="Calibri"/>
+              </a:rPr>
+              <a:t>Q &amp; A</a:t>
+            </a:r>
+            <a:endParaRPr lang="en-US" dirty="0"/>
+          </a:p>
+        </p:txBody>
+      </p:sp>
+    </p:spTree>
+    <p:extLst>
+      <p:ext uri="{BB962C8B-B14F-4D97-AF65-F5344CB8AC3E}">
+        <p14:creationId xmlns:p14="http://schemas.microsoft.com/office/powerpoint/2010/main" val="2186078849"/>
       </p:ext>
     </p:extLst>
   </p:cSld>
@@ -8108,39 +7677,9 @@
                 <a:ea typeface="+mj-lt"/>
                 <a:cs typeface="+mj-lt"/>
               </a:rPr>
-              <a:t>Analysis of Customer</a:t>
-            </a:r>
-            <a:r>
-              <a:rPr lang="en-US" dirty="0">
-                <a:solidFill>
-                  <a:srgbClr val="000000"/>
-                </a:solidFill>
-                <a:ea typeface="+mj-lt"/>
-                <a:cs typeface="+mj-lt"/>
-              </a:rPr>
-              <a:t> </a:t>
-            </a:r>
-            <a:r>
-              <a:rPr lang="en-US">
-                <a:solidFill>
-                  <a:srgbClr val="000000"/>
-                </a:solidFill>
-                <a:ea typeface="+mj-lt"/>
-                <a:cs typeface="+mj-lt"/>
-              </a:rPr>
-              <a:t>Service</a:t>
-            </a:r>
-            <a:r>
-              <a:rPr lang="en-US" dirty="0">
-                <a:solidFill>
-                  <a:srgbClr val="000000"/>
-                </a:solidFill>
-                <a:ea typeface="+mj-lt"/>
-                <a:cs typeface="+mj-lt"/>
-              </a:rPr>
-              <a:t> Requests</a:t>
-            </a:r>
-            <a:endParaRPr lang="en-US" dirty="0"/>
+              <a:t>Analysis of Customer Service Requests</a:t>
+            </a:r>
+            <a:endParaRPr lang="en-US"/>
           </a:p>
         </p:txBody>
       </p:sp>
@@ -8224,7 +7763,7 @@
           <a:lstStyle/>
           <a:p>
             <a:r>
-              <a:rPr lang="en-US" dirty="0">
+              <a:rPr lang="en-US">
                 <a:solidFill>
                   <a:srgbClr val="000000"/>
                 </a:solidFill>
@@ -8233,7 +7772,7 @@
               </a:rPr>
               <a:t>Naughty or Nice List query</a:t>
             </a:r>
-            <a:endParaRPr lang="en-US" dirty="0"/>
+            <a:endParaRPr lang="en-US"/>
           </a:p>
         </p:txBody>
       </p:sp>
@@ -8265,7 +7804,7 @@
           <a:lstStyle/>
           <a:p>
             <a:r>
-              <a:rPr lang="en-US" dirty="0">
+              <a:rPr lang="en-US">
                 <a:solidFill>
                   <a:srgbClr val="000000"/>
                 </a:solidFill>
@@ -8274,7 +7813,7 @@
               </a:rPr>
               <a:t>79%</a:t>
             </a:r>
-            <a:endParaRPr lang="en-US" dirty="0"/>
+            <a:endParaRPr lang="en-US"/>
           </a:p>
         </p:txBody>
       </p:sp>
@@ -8355,7 +7894,7 @@
           <a:lstStyle/>
           <a:p>
             <a:r>
-              <a:rPr lang="en-US" dirty="0">
+              <a:rPr lang="en-US">
                 <a:solidFill>
                   <a:srgbClr val="000000"/>
                 </a:solidFill>
@@ -8364,7 +7903,7 @@
               </a:rPr>
               <a:t>Letter received confirmation request</a:t>
             </a:r>
-            <a:endParaRPr lang="en-US" dirty="0"/>
+            <a:endParaRPr lang="en-US"/>
           </a:p>
         </p:txBody>
       </p:sp>
@@ -8396,7 +7935,7 @@
           <a:lstStyle/>
           <a:p>
             <a:r>
-              <a:rPr lang="en-US" dirty="0">
+              <a:rPr lang="en-US">
                 <a:solidFill>
                   <a:srgbClr val="000000"/>
                 </a:solidFill>
@@ -8405,7 +7944,7 @@
               </a:rPr>
               <a:t>13%</a:t>
             </a:r>
-            <a:endParaRPr lang="en-US" dirty="0"/>
+            <a:endParaRPr lang="en-US"/>
           </a:p>
         </p:txBody>
       </p:sp>
@@ -8486,7 +8025,7 @@
           <a:lstStyle/>
           <a:p>
             <a:r>
-              <a:rPr lang="en-US" dirty="0">
+              <a:rPr lang="en-US">
                 <a:solidFill>
                   <a:srgbClr val="000000"/>
                 </a:solidFill>
@@ -8495,7 +8034,7 @@
               </a:rPr>
               <a:t>Belief in Santa complaint</a:t>
             </a:r>
-            <a:endParaRPr lang="en-US" dirty="0"/>
+            <a:endParaRPr lang="en-US"/>
           </a:p>
         </p:txBody>
       </p:sp>
@@ -8527,7 +8066,7 @@
           <a:lstStyle/>
           <a:p>
             <a:r>
-              <a:rPr lang="en-US" dirty="0">
+              <a:rPr lang="en-US">
                 <a:solidFill>
                   <a:srgbClr val="000000"/>
                 </a:solidFill>
@@ -8536,7 +8075,7 @@
               </a:rPr>
               <a:t>5%</a:t>
             </a:r>
-            <a:endParaRPr lang="en-US" dirty="0"/>
+            <a:endParaRPr lang="en-US"/>
           </a:p>
         </p:txBody>
       </p:sp>
@@ -8617,7 +8156,7 @@
           <a:lstStyle/>
           <a:p>
             <a:r>
-              <a:rPr lang="en-US" dirty="0"/>
+              <a:rPr lang="en-US"/>
               <a:t>Change of mind application</a:t>
             </a:r>
           </a:p>
@@ -8651,7 +8190,7 @@
           <a:lstStyle/>
           <a:p>
             <a:r>
-              <a:rPr lang="en-US" dirty="0">
+              <a:rPr lang="en-US">
                 <a:solidFill>
                   <a:srgbClr val="000000"/>
                 </a:solidFill>
@@ -8660,7 +8199,7 @@
               </a:rPr>
               <a:t>3%</a:t>
             </a:r>
-            <a:endParaRPr lang="en-US" dirty="0"/>
+            <a:endParaRPr lang="en-US"/>
           </a:p>
         </p:txBody>
       </p:sp>
@@ -8723,7 +8262,7 @@
           <a:lstStyle/>
           <a:p>
             <a:r>
-              <a:rPr lang="en-US" dirty="0">
+              <a:rPr lang="en-US">
                 <a:solidFill>
                   <a:srgbClr val="000000"/>
                 </a:solidFill>
@@ -8732,7 +8271,7 @@
               </a:rPr>
               <a:t>Quantifying the Problem</a:t>
             </a:r>
-            <a:endParaRPr lang="en-US" dirty="0"/>
+            <a:endParaRPr lang="en-US"/>
           </a:p>
         </p:txBody>
       </p:sp>
@@ -8764,7 +8303,7 @@
           <a:lstStyle/>
           <a:p>
             <a:r>
-              <a:rPr lang="en-US" dirty="0">
+              <a:rPr lang="en-US">
                 <a:solidFill>
                   <a:srgbClr val="000000"/>
                 </a:solidFill>
@@ -8774,7 +8313,7 @@
               <a:t>One unionized elf costs </a:t>
             </a:r>
             <a:r>
-              <a:rPr lang="en-US" b="1" dirty="0">
+              <a:rPr lang="en-US" b="1">
                 <a:solidFill>
                   <a:srgbClr val="000000"/>
                 </a:solidFill>
@@ -8784,7 +8323,7 @@
               <a:t>$15 per hour </a:t>
             </a:r>
             <a:r>
-              <a:rPr lang="en-US" dirty="0">
+              <a:rPr lang="en-US">
                 <a:solidFill>
                   <a:srgbClr val="000000"/>
                 </a:solidFill>
@@ -8793,7 +8332,7 @@
               </a:rPr>
               <a:t>in 2019</a:t>
             </a:r>
-            <a:endParaRPr lang="en-US" b="1" dirty="0"/>
+            <a:endParaRPr lang="en-US" b="1"/>
           </a:p>
         </p:txBody>
       </p:sp>
@@ -8825,7 +8364,7 @@
           <a:lstStyle/>
           <a:p>
             <a:r>
-              <a:rPr lang="en-US" dirty="0">
+              <a:rPr lang="en-US">
                 <a:solidFill>
                   <a:srgbClr val="000000"/>
                 </a:solidFill>
@@ -8835,7 +8374,7 @@
               <a:t>Currently, the average ticket resolution time is 30 minutes for one elf </a:t>
             </a:r>
             <a:r>
-              <a:rPr lang="en-US" b="1" dirty="0">
+              <a:rPr lang="en-US" b="1">
                 <a:solidFill>
                   <a:srgbClr val="000000"/>
                 </a:solidFill>
@@ -8845,7 +8384,7 @@
               <a:t>($7.50 per ticket</a:t>
             </a:r>
             <a:r>
-              <a:rPr lang="en-US" dirty="0">
+              <a:rPr lang="en-US">
                 <a:solidFill>
                   <a:srgbClr val="000000"/>
                 </a:solidFill>
@@ -8854,7 +8393,7 @@
               </a:rPr>
               <a:t>)</a:t>
             </a:r>
-            <a:endParaRPr lang="en-US" dirty="0"/>
+            <a:endParaRPr lang="en-US"/>
           </a:p>
         </p:txBody>
       </p:sp>
@@ -8886,7 +8425,7 @@
           <a:lstStyle/>
           <a:p>
             <a:r>
-              <a:rPr lang="en-US" dirty="0">
+              <a:rPr lang="en-US">
                 <a:solidFill>
                   <a:srgbClr val="000000"/>
                 </a:solidFill>
@@ -8896,7 +8435,7 @@
               <a:t>At the current rate of 12 million tickets per day, this is a </a:t>
             </a:r>
             <a:r>
-              <a:rPr lang="en-US" b="1" dirty="0">
+              <a:rPr lang="en-US" b="1">
                 <a:solidFill>
                   <a:srgbClr val="000000"/>
                 </a:solidFill>
@@ -8906,7 +8445,7 @@
               <a:t>daily running cost of $90m </a:t>
             </a:r>
             <a:r>
-              <a:rPr lang="en-US" dirty="0">
+              <a:rPr lang="en-US">
                 <a:solidFill>
                   <a:srgbClr val="000000"/>
                 </a:solidFill>
@@ -8915,7 +8454,7 @@
               </a:rPr>
               <a:t>to Santa’s workshop </a:t>
             </a:r>
-            <a:endParaRPr lang="en-US" dirty="0"/>
+            <a:endParaRPr lang="en-US"/>
           </a:p>
         </p:txBody>
       </p:sp>
@@ -8976,17 +8515,29 @@
                 <a:ea typeface="+mn-lt"/>
                 <a:cs typeface="+mn-lt"/>
               </a:rPr>
-              <a:t>have reported that they </a:t>
-            </a:r>
-            <a:r>
-              <a:rPr lang="en-US" b="1">
-                <a:solidFill>
-                  <a:srgbClr val="000000"/>
-                </a:solidFill>
-                <a:ea typeface="+mn-lt"/>
-                <a:cs typeface="+mn-lt"/>
-              </a:rPr>
-              <a:t>are unsatisfied</a:t>
+              <a:t>have reported that they are dissatisfied or very dissatisfied </a:t>
+            </a:r>
+            <a:r>
+              <a:rPr lang="en-US" dirty="0">
+                <a:solidFill>
+                  <a:srgbClr val="000000"/>
+                </a:solidFill>
+                <a:ea typeface="+mn-lt"/>
+                <a:cs typeface="+mn-lt"/>
+              </a:rPr>
+              <a:t>with the support that they received from Santa’s</a:t>
+            </a:r>
+          </a:p>
+          <a:p>
+            <a:r>
+              <a:rPr lang="en-US" dirty="0">
+                <a:solidFill>
+                  <a:srgbClr val="000000"/>
+                </a:solidFill>
+                <a:ea typeface="+mn-lt"/>
+                <a:cs typeface="+mn-lt"/>
+              </a:rPr>
+              <a:t>Workshop. Finally, </a:t>
             </a:r>
             <a:r>
               <a:rPr lang="en-US" b="1" dirty="0">
@@ -8996,77 +8547,8 @@
                 <a:ea typeface="+mn-lt"/>
                 <a:cs typeface="+mn-lt"/>
               </a:rPr>
-              <a:t> or very unsatisfied </a:t>
-            </a:r>
-            <a:r>
-              <a:rPr lang="en-US" dirty="0">
-                <a:solidFill>
-                  <a:srgbClr val="000000"/>
-                </a:solidFill>
-                <a:ea typeface="+mn-lt"/>
-                <a:cs typeface="+mn-lt"/>
-              </a:rPr>
-              <a:t>with the support that they received from Santa’s</a:t>
-            </a:r>
-          </a:p>
-          <a:p>
-            <a:r>
-              <a:rPr lang="en-US" dirty="0">
-                <a:solidFill>
-                  <a:srgbClr val="000000"/>
-                </a:solidFill>
-                <a:ea typeface="+mn-lt"/>
-                <a:cs typeface="+mn-lt"/>
-              </a:rPr>
-              <a:t>Workshop. Finally, </a:t>
-            </a:r>
-            <a:r>
-              <a:rPr lang="en-US" b="1" dirty="0">
-                <a:solidFill>
-                  <a:srgbClr val="000000"/>
-                </a:solidFill>
-                <a:ea typeface="+mn-lt"/>
-                <a:cs typeface="+mn-lt"/>
-              </a:rPr>
-              <a:t>70% </a:t>
-            </a:r>
-            <a:r>
-              <a:rPr lang="en-US" b="1">
-                <a:solidFill>
-                  <a:srgbClr val="000000"/>
-                </a:solidFill>
-                <a:ea typeface="+mn-lt"/>
-                <a:cs typeface="+mn-lt"/>
-              </a:rPr>
-              <a:t>of customer </a:t>
-            </a:r>
-            <a:r>
-              <a:rPr lang="en-US" b="1" dirty="0">
-                <a:solidFill>
-                  <a:srgbClr val="000000"/>
-                </a:solidFill>
-                <a:ea typeface="+mn-lt"/>
-                <a:cs typeface="+mn-lt"/>
-              </a:rPr>
-              <a:t>support elves themselves report that they are unsatisfied or very unsatisfied</a:t>
-            </a:r>
-            <a:r>
-              <a:rPr lang="en-US" b="1">
-                <a:solidFill>
-                  <a:srgbClr val="000000"/>
-                </a:solidFill>
-                <a:ea typeface="+mn-lt"/>
-                <a:cs typeface="+mn-lt"/>
-              </a:rPr>
-              <a:t> </a:t>
-            </a:r>
-            <a:endParaRPr lang="en-US" b="1" dirty="0">
-              <a:solidFill>
-                <a:srgbClr val="000000"/>
-              </a:solidFill>
-              <a:ea typeface="+mn-lt"/>
-              <a:cs typeface="+mn-lt"/>
-            </a:endParaRPr>
+              <a:t>70% of customer support elves themselves report that they are dissatisfied or very dissatisfied  </a:t>
+            </a:r>
           </a:p>
           <a:p>
             <a:r>
@@ -9141,7 +8623,7 @@
           <a:lstStyle/>
           <a:p>
             <a:r>
-              <a:rPr lang="en-US" dirty="0">
+              <a:rPr lang="en-US">
                 <a:solidFill>
                   <a:srgbClr val="000000"/>
                 </a:solidFill>
@@ -9151,7 +8633,7 @@
               <a:t>Reduce the number of daily customer support tickets by </a:t>
             </a:r>
             <a:r>
-              <a:rPr lang="en-US" b="1" dirty="0">
+              <a:rPr lang="en-US" b="1">
                 <a:solidFill>
                   <a:srgbClr val="000000"/>
                 </a:solidFill>
@@ -9160,7 +8642,7 @@
               </a:rPr>
               <a:t>50% (12m to 6m)</a:t>
             </a:r>
-            <a:endParaRPr lang="en-US" b="1" dirty="0"/>
+            <a:endParaRPr lang="en-US" b="1"/>
           </a:p>
         </p:txBody>
       </p:sp>
@@ -9192,7 +8674,7 @@
           <a:lstStyle/>
           <a:p>
             <a:r>
-              <a:rPr lang="en-US" dirty="0">
+              <a:rPr lang="en-US">
                 <a:solidFill>
                   <a:srgbClr val="000000"/>
                 </a:solidFill>
@@ -9202,7 +8684,7 @@
               <a:t>Reduce the average ticket resolution time </a:t>
             </a:r>
             <a:r>
-              <a:rPr lang="en-US" b="1" dirty="0">
+              <a:rPr lang="en-US" b="1">
                 <a:solidFill>
                   <a:srgbClr val="000000"/>
                 </a:solidFill>
@@ -9212,7 +8694,7 @@
               <a:t>from 30 minutes to 5 minutes ($1.25 per ticket</a:t>
             </a:r>
             <a:r>
-              <a:rPr lang="en-US" dirty="0">
+              <a:rPr lang="en-US">
                 <a:solidFill>
                   <a:srgbClr val="000000"/>
                 </a:solidFill>
@@ -9252,7 +8734,7 @@
           <a:lstStyle/>
           <a:p>
             <a:r>
-              <a:rPr lang="en-US" dirty="0">
+              <a:rPr lang="en-US">
                 <a:solidFill>
                   <a:srgbClr val="000000"/>
                 </a:solidFill>
@@ -9262,7 +8744,7 @@
               <a:t>Reduce the daily running cost of customer service </a:t>
             </a:r>
             <a:r>
-              <a:rPr lang="en-US" b="1" dirty="0">
+              <a:rPr lang="en-US" b="1">
                 <a:solidFill>
                   <a:srgbClr val="000000"/>
                 </a:solidFill>
@@ -9296,7 +8778,7 @@
           <a:lstStyle/>
           <a:p>
             <a:r>
-              <a:rPr lang="en-US" dirty="0">
+              <a:rPr lang="en-US">
                 <a:solidFill>
                   <a:srgbClr val="000000"/>
                 </a:solidFill>
@@ -9305,7 +8787,7 @@
               </a:rPr>
               <a:t>Success Metrics</a:t>
             </a:r>
-            <a:endParaRPr lang="en-US" dirty="0"/>
+            <a:endParaRPr lang="en-US"/>
           </a:p>
         </p:txBody>
       </p:sp>
@@ -9337,7 +8819,7 @@
           <a:lstStyle/>
           <a:p>
             <a:r>
-              <a:rPr lang="en-US" dirty="0">
+              <a:rPr lang="en-US">
                 <a:solidFill>
                   <a:srgbClr val="000000"/>
                 </a:solidFill>
@@ -9347,7 +8829,7 @@
               <a:t>Improve agent satisfaction of handling of customer service tickets by </a:t>
             </a:r>
             <a:r>
-              <a:rPr lang="en-US" b="1" dirty="0">
+              <a:rPr lang="en-US" b="1">
                 <a:solidFill>
                   <a:srgbClr val="000000"/>
                 </a:solidFill>
@@ -9359,7 +8841,7 @@
           </a:p>
           <a:p>
             <a:r>
-              <a:rPr lang="en-US" b="1" dirty="0">
+              <a:rPr lang="en-US" b="1">
                 <a:solidFill>
                   <a:srgbClr val="000000"/>
                 </a:solidFill>
@@ -9369,7 +8851,7 @@
               <a:t>reporting low job satisfaction down to 20%. </a:t>
             </a:r>
             <a:r>
-              <a:rPr lang="en-US" dirty="0">
+              <a:rPr lang="en-US">
                 <a:solidFill>
                   <a:srgbClr val="000000"/>
                 </a:solidFill>
@@ -9378,7 +8860,7 @@
               </a:rPr>
               <a:t>Agent turnover may be an additional metric to consider here.</a:t>
             </a:r>
-            <a:endParaRPr lang="en-US" b="1" dirty="0">
+            <a:endParaRPr lang="en-US" b="1">
               <a:solidFill>
                 <a:srgbClr val="000000"/>
               </a:solidFill>
@@ -9387,7 +8869,7 @@
             </a:endParaRPr>
           </a:p>
           <a:p>
-            <a:endParaRPr lang="en-US" b="1" dirty="0">
+            <a:endParaRPr lang="en-US" b="1">
               <a:solidFill>
                 <a:srgbClr val="000000"/>
               </a:solidFill>
@@ -9425,7 +8907,7 @@
           <a:lstStyle/>
           <a:p>
             <a:r>
-              <a:rPr lang="en-US" b="1" dirty="0">
+              <a:rPr lang="en-US" b="1">
                 <a:solidFill>
                   <a:srgbClr val="000000"/>
                 </a:solidFill>
@@ -9434,7 +8916,7 @@
               </a:rPr>
               <a:t>PRIMARY</a:t>
             </a:r>
-            <a:endParaRPr lang="en-US" b="1" dirty="0"/>
+            <a:endParaRPr lang="en-US" b="1"/>
           </a:p>
         </p:txBody>
       </p:sp>
@@ -9466,7 +8948,7 @@
           <a:lstStyle/>
           <a:p>
             <a:r>
-              <a:rPr lang="en-US" b="1" dirty="0">
+              <a:rPr lang="en-US" b="1">
                 <a:solidFill>
                   <a:srgbClr val="000000"/>
                 </a:solidFill>
@@ -9475,7 +8957,7 @@
               </a:rPr>
               <a:t>SECONDARY</a:t>
             </a:r>
-            <a:endParaRPr lang="en-US" b="1" dirty="0"/>
+            <a:endParaRPr lang="en-US" b="1"/>
           </a:p>
         </p:txBody>
       </p:sp>
@@ -9507,7 +8989,7 @@
           <a:lstStyle/>
           <a:p>
             <a:r>
-              <a:rPr lang="en-US" dirty="0">
+              <a:rPr lang="en-US">
                 <a:solidFill>
                   <a:srgbClr val="000000"/>
                 </a:solidFill>
@@ -9517,7 +8999,7 @@
               <a:t>Improve customer satisfaction of handling of customer service tickets by </a:t>
             </a:r>
             <a:r>
-              <a:rPr lang="en-US" b="1" dirty="0">
+              <a:rPr lang="en-US" b="1">
                 <a:solidFill>
                   <a:srgbClr val="000000"/>
                 </a:solidFill>
@@ -9529,7 +9011,7 @@
           </a:p>
           <a:p>
             <a:r>
-              <a:rPr lang="en-US" b="1" dirty="0">
+              <a:rPr lang="en-US" b="1">
                 <a:solidFill>
                   <a:srgbClr val="000000"/>
                 </a:solidFill>
@@ -9600,7 +9082,7 @@
           <a:lstStyle/>
           <a:p>
             <a:r>
-              <a:rPr lang="en-US" dirty="0">
+              <a:rPr lang="en-US">
                 <a:solidFill>
                   <a:srgbClr val="000000"/>
                 </a:solidFill>
@@ -9609,7 +9091,7 @@
               </a:rPr>
               <a:t>Assumptions</a:t>
             </a:r>
-            <a:endParaRPr lang="en-US" dirty="0"/>
+            <a:endParaRPr lang="en-US"/>
           </a:p>
         </p:txBody>
       </p:sp>
@@ -9651,50 +9133,20 @@
                 <a:ea typeface="+mn-lt"/>
                 <a:cs typeface="+mn-lt"/>
               </a:rPr>
-              <a:t>Naughty</a:t>
-            </a:r>
-            <a:r>
-              <a:rPr lang="en-US" dirty="0">
-                <a:solidFill>
-                  <a:srgbClr val="000000"/>
-                </a:solidFill>
-                <a:ea typeface="+mn-lt"/>
-                <a:cs typeface="+mn-lt"/>
-              </a:rPr>
-              <a:t> or Nice </a:t>
+              <a:t>Naughty or Nice List queries can be </a:t>
+            </a:r>
+            <a:r>
+              <a:rPr lang="en-US" b="1">
+                <a:solidFill>
+                  <a:srgbClr val="000000"/>
+                </a:solidFill>
+                <a:ea typeface="+mn-lt"/>
+                <a:cs typeface="+mn-lt"/>
+              </a:rPr>
+              <a:t>significantly reduced </a:t>
             </a:r>
             <a:r>
               <a:rPr lang="en-US">
-                <a:solidFill>
-                  <a:srgbClr val="000000"/>
-                </a:solidFill>
-                <a:ea typeface="+mn-lt"/>
-                <a:cs typeface="+mn-lt"/>
-              </a:rPr>
-              <a:t>List</a:t>
-            </a:r>
-            <a:r>
-              <a:rPr lang="en-US" dirty="0">
-                <a:solidFill>
-                  <a:srgbClr val="000000"/>
-                </a:solidFill>
-                <a:ea typeface="+mn-lt"/>
-                <a:cs typeface="+mn-lt"/>
-              </a:rPr>
-              <a:t> queries can be </a:t>
-            </a:r>
-            <a:r>
-              <a:rPr lang="en-US" b="1" dirty="0">
-                <a:solidFill>
-                  <a:srgbClr val="000000"/>
-                </a:solidFill>
-                <a:ea typeface="+mn-lt"/>
-                <a:cs typeface="+mn-lt"/>
-              </a:rPr>
-              <a:t>significantly reduced </a:t>
-            </a:r>
-            <a:r>
-              <a:rPr lang="en-US" dirty="0">
                 <a:solidFill>
                   <a:srgbClr val="000000"/>
                 </a:solidFill>
@@ -9708,7 +9160,7 @@
             <a:pPr marL="342900" indent="-342900">
               <a:buAutoNum type="arabicPeriod"/>
             </a:pPr>
-            <a:endParaRPr lang="en-US" dirty="0">
+            <a:endParaRPr lang="en-US">
               <a:solidFill>
                 <a:srgbClr val="000000"/>
               </a:solidFill>
@@ -9721,7 +9173,7 @@
               <a:buAutoNum type="arabicPeriod"/>
             </a:pPr>
             <a:r>
-              <a:rPr lang="en-US" dirty="0">
+              <a:rPr lang="en-US">
                 <a:solidFill>
                   <a:srgbClr val="000000"/>
                 </a:solidFill>
@@ -9731,7 +9183,7 @@
               <a:t>Not all queries can be eliminated. By providing live chat capability with customer support elves, the average ticket resolution time can </a:t>
             </a:r>
             <a:r>
-              <a:rPr lang="en-US" b="1" dirty="0">
+              <a:rPr lang="en-US" b="1">
                 <a:solidFill>
                   <a:srgbClr val="000000"/>
                 </a:solidFill>
@@ -9741,7 +9193,7 @@
               <a:t>be significantly reduced</a:t>
             </a:r>
             <a:r>
-              <a:rPr lang="en-US" dirty="0">
+              <a:rPr lang="en-US">
                 <a:solidFill>
                   <a:srgbClr val="000000"/>
                 </a:solidFill>
@@ -9755,7 +9207,7 @@
             <a:pPr marL="342900" indent="-342900">
               <a:buAutoNum type="arabicPeriod"/>
             </a:pPr>
-            <a:endParaRPr lang="en-US" b="1" dirty="0"/>
+            <a:endParaRPr lang="en-US" b="1"/>
           </a:p>
         </p:txBody>
       </p:sp>
@@ -9865,7 +9317,7 @@
           <a:lstStyle/>
           <a:p>
             <a:r>
-              <a:rPr lang="en-US" dirty="0">
+              <a:rPr lang="en-US">
                 <a:solidFill>
                   <a:srgbClr val="000000"/>
                 </a:solidFill>
@@ -9874,7 +9326,7 @@
               </a:rPr>
               <a:t>High Level Requirements</a:t>
             </a:r>
-            <a:endParaRPr lang="en-US" dirty="0"/>
+            <a:endParaRPr lang="en-US"/>
           </a:p>
         </p:txBody>
       </p:sp>
@@ -9906,7 +9358,7 @@
           <a:lstStyle/>
           <a:p>
             <a:r>
-              <a:rPr lang="en-US" b="1" dirty="0">
+              <a:rPr lang="en-US" b="1">
                 <a:solidFill>
                   <a:srgbClr val="000000"/>
                 </a:solidFill>
@@ -9918,7 +9370,7 @@
           </a:p>
           <a:p>
             <a:r>
-              <a:rPr lang="en-US" dirty="0">
+              <a:rPr lang="en-US">
                 <a:solidFill>
                   <a:srgbClr val="000000"/>
                 </a:solidFill>
@@ -9930,16 +9382,6 @@
           </a:p>
           <a:p>
             <a:r>
-              <a:rPr lang="en-US" dirty="0">
-                <a:solidFill>
-                  <a:srgbClr val="000000"/>
-                </a:solidFill>
-                <a:ea typeface="+mn-lt"/>
-                <a:cs typeface="+mn-lt"/>
-              </a:rPr>
-              <a:t>processes </a:t>
-            </a:r>
-            <a:r>
               <a:rPr lang="en-US">
                 <a:solidFill>
                   <a:srgbClr val="000000"/>
@@ -9947,21 +9389,11 @@
                 <a:ea typeface="+mn-lt"/>
                 <a:cs typeface="+mn-lt"/>
               </a:rPr>
-              <a:t>every day</a:t>
-            </a:r>
-            <a:r>
-              <a:rPr lang="en-US" dirty="0">
-                <a:solidFill>
-                  <a:srgbClr val="000000"/>
-                </a:solidFill>
-                <a:ea typeface="+mn-lt"/>
-                <a:cs typeface="+mn-lt"/>
-              </a:rPr>
-              <a:t>.</a:t>
-            </a:r>
-          </a:p>
-          <a:p>
-            <a:endParaRPr lang="en-US" b="1" dirty="0">
+              <a:t>processes every day.</a:t>
+            </a:r>
+          </a:p>
+          <a:p>
+            <a:endParaRPr lang="en-US" b="1">
               <a:solidFill>
                 <a:srgbClr val="000000"/>
               </a:solidFill>
@@ -9971,7 +9403,7 @@
           </a:p>
           <a:p>
             <a:r>
-              <a:rPr lang="en-US" b="1" dirty="0">
+              <a:rPr lang="en-US" b="1">
                 <a:solidFill>
                   <a:srgbClr val="000000"/>
                 </a:solidFill>
@@ -9990,17 +9422,7 @@
                 <a:ea typeface="+mn-lt"/>
                 <a:cs typeface="+mn-lt"/>
               </a:rPr>
-              <a:t>The customer service solution needs </a:t>
-            </a:r>
-            <a:r>
-              <a:rPr lang="en-US" dirty="0">
-                <a:solidFill>
-                  <a:srgbClr val="000000"/>
-                </a:solidFill>
-                <a:ea typeface="+mn-lt"/>
-                <a:cs typeface="+mn-lt"/>
-              </a:rPr>
-              <a:t>to work at enormous scale </a:t>
+              <a:t>The customer service solution needs to work at enormous scale </a:t>
             </a:r>
             <a:br>
               <a:rPr lang="en-US">
@@ -10012,16 +9434,6 @@
               </a:rPr>
             </a:br>
             <a:r>
-              <a:rPr lang="en-US" dirty="0">
-                <a:solidFill>
-                  <a:srgbClr val="000000"/>
-                </a:solidFill>
-                <a:ea typeface="+mn-lt"/>
-                <a:cs typeface="+mn-lt"/>
-              </a:rPr>
-              <a:t>and allow for future innovation</a:t>
-            </a:r>
-            <a:r>
               <a:rPr lang="en-US">
                 <a:solidFill>
                   <a:srgbClr val="000000"/>
@@ -10029,21 +9441,11 @@
                 <a:ea typeface="+mn-lt"/>
                 <a:cs typeface="+mn-lt"/>
               </a:rPr>
-              <a:t> </a:t>
-            </a:r>
-            <a:r>
-              <a:rPr lang="en-US" dirty="0">
-                <a:solidFill>
-                  <a:srgbClr val="000000"/>
-                </a:solidFill>
-                <a:ea typeface="+mn-lt"/>
-                <a:cs typeface="+mn-lt"/>
-              </a:rPr>
-              <a:t>such as internal custom apps.</a:t>
-            </a:r>
-          </a:p>
-          <a:p>
-            <a:endParaRPr lang="en-US" b="1" dirty="0">
+              <a:t>and allow for future innovation such as internal custom apps.</a:t>
+            </a:r>
+          </a:p>
+          <a:p>
+            <a:endParaRPr lang="en-US" b="1">
               <a:solidFill>
                 <a:srgbClr val="000000"/>
               </a:solidFill>
@@ -10053,7 +9455,7 @@
           </a:p>
           <a:p>
             <a:r>
-              <a:rPr lang="en-US" b="1" dirty="0">
+              <a:rPr lang="en-US" b="1">
                 <a:solidFill>
                   <a:srgbClr val="000000"/>
                 </a:solidFill>
@@ -10065,16 +9467,6 @@
           </a:p>
           <a:p>
             <a:r>
-              <a:rPr lang="en-US" dirty="0">
-                <a:solidFill>
-                  <a:srgbClr val="000000"/>
-                </a:solidFill>
-                <a:ea typeface="+mn-lt"/>
-                <a:cs typeface="+mn-lt"/>
-              </a:rPr>
-              <a:t>Agents </a:t>
-            </a:r>
-            <a:r>
               <a:rPr lang="en-US">
                 <a:solidFill>
                   <a:srgbClr val="000000"/>
@@ -10082,21 +9474,11 @@
                 <a:ea typeface="+mn-lt"/>
                 <a:cs typeface="+mn-lt"/>
               </a:rPr>
-              <a:t>need</a:t>
-            </a:r>
-            <a:r>
-              <a:rPr lang="en-US" dirty="0">
-                <a:solidFill>
-                  <a:srgbClr val="000000"/>
-                </a:solidFill>
-                <a:ea typeface="+mn-lt"/>
-                <a:cs typeface="+mn-lt"/>
-              </a:rPr>
-              <a:t> to be able to see critical user information such as their name and which list they are on.</a:t>
-            </a:r>
-          </a:p>
-          <a:p>
-            <a:endParaRPr lang="en-US" b="1" dirty="0">
+              <a:t>Agents need to be able to see critical user information such as their name and which list they are on.</a:t>
+            </a:r>
+          </a:p>
+          <a:p>
+            <a:endParaRPr lang="en-US" b="1">
               <a:solidFill>
                 <a:srgbClr val="000000"/>
               </a:solidFill>
@@ -10106,7 +9488,7 @@
           </a:p>
           <a:p>
             <a:r>
-              <a:rPr lang="en-US" b="1" dirty="0">
+              <a:rPr lang="en-US" b="1">
                 <a:solidFill>
                   <a:srgbClr val="000000"/>
                 </a:solidFill>
@@ -10118,16 +9500,6 @@
           </a:p>
           <a:p>
             <a:r>
-              <a:rPr lang="en-US" dirty="0">
-                <a:solidFill>
-                  <a:srgbClr val="000000"/>
-                </a:solidFill>
-                <a:ea typeface="+mn-lt"/>
-                <a:cs typeface="+mn-lt"/>
-              </a:rPr>
-              <a:t>These users </a:t>
-            </a:r>
-            <a:r>
               <a:rPr lang="en-US">
                 <a:solidFill>
                   <a:srgbClr val="000000"/>
@@ -10135,21 +9507,11 @@
                 <a:ea typeface="+mn-lt"/>
                 <a:cs typeface="+mn-lt"/>
               </a:rPr>
-              <a:t>have</a:t>
-            </a:r>
-            <a:r>
-              <a:rPr lang="en-US" dirty="0">
-                <a:solidFill>
-                  <a:srgbClr val="000000"/>
-                </a:solidFill>
-                <a:ea typeface="+mn-lt"/>
-                <a:cs typeface="+mn-lt"/>
-              </a:rPr>
-              <a:t> short attention spans. Some customer support functionality, such as chat, needs to be real-time.</a:t>
-            </a:r>
-          </a:p>
-          <a:p>
-            <a:endParaRPr lang="en-US" b="1" dirty="0">
+              <a:t>These users have short attention spans. Some customer support functionality, such as chat, needs to be real-time.</a:t>
+            </a:r>
+          </a:p>
+          <a:p>
+            <a:endParaRPr lang="en-US" b="1">
               <a:solidFill>
                 <a:srgbClr val="000000"/>
               </a:solidFill>
@@ -10159,7 +9521,7 @@
           </a:p>
           <a:p>
             <a:r>
-              <a:rPr lang="en-US" b="1" dirty="0">
+              <a:rPr lang="en-US" b="1">
                 <a:solidFill>
                   <a:srgbClr val="000000"/>
                 </a:solidFill>
@@ -10171,7 +9533,7 @@
           </a:p>
           <a:p>
             <a:r>
-              <a:rPr lang="en-US" dirty="0">
+              <a:rPr lang="en-US">
                 <a:solidFill>
                   <a:srgbClr val="000000"/>
                 </a:solidFill>
@@ -10182,7 +9544,7 @@
             </a:r>
           </a:p>
           <a:p>
-            <a:endParaRPr lang="en-US" b="1" dirty="0">
+            <a:endParaRPr lang="en-US" b="1">
               <a:solidFill>
                 <a:srgbClr val="000000"/>
               </a:solidFill>
@@ -10192,7 +9554,7 @@
           </a:p>
           <a:p>
             <a:r>
-              <a:rPr lang="en-US" b="1" dirty="0">
+              <a:rPr lang="en-US" b="1">
                 <a:solidFill>
                   <a:srgbClr val="000000"/>
                 </a:solidFill>
@@ -10204,16 +9566,6 @@
           </a:p>
           <a:p>
             <a:r>
-              <a:rPr lang="en-US" dirty="0">
-                <a:solidFill>
-                  <a:srgbClr val="000000"/>
-                </a:solidFill>
-                <a:ea typeface="+mn-lt"/>
-                <a:cs typeface="+mn-lt"/>
-              </a:rPr>
-              <a:t>The organization requires a feedback mechanism to assess the effectiveness of their customer </a:t>
-            </a:r>
-            <a:r>
               <a:rPr lang="en-US">
                 <a:solidFill>
                   <a:srgbClr val="000000"/>
@@ -10221,19 +9573,9 @@
                 <a:ea typeface="+mn-lt"/>
                 <a:cs typeface="+mn-lt"/>
               </a:rPr>
-              <a:t>service</a:t>
-            </a:r>
-            <a:r>
-              <a:rPr lang="en-US" dirty="0">
-                <a:solidFill>
-                  <a:srgbClr val="000000"/>
-                </a:solidFill>
-                <a:ea typeface="+mn-lt"/>
-                <a:cs typeface="+mn-lt"/>
-              </a:rPr>
-              <a:t> platform.</a:t>
-            </a:r>
-            <a:endParaRPr lang="en-US" dirty="0"/>
+              <a:t>The organization requires a feedback mechanism to assess the effectiveness of their customer service platform.</a:t>
+            </a:r>
+            <a:endParaRPr lang="en-US"/>
           </a:p>
         </p:txBody>
       </p:sp>
@@ -10343,18 +9685,18 @@
           <a:lstStyle/>
           <a:p>
             <a:r>
-              <a:rPr lang="en-US" dirty="0">
+              <a:rPr lang="en-US">
                 <a:solidFill>
                   <a:srgbClr val="000000"/>
                 </a:solidFill>
                 <a:ea typeface="+mj-lt"/>
                 <a:cs typeface="+mj-lt"/>
               </a:rPr>
-              <a:t>The Solution</a:t>
-            </a:r>
-          </a:p>
-          <a:p>
-            <a:endParaRPr lang="en-US" dirty="0">
+              <a:t>Personas</a:t>
+            </a:r>
+          </a:p>
+          <a:p>
+            <a:endParaRPr lang="en-US">
               <a:solidFill>
                 <a:srgbClr val="000000"/>
               </a:solidFill>
@@ -10395,36 +9737,6 @@
               <a:buNone/>
             </a:pPr>
             <a:r>
-              <a:rPr lang="en-US" sz="1800" dirty="0">
-                <a:solidFill>
-                  <a:srgbClr val="000000"/>
-                </a:solidFill>
-                <a:ea typeface="+mn-lt"/>
-                <a:cs typeface="+mn-lt"/>
-              </a:rPr>
-              <a:t>A </a:t>
-            </a:r>
-            <a:r>
-              <a:rPr lang="en-US" sz="1800" dirty="0">
-                <a:solidFill>
-                  <a:srgbClr val="C00000"/>
-                </a:solidFill>
-                <a:ea typeface="+mn-lt"/>
-                <a:cs typeface="+mn-lt"/>
-              </a:rPr>
-              <a:t>Santa Support </a:t>
-            </a:r>
-            <a:r>
-              <a:rPr lang="en-US" sz="1800" dirty="0">
-                <a:solidFill>
-                  <a:srgbClr val="000000"/>
-                </a:solidFill>
-                <a:ea typeface="+mn-lt"/>
-                <a:cs typeface="+mn-lt"/>
-              </a:rPr>
-              <a:t>app, integrated with Zendesk’s Support and Chat </a:t>
-            </a:r>
-            <a:r>
               <a:rPr lang="en-US" sz="1800">
                 <a:solidFill>
                   <a:srgbClr val="000000"/>
@@ -10432,17 +9744,17 @@
                 <a:ea typeface="+mn-lt"/>
                 <a:cs typeface="+mn-lt"/>
               </a:rPr>
-              <a:t>Mobile </a:t>
-            </a:r>
-            <a:r>
-              <a:rPr lang="en-US" sz="1800" dirty="0">
-                <a:solidFill>
-                  <a:srgbClr val="000000"/>
-                </a:solidFill>
-                <a:ea typeface="+mn-lt"/>
-                <a:cs typeface="+mn-lt"/>
-              </a:rPr>
-              <a:t>SDKs, that:</a:t>
+              <a:t>Kids between the </a:t>
+            </a:r>
+            <a:r>
+              <a:rPr lang="en-US" sz="1800" b="1">
+                <a:solidFill>
+                  <a:srgbClr val="000000"/>
+                </a:solidFill>
+                <a:ea typeface="+mn-lt"/>
+                <a:cs typeface="+mn-lt"/>
+              </a:rPr>
+              <a:t>ages of five and nine </a:t>
             </a:r>
             <a:r>
               <a:rPr lang="en-US" sz="1800">
@@ -10452,9 +9764,34 @@
                 <a:ea typeface="+mn-lt"/>
                 <a:cs typeface="+mn-lt"/>
               </a:rPr>
-              <a:t> </a:t>
-            </a:r>
-            <a:endParaRPr lang="en-US" sz="1800" dirty="0">
+              <a:t>who still believe in Santa. Broad range of tech savviness, but </a:t>
+            </a:r>
+            <a:r>
+              <a:rPr lang="en-US" sz="1800" b="1">
+                <a:solidFill>
+                  <a:srgbClr val="000000"/>
+                </a:solidFill>
+                <a:ea typeface="+mn-lt"/>
+                <a:cs typeface="+mn-lt"/>
+              </a:rPr>
+              <a:t>largely proficient in using mobile apps</a:t>
+            </a:r>
+            <a:r>
+              <a:rPr lang="en-US" sz="1800">
+                <a:solidFill>
+                  <a:srgbClr val="000000"/>
+                </a:solidFill>
+                <a:ea typeface="+mn-lt"/>
+                <a:cs typeface="+mn-lt"/>
+              </a:rPr>
+              <a:t>. Roughly a 50/50 split between male and female.</a:t>
+            </a:r>
+          </a:p>
+          <a:p>
+            <a:pPr marL="0" indent="0">
+              <a:buNone/>
+            </a:pPr>
+            <a:endParaRPr lang="en-US" sz="1800">
               <a:solidFill>
                 <a:srgbClr val="000000"/>
               </a:solidFill>
@@ -10463,130 +9800,45 @@
             </a:endParaRPr>
           </a:p>
           <a:p>
-            <a:pPr marL="342900" indent="-342900">
-              <a:buAutoNum type="arabicPeriod"/>
+            <a:pPr marL="0" indent="0">
+              <a:buNone/>
             </a:pPr>
             <a:r>
-              <a:rPr lang="en-US" sz="1800" dirty="0">
-                <a:solidFill>
-                  <a:srgbClr val="000000"/>
-                </a:solidFill>
-                <a:ea typeface="+mn-lt"/>
-                <a:cs typeface="+mn-lt"/>
-              </a:rPr>
-              <a:t>Provides </a:t>
-            </a:r>
-            <a:r>
-              <a:rPr lang="en-US" sz="1800" b="1" dirty="0">
-                <a:solidFill>
-                  <a:srgbClr val="000000"/>
-                </a:solidFill>
-                <a:ea typeface="+mn-lt"/>
-                <a:cs typeface="+mn-lt"/>
-              </a:rPr>
-              <a:t>detailed answers</a:t>
-            </a:r>
-            <a:r>
-              <a:rPr lang="en-US" sz="1800" dirty="0">
-                <a:solidFill>
-                  <a:srgbClr val="000000"/>
-                </a:solidFill>
-                <a:ea typeface="+mn-lt"/>
-                <a:cs typeface="+mn-lt"/>
-              </a:rPr>
-              <a:t> in response to Frequently Asked Questions.</a:t>
-            </a:r>
-          </a:p>
-          <a:p>
-            <a:pPr marL="342900" indent="-342900">
-              <a:buAutoNum type="arabicPeriod"/>
+              <a:rPr lang="en-US" sz="1800">
+                <a:solidFill>
+                  <a:srgbClr val="000000"/>
+                </a:solidFill>
+                <a:ea typeface="+mn-lt"/>
+                <a:cs typeface="+mn-lt"/>
+              </a:rPr>
+              <a:t>Their mental mindset is </a:t>
+            </a:r>
+            <a:r>
+              <a:rPr lang="en-US" sz="1800" b="1">
+                <a:solidFill>
+                  <a:srgbClr val="000000"/>
+                </a:solidFill>
+                <a:ea typeface="+mn-lt"/>
+                <a:cs typeface="+mn-lt"/>
+              </a:rPr>
+              <a:t>typically anxious </a:t>
+            </a:r>
+            <a:r>
+              <a:rPr lang="en-US" sz="1800">
+                <a:solidFill>
+                  <a:srgbClr val="000000"/>
+                </a:solidFill>
+                <a:ea typeface="+mn-lt"/>
+                <a:cs typeface="+mn-lt"/>
+              </a:rPr>
+              <a:t>in the run-up to Christmas with concerns regarding whether they’re going to receive their Christmas present being at the forefront of their minds.</a:t>
+            </a:r>
+          </a:p>
+          <a:p>
+            <a:pPr marL="0" indent="0">
+              <a:buNone/>
             </a:pPr>
-            <a:r>
-              <a:rPr lang="en-US" sz="1800" b="1" dirty="0">
-                <a:solidFill>
-                  <a:srgbClr val="000000"/>
-                </a:solidFill>
-                <a:ea typeface="+mn-lt"/>
-                <a:cs typeface="+mn-lt"/>
-              </a:rPr>
-              <a:t>Automates the responses</a:t>
-            </a:r>
-            <a:r>
-              <a:rPr lang="en-US" sz="1800" dirty="0">
-                <a:solidFill>
-                  <a:srgbClr val="000000"/>
-                </a:solidFill>
-                <a:ea typeface="+mn-lt"/>
-                <a:cs typeface="+mn-lt"/>
-              </a:rPr>
-              <a:t> to high frequency customer service requests, liberating the Elven workforce to re-focus on the job </a:t>
-            </a:r>
-            <a:r>
-              <a:rPr lang="en-US" sz="1800">
-                <a:solidFill>
-                  <a:srgbClr val="000000"/>
-                </a:solidFill>
-                <a:ea typeface="+mn-lt"/>
-                <a:cs typeface="+mn-lt"/>
-              </a:rPr>
-              <a:t>at </a:t>
-            </a:r>
-            <a:r>
-              <a:rPr lang="en-US" sz="1800" dirty="0">
-                <a:solidFill>
-                  <a:srgbClr val="000000"/>
-                </a:solidFill>
-                <a:ea typeface="+mn-lt"/>
-                <a:cs typeface="+mn-lt"/>
-              </a:rPr>
-              <a:t>hand.</a:t>
-            </a:r>
-          </a:p>
-          <a:p>
-            <a:pPr marL="342900" indent="-342900">
-              <a:buAutoNum type="arabicPeriod"/>
-            </a:pPr>
-            <a:r>
-              <a:rPr lang="en-US" sz="1800" dirty="0">
-                <a:solidFill>
-                  <a:srgbClr val="000000"/>
-                </a:solidFill>
-                <a:ea typeface="+mn-lt"/>
-                <a:cs typeface="+mn-lt"/>
-              </a:rPr>
-              <a:t>Provides </a:t>
-            </a:r>
-            <a:r>
-              <a:rPr lang="en-US" sz="1800" b="1" dirty="0">
-                <a:solidFill>
-                  <a:srgbClr val="000000"/>
-                </a:solidFill>
-                <a:ea typeface="+mn-lt"/>
-                <a:cs typeface="+mn-lt"/>
-              </a:rPr>
-              <a:t>direct chat </a:t>
-            </a:r>
-            <a:r>
-              <a:rPr lang="en-US" sz="1800" dirty="0">
-                <a:solidFill>
-                  <a:srgbClr val="000000"/>
-                </a:solidFill>
-                <a:ea typeface="+mn-lt"/>
-                <a:cs typeface="+mn-lt"/>
-              </a:rPr>
-              <a:t>capability</a:t>
-            </a:r>
-            <a:r>
-              <a:rPr lang="en-US" sz="1800">
-                <a:solidFill>
-                  <a:srgbClr val="000000"/>
-                </a:solidFill>
-                <a:ea typeface="+mn-lt"/>
-                <a:cs typeface="+mn-lt"/>
-              </a:rPr>
-              <a:t> </a:t>
-            </a:r>
-            <a:endParaRPr lang="en-US" sz="1800" dirty="0">
+            <a:endParaRPr lang="en-US" sz="1800">
               <a:solidFill>
                 <a:srgbClr val="000000"/>
               </a:solidFill>
@@ -10595,55 +9847,45 @@
             </a:endParaRPr>
           </a:p>
           <a:p>
-            <a:pPr marL="342900" indent="-342900">
-              <a:buAutoNum type="arabicPeriod"/>
-            </a:pPr>
-            <a:r>
-              <a:rPr lang="en-US" sz="1800" dirty="0">
-                <a:solidFill>
-                  <a:srgbClr val="000000"/>
-                </a:solidFill>
-                <a:ea typeface="+mn-lt"/>
-                <a:cs typeface="+mn-lt"/>
-              </a:rPr>
-              <a:t>Provides a direct path for the </a:t>
-            </a:r>
-            <a:r>
-              <a:rPr lang="en-US" sz="1800">
-                <a:solidFill>
-                  <a:srgbClr val="000000"/>
-                </a:solidFill>
-                <a:ea typeface="+mn-lt"/>
-                <a:cs typeface="+mn-lt"/>
-              </a:rPr>
-              <a:t>end-user to </a:t>
-            </a:r>
-            <a:r>
-              <a:rPr lang="en-US" sz="1800" b="1" dirty="0">
-                <a:solidFill>
-                  <a:srgbClr val="000000"/>
-                </a:solidFill>
-                <a:ea typeface="+mn-lt"/>
-                <a:cs typeface="+mn-lt"/>
-              </a:rPr>
-              <a:t>open customer service tickets </a:t>
-            </a:r>
-            <a:r>
-              <a:rPr lang="en-US" sz="1800" dirty="0">
-                <a:solidFill>
-                  <a:srgbClr val="000000"/>
-                </a:solidFill>
-                <a:ea typeface="+mn-lt"/>
-                <a:cs typeface="+mn-lt"/>
-              </a:rPr>
-              <a:t>in an efficient manner.</a:t>
-            </a:r>
-          </a:p>
-          <a:p>
             <a:pPr marL="0" indent="0">
               <a:buNone/>
             </a:pPr>
-            <a:endParaRPr lang="en-US" sz="1800" dirty="0">
+            <a:r>
+              <a:rPr lang="en-US" sz="1800">
+                <a:solidFill>
+                  <a:srgbClr val="000000"/>
+                </a:solidFill>
+                <a:ea typeface="+mn-lt"/>
+                <a:cs typeface="+mn-lt"/>
+              </a:rPr>
+              <a:t>These users </a:t>
+            </a:r>
+            <a:r>
+              <a:rPr lang="en-US" sz="1800" b="1">
+                <a:solidFill>
+                  <a:srgbClr val="000000"/>
+                </a:solidFill>
+                <a:ea typeface="+mn-lt"/>
+                <a:cs typeface="+mn-lt"/>
+              </a:rPr>
+              <a:t>are likely to be using their parents’ device</a:t>
+            </a:r>
+            <a:r>
+              <a:rPr lang="en-US" sz="1800">
+                <a:solidFill>
+                  <a:srgbClr val="000000"/>
+                </a:solidFill>
+                <a:ea typeface="+mn-lt"/>
+                <a:cs typeface="+mn-lt"/>
+              </a:rPr>
+              <a:t>, so requesting the user to authenticate may be laborious for them.</a:t>
+            </a:r>
+          </a:p>
+          <a:p>
+            <a:pPr marL="0" indent="0">
+              <a:buNone/>
+            </a:pPr>
+            <a:endParaRPr lang="en-US" sz="1800">
               <a:solidFill>
                 <a:srgbClr val="000000"/>
               </a:solidFill>
@@ -10654,10 +9896,10 @@
       </p:sp>
       <p:pic>
         <p:nvPicPr>
-          <p:cNvPr id="7" name="Picture 6">
-            <a:extLst>
-              <a:ext uri="{FF2B5EF4-FFF2-40B4-BE49-F238E27FC236}">
-                <a16:creationId xmlns:a16="http://schemas.microsoft.com/office/drawing/2014/main" id="{B9625CE9-FA93-425B-BC5B-D0F5B1193ECF}"/>
+          <p:cNvPr id="4" name="Picture 3">
+            <a:extLst>
+              <a:ext uri="{FF2B5EF4-FFF2-40B4-BE49-F238E27FC236}">
+                <a16:creationId xmlns:a16="http://schemas.microsoft.com/office/drawing/2014/main" id="{6E7A2603-34AA-4691-9B4D-5B1C6C914136}"/>
               </a:ext>
             </a:extLst>
           </p:cNvPr>
@@ -10667,21 +9909,15 @@
           <p:nvPr/>
         </p:nvPicPr>
         <p:blipFill>
-          <a:blip r:embed="rId2">
-            <a:extLst>
-              <a:ext uri="{28A0092B-C50C-407E-A947-70E740481C1C}">
-                <a14:useLocalDpi xmlns:a14="http://schemas.microsoft.com/office/drawing/2010/main" val="0"/>
-              </a:ext>
-            </a:extLst>
-          </a:blip>
+          <a:blip r:embed="rId2"/>
           <a:stretch>
             <a:fillRect/>
           </a:stretch>
         </p:blipFill>
         <p:spPr>
           <a:xfrm>
-            <a:off x="5444924" y="0"/>
-            <a:ext cx="6858000" cy="6858000"/>
+            <a:off x="6305660" y="725440"/>
+            <a:ext cx="4945524" cy="2787477"/>
           </a:xfrm>
           <a:prstGeom prst="rect">
             <a:avLst/>
@@ -10690,10 +9926,10 @@
       </p:pic>
       <p:pic>
         <p:nvPicPr>
-          <p:cNvPr id="11" name="Picture 10">
-            <a:extLst>
-              <a:ext uri="{FF2B5EF4-FFF2-40B4-BE49-F238E27FC236}">
-                <a16:creationId xmlns:a16="http://schemas.microsoft.com/office/drawing/2014/main" id="{F108622D-B985-4EC3-8CA7-E2DF2E0EBBA8}"/>
+          <p:cNvPr id="5" name="Picture 4">
+            <a:extLst>
+              <a:ext uri="{FF2B5EF4-FFF2-40B4-BE49-F238E27FC236}">
+                <a16:creationId xmlns:a16="http://schemas.microsoft.com/office/drawing/2014/main" id="{49AE797F-E60E-45DF-8168-E14F9994BA7D}"/>
               </a:ext>
             </a:extLst>
           </p:cNvPr>
@@ -10703,21 +9939,15 @@
           <p:nvPr/>
         </p:nvPicPr>
         <p:blipFill>
-          <a:blip r:embed="rId3">
-            <a:extLst>
-              <a:ext uri="{28A0092B-C50C-407E-A947-70E740481C1C}">
-                <a14:useLocalDpi xmlns:a14="http://schemas.microsoft.com/office/drawing/2010/main" val="0"/>
-              </a:ext>
-            </a:extLst>
-          </a:blip>
+          <a:blip r:embed="rId3"/>
           <a:stretch>
             <a:fillRect/>
           </a:stretch>
         </p:blipFill>
         <p:spPr>
           <a:xfrm>
-            <a:off x="7592772" y="1209037"/>
-            <a:ext cx="2546649" cy="4527375"/>
+            <a:off x="6305660" y="3764368"/>
+            <a:ext cx="4945524" cy="2594231"/>
           </a:xfrm>
           <a:prstGeom prst="rect">
             <a:avLst/>
@@ -10727,7 +9957,7 @@
     </p:spTree>
     <p:extLst>
       <p:ext uri="{BB962C8B-B14F-4D97-AF65-F5344CB8AC3E}">
-        <p14:creationId xmlns:p14="http://schemas.microsoft.com/office/powerpoint/2010/main" val="1398038657"/>
+        <p14:creationId xmlns:p14="http://schemas.microsoft.com/office/powerpoint/2010/main" val="889292684"/>
       </p:ext>
     </p:extLst>
   </p:cSld>
@@ -10783,18 +10013,18 @@
           <a:lstStyle/>
           <a:p>
             <a:r>
-              <a:rPr lang="en-US" dirty="0">
+              <a:rPr lang="en-US">
                 <a:solidFill>
                   <a:srgbClr val="000000"/>
                 </a:solidFill>
                 <a:ea typeface="+mj-lt"/>
                 <a:cs typeface="+mj-lt"/>
               </a:rPr>
-              <a:t>Personas</a:t>
-            </a:r>
-          </a:p>
-          <a:p>
-            <a:endParaRPr lang="en-US" dirty="0">
+              <a:t>The Solution</a:t>
+            </a:r>
+          </a:p>
+          <a:p>
+            <a:endParaRPr lang="en-US">
               <a:solidFill>
                 <a:srgbClr val="000000"/>
               </a:solidFill>
@@ -10835,189 +10065,199 @@
               <a:buNone/>
             </a:pPr>
             <a:r>
-              <a:rPr lang="en-US" sz="1800" dirty="0">
-                <a:solidFill>
-                  <a:srgbClr val="000000"/>
-                </a:solidFill>
-                <a:ea typeface="+mn-lt"/>
-                <a:cs typeface="+mn-lt"/>
-              </a:rPr>
-              <a:t>Kids between the </a:t>
-            </a:r>
-            <a:r>
-              <a:rPr lang="en-US" sz="1800" b="1" dirty="0">
-                <a:solidFill>
-                  <a:srgbClr val="000000"/>
-                </a:solidFill>
-                <a:ea typeface="+mn-lt"/>
-                <a:cs typeface="+mn-lt"/>
-              </a:rPr>
-              <a:t>ages of five and nine </a:t>
-            </a:r>
-            <a:r>
-              <a:rPr lang="en-US" sz="1800" dirty="0">
-                <a:solidFill>
-                  <a:srgbClr val="000000"/>
-                </a:solidFill>
-                <a:ea typeface="+mn-lt"/>
-                <a:cs typeface="+mn-lt"/>
-              </a:rPr>
-              <a:t>who still believe in Santa. Broad range of tech savviness, but </a:t>
-            </a:r>
-            <a:r>
-              <a:rPr lang="en-US" sz="1800" b="1" dirty="0">
-                <a:solidFill>
-                  <a:srgbClr val="000000"/>
-                </a:solidFill>
-                <a:ea typeface="+mn-lt"/>
-                <a:cs typeface="+mn-lt"/>
-              </a:rPr>
-              <a:t>largely proficient in using mobile apps</a:t>
-            </a:r>
-            <a:r>
-              <a:rPr lang="en-US" sz="1800" dirty="0">
-                <a:solidFill>
-                  <a:srgbClr val="000000"/>
-                </a:solidFill>
-                <a:ea typeface="+mn-lt"/>
-                <a:cs typeface="+mn-lt"/>
-              </a:rPr>
-              <a:t>. Roughly a 50/50 split between male and female.</a:t>
-            </a:r>
-          </a:p>
-          <a:p>
-            <a:pPr marL="0" indent="0">
-              <a:buNone/>
+              <a:rPr lang="en-US" sz="1800">
+                <a:solidFill>
+                  <a:srgbClr val="000000"/>
+                </a:solidFill>
+                <a:ea typeface="+mn-lt"/>
+                <a:cs typeface="+mn-lt"/>
+              </a:rPr>
+              <a:t>A </a:t>
+            </a:r>
+            <a:r>
+              <a:rPr lang="en-US" sz="1800">
+                <a:solidFill>
+                  <a:srgbClr val="C00000"/>
+                </a:solidFill>
+                <a:ea typeface="+mn-lt"/>
+                <a:cs typeface="+mn-lt"/>
+              </a:rPr>
+              <a:t>Santa Support </a:t>
+            </a:r>
+            <a:r>
+              <a:rPr lang="en-US" sz="1800">
+                <a:solidFill>
+                  <a:srgbClr val="000000"/>
+                </a:solidFill>
+                <a:ea typeface="+mn-lt"/>
+                <a:cs typeface="+mn-lt"/>
+              </a:rPr>
+              <a:t>app, integrated with Zendesk’s Support and Chat Mobile SDKs, that: </a:t>
+            </a:r>
+          </a:p>
+          <a:p>
+            <a:pPr marL="342900" indent="-342900">
+              <a:buAutoNum type="arabicPeriod"/>
             </a:pPr>
-            <a:endParaRPr lang="en-US" sz="1800" dirty="0">
-              <a:solidFill>
-                <a:srgbClr val="000000"/>
-              </a:solidFill>
+            <a:r>
+              <a:rPr lang="en-US" sz="1800">
+                <a:solidFill>
+                  <a:srgbClr val="000000"/>
+                </a:solidFill>
+                <a:ea typeface="+mn-lt"/>
+                <a:cs typeface="+mn-lt"/>
+              </a:rPr>
+              <a:t>Provides </a:t>
+            </a:r>
+            <a:r>
+              <a:rPr lang="en-US" sz="1800" b="1">
+                <a:solidFill>
+                  <a:srgbClr val="000000"/>
+                </a:solidFill>
+                <a:ea typeface="+mn-lt"/>
+                <a:cs typeface="+mn-lt"/>
+              </a:rPr>
+              <a:t>detailed answers</a:t>
+            </a:r>
+            <a:r>
+              <a:rPr lang="en-US" sz="1800">
+                <a:solidFill>
+                  <a:srgbClr val="000000"/>
+                </a:solidFill>
+                <a:ea typeface="+mn-lt"/>
+                <a:cs typeface="+mn-lt"/>
+              </a:rPr>
+              <a:t> in response to Frequently Asked Questions.</a:t>
+            </a:r>
+          </a:p>
+          <a:p>
+            <a:pPr marL="342900" indent="-342900">
+              <a:buAutoNum type="arabicPeriod"/>
+            </a:pPr>
+            <a:r>
+              <a:rPr lang="en-US" sz="1800">
+                <a:solidFill>
+                  <a:srgbClr val="000000"/>
+                </a:solidFill>
+                <a:ea typeface="+mn-lt"/>
+                <a:cs typeface="+mn-lt"/>
+              </a:rPr>
+              <a:t>Provides </a:t>
+            </a:r>
+            <a:r>
+              <a:rPr lang="en-US" sz="1800" b="1">
+                <a:solidFill>
+                  <a:srgbClr val="000000"/>
+                </a:solidFill>
+                <a:ea typeface="+mn-lt"/>
+                <a:cs typeface="+mn-lt"/>
+              </a:rPr>
+              <a:t>direct chat </a:t>
+            </a:r>
+            <a:r>
+              <a:rPr lang="en-US" sz="1800">
+                <a:solidFill>
+                  <a:srgbClr val="000000"/>
+                </a:solidFill>
+                <a:ea typeface="+mn-lt"/>
+                <a:cs typeface="+mn-lt"/>
+              </a:rPr>
+              <a:t>capability </a:t>
+            </a:r>
+            <a:endParaRPr lang="en-US"/>
+          </a:p>
+          <a:p>
+            <a:pPr marL="342900" indent="-342900">
+              <a:buAutoNum type="arabicPeriod"/>
+            </a:pPr>
+            <a:r>
+              <a:rPr lang="en-US" sz="1800">
+                <a:solidFill>
+                  <a:srgbClr val="000000"/>
+                </a:solidFill>
+                <a:ea typeface="+mn-lt"/>
+                <a:cs typeface="+mn-lt"/>
+              </a:rPr>
+              <a:t>Provides a direct path for the end-user to </a:t>
+            </a:r>
+            <a:r>
+              <a:rPr lang="en-US" sz="1800" b="1">
+                <a:solidFill>
+                  <a:srgbClr val="000000"/>
+                </a:solidFill>
+                <a:ea typeface="+mn-lt"/>
+                <a:cs typeface="+mn-lt"/>
+              </a:rPr>
+              <a:t>open customer service tickets </a:t>
+            </a:r>
+            <a:r>
+              <a:rPr lang="en-US" sz="1800">
+                <a:solidFill>
+                  <a:srgbClr val="000000"/>
+                </a:solidFill>
+                <a:ea typeface="+mn-lt"/>
+                <a:cs typeface="+mn-lt"/>
+              </a:rPr>
+              <a:t>in an efficient manner.</a:t>
+            </a:r>
+          </a:p>
+          <a:p>
+            <a:pPr marL="342900" indent="-342900">
+              <a:buAutoNum type="arabicPeriod"/>
+            </a:pPr>
+            <a:r>
+              <a:rPr lang="en-US" sz="1800" b="1">
+                <a:solidFill>
+                  <a:srgbClr val="000000"/>
+                </a:solidFill>
+                <a:cs typeface="Calibri"/>
+              </a:rPr>
+              <a:t>Automates the responses</a:t>
+            </a:r>
+            <a:r>
+              <a:rPr lang="en-US" sz="1800">
+                <a:solidFill>
+                  <a:srgbClr val="000000"/>
+                </a:solidFill>
+                <a:cs typeface="Calibri"/>
+              </a:rPr>
+              <a:t> to high frequency customer service requests, liberating the Elven workforce to re-focus on the job at hand.</a:t>
+            </a:r>
+            <a:endParaRPr lang="en-US" sz="1800">
               <a:ea typeface="+mn-lt"/>
               <a:cs typeface="+mn-lt"/>
             </a:endParaRPr>
           </a:p>
           <a:p>
-            <a:pPr marL="0" indent="0">
-              <a:buNone/>
+            <a:pPr marL="342900" indent="-342900">
+              <a:buAutoNum type="arabicPeriod"/>
             </a:pPr>
-            <a:r>
-              <a:rPr lang="en-US" sz="1800" dirty="0">
-                <a:solidFill>
-                  <a:srgbClr val="000000"/>
-                </a:solidFill>
-                <a:ea typeface="+mn-lt"/>
-                <a:cs typeface="+mn-lt"/>
-              </a:rPr>
-              <a:t>Their mental mindset is </a:t>
-            </a:r>
-            <a:r>
-              <a:rPr lang="en-US" sz="1800" b="1" dirty="0">
-                <a:solidFill>
-                  <a:srgbClr val="000000"/>
-                </a:solidFill>
-                <a:ea typeface="+mn-lt"/>
-                <a:cs typeface="+mn-lt"/>
-              </a:rPr>
-              <a:t>typically anxious </a:t>
-            </a:r>
-            <a:r>
-              <a:rPr lang="en-US" sz="1800" dirty="0">
-                <a:solidFill>
-                  <a:srgbClr val="000000"/>
-                </a:solidFill>
-                <a:ea typeface="+mn-lt"/>
-                <a:cs typeface="+mn-lt"/>
-              </a:rPr>
-              <a:t>in the run-up to Christmas with concerns regarding whether they’re going to receive their Christmas present being at the forefront of their minds.</a:t>
-            </a:r>
-          </a:p>
-          <a:p>
-            <a:pPr marL="0" indent="0">
-              <a:buNone/>
-            </a:pPr>
-            <a:endParaRPr lang="en-US" sz="1800" dirty="0">
-              <a:solidFill>
-                <a:srgbClr val="000000"/>
-              </a:solidFill>
-              <a:ea typeface="+mn-lt"/>
-              <a:cs typeface="+mn-lt"/>
-            </a:endParaRPr>
-          </a:p>
-          <a:p>
-            <a:pPr marL="0" indent="0">
-              <a:buNone/>
-            </a:pPr>
-            <a:r>
-              <a:rPr lang="en-US" sz="1800" dirty="0">
-                <a:solidFill>
-                  <a:srgbClr val="000000"/>
-                </a:solidFill>
-                <a:ea typeface="+mn-lt"/>
-                <a:cs typeface="+mn-lt"/>
-              </a:rPr>
-              <a:t>These users </a:t>
-            </a:r>
-            <a:r>
-              <a:rPr lang="en-US" sz="1800" b="1" dirty="0">
-                <a:solidFill>
-                  <a:srgbClr val="000000"/>
-                </a:solidFill>
-                <a:ea typeface="+mn-lt"/>
-                <a:cs typeface="+mn-lt"/>
-              </a:rPr>
-              <a:t>are likely to be using their parents’ device</a:t>
-            </a:r>
-            <a:r>
-              <a:rPr lang="en-US" sz="1800" dirty="0">
-                <a:solidFill>
-                  <a:srgbClr val="000000"/>
-                </a:solidFill>
-                <a:ea typeface="+mn-lt"/>
-                <a:cs typeface="+mn-lt"/>
-              </a:rPr>
-              <a:t>, so requesting the user to </a:t>
-            </a:r>
-            <a:r>
-              <a:rPr lang="en-US" sz="1800">
-                <a:solidFill>
-                  <a:srgbClr val="000000"/>
-                </a:solidFill>
-                <a:ea typeface="+mn-lt"/>
-                <a:cs typeface="+mn-lt"/>
-              </a:rPr>
-              <a:t>authenticate</a:t>
-            </a:r>
-            <a:r>
-              <a:rPr lang="en-US" sz="1800" dirty="0">
-                <a:solidFill>
-                  <a:srgbClr val="000000"/>
-                </a:solidFill>
-                <a:ea typeface="+mn-lt"/>
-                <a:cs typeface="+mn-lt"/>
-              </a:rPr>
-              <a:t> may be laborious for them.</a:t>
-            </a:r>
-          </a:p>
-          <a:p>
-            <a:pPr marL="0" indent="0">
-              <a:buNone/>
-            </a:pPr>
-            <a:endParaRPr lang="en-US" sz="1800" dirty="0">
+            <a:endParaRPr lang="en-US" sz="1800">
               <a:solidFill>
                 <a:srgbClr val="000000"/>
               </a:solidFill>
               <a:cs typeface="Calibri"/>
             </a:endParaRPr>
           </a:p>
+          <a:p>
+            <a:pPr marL="0" indent="0">
+              <a:buNone/>
+            </a:pPr>
+            <a:endParaRPr lang="en-US" sz="1800">
+              <a:solidFill>
+                <a:srgbClr val="000000"/>
+              </a:solidFill>
+              <a:cs typeface="Calibri"/>
+            </a:endParaRPr>
+          </a:p>
         </p:txBody>
       </p:sp>
       <p:pic>
         <p:nvPicPr>
-          <p:cNvPr id="4" name="Picture 3">
-            <a:extLst>
-              <a:ext uri="{FF2B5EF4-FFF2-40B4-BE49-F238E27FC236}">
-                <a16:creationId xmlns:a16="http://schemas.microsoft.com/office/drawing/2014/main" id="{6E7A2603-34AA-4691-9B4D-5B1C6C914136}"/>
+          <p:cNvPr id="7" name="Picture 6">
+            <a:extLst>
+              <a:ext uri="{FF2B5EF4-FFF2-40B4-BE49-F238E27FC236}">
+                <a16:creationId xmlns:a16="http://schemas.microsoft.com/office/drawing/2014/main" id="{B9625CE9-FA93-425B-BC5B-D0F5B1193ECF}"/>
               </a:ext>
             </a:extLst>
           </p:cNvPr>
@@ -11027,15 +10267,21 @@
           <p:nvPr/>
         </p:nvPicPr>
         <p:blipFill>
-          <a:blip r:embed="rId2"/>
+          <a:blip r:embed="rId2">
+            <a:extLst>
+              <a:ext uri="{28A0092B-C50C-407E-A947-70E740481C1C}">
+                <a14:useLocalDpi xmlns:a14="http://schemas.microsoft.com/office/drawing/2010/main" val="0"/>
+              </a:ext>
+            </a:extLst>
+          </a:blip>
           <a:stretch>
             <a:fillRect/>
           </a:stretch>
         </p:blipFill>
         <p:spPr>
           <a:xfrm>
-            <a:off x="6305660" y="725440"/>
-            <a:ext cx="4945524" cy="2787477"/>
+            <a:off x="5444924" y="0"/>
+            <a:ext cx="6858000" cy="6858000"/>
           </a:xfrm>
           <a:prstGeom prst="rect">
             <a:avLst/>
@@ -11044,10 +10290,10 @@
       </p:pic>
       <p:pic>
         <p:nvPicPr>
-          <p:cNvPr id="5" name="Picture 4">
-            <a:extLst>
-              <a:ext uri="{FF2B5EF4-FFF2-40B4-BE49-F238E27FC236}">
-                <a16:creationId xmlns:a16="http://schemas.microsoft.com/office/drawing/2014/main" id="{49AE797F-E60E-45DF-8168-E14F9994BA7D}"/>
+          <p:cNvPr id="11" name="Picture 10">
+            <a:extLst>
+              <a:ext uri="{FF2B5EF4-FFF2-40B4-BE49-F238E27FC236}">
+                <a16:creationId xmlns:a16="http://schemas.microsoft.com/office/drawing/2014/main" id="{F108622D-B985-4EC3-8CA7-E2DF2E0EBBA8}"/>
               </a:ext>
             </a:extLst>
           </p:cNvPr>
@@ -11057,15 +10303,21 @@
           <p:nvPr/>
         </p:nvPicPr>
         <p:blipFill>
-          <a:blip r:embed="rId3"/>
+          <a:blip r:embed="rId3">
+            <a:extLst>
+              <a:ext uri="{28A0092B-C50C-407E-A947-70E740481C1C}">
+                <a14:useLocalDpi xmlns:a14="http://schemas.microsoft.com/office/drawing/2010/main" val="0"/>
+              </a:ext>
+            </a:extLst>
+          </a:blip>
           <a:stretch>
             <a:fillRect/>
           </a:stretch>
         </p:blipFill>
         <p:spPr>
           <a:xfrm>
-            <a:off x="6305660" y="3764368"/>
-            <a:ext cx="4945524" cy="2594231"/>
+            <a:off x="7592772" y="1209037"/>
+            <a:ext cx="2546649" cy="4527375"/>
           </a:xfrm>
           <a:prstGeom prst="rect">
             <a:avLst/>
@@ -11075,7 +10327,7 @@
     </p:spTree>
     <p:extLst>
       <p:ext uri="{BB962C8B-B14F-4D97-AF65-F5344CB8AC3E}">
-        <p14:creationId xmlns:p14="http://schemas.microsoft.com/office/powerpoint/2010/main" val="889292684"/>
+        <p14:creationId xmlns:p14="http://schemas.microsoft.com/office/powerpoint/2010/main" val="1398038657"/>
       </p:ext>
     </p:extLst>
   </p:cSld>
